--- a/for-posdealers/presentation/tech/media/posdealer-tech-rollout.pptx
+++ b/for-posdealers/presentation/tech/media/posdealer-tech-rollout.pptx
@@ -4052,7 +4052,7 @@
           <a:p>
             <a:fld id="{E52F4C69-7549-4A71-BB0C-341D25F594E8}" type="datetime1">
               <a:rPr lang="de-AT" smtClean="0"/>
-              <a:t>08.09.20</a:t>
+              <a:t>09.09.20</a:t>
             </a:fld>
             <a:endParaRPr lang="de-AT"/>
           </a:p>
@@ -4455,7 +4455,7 @@
           <a:p>
             <a:fld id="{E52F4C69-7549-4A71-BB0C-341D25F594E8}" type="datetime1">
               <a:rPr lang="de-AT" smtClean="0"/>
-              <a:t>08.09.20</a:t>
+              <a:t>09.09.20</a:t>
             </a:fld>
             <a:endParaRPr lang="de-AT"/>
           </a:p>
@@ -4541,6 +4541,63 @@
           <a:bodyPr/>
           <a:lstStyle/>
           <a:p>
+            <a:r>
+              <a:rPr lang="de-DE" dirty="0"/>
+              <a:t>Vorführung Anhand:</a:t>
+            </a:r>
+          </a:p>
+          <a:p>
+            <a:r>
+              <a:rPr lang="de-DE" dirty="0"/>
+              <a:t>https://</a:t>
+            </a:r>
+            <a:r>
+              <a:rPr lang="de-DE" dirty="0" err="1"/>
+              <a:t>docs.fiskaltrust.cloud</a:t>
+            </a:r>
+            <a:r>
+              <a:rPr lang="de-DE" dirty="0"/>
+              <a:t>/</a:t>
+            </a:r>
+            <a:r>
+              <a:rPr lang="de-DE" dirty="0" err="1"/>
+              <a:t>doc</a:t>
+            </a:r>
+            <a:r>
+              <a:rPr lang="de-DE" dirty="0"/>
+              <a:t>/</a:t>
+            </a:r>
+            <a:r>
+              <a:rPr lang="de-DE" dirty="0" err="1"/>
+              <a:t>productdescription</a:t>
+            </a:r>
+            <a:r>
+              <a:rPr lang="de-DE" dirty="0"/>
+              <a:t>-de-</a:t>
+            </a:r>
+            <a:r>
+              <a:rPr lang="de-DE" dirty="0" err="1"/>
+              <a:t>doc</a:t>
+            </a:r>
+            <a:r>
+              <a:rPr lang="de-DE" dirty="0"/>
+              <a:t>/</a:t>
+            </a:r>
+            <a:r>
+              <a:rPr lang="de-DE" dirty="0" err="1"/>
+              <a:t>for-posdealers</a:t>
+            </a:r>
+            <a:r>
+              <a:rPr lang="de-DE" dirty="0"/>
+              <a:t>/02-pre-sales/automatisierter-</a:t>
+            </a:r>
+            <a:r>
+              <a:rPr lang="de-DE" dirty="0" err="1"/>
+              <a:t>rollout.html</a:t>
+            </a:r>
+            <a:endParaRPr lang="de-DE" dirty="0"/>
+          </a:p>
+          <a:p>
             <a:endParaRPr lang="de-DE" dirty="0"/>
           </a:p>
         </p:txBody>
@@ -4585,7 +4642,7 @@
           <a:p>
             <a:fld id="{E52F4C69-7549-4A71-BB0C-341D25F594E8}" type="datetime1">
               <a:rPr lang="de-AT" smtClean="0"/>
-              <a:t>08.09.20</a:t>
+              <a:t>09.09.20</a:t>
             </a:fld>
             <a:endParaRPr lang="de-AT"/>
           </a:p>
@@ -4671,6 +4728,63 @@
           <a:bodyPr/>
           <a:lstStyle/>
           <a:p>
+            <a:r>
+              <a:rPr lang="de-DE" dirty="0"/>
+              <a:t>Vorführung Anhand Portal +</a:t>
+            </a:r>
+          </a:p>
+          <a:p>
+            <a:r>
+              <a:rPr lang="de-DE" dirty="0"/>
+              <a:t>https://</a:t>
+            </a:r>
+            <a:r>
+              <a:rPr lang="de-DE" dirty="0" err="1"/>
+              <a:t>docs.fiskaltrust.cloud</a:t>
+            </a:r>
+            <a:r>
+              <a:rPr lang="de-DE" dirty="0"/>
+              <a:t>/</a:t>
+            </a:r>
+            <a:r>
+              <a:rPr lang="de-DE" dirty="0" err="1"/>
+              <a:t>doc</a:t>
+            </a:r>
+            <a:r>
+              <a:rPr lang="de-DE" dirty="0"/>
+              <a:t>/</a:t>
+            </a:r>
+            <a:r>
+              <a:rPr lang="de-DE" dirty="0" err="1"/>
+              <a:t>productdescription</a:t>
+            </a:r>
+            <a:r>
+              <a:rPr lang="de-DE" dirty="0"/>
+              <a:t>-de-</a:t>
+            </a:r>
+            <a:r>
+              <a:rPr lang="de-DE" dirty="0" err="1"/>
+              <a:t>doc</a:t>
+            </a:r>
+            <a:r>
+              <a:rPr lang="de-DE" dirty="0"/>
+              <a:t>/</a:t>
+            </a:r>
+            <a:r>
+              <a:rPr lang="de-DE" dirty="0" err="1"/>
+              <a:t>for-posdealers</a:t>
+            </a:r>
+            <a:r>
+              <a:rPr lang="de-DE" dirty="0"/>
+              <a:t>/02-pre-sales/automatisierter-</a:t>
+            </a:r>
+            <a:r>
+              <a:rPr lang="de-DE" dirty="0" err="1"/>
+              <a:t>rollout.html</a:t>
+            </a:r>
+            <a:endParaRPr lang="de-DE" dirty="0"/>
+          </a:p>
+          <a:p>
             <a:endParaRPr lang="de-DE" dirty="0"/>
           </a:p>
         </p:txBody>
@@ -4715,7 +4829,7 @@
           <a:p>
             <a:fld id="{E52F4C69-7549-4A71-BB0C-341D25F594E8}" type="datetime1">
               <a:rPr lang="de-AT" smtClean="0"/>
-              <a:t>08.09.20</a:t>
+              <a:t>09.09.20</a:t>
             </a:fld>
             <a:endParaRPr lang="de-AT"/>
           </a:p>
@@ -4738,7 +4852,7 @@
           <a:p>
             <a:fld id="{37D9B929-EEB3-453F-899C-B5737EAC3251}" type="slidenum">
               <a:rPr lang="de-AT" smtClean="0"/>
-              <a:t>15</a:t>
+              <a:t>12</a:t>
             </a:fld>
             <a:endParaRPr lang="de-AT"/>
           </a:p>
@@ -4747,7 +4861,7 @@
     </p:spTree>
     <p:extLst>
       <p:ext uri="{BB962C8B-B14F-4D97-AF65-F5344CB8AC3E}">
-        <p14:creationId xmlns:p14="http://schemas.microsoft.com/office/powerpoint/2010/main" val="1458951094"/>
+        <p14:creationId xmlns:p14="http://schemas.microsoft.com/office/powerpoint/2010/main" val="1986252184"/>
       </p:ext>
     </p:extLst>
   </p:cSld>
@@ -4801,6 +4915,63 @@
           <a:bodyPr/>
           <a:lstStyle/>
           <a:p>
+            <a:r>
+              <a:rPr lang="de-DE" dirty="0"/>
+              <a:t>Vorführung Anhand Portal +</a:t>
+            </a:r>
+          </a:p>
+          <a:p>
+            <a:r>
+              <a:rPr lang="de-DE" dirty="0"/>
+              <a:t>https://</a:t>
+            </a:r>
+            <a:r>
+              <a:rPr lang="de-DE" dirty="0" err="1"/>
+              <a:t>docs.fiskaltrust.cloud</a:t>
+            </a:r>
+            <a:r>
+              <a:rPr lang="de-DE" dirty="0"/>
+              <a:t>/</a:t>
+            </a:r>
+            <a:r>
+              <a:rPr lang="de-DE" dirty="0" err="1"/>
+              <a:t>doc</a:t>
+            </a:r>
+            <a:r>
+              <a:rPr lang="de-DE" dirty="0"/>
+              <a:t>/</a:t>
+            </a:r>
+            <a:r>
+              <a:rPr lang="de-DE" dirty="0" err="1"/>
+              <a:t>productdescription</a:t>
+            </a:r>
+            <a:r>
+              <a:rPr lang="de-DE" dirty="0"/>
+              <a:t>-de-</a:t>
+            </a:r>
+            <a:r>
+              <a:rPr lang="de-DE" dirty="0" err="1"/>
+              <a:t>doc</a:t>
+            </a:r>
+            <a:r>
+              <a:rPr lang="de-DE" dirty="0"/>
+              <a:t>/</a:t>
+            </a:r>
+            <a:r>
+              <a:rPr lang="de-DE" dirty="0" err="1"/>
+              <a:t>for-posdealers</a:t>
+            </a:r>
+            <a:r>
+              <a:rPr lang="de-DE" dirty="0"/>
+              <a:t>/02-pre-sales/automatisierter-</a:t>
+            </a:r>
+            <a:r>
+              <a:rPr lang="de-DE" dirty="0" err="1"/>
+              <a:t>rollout.html</a:t>
+            </a:r>
+            <a:endParaRPr lang="de-DE" dirty="0"/>
+          </a:p>
+          <a:p>
             <a:endParaRPr lang="de-DE" dirty="0"/>
           </a:p>
         </p:txBody>
@@ -4845,7 +5016,7 @@
           <a:p>
             <a:fld id="{E52F4C69-7549-4A71-BB0C-341D25F594E8}" type="datetime1">
               <a:rPr lang="de-AT" smtClean="0"/>
-              <a:t>08.09.20</a:t>
+              <a:t>09.09.20</a:t>
             </a:fld>
             <a:endParaRPr lang="de-AT"/>
           </a:p>
@@ -4868,7 +5039,7 @@
           <a:p>
             <a:fld id="{37D9B929-EEB3-453F-899C-B5737EAC3251}" type="slidenum">
               <a:rPr lang="de-AT" smtClean="0"/>
-              <a:t>17</a:t>
+              <a:t>13</a:t>
             </a:fld>
             <a:endParaRPr lang="de-AT"/>
           </a:p>
@@ -4877,7 +5048,7 @@
     </p:spTree>
     <p:extLst>
       <p:ext uri="{BB962C8B-B14F-4D97-AF65-F5344CB8AC3E}">
-        <p14:creationId xmlns:p14="http://schemas.microsoft.com/office/powerpoint/2010/main" val="385413735"/>
+        <p14:creationId xmlns:p14="http://schemas.microsoft.com/office/powerpoint/2010/main" val="1339702047"/>
       </p:ext>
     </p:extLst>
   </p:cSld>
@@ -4931,6 +5102,63 @@
           <a:bodyPr/>
           <a:lstStyle/>
           <a:p>
+            <a:r>
+              <a:rPr lang="de-DE" dirty="0"/>
+              <a:t>Vorführung Anhand:</a:t>
+            </a:r>
+          </a:p>
+          <a:p>
+            <a:r>
+              <a:rPr lang="de-DE" dirty="0"/>
+              <a:t>https://</a:t>
+            </a:r>
+            <a:r>
+              <a:rPr lang="de-DE" dirty="0" err="1"/>
+              <a:t>docs.fiskaltrust.cloud</a:t>
+            </a:r>
+            <a:r>
+              <a:rPr lang="de-DE" dirty="0"/>
+              <a:t>/</a:t>
+            </a:r>
+            <a:r>
+              <a:rPr lang="de-DE" dirty="0" err="1"/>
+              <a:t>doc</a:t>
+            </a:r>
+            <a:r>
+              <a:rPr lang="de-DE" dirty="0"/>
+              <a:t>/</a:t>
+            </a:r>
+            <a:r>
+              <a:rPr lang="de-DE" dirty="0" err="1"/>
+              <a:t>productdescription</a:t>
+            </a:r>
+            <a:r>
+              <a:rPr lang="de-DE" dirty="0"/>
+              <a:t>-de-</a:t>
+            </a:r>
+            <a:r>
+              <a:rPr lang="de-DE" dirty="0" err="1"/>
+              <a:t>doc</a:t>
+            </a:r>
+            <a:r>
+              <a:rPr lang="de-DE" dirty="0"/>
+              <a:t>/</a:t>
+            </a:r>
+            <a:r>
+              <a:rPr lang="de-DE" dirty="0" err="1"/>
+              <a:t>for-posdealers</a:t>
+            </a:r>
+            <a:r>
+              <a:rPr lang="de-DE" dirty="0"/>
+              <a:t>/02-pre-sales/automatisierter-</a:t>
+            </a:r>
+            <a:r>
+              <a:rPr lang="de-DE" dirty="0" err="1"/>
+              <a:t>rollout.html</a:t>
+            </a:r>
+            <a:endParaRPr lang="de-DE" dirty="0"/>
+          </a:p>
+          <a:p>
             <a:endParaRPr lang="de-DE" dirty="0"/>
           </a:p>
         </p:txBody>
@@ -4975,7 +5203,7 @@
           <a:p>
             <a:fld id="{E52F4C69-7549-4A71-BB0C-341D25F594E8}" type="datetime1">
               <a:rPr lang="de-AT" smtClean="0"/>
-              <a:t>08.09.20</a:t>
+              <a:t>09.09.20</a:t>
             </a:fld>
             <a:endParaRPr lang="de-AT"/>
           </a:p>
@@ -4998,7 +5226,7 @@
           <a:p>
             <a:fld id="{37D9B929-EEB3-453F-899C-B5737EAC3251}" type="slidenum">
               <a:rPr lang="de-AT" smtClean="0"/>
-              <a:t>18</a:t>
+              <a:t>14</a:t>
             </a:fld>
             <a:endParaRPr lang="de-AT"/>
           </a:p>
@@ -5007,7 +5235,7 @@
     </p:spTree>
     <p:extLst>
       <p:ext uri="{BB962C8B-B14F-4D97-AF65-F5344CB8AC3E}">
-        <p14:creationId xmlns:p14="http://schemas.microsoft.com/office/powerpoint/2010/main" val="988095609"/>
+        <p14:creationId xmlns:p14="http://schemas.microsoft.com/office/powerpoint/2010/main" val="823278608"/>
       </p:ext>
     </p:extLst>
   </p:cSld>
@@ -5063,6 +5291,12 @@
           <a:p>
             <a:r>
               <a:rPr lang="de-DE" dirty="0"/>
+              <a:t>Vorführung Anhand:</a:t>
+            </a:r>
+          </a:p>
+          <a:p>
+            <a:r>
+              <a:rPr lang="de-DE" dirty="0"/>
               <a:t>https://</a:t>
             </a:r>
             <a:r>
@@ -5103,12 +5337,15 @@
             </a:r>
             <a:r>
               <a:rPr lang="de-DE" dirty="0"/>
-              <a:t>/02-pre-sales/rollout-</a:t>
+              <a:t>/02-pre-sales/automatisierter-</a:t>
             </a:r>
             <a:r>
               <a:rPr lang="de-DE" dirty="0" err="1"/>
-              <a:t>scenarios.html</a:t>
-            </a:r>
+              <a:t>rollout.html</a:t>
+            </a:r>
+            <a:endParaRPr lang="de-DE" dirty="0"/>
+          </a:p>
+          <a:p>
             <a:endParaRPr lang="de-DE" dirty="0"/>
           </a:p>
         </p:txBody>
@@ -5153,7 +5390,7 @@
           <a:p>
             <a:fld id="{E52F4C69-7549-4A71-BB0C-341D25F594E8}" type="datetime1">
               <a:rPr lang="de-AT" smtClean="0"/>
-              <a:t>08.09.20</a:t>
+              <a:t>09.09.20</a:t>
             </a:fld>
             <a:endParaRPr lang="de-AT"/>
           </a:p>
@@ -5176,7 +5413,7 @@
           <a:p>
             <a:fld id="{37D9B929-EEB3-453F-899C-B5737EAC3251}" type="slidenum">
               <a:rPr lang="de-AT" smtClean="0"/>
-              <a:t>21</a:t>
+              <a:t>15</a:t>
             </a:fld>
             <a:endParaRPr lang="de-AT"/>
           </a:p>
@@ -5185,7 +5422,7 @@
     </p:spTree>
     <p:extLst>
       <p:ext uri="{BB962C8B-B14F-4D97-AF65-F5344CB8AC3E}">
-        <p14:creationId xmlns:p14="http://schemas.microsoft.com/office/powerpoint/2010/main" val="307574156"/>
+        <p14:creationId xmlns:p14="http://schemas.microsoft.com/office/powerpoint/2010/main" val="1458951094"/>
       </p:ext>
     </p:extLst>
   </p:cSld>
@@ -5239,6 +5476,63 @@
           <a:bodyPr/>
           <a:lstStyle/>
           <a:p>
+            <a:r>
+              <a:rPr lang="de-DE" dirty="0"/>
+              <a:t>Vorführung Anhand:</a:t>
+            </a:r>
+          </a:p>
+          <a:p>
+            <a:r>
+              <a:rPr lang="de-DE" dirty="0"/>
+              <a:t>https://</a:t>
+            </a:r>
+            <a:r>
+              <a:rPr lang="de-DE" dirty="0" err="1"/>
+              <a:t>docs.fiskaltrust.cloud</a:t>
+            </a:r>
+            <a:r>
+              <a:rPr lang="de-DE" dirty="0"/>
+              <a:t>/</a:t>
+            </a:r>
+            <a:r>
+              <a:rPr lang="de-DE" dirty="0" err="1"/>
+              <a:t>doc</a:t>
+            </a:r>
+            <a:r>
+              <a:rPr lang="de-DE" dirty="0"/>
+              <a:t>/</a:t>
+            </a:r>
+            <a:r>
+              <a:rPr lang="de-DE" dirty="0" err="1"/>
+              <a:t>productdescription</a:t>
+            </a:r>
+            <a:r>
+              <a:rPr lang="de-DE" dirty="0"/>
+              <a:t>-de-</a:t>
+            </a:r>
+            <a:r>
+              <a:rPr lang="de-DE" dirty="0" err="1"/>
+              <a:t>doc</a:t>
+            </a:r>
+            <a:r>
+              <a:rPr lang="de-DE" dirty="0"/>
+              <a:t>/</a:t>
+            </a:r>
+            <a:r>
+              <a:rPr lang="de-DE" dirty="0" err="1"/>
+              <a:t>for-posdealers</a:t>
+            </a:r>
+            <a:r>
+              <a:rPr lang="de-DE" dirty="0"/>
+              <a:t>/02-pre-sales/automatisierter-</a:t>
+            </a:r>
+            <a:r>
+              <a:rPr lang="de-DE" dirty="0" err="1"/>
+              <a:t>rollout.html</a:t>
+            </a:r>
+            <a:endParaRPr lang="de-DE" dirty="0"/>
+          </a:p>
+          <a:p>
             <a:endParaRPr lang="de-DE" dirty="0"/>
           </a:p>
         </p:txBody>
@@ -5283,7 +5577,7 @@
           <a:p>
             <a:fld id="{E52F4C69-7549-4A71-BB0C-341D25F594E8}" type="datetime1">
               <a:rPr lang="de-AT" smtClean="0"/>
-              <a:t>08.09.20</a:t>
+              <a:t>09.09.20</a:t>
             </a:fld>
             <a:endParaRPr lang="de-AT"/>
           </a:p>
@@ -5306,7 +5600,7 @@
           <a:p>
             <a:fld id="{37D9B929-EEB3-453F-899C-B5737EAC3251}" type="slidenum">
               <a:rPr lang="de-AT" smtClean="0"/>
-              <a:t>22</a:t>
+              <a:t>16</a:t>
             </a:fld>
             <a:endParaRPr lang="de-AT"/>
           </a:p>
@@ -5315,7 +5609,755 @@
     </p:spTree>
     <p:extLst>
       <p:ext uri="{BB962C8B-B14F-4D97-AF65-F5344CB8AC3E}">
-        <p14:creationId xmlns:p14="http://schemas.microsoft.com/office/powerpoint/2010/main" val="899144978"/>
+        <p14:creationId xmlns:p14="http://schemas.microsoft.com/office/powerpoint/2010/main" val="4097642693"/>
+      </p:ext>
+    </p:extLst>
+  </p:cSld>
+  <p:clrMapOvr>
+    <a:masterClrMapping/>
+  </p:clrMapOvr>
+</p:notes>
+</file>
+
+<file path=ppt/notesSlides/notesSlide16.xml><?xml version="1.0" encoding="utf-8"?>
+<p:notes xmlns:a="http://schemas.openxmlformats.org/drawingml/2006/main" xmlns:r="http://schemas.openxmlformats.org/officeDocument/2006/relationships" xmlns:p="http://schemas.openxmlformats.org/presentationml/2006/main">
+  <p:cSld>
+    <p:spTree>
+      <p:nvGrpSpPr>
+        <p:cNvPr id="1" name=""/>
+        <p:cNvGrpSpPr/>
+        <p:nvPr/>
+      </p:nvGrpSpPr>
+      <p:grpSpPr>
+        <a:xfrm>
+          <a:off x="0" y="0"/>
+          <a:ext cx="0" cy="0"/>
+          <a:chOff x="0" y="0"/>
+          <a:chExt cx="0" cy="0"/>
+        </a:xfrm>
+      </p:grpSpPr>
+      <p:sp>
+        <p:nvSpPr>
+          <p:cNvPr id="2" name="Slide Image Placeholder 1"/>
+          <p:cNvSpPr>
+            <a:spLocks noGrp="1" noRot="1" noChangeAspect="1"/>
+          </p:cNvSpPr>
+          <p:nvPr>
+            <p:ph type="sldImg"/>
+          </p:nvPr>
+        </p:nvSpPr>
+        <p:spPr/>
+      </p:sp>
+      <p:sp>
+        <p:nvSpPr>
+          <p:cNvPr id="3" name="Notes Placeholder 2"/>
+          <p:cNvSpPr>
+            <a:spLocks noGrp="1"/>
+          </p:cNvSpPr>
+          <p:nvPr>
+            <p:ph type="body" idx="1"/>
+          </p:nvPr>
+        </p:nvSpPr>
+        <p:spPr/>
+        <p:txBody>
+          <a:bodyPr/>
+          <a:lstStyle/>
+          <a:p>
+            <a:r>
+              <a:rPr lang="de-DE" dirty="0"/>
+              <a:t>Vorführung Anhand:</a:t>
+            </a:r>
+          </a:p>
+          <a:p>
+            <a:r>
+              <a:rPr lang="de-DE" dirty="0"/>
+              <a:t>https://</a:t>
+            </a:r>
+            <a:r>
+              <a:rPr lang="de-DE" dirty="0" err="1"/>
+              <a:t>docs.fiskaltrust.cloud</a:t>
+            </a:r>
+            <a:r>
+              <a:rPr lang="de-DE" dirty="0"/>
+              <a:t>/</a:t>
+            </a:r>
+            <a:r>
+              <a:rPr lang="de-DE" dirty="0" err="1"/>
+              <a:t>doc</a:t>
+            </a:r>
+            <a:r>
+              <a:rPr lang="de-DE" dirty="0"/>
+              <a:t>/</a:t>
+            </a:r>
+            <a:r>
+              <a:rPr lang="de-DE" dirty="0" err="1"/>
+              <a:t>productdescription</a:t>
+            </a:r>
+            <a:r>
+              <a:rPr lang="de-DE" dirty="0"/>
+              <a:t>-de-</a:t>
+            </a:r>
+            <a:r>
+              <a:rPr lang="de-DE" dirty="0" err="1"/>
+              <a:t>doc</a:t>
+            </a:r>
+            <a:r>
+              <a:rPr lang="de-DE" dirty="0"/>
+              <a:t>/</a:t>
+            </a:r>
+            <a:r>
+              <a:rPr lang="de-DE" dirty="0" err="1"/>
+              <a:t>for-posdealers</a:t>
+            </a:r>
+            <a:r>
+              <a:rPr lang="de-DE" dirty="0"/>
+              <a:t>/02-pre-sales/automatisierter-</a:t>
+            </a:r>
+            <a:r>
+              <a:rPr lang="de-DE" dirty="0" err="1"/>
+              <a:t>rollout.html</a:t>
+            </a:r>
+            <a:endParaRPr lang="de-DE" dirty="0"/>
+          </a:p>
+          <a:p>
+            <a:endParaRPr lang="de-DE" dirty="0"/>
+          </a:p>
+        </p:txBody>
+      </p:sp>
+      <p:sp>
+        <p:nvSpPr>
+          <p:cNvPr id="4" name="Header Placeholder 3"/>
+          <p:cNvSpPr>
+            <a:spLocks noGrp="1"/>
+          </p:cNvSpPr>
+          <p:nvPr>
+            <p:ph type="hdr" sz="quarter"/>
+          </p:nvPr>
+        </p:nvSpPr>
+        <p:spPr/>
+        <p:txBody>
+          <a:bodyPr/>
+          <a:lstStyle/>
+          <a:p>
+            <a:r>
+              <a:rPr lang="de-AT"/>
+              <a:t>fiskaltrust. consulting gmbh - confidential</a:t>
+            </a:r>
+            <a:endParaRPr lang="de-AT" dirty="0"/>
+          </a:p>
+        </p:txBody>
+      </p:sp>
+      <p:sp>
+        <p:nvSpPr>
+          <p:cNvPr id="5" name="Date Placeholder 4"/>
+          <p:cNvSpPr>
+            <a:spLocks noGrp="1"/>
+          </p:cNvSpPr>
+          <p:nvPr>
+            <p:ph type="dt" idx="1"/>
+          </p:nvPr>
+        </p:nvSpPr>
+        <p:spPr/>
+        <p:txBody>
+          <a:bodyPr/>
+          <a:lstStyle/>
+          <a:p>
+            <a:fld id="{E52F4C69-7549-4A71-BB0C-341D25F594E8}" type="datetime1">
+              <a:rPr lang="de-AT" smtClean="0"/>
+              <a:t>09.09.20</a:t>
+            </a:fld>
+            <a:endParaRPr lang="de-AT"/>
+          </a:p>
+        </p:txBody>
+      </p:sp>
+      <p:sp>
+        <p:nvSpPr>
+          <p:cNvPr id="6" name="Slide Number Placeholder 5"/>
+          <p:cNvSpPr>
+            <a:spLocks noGrp="1"/>
+          </p:cNvSpPr>
+          <p:nvPr>
+            <p:ph type="sldNum" sz="quarter" idx="5"/>
+          </p:nvPr>
+        </p:nvSpPr>
+        <p:spPr/>
+        <p:txBody>
+          <a:bodyPr/>
+          <a:lstStyle/>
+          <a:p>
+            <a:fld id="{37D9B929-EEB3-453F-899C-B5737EAC3251}" type="slidenum">
+              <a:rPr lang="de-AT" smtClean="0"/>
+              <a:t>17</a:t>
+            </a:fld>
+            <a:endParaRPr lang="de-AT"/>
+          </a:p>
+        </p:txBody>
+      </p:sp>
+    </p:spTree>
+    <p:extLst>
+      <p:ext uri="{BB962C8B-B14F-4D97-AF65-F5344CB8AC3E}">
+        <p14:creationId xmlns:p14="http://schemas.microsoft.com/office/powerpoint/2010/main" val="385413735"/>
+      </p:ext>
+    </p:extLst>
+  </p:cSld>
+  <p:clrMapOvr>
+    <a:masterClrMapping/>
+  </p:clrMapOvr>
+</p:notes>
+</file>
+
+<file path=ppt/notesSlides/notesSlide17.xml><?xml version="1.0" encoding="utf-8"?>
+<p:notes xmlns:a="http://schemas.openxmlformats.org/drawingml/2006/main" xmlns:r="http://schemas.openxmlformats.org/officeDocument/2006/relationships" xmlns:p="http://schemas.openxmlformats.org/presentationml/2006/main">
+  <p:cSld>
+    <p:spTree>
+      <p:nvGrpSpPr>
+        <p:cNvPr id="1" name=""/>
+        <p:cNvGrpSpPr/>
+        <p:nvPr/>
+      </p:nvGrpSpPr>
+      <p:grpSpPr>
+        <a:xfrm>
+          <a:off x="0" y="0"/>
+          <a:ext cx="0" cy="0"/>
+          <a:chOff x="0" y="0"/>
+          <a:chExt cx="0" cy="0"/>
+        </a:xfrm>
+      </p:grpSpPr>
+      <p:sp>
+        <p:nvSpPr>
+          <p:cNvPr id="2" name="Slide Image Placeholder 1"/>
+          <p:cNvSpPr>
+            <a:spLocks noGrp="1" noRot="1" noChangeAspect="1"/>
+          </p:cNvSpPr>
+          <p:nvPr>
+            <p:ph type="sldImg"/>
+          </p:nvPr>
+        </p:nvSpPr>
+        <p:spPr/>
+      </p:sp>
+      <p:sp>
+        <p:nvSpPr>
+          <p:cNvPr id="3" name="Notes Placeholder 2"/>
+          <p:cNvSpPr>
+            <a:spLocks noGrp="1"/>
+          </p:cNvSpPr>
+          <p:nvPr>
+            <p:ph type="body" idx="1"/>
+          </p:nvPr>
+        </p:nvSpPr>
+        <p:spPr/>
+        <p:txBody>
+          <a:bodyPr/>
+          <a:lstStyle/>
+          <a:p>
+            <a:r>
+              <a:rPr lang="de-DE" dirty="0"/>
+              <a:t>Vorführung Anhand:</a:t>
+            </a:r>
+          </a:p>
+          <a:p>
+            <a:r>
+              <a:rPr lang="de-DE" dirty="0"/>
+              <a:t>https://</a:t>
+            </a:r>
+            <a:r>
+              <a:rPr lang="de-DE" dirty="0" err="1"/>
+              <a:t>docs.fiskaltrust.cloud</a:t>
+            </a:r>
+            <a:r>
+              <a:rPr lang="de-DE" dirty="0"/>
+              <a:t>/</a:t>
+            </a:r>
+            <a:r>
+              <a:rPr lang="de-DE" dirty="0" err="1"/>
+              <a:t>doc</a:t>
+            </a:r>
+            <a:r>
+              <a:rPr lang="de-DE" dirty="0"/>
+              <a:t>/</a:t>
+            </a:r>
+            <a:r>
+              <a:rPr lang="de-DE" dirty="0" err="1"/>
+              <a:t>productdescription</a:t>
+            </a:r>
+            <a:r>
+              <a:rPr lang="de-DE" dirty="0"/>
+              <a:t>-de-</a:t>
+            </a:r>
+            <a:r>
+              <a:rPr lang="de-DE" dirty="0" err="1"/>
+              <a:t>doc</a:t>
+            </a:r>
+            <a:r>
+              <a:rPr lang="de-DE" dirty="0"/>
+              <a:t>/</a:t>
+            </a:r>
+            <a:r>
+              <a:rPr lang="de-DE" dirty="0" err="1"/>
+              <a:t>for-posdealers</a:t>
+            </a:r>
+            <a:r>
+              <a:rPr lang="de-DE" dirty="0"/>
+              <a:t>/02-pre-sales/automatisierter-</a:t>
+            </a:r>
+            <a:r>
+              <a:rPr lang="de-DE" dirty="0" err="1"/>
+              <a:t>rollout.html</a:t>
+            </a:r>
+            <a:endParaRPr lang="de-DE" dirty="0"/>
+          </a:p>
+          <a:p>
+            <a:endParaRPr lang="de-DE" dirty="0"/>
+          </a:p>
+        </p:txBody>
+      </p:sp>
+      <p:sp>
+        <p:nvSpPr>
+          <p:cNvPr id="4" name="Header Placeholder 3"/>
+          <p:cNvSpPr>
+            <a:spLocks noGrp="1"/>
+          </p:cNvSpPr>
+          <p:nvPr>
+            <p:ph type="hdr" sz="quarter"/>
+          </p:nvPr>
+        </p:nvSpPr>
+        <p:spPr/>
+        <p:txBody>
+          <a:bodyPr/>
+          <a:lstStyle/>
+          <a:p>
+            <a:r>
+              <a:rPr lang="de-AT"/>
+              <a:t>fiskaltrust. consulting gmbh - confidential</a:t>
+            </a:r>
+            <a:endParaRPr lang="de-AT" dirty="0"/>
+          </a:p>
+        </p:txBody>
+      </p:sp>
+      <p:sp>
+        <p:nvSpPr>
+          <p:cNvPr id="5" name="Date Placeholder 4"/>
+          <p:cNvSpPr>
+            <a:spLocks noGrp="1"/>
+          </p:cNvSpPr>
+          <p:nvPr>
+            <p:ph type="dt" idx="1"/>
+          </p:nvPr>
+        </p:nvSpPr>
+        <p:spPr/>
+        <p:txBody>
+          <a:bodyPr/>
+          <a:lstStyle/>
+          <a:p>
+            <a:fld id="{E52F4C69-7549-4A71-BB0C-341D25F594E8}" type="datetime1">
+              <a:rPr lang="de-AT" smtClean="0"/>
+              <a:t>09.09.20</a:t>
+            </a:fld>
+            <a:endParaRPr lang="de-AT"/>
+          </a:p>
+        </p:txBody>
+      </p:sp>
+      <p:sp>
+        <p:nvSpPr>
+          <p:cNvPr id="6" name="Slide Number Placeholder 5"/>
+          <p:cNvSpPr>
+            <a:spLocks noGrp="1"/>
+          </p:cNvSpPr>
+          <p:nvPr>
+            <p:ph type="sldNum" sz="quarter" idx="5"/>
+          </p:nvPr>
+        </p:nvSpPr>
+        <p:spPr/>
+        <p:txBody>
+          <a:bodyPr/>
+          <a:lstStyle/>
+          <a:p>
+            <a:fld id="{37D9B929-EEB3-453F-899C-B5737EAC3251}" type="slidenum">
+              <a:rPr lang="de-AT" smtClean="0"/>
+              <a:t>18</a:t>
+            </a:fld>
+            <a:endParaRPr lang="de-AT"/>
+          </a:p>
+        </p:txBody>
+      </p:sp>
+    </p:spTree>
+    <p:extLst>
+      <p:ext uri="{BB962C8B-B14F-4D97-AF65-F5344CB8AC3E}">
+        <p14:creationId xmlns:p14="http://schemas.microsoft.com/office/powerpoint/2010/main" val="988095609"/>
+      </p:ext>
+    </p:extLst>
+  </p:cSld>
+  <p:clrMapOvr>
+    <a:masterClrMapping/>
+  </p:clrMapOvr>
+</p:notes>
+</file>
+
+<file path=ppt/notesSlides/notesSlide18.xml><?xml version="1.0" encoding="utf-8"?>
+<p:notes xmlns:a="http://schemas.openxmlformats.org/drawingml/2006/main" xmlns:r="http://schemas.openxmlformats.org/officeDocument/2006/relationships" xmlns:p="http://schemas.openxmlformats.org/presentationml/2006/main">
+  <p:cSld>
+    <p:spTree>
+      <p:nvGrpSpPr>
+        <p:cNvPr id="1" name=""/>
+        <p:cNvGrpSpPr/>
+        <p:nvPr/>
+      </p:nvGrpSpPr>
+      <p:grpSpPr>
+        <a:xfrm>
+          <a:off x="0" y="0"/>
+          <a:ext cx="0" cy="0"/>
+          <a:chOff x="0" y="0"/>
+          <a:chExt cx="0" cy="0"/>
+        </a:xfrm>
+      </p:grpSpPr>
+      <p:sp>
+        <p:nvSpPr>
+          <p:cNvPr id="2" name="Slide Image Placeholder 1"/>
+          <p:cNvSpPr>
+            <a:spLocks noGrp="1" noRot="1" noChangeAspect="1"/>
+          </p:cNvSpPr>
+          <p:nvPr>
+            <p:ph type="sldImg"/>
+          </p:nvPr>
+        </p:nvSpPr>
+        <p:spPr/>
+      </p:sp>
+      <p:sp>
+        <p:nvSpPr>
+          <p:cNvPr id="3" name="Notes Placeholder 2"/>
+          <p:cNvSpPr>
+            <a:spLocks noGrp="1"/>
+          </p:cNvSpPr>
+          <p:nvPr>
+            <p:ph type="body" idx="1"/>
+          </p:nvPr>
+        </p:nvSpPr>
+        <p:spPr/>
+        <p:txBody>
+          <a:bodyPr/>
+          <a:lstStyle/>
+          <a:p>
+            <a:r>
+              <a:rPr lang="de-DE" dirty="0"/>
+              <a:t>Vorführung Anhand:</a:t>
+            </a:r>
+          </a:p>
+          <a:p>
+            <a:r>
+              <a:rPr lang="de-DE" dirty="0"/>
+              <a:t>https://</a:t>
+            </a:r>
+            <a:r>
+              <a:rPr lang="de-DE" dirty="0" err="1"/>
+              <a:t>docs.fiskaltrust.cloud</a:t>
+            </a:r>
+            <a:r>
+              <a:rPr lang="de-DE" dirty="0"/>
+              <a:t>/</a:t>
+            </a:r>
+            <a:r>
+              <a:rPr lang="de-DE" dirty="0" err="1"/>
+              <a:t>doc</a:t>
+            </a:r>
+            <a:r>
+              <a:rPr lang="de-DE" dirty="0"/>
+              <a:t>/</a:t>
+            </a:r>
+            <a:r>
+              <a:rPr lang="de-DE" dirty="0" err="1"/>
+              <a:t>productdescription</a:t>
+            </a:r>
+            <a:r>
+              <a:rPr lang="de-DE" dirty="0"/>
+              <a:t>-de-</a:t>
+            </a:r>
+            <a:r>
+              <a:rPr lang="de-DE" dirty="0" err="1"/>
+              <a:t>doc</a:t>
+            </a:r>
+            <a:r>
+              <a:rPr lang="de-DE" dirty="0"/>
+              <a:t>/</a:t>
+            </a:r>
+            <a:r>
+              <a:rPr lang="de-DE" dirty="0" err="1"/>
+              <a:t>for-posdealers</a:t>
+            </a:r>
+            <a:r>
+              <a:rPr lang="de-DE" dirty="0"/>
+              <a:t>/02-pre-sales/automatisierter-</a:t>
+            </a:r>
+            <a:r>
+              <a:rPr lang="de-DE" dirty="0" err="1"/>
+              <a:t>rollout.html</a:t>
+            </a:r>
+            <a:endParaRPr lang="de-DE" dirty="0"/>
+          </a:p>
+          <a:p>
+            <a:endParaRPr lang="de-DE" dirty="0"/>
+          </a:p>
+        </p:txBody>
+      </p:sp>
+      <p:sp>
+        <p:nvSpPr>
+          <p:cNvPr id="4" name="Header Placeholder 3"/>
+          <p:cNvSpPr>
+            <a:spLocks noGrp="1"/>
+          </p:cNvSpPr>
+          <p:nvPr>
+            <p:ph type="hdr" sz="quarter"/>
+          </p:nvPr>
+        </p:nvSpPr>
+        <p:spPr/>
+        <p:txBody>
+          <a:bodyPr/>
+          <a:lstStyle/>
+          <a:p>
+            <a:r>
+              <a:rPr lang="de-AT"/>
+              <a:t>fiskaltrust. consulting gmbh - confidential</a:t>
+            </a:r>
+            <a:endParaRPr lang="de-AT" dirty="0"/>
+          </a:p>
+        </p:txBody>
+      </p:sp>
+      <p:sp>
+        <p:nvSpPr>
+          <p:cNvPr id="5" name="Date Placeholder 4"/>
+          <p:cNvSpPr>
+            <a:spLocks noGrp="1"/>
+          </p:cNvSpPr>
+          <p:nvPr>
+            <p:ph type="dt" idx="1"/>
+          </p:nvPr>
+        </p:nvSpPr>
+        <p:spPr/>
+        <p:txBody>
+          <a:bodyPr/>
+          <a:lstStyle/>
+          <a:p>
+            <a:fld id="{E52F4C69-7549-4A71-BB0C-341D25F594E8}" type="datetime1">
+              <a:rPr lang="de-AT" smtClean="0"/>
+              <a:t>09.09.20</a:t>
+            </a:fld>
+            <a:endParaRPr lang="de-AT"/>
+          </a:p>
+        </p:txBody>
+      </p:sp>
+      <p:sp>
+        <p:nvSpPr>
+          <p:cNvPr id="6" name="Slide Number Placeholder 5"/>
+          <p:cNvSpPr>
+            <a:spLocks noGrp="1"/>
+          </p:cNvSpPr>
+          <p:nvPr>
+            <p:ph type="sldNum" sz="quarter" idx="5"/>
+          </p:nvPr>
+        </p:nvSpPr>
+        <p:spPr/>
+        <p:txBody>
+          <a:bodyPr/>
+          <a:lstStyle/>
+          <a:p>
+            <a:fld id="{37D9B929-EEB3-453F-899C-B5737EAC3251}" type="slidenum">
+              <a:rPr lang="de-AT" smtClean="0"/>
+              <a:t>19</a:t>
+            </a:fld>
+            <a:endParaRPr lang="de-AT"/>
+          </a:p>
+        </p:txBody>
+      </p:sp>
+    </p:spTree>
+    <p:extLst>
+      <p:ext uri="{BB962C8B-B14F-4D97-AF65-F5344CB8AC3E}">
+        <p14:creationId xmlns:p14="http://schemas.microsoft.com/office/powerpoint/2010/main" val="2838738621"/>
+      </p:ext>
+    </p:extLst>
+  </p:cSld>
+  <p:clrMapOvr>
+    <a:masterClrMapping/>
+  </p:clrMapOvr>
+</p:notes>
+</file>
+
+<file path=ppt/notesSlides/notesSlide19.xml><?xml version="1.0" encoding="utf-8"?>
+<p:notes xmlns:a="http://schemas.openxmlformats.org/drawingml/2006/main" xmlns:r="http://schemas.openxmlformats.org/officeDocument/2006/relationships" xmlns:p="http://schemas.openxmlformats.org/presentationml/2006/main">
+  <p:cSld>
+    <p:spTree>
+      <p:nvGrpSpPr>
+        <p:cNvPr id="1" name=""/>
+        <p:cNvGrpSpPr/>
+        <p:nvPr/>
+      </p:nvGrpSpPr>
+      <p:grpSpPr>
+        <a:xfrm>
+          <a:off x="0" y="0"/>
+          <a:ext cx="0" cy="0"/>
+          <a:chOff x="0" y="0"/>
+          <a:chExt cx="0" cy="0"/>
+        </a:xfrm>
+      </p:grpSpPr>
+      <p:sp>
+        <p:nvSpPr>
+          <p:cNvPr id="2" name="Slide Image Placeholder 1"/>
+          <p:cNvSpPr>
+            <a:spLocks noGrp="1" noRot="1" noChangeAspect="1"/>
+          </p:cNvSpPr>
+          <p:nvPr>
+            <p:ph type="sldImg"/>
+          </p:nvPr>
+        </p:nvSpPr>
+        <p:spPr/>
+      </p:sp>
+      <p:sp>
+        <p:nvSpPr>
+          <p:cNvPr id="3" name="Notes Placeholder 2"/>
+          <p:cNvSpPr>
+            <a:spLocks noGrp="1"/>
+          </p:cNvSpPr>
+          <p:nvPr>
+            <p:ph type="body" idx="1"/>
+          </p:nvPr>
+        </p:nvSpPr>
+        <p:spPr/>
+        <p:txBody>
+          <a:bodyPr/>
+          <a:lstStyle/>
+          <a:p>
+            <a:r>
+              <a:rPr lang="de-DE" dirty="0"/>
+              <a:t>Vorführung Anhand:</a:t>
+            </a:r>
+          </a:p>
+          <a:p>
+            <a:r>
+              <a:rPr lang="de-DE" dirty="0"/>
+              <a:t>https://</a:t>
+            </a:r>
+            <a:r>
+              <a:rPr lang="de-DE" dirty="0" err="1"/>
+              <a:t>docs.fiskaltrust.cloud</a:t>
+            </a:r>
+            <a:r>
+              <a:rPr lang="de-DE" dirty="0"/>
+              <a:t>/</a:t>
+            </a:r>
+            <a:r>
+              <a:rPr lang="de-DE" dirty="0" err="1"/>
+              <a:t>doc</a:t>
+            </a:r>
+            <a:r>
+              <a:rPr lang="de-DE" dirty="0"/>
+              <a:t>/</a:t>
+            </a:r>
+            <a:r>
+              <a:rPr lang="de-DE" dirty="0" err="1"/>
+              <a:t>productdescription</a:t>
+            </a:r>
+            <a:r>
+              <a:rPr lang="de-DE" dirty="0"/>
+              <a:t>-de-</a:t>
+            </a:r>
+            <a:r>
+              <a:rPr lang="de-DE" dirty="0" err="1"/>
+              <a:t>doc</a:t>
+            </a:r>
+            <a:r>
+              <a:rPr lang="de-DE" dirty="0"/>
+              <a:t>/</a:t>
+            </a:r>
+            <a:r>
+              <a:rPr lang="de-DE" dirty="0" err="1"/>
+              <a:t>for-posdealers</a:t>
+            </a:r>
+            <a:r>
+              <a:rPr lang="de-DE" dirty="0"/>
+              <a:t>/02-pre-sales/automatisierter-</a:t>
+            </a:r>
+            <a:r>
+              <a:rPr lang="de-DE" dirty="0" err="1"/>
+              <a:t>rollout.html</a:t>
+            </a:r>
+            <a:endParaRPr lang="de-DE" dirty="0"/>
+          </a:p>
+          <a:p>
+            <a:endParaRPr lang="de-DE" dirty="0"/>
+          </a:p>
+        </p:txBody>
+      </p:sp>
+      <p:sp>
+        <p:nvSpPr>
+          <p:cNvPr id="4" name="Header Placeholder 3"/>
+          <p:cNvSpPr>
+            <a:spLocks noGrp="1"/>
+          </p:cNvSpPr>
+          <p:nvPr>
+            <p:ph type="hdr" sz="quarter"/>
+          </p:nvPr>
+        </p:nvSpPr>
+        <p:spPr/>
+        <p:txBody>
+          <a:bodyPr/>
+          <a:lstStyle/>
+          <a:p>
+            <a:r>
+              <a:rPr lang="de-AT"/>
+              <a:t>fiskaltrust. consulting gmbh - confidential</a:t>
+            </a:r>
+            <a:endParaRPr lang="de-AT" dirty="0"/>
+          </a:p>
+        </p:txBody>
+      </p:sp>
+      <p:sp>
+        <p:nvSpPr>
+          <p:cNvPr id="5" name="Date Placeholder 4"/>
+          <p:cNvSpPr>
+            <a:spLocks noGrp="1"/>
+          </p:cNvSpPr>
+          <p:nvPr>
+            <p:ph type="dt" idx="1"/>
+          </p:nvPr>
+        </p:nvSpPr>
+        <p:spPr/>
+        <p:txBody>
+          <a:bodyPr/>
+          <a:lstStyle/>
+          <a:p>
+            <a:fld id="{E52F4C69-7549-4A71-BB0C-341D25F594E8}" type="datetime1">
+              <a:rPr lang="de-AT" smtClean="0"/>
+              <a:t>09.09.20</a:t>
+            </a:fld>
+            <a:endParaRPr lang="de-AT"/>
+          </a:p>
+        </p:txBody>
+      </p:sp>
+      <p:sp>
+        <p:nvSpPr>
+          <p:cNvPr id="6" name="Slide Number Placeholder 5"/>
+          <p:cNvSpPr>
+            <a:spLocks noGrp="1"/>
+          </p:cNvSpPr>
+          <p:nvPr>
+            <p:ph type="sldNum" sz="quarter" idx="5"/>
+          </p:nvPr>
+        </p:nvSpPr>
+        <p:spPr/>
+        <p:txBody>
+          <a:bodyPr/>
+          <a:lstStyle/>
+          <a:p>
+            <a:fld id="{37D9B929-EEB3-453F-899C-B5737EAC3251}" type="slidenum">
+              <a:rPr lang="de-AT" smtClean="0"/>
+              <a:t>20</a:t>
+            </a:fld>
+            <a:endParaRPr lang="de-AT"/>
+          </a:p>
+        </p:txBody>
+      </p:sp>
+    </p:spTree>
+    <p:extLst>
+      <p:ext uri="{BB962C8B-B14F-4D97-AF65-F5344CB8AC3E}">
+        <p14:creationId xmlns:p14="http://schemas.microsoft.com/office/powerpoint/2010/main" val="3233502931"/>
       </p:ext>
     </p:extLst>
   </p:cSld>
@@ -5388,7 +6430,7 @@
             </a:pPr>
             <a:r>
               <a:rPr lang="de-DE" sz="1100" dirty="0"/>
-              <a:t>Das fiskaltrust Portal wird als Rollout Management Tool verwendet. Es unterstützt Kassenhändler bei der Vorbereitung und Ausführung des Rollout.</a:t>
+              <a:t>Das fiskaltrust Portal wird als Rollout Management Tool verwendet. Es unterstützt Kassenhändler bei der Vorbereitung und Ausführung des Rollouts.</a:t>
             </a:r>
           </a:p>
           <a:p>
@@ -5443,7 +6485,7 @@
             </a:pPr>
             <a:r>
               <a:rPr lang="de-DE" sz="1100" dirty="0"/>
-              <a:t>Im Portal kann die Einladung der Kassenbetreiber die Vorbereitung der Konfiguration und der Download des Launcher erfolgen. Im Folgenden gehen wir auf die Details hierzu ein.</a:t>
+              <a:t>Im Portal kann die Einladung der Kassenbetreiber die Vorbereitung der Konfiguration und der Download des Launchers erfolgen. Im Folgenden gehen wir auf die Details hierzu ein.</a:t>
             </a:r>
           </a:p>
           <a:p>
@@ -5503,7 +6545,7 @@
           <a:p>
             <a:fld id="{E52F4C69-7549-4A71-BB0C-341D25F594E8}" type="datetime1">
               <a:rPr lang="de-AT" smtClean="0"/>
-              <a:t>08.09.20</a:t>
+              <a:t>09.09.20</a:t>
             </a:fld>
             <a:endParaRPr lang="de-AT"/>
           </a:p>
@@ -5536,6 +6578,314 @@
     <p:extLst>
       <p:ext uri="{BB962C8B-B14F-4D97-AF65-F5344CB8AC3E}">
         <p14:creationId xmlns:p14="http://schemas.microsoft.com/office/powerpoint/2010/main" val="1532984696"/>
+      </p:ext>
+    </p:extLst>
+  </p:cSld>
+  <p:clrMapOvr>
+    <a:masterClrMapping/>
+  </p:clrMapOvr>
+</p:notes>
+</file>
+
+<file path=ppt/notesSlides/notesSlide20.xml><?xml version="1.0" encoding="utf-8"?>
+<p:notes xmlns:a="http://schemas.openxmlformats.org/drawingml/2006/main" xmlns:r="http://schemas.openxmlformats.org/officeDocument/2006/relationships" xmlns:p="http://schemas.openxmlformats.org/presentationml/2006/main">
+  <p:cSld>
+    <p:spTree>
+      <p:nvGrpSpPr>
+        <p:cNvPr id="1" name=""/>
+        <p:cNvGrpSpPr/>
+        <p:nvPr/>
+      </p:nvGrpSpPr>
+      <p:grpSpPr>
+        <a:xfrm>
+          <a:off x="0" y="0"/>
+          <a:ext cx="0" cy="0"/>
+          <a:chOff x="0" y="0"/>
+          <a:chExt cx="0" cy="0"/>
+        </a:xfrm>
+      </p:grpSpPr>
+      <p:sp>
+        <p:nvSpPr>
+          <p:cNvPr id="2" name="Slide Image Placeholder 1"/>
+          <p:cNvSpPr>
+            <a:spLocks noGrp="1" noRot="1" noChangeAspect="1"/>
+          </p:cNvSpPr>
+          <p:nvPr>
+            <p:ph type="sldImg"/>
+          </p:nvPr>
+        </p:nvSpPr>
+        <p:spPr/>
+      </p:sp>
+      <p:sp>
+        <p:nvSpPr>
+          <p:cNvPr id="3" name="Notes Placeholder 2"/>
+          <p:cNvSpPr>
+            <a:spLocks noGrp="1"/>
+          </p:cNvSpPr>
+          <p:nvPr>
+            <p:ph type="body" idx="1"/>
+          </p:nvPr>
+        </p:nvSpPr>
+        <p:spPr/>
+        <p:txBody>
+          <a:bodyPr/>
+          <a:lstStyle/>
+          <a:p>
+            <a:r>
+              <a:rPr lang="de-DE" dirty="0"/>
+              <a:t>https://</a:t>
+            </a:r>
+            <a:r>
+              <a:rPr lang="de-DE" dirty="0" err="1"/>
+              <a:t>docs.fiskaltrust.cloud</a:t>
+            </a:r>
+            <a:r>
+              <a:rPr lang="de-DE" dirty="0"/>
+              <a:t>/</a:t>
+            </a:r>
+            <a:r>
+              <a:rPr lang="de-DE" dirty="0" err="1"/>
+              <a:t>doc</a:t>
+            </a:r>
+            <a:r>
+              <a:rPr lang="de-DE" dirty="0"/>
+              <a:t>/</a:t>
+            </a:r>
+            <a:r>
+              <a:rPr lang="de-DE" dirty="0" err="1"/>
+              <a:t>productdescription</a:t>
+            </a:r>
+            <a:r>
+              <a:rPr lang="de-DE" dirty="0"/>
+              <a:t>-de-</a:t>
+            </a:r>
+            <a:r>
+              <a:rPr lang="de-DE" dirty="0" err="1"/>
+              <a:t>doc</a:t>
+            </a:r>
+            <a:r>
+              <a:rPr lang="de-DE" dirty="0"/>
+              <a:t>/</a:t>
+            </a:r>
+            <a:r>
+              <a:rPr lang="de-DE" dirty="0" err="1"/>
+              <a:t>for-posdealers</a:t>
+            </a:r>
+            <a:r>
+              <a:rPr lang="de-DE" dirty="0"/>
+              <a:t>/02-pre-sales/rollout-</a:t>
+            </a:r>
+            <a:r>
+              <a:rPr lang="de-DE" dirty="0" err="1"/>
+              <a:t>scenarios.html</a:t>
+            </a:r>
+            <a:endParaRPr lang="de-DE" dirty="0"/>
+          </a:p>
+        </p:txBody>
+      </p:sp>
+      <p:sp>
+        <p:nvSpPr>
+          <p:cNvPr id="4" name="Header Placeholder 3"/>
+          <p:cNvSpPr>
+            <a:spLocks noGrp="1"/>
+          </p:cNvSpPr>
+          <p:nvPr>
+            <p:ph type="hdr" sz="quarter"/>
+          </p:nvPr>
+        </p:nvSpPr>
+        <p:spPr/>
+        <p:txBody>
+          <a:bodyPr/>
+          <a:lstStyle/>
+          <a:p>
+            <a:r>
+              <a:rPr lang="de-AT"/>
+              <a:t>fiskaltrust. consulting gmbh - confidential</a:t>
+            </a:r>
+            <a:endParaRPr lang="de-AT" dirty="0"/>
+          </a:p>
+        </p:txBody>
+      </p:sp>
+      <p:sp>
+        <p:nvSpPr>
+          <p:cNvPr id="5" name="Date Placeholder 4"/>
+          <p:cNvSpPr>
+            <a:spLocks noGrp="1"/>
+          </p:cNvSpPr>
+          <p:nvPr>
+            <p:ph type="dt" idx="1"/>
+          </p:nvPr>
+        </p:nvSpPr>
+        <p:spPr/>
+        <p:txBody>
+          <a:bodyPr/>
+          <a:lstStyle/>
+          <a:p>
+            <a:fld id="{E52F4C69-7549-4A71-BB0C-341D25F594E8}" type="datetime1">
+              <a:rPr lang="de-AT" smtClean="0"/>
+              <a:t>09.09.20</a:t>
+            </a:fld>
+            <a:endParaRPr lang="de-AT"/>
+          </a:p>
+        </p:txBody>
+      </p:sp>
+      <p:sp>
+        <p:nvSpPr>
+          <p:cNvPr id="6" name="Slide Number Placeholder 5"/>
+          <p:cNvSpPr>
+            <a:spLocks noGrp="1"/>
+          </p:cNvSpPr>
+          <p:nvPr>
+            <p:ph type="sldNum" sz="quarter" idx="5"/>
+          </p:nvPr>
+        </p:nvSpPr>
+        <p:spPr/>
+        <p:txBody>
+          <a:bodyPr/>
+          <a:lstStyle/>
+          <a:p>
+            <a:fld id="{37D9B929-EEB3-453F-899C-B5737EAC3251}" type="slidenum">
+              <a:rPr lang="de-AT" smtClean="0"/>
+              <a:t>21</a:t>
+            </a:fld>
+            <a:endParaRPr lang="de-AT"/>
+          </a:p>
+        </p:txBody>
+      </p:sp>
+    </p:spTree>
+    <p:extLst>
+      <p:ext uri="{BB962C8B-B14F-4D97-AF65-F5344CB8AC3E}">
+        <p14:creationId xmlns:p14="http://schemas.microsoft.com/office/powerpoint/2010/main" val="307574156"/>
+      </p:ext>
+    </p:extLst>
+  </p:cSld>
+  <p:clrMapOvr>
+    <a:masterClrMapping/>
+  </p:clrMapOvr>
+</p:notes>
+</file>
+
+<file path=ppt/notesSlides/notesSlide21.xml><?xml version="1.0" encoding="utf-8"?>
+<p:notes xmlns:a="http://schemas.openxmlformats.org/drawingml/2006/main" xmlns:r="http://schemas.openxmlformats.org/officeDocument/2006/relationships" xmlns:p="http://schemas.openxmlformats.org/presentationml/2006/main">
+  <p:cSld>
+    <p:spTree>
+      <p:nvGrpSpPr>
+        <p:cNvPr id="1" name=""/>
+        <p:cNvGrpSpPr/>
+        <p:nvPr/>
+      </p:nvGrpSpPr>
+      <p:grpSpPr>
+        <a:xfrm>
+          <a:off x="0" y="0"/>
+          <a:ext cx="0" cy="0"/>
+          <a:chOff x="0" y="0"/>
+          <a:chExt cx="0" cy="0"/>
+        </a:xfrm>
+      </p:grpSpPr>
+      <p:sp>
+        <p:nvSpPr>
+          <p:cNvPr id="2" name="Slide Image Placeholder 1"/>
+          <p:cNvSpPr>
+            <a:spLocks noGrp="1" noRot="1" noChangeAspect="1"/>
+          </p:cNvSpPr>
+          <p:nvPr>
+            <p:ph type="sldImg"/>
+          </p:nvPr>
+        </p:nvSpPr>
+        <p:spPr/>
+      </p:sp>
+      <p:sp>
+        <p:nvSpPr>
+          <p:cNvPr id="3" name="Notes Placeholder 2"/>
+          <p:cNvSpPr>
+            <a:spLocks noGrp="1"/>
+          </p:cNvSpPr>
+          <p:nvPr>
+            <p:ph type="body" idx="1"/>
+          </p:nvPr>
+        </p:nvSpPr>
+        <p:spPr/>
+        <p:txBody>
+          <a:bodyPr/>
+          <a:lstStyle/>
+          <a:p>
+            <a:endParaRPr lang="de-DE" dirty="0"/>
+          </a:p>
+        </p:txBody>
+      </p:sp>
+      <p:sp>
+        <p:nvSpPr>
+          <p:cNvPr id="4" name="Header Placeholder 3"/>
+          <p:cNvSpPr>
+            <a:spLocks noGrp="1"/>
+          </p:cNvSpPr>
+          <p:nvPr>
+            <p:ph type="hdr" sz="quarter"/>
+          </p:nvPr>
+        </p:nvSpPr>
+        <p:spPr/>
+        <p:txBody>
+          <a:bodyPr/>
+          <a:lstStyle/>
+          <a:p>
+            <a:r>
+              <a:rPr lang="de-AT"/>
+              <a:t>fiskaltrust. consulting gmbh - confidential</a:t>
+            </a:r>
+            <a:endParaRPr lang="de-AT" dirty="0"/>
+          </a:p>
+        </p:txBody>
+      </p:sp>
+      <p:sp>
+        <p:nvSpPr>
+          <p:cNvPr id="5" name="Date Placeholder 4"/>
+          <p:cNvSpPr>
+            <a:spLocks noGrp="1"/>
+          </p:cNvSpPr>
+          <p:nvPr>
+            <p:ph type="dt" idx="1"/>
+          </p:nvPr>
+        </p:nvSpPr>
+        <p:spPr/>
+        <p:txBody>
+          <a:bodyPr/>
+          <a:lstStyle/>
+          <a:p>
+            <a:fld id="{E52F4C69-7549-4A71-BB0C-341D25F594E8}" type="datetime1">
+              <a:rPr lang="de-AT" smtClean="0"/>
+              <a:t>09.09.20</a:t>
+            </a:fld>
+            <a:endParaRPr lang="de-AT"/>
+          </a:p>
+        </p:txBody>
+      </p:sp>
+      <p:sp>
+        <p:nvSpPr>
+          <p:cNvPr id="6" name="Slide Number Placeholder 5"/>
+          <p:cNvSpPr>
+            <a:spLocks noGrp="1"/>
+          </p:cNvSpPr>
+          <p:nvPr>
+            <p:ph type="sldNum" sz="quarter" idx="5"/>
+          </p:nvPr>
+        </p:nvSpPr>
+        <p:spPr/>
+        <p:txBody>
+          <a:bodyPr/>
+          <a:lstStyle/>
+          <a:p>
+            <a:fld id="{37D9B929-EEB3-453F-899C-B5737EAC3251}" type="slidenum">
+              <a:rPr lang="de-AT" smtClean="0"/>
+              <a:t>22</a:t>
+            </a:fld>
+            <a:endParaRPr lang="de-AT"/>
+          </a:p>
+        </p:txBody>
+      </p:sp>
+    </p:spTree>
+    <p:extLst>
+      <p:ext uri="{BB962C8B-B14F-4D97-AF65-F5344CB8AC3E}">
+        <p14:creationId xmlns:p14="http://schemas.microsoft.com/office/powerpoint/2010/main" val="899144978"/>
       </p:ext>
     </p:extLst>
   </p:cSld>
@@ -5608,7 +6958,7 @@
             </a:pPr>
             <a:r>
               <a:rPr lang="de-DE" sz="1100" dirty="0"/>
-              <a:t>Kassenbetreiber können manuell oder automatisiert über das Portal eingeladen werden. Zum automatisierten Einladen vieler Kassenbetreiber wird eine CSV Datei verwendet, die zu diesem Zweck im Portal importiert wird. </a:t>
+              <a:t>Kassenbetreiber können manuell oder automatisiert über das Portal eingeladen werden. Zum automatisierten Einladen vieler Kassenbetreiber wird eine CSV Datei verwendet, die zu diesem Zweck im Portal importiert werden kann. </a:t>
             </a:r>
           </a:p>
           <a:p>
@@ -5631,7 +6981,7 @@
             </a:pPr>
             <a:r>
               <a:rPr lang="de-DE" sz="1100" dirty="0"/>
-              <a:t>Sobald die Einladung abgesetzt wurde, wird eine Einladungs-Email an den Kassenbetreiber gesendet. </a:t>
+              <a:t>Sobald die Einladung initiiert wurde, sendet fiskaltrust eine Einladungs-E-Mail an den Kassenbetreiber. Sie enthält Informationen und einem Email-Bestätigungs-Link.</a:t>
             </a:r>
           </a:p>
           <a:p>
@@ -5654,7 +7004,7 @@
             </a:pPr>
             <a:r>
               <a:rPr lang="de-DE" sz="1100" dirty="0"/>
-              <a:t>Dieser erhält daraufhin die Email mit Informationen und einem Email-Bestätigungs-Link.</a:t>
+              <a:t>Der Betreiber drückt den Link und wird auf das fiskaltrust Portal weiter geleitet wo er seine Daten überprüfen und sein Passwort setzen kann. Im nächsten Schritt muss er den Kooperationsvertrag mit fiskaltrust digital unterzeichnen. </a:t>
             </a:r>
           </a:p>
           <a:p>
@@ -5677,30 +7027,7 @@
             </a:pPr>
             <a:r>
               <a:rPr lang="de-DE" sz="1100" dirty="0"/>
-              <a:t>Der Betreiber drückt den Link und wird auf das fiskaltrust Portal weiter geleitet wo er seine Daten überprüfen und sein Passwort setzen kann. Im nächsten Schritt muss er den Kooperationsvertrag mit fiskaltrust digital unterzeichnen. </a:t>
-            </a:r>
-          </a:p>
-          <a:p>
-            <a:pPr marL="0" marR="0" lvl="0" indent="0" algn="l" defTabSz="914400" rtl="0" eaLnBrk="1" fontAlgn="auto" latinLnBrk="0" hangingPunct="1">
-              <a:lnSpc>
-                <a:spcPct val="100000"/>
-              </a:lnSpc>
-              <a:spcBef>
-                <a:spcPts val="0"/>
-              </a:spcBef>
-              <a:spcAft>
-                <a:spcPts val="0"/>
-              </a:spcAft>
-              <a:buClrTx/>
-              <a:buSzTx/>
-              <a:buFontTx/>
-              <a:buNone/>
-              <a:tabLst/>
-              <a:defRPr/>
-            </a:pPr>
-            <a:r>
-              <a:rPr lang="de-DE" sz="1100" dirty="0"/>
-              <a:t>Der Händler Zugriffsrechte für die sogenannte Surrogation Funktion anfordern. Damit kann der Händler später mit der </a:t>
+              <a:t>Der Händler kann Zugriffsrechte für die sogenannte Surrogation Funktion anfordern. Damit kann der Händler später mit der </a:t>
             </a:r>
             <a:r>
               <a:rPr lang="de-DE" sz="1100" dirty="0" err="1"/>
@@ -5716,7 +7043,7 @@
             </a:r>
             <a:r>
               <a:rPr lang="de-DE" sz="1100" dirty="0"/>
-              <a:t> und im Namen des Betreibers Produkte auschecken und notwendige Konfigurationen vornehmen.</a:t>
+              <a:t> und im Namen des Betreibers Produkte auschecken und technische Konfigurationen vornehmen.</a:t>
             </a:r>
           </a:p>
           <a:p>
@@ -5767,7 +7094,7 @@
           <a:p>
             <a:fld id="{E52F4C69-7549-4A71-BB0C-341D25F594E8}" type="datetime1">
               <a:rPr lang="de-AT" smtClean="0"/>
-              <a:t>08.09.20</a:t>
+              <a:t>09.09.20</a:t>
             </a:fld>
             <a:endParaRPr lang="de-AT"/>
           </a:p>
@@ -6061,7 +7388,7 @@
           <a:p>
             <a:fld id="{E52F4C69-7549-4A71-BB0C-341D25F594E8}" type="datetime1">
               <a:rPr lang="de-AT" smtClean="0"/>
-              <a:t>08.09.20</a:t>
+              <a:t>09.09.20</a:t>
             </a:fld>
             <a:endParaRPr lang="de-AT"/>
           </a:p>
@@ -6194,7 +7521,7 @@
           <a:p>
             <a:fld id="{E52F4C69-7549-4A71-BB0C-341D25F594E8}" type="datetime1">
               <a:rPr lang="de-AT" smtClean="0"/>
-              <a:t>08.09.20</a:t>
+              <a:t>09.09.20</a:t>
             </a:fld>
             <a:endParaRPr lang="de-AT"/>
           </a:p>
@@ -6282,7 +7609,7 @@
           <a:p>
             <a:r>
               <a:rPr lang="de-DE" dirty="0"/>
-              <a:t>Die fiskaltrust.Middleware wird mit Hilfe eines Launcher gestartet. </a:t>
+              <a:t>Die fiskaltrust.Middleware wird lokal mit Hilfe eines Launcher gestartet. </a:t>
             </a:r>
           </a:p>
           <a:p>
@@ -6291,7 +7618,7 @@
           <a:p>
             <a:r>
               <a:rPr lang="de-DE" dirty="0"/>
-              <a:t>Es gibt 2 Arten von Launcher: </a:t>
+              <a:t>Es sind 2 Arten von Launcher verfügbar: </a:t>
             </a:r>
           </a:p>
           <a:p>
@@ -6300,7 +7627,7 @@
             </a:pPr>
             <a:r>
               <a:rPr lang="de-DE" dirty="0"/>
-              <a:t>Online Launcher: -&gt; Lädt beim Start je nach Konfiguration die benötigten Pakete aus der Cloud.</a:t>
+              <a:t>Online Launcher: -&gt; Lädt beim Start je nach Konfiguration die benötigten Funktions-Pakete aus der Cloud.</a:t>
             </a:r>
           </a:p>
           <a:p>
@@ -6309,7 +7636,7 @@
             </a:pPr>
             <a:r>
               <a:rPr lang="de-DE" dirty="0"/>
-              <a:t>Offline Launcher: -&gt; Beinhaltet bereits alle notwendigen Pakete ist jedoch viel umfangreicher.</a:t>
+              <a:t>Offline Launcher: -&gt; Beinhaltet bereits alle notwendigen Funktions-Pakete ist jedoch viel umfangreicher.</a:t>
             </a:r>
           </a:p>
           <a:p>
@@ -6338,7 +7665,7 @@
             </a:pPr>
             <a:r>
               <a:rPr lang="de-DE" dirty="0"/>
-              <a:t>Vor dem Download des Launcher sollte die Cashbox neue zusammengebaut werden („</a:t>
+              <a:t>Vor dem Download des Launcher sollte die Cashbox neu zusammengebaut werden („</a:t>
             </a:r>
             <a:r>
               <a:rPr lang="de-DE" dirty="0" err="1"/>
@@ -6354,7 +7681,7 @@
             </a:r>
             <a:r>
               <a:rPr lang="de-DE" dirty="0"/>
-              <a:t>“) Button um sicher zu sein, dass zwischenzeitlich vorgenommene Änderungen an der Konfiguration auch angewendet werden. </a:t>
+              <a:t>“ – Button) um sicher zu sein, dass zwischenzeitlich vorgenommene Änderungen an den einzelnen Konfigurationen (Queue, SCU) auch angewendet werden. </a:t>
             </a:r>
           </a:p>
           <a:p>
@@ -6504,7 +7831,7 @@
             </a:r>
             <a:r>
               <a:rPr lang="de-DE" dirty="0"/>
-              <a:t>“  Button gedrückt und der Launcher neu gestartet, so lädt sich dieser automatisch die neue Konfiguration herunter und wendet diese an.</a:t>
+              <a:t>“  Button gedrückt und der Online-Launcher neu gestartet, so lädt sich dieser automatisch die neue Konfiguration herunter und wendet diese an.</a:t>
             </a:r>
           </a:p>
           <a:p>
@@ -6569,7 +7896,7 @@
           <a:p>
             <a:fld id="{E52F4C69-7549-4A71-BB0C-341D25F594E8}" type="datetime1">
               <a:rPr lang="de-AT" smtClean="0"/>
-              <a:t>08.09.20</a:t>
+              <a:t>09.09.20</a:t>
             </a:fld>
             <a:endParaRPr lang="de-AT"/>
           </a:p>
@@ -6666,7 +7993,7 @@
           <a:p>
             <a:r>
               <a:rPr lang="de-DE" dirty="0"/>
-              <a:t>Für die weiteren Inhalte zur Präsentation der Automatisierung siehe bitte:</a:t>
+              <a:t>Für die weiteren Inhalte zur Präsentation der Automatisierung wird als Vorlage folgende Dokumentation verwendet:</a:t>
             </a:r>
           </a:p>
           <a:p>
@@ -6762,7 +8089,7 @@
           <a:p>
             <a:fld id="{E52F4C69-7549-4A71-BB0C-341D25F594E8}" type="datetime1">
               <a:rPr lang="de-AT" smtClean="0"/>
-              <a:t>08.09.20</a:t>
+              <a:t>09.09.20</a:t>
             </a:fld>
             <a:endParaRPr lang="de-AT"/>
           </a:p>
@@ -6848,7 +8175,26 @@
           <a:bodyPr/>
           <a:lstStyle/>
           <a:p>
-            <a:endParaRPr lang="de-DE" dirty="0"/>
+            <a:r>
+              <a:rPr lang="de-DE" dirty="0"/>
+              <a:t>Update des SQL Package auf Version 1.3.5 für aller Cashboxen die aktuell mit der Version 1.3.3 konfiguriert sind + </a:t>
+            </a:r>
+            <a:r>
+              <a:rPr lang="de-DE" dirty="0" err="1"/>
+              <a:t>Rebuild</a:t>
+            </a:r>
+            <a:r>
+              <a:rPr lang="de-DE" dirty="0"/>
+              <a:t> </a:t>
+            </a:r>
+            <a:r>
+              <a:rPr lang="de-DE" dirty="0" err="1"/>
+              <a:t>Configuration</a:t>
+            </a:r>
+            <a:r>
+              <a:rPr lang="de-DE" dirty="0"/>
+              <a:t> </a:t>
+            </a:r>
           </a:p>
         </p:txBody>
       </p:sp>
@@ -6892,7 +8238,7 @@
           <a:p>
             <a:fld id="{E52F4C69-7549-4A71-BB0C-341D25F594E8}" type="datetime1">
               <a:rPr lang="de-AT" smtClean="0"/>
-              <a:t>08.09.20</a:t>
+              <a:t>09.09.20</a:t>
             </a:fld>
             <a:endParaRPr lang="de-AT"/>
           </a:p>
@@ -6978,6 +8324,60 @@
           <a:bodyPr/>
           <a:lstStyle/>
           <a:p>
+            <a:r>
+              <a:rPr lang="de-DE" dirty="0"/>
+              <a:t>Vorführung Anhand:</a:t>
+            </a:r>
+          </a:p>
+          <a:p>
+            <a:r>
+              <a:rPr lang="de-DE" dirty="0"/>
+              <a:t>https://</a:t>
+            </a:r>
+            <a:r>
+              <a:rPr lang="de-DE" dirty="0" err="1"/>
+              <a:t>docs.fiskaltrust.cloud</a:t>
+            </a:r>
+            <a:r>
+              <a:rPr lang="de-DE" dirty="0"/>
+              <a:t>/</a:t>
+            </a:r>
+            <a:r>
+              <a:rPr lang="de-DE" dirty="0" err="1"/>
+              <a:t>doc</a:t>
+            </a:r>
+            <a:r>
+              <a:rPr lang="de-DE" dirty="0"/>
+              <a:t>/</a:t>
+            </a:r>
+            <a:r>
+              <a:rPr lang="de-DE" dirty="0" err="1"/>
+              <a:t>productdescription</a:t>
+            </a:r>
+            <a:r>
+              <a:rPr lang="de-DE" dirty="0"/>
+              <a:t>-de-</a:t>
+            </a:r>
+            <a:r>
+              <a:rPr lang="de-DE" dirty="0" err="1"/>
+              <a:t>doc</a:t>
+            </a:r>
+            <a:r>
+              <a:rPr lang="de-DE" dirty="0"/>
+              <a:t>/</a:t>
+            </a:r>
+            <a:r>
+              <a:rPr lang="de-DE" dirty="0" err="1"/>
+              <a:t>for-posdealers</a:t>
+            </a:r>
+            <a:r>
+              <a:rPr lang="de-DE" dirty="0"/>
+              <a:t>/02-pre-sales/automatisierter-</a:t>
+            </a:r>
+            <a:r>
+              <a:rPr lang="de-DE" dirty="0" err="1"/>
+              <a:t>rollout.html</a:t>
+            </a:r>
             <a:endParaRPr lang="de-DE" dirty="0"/>
           </a:p>
         </p:txBody>
@@ -7022,7 +8422,7 @@
           <a:p>
             <a:fld id="{E52F4C69-7549-4A71-BB0C-341D25F594E8}" type="datetime1">
               <a:rPr lang="de-AT" smtClean="0"/>
-              <a:t>08.09.20</a:t>
+              <a:t>09.09.20</a:t>
             </a:fld>
             <a:endParaRPr lang="de-AT"/>
           </a:p>
@@ -8298,7 +9698,7 @@
             <a:fld id="{D920586B-A06C-4754-BF0D-C36EFEB7D1BE}" type="datetime1">
               <a:rPr lang="de-DE" smtClean="0"/>
               <a:pPr/>
-              <a:t>08.09.20</a:t>
+              <a:t>09.09.20</a:t>
             </a:fld>
             <a:endParaRPr lang="de-AT" dirty="0"/>
           </a:p>
@@ -11108,7 +12508,7 @@
           <p:nvPr/>
         </p:nvPicPr>
         <p:blipFill>
-          <a:blip r:embed="rId2">
+          <a:blip r:embed="rId3">
             <a:extLst>
               <a:ext uri="{28A0092B-C50C-407E-A947-70E740481C1C}">
                 <a14:useLocalDpi xmlns:a14="http://schemas.microsoft.com/office/drawing/2010/main" val="0"/>
@@ -14073,15 +15473,6 @@
 </file>
 
 <file path=customXml/item1.xml><?xml version="1.0" encoding="utf-8"?>
-<?mso-contentType ?>
-<FormTemplates xmlns="http://schemas.microsoft.com/sharepoint/v3/contenttype/forms">
-  <Display>DocumentLibraryForm</Display>
-  <Edit>DocumentLibraryForm</Edit>
-  <New>DocumentLibraryForm</New>
-</FormTemplates>
-</file>
-
-<file path=customXml/item2.xml><?xml version="1.0" encoding="utf-8"?>
 <p:properties xmlns:p="http://schemas.microsoft.com/office/2006/metadata/properties" xmlns:xsi="http://www.w3.org/2001/XMLSchema-instance" xmlns:pc="http://schemas.microsoft.com/office/infopath/2007/PartnerControls">
   <documentManagement>
     <MigrationWizIdPermissions xmlns="86d55d5a-583b-4ffa-ba38-1d7d24766b92" xsi:nil="true"/>
@@ -14091,6 +15482,15 @@
     <MigrationWizIdDocumentLibraryPermissions xmlns="86d55d5a-583b-4ffa-ba38-1d7d24766b92" xsi:nil="true"/>
   </documentManagement>
 </p:properties>
+</file>
+
+<file path=customXml/item2.xml><?xml version="1.0" encoding="utf-8"?>
+<?mso-contentType ?>
+<FormTemplates xmlns="http://schemas.microsoft.com/sharepoint/v3/contenttype/forms">
+  <Display>DocumentLibraryForm</Display>
+  <Edit>DocumentLibraryForm</Edit>
+  <New>DocumentLibraryForm</New>
+</FormTemplates>
 </file>
 
 <file path=customXml/item3.xml><?xml version="1.0" encoding="utf-8"?>
@@ -14347,19 +15747,19 @@
 </file>
 
 <file path=customXml/itemProps1.xml><?xml version="1.0" encoding="utf-8"?>
-<ds:datastoreItem xmlns:ds="http://schemas.openxmlformats.org/officeDocument/2006/customXml" ds:itemID="{3F407387-4BEA-45E7-A546-EAF24BCEADF4}">
+<ds:datastoreItem xmlns:ds="http://schemas.openxmlformats.org/officeDocument/2006/customXml" ds:itemID="{A770BCC9-0480-4A5F-A5A5-05648EB42497}">
   <ds:schemaRefs>
-    <ds:schemaRef ds:uri="http://schemas.microsoft.com/sharepoint/v3/contenttype/forms"/>
+    <ds:schemaRef ds:uri="http://schemas.microsoft.com/office/2006/metadata/properties"/>
+    <ds:schemaRef ds:uri="http://schemas.microsoft.com/office/infopath/2007/PartnerControls"/>
+    <ds:schemaRef ds:uri="86d55d5a-583b-4ffa-ba38-1d7d24766b92"/>
   </ds:schemaRefs>
 </ds:datastoreItem>
 </file>
 
 <file path=customXml/itemProps2.xml><?xml version="1.0" encoding="utf-8"?>
-<ds:datastoreItem xmlns:ds="http://schemas.openxmlformats.org/officeDocument/2006/customXml" ds:itemID="{A770BCC9-0480-4A5F-A5A5-05648EB42497}">
+<ds:datastoreItem xmlns:ds="http://schemas.openxmlformats.org/officeDocument/2006/customXml" ds:itemID="{3F407387-4BEA-45E7-A546-EAF24BCEADF4}">
   <ds:schemaRefs>
-    <ds:schemaRef ds:uri="http://schemas.microsoft.com/office/2006/metadata/properties"/>
-    <ds:schemaRef ds:uri="http://schemas.microsoft.com/office/infopath/2007/PartnerControls"/>
-    <ds:schemaRef ds:uri="86d55d5a-583b-4ffa-ba38-1d7d24766b92"/>
+    <ds:schemaRef ds:uri="http://schemas.microsoft.com/sharepoint/v3/contenttype/forms"/>
   </ds:schemaRefs>
 </ds:datastoreItem>
 </file>

--- a/for-posdealers/presentation/tech/media/posdealer-tech-rollout.pptx
+++ b/for-posdealers/presentation/tech/media/posdealer-tech-rollout.pptx
@@ -4052,7 +4052,7 @@
           <a:p>
             <a:fld id="{E52F4C69-7549-4A71-BB0C-341D25F594E8}" type="datetime1">
               <a:rPr lang="de-AT" smtClean="0"/>
-              <a:t>09.09.20</a:t>
+              <a:t>10.09.20</a:t>
             </a:fld>
             <a:endParaRPr lang="de-AT"/>
           </a:p>
@@ -4455,7 +4455,7 @@
           <a:p>
             <a:fld id="{E52F4C69-7549-4A71-BB0C-341D25F594E8}" type="datetime1">
               <a:rPr lang="de-AT" smtClean="0"/>
-              <a:t>09.09.20</a:t>
+              <a:t>10.09.20</a:t>
             </a:fld>
             <a:endParaRPr lang="de-AT"/>
           </a:p>
@@ -4642,7 +4642,7 @@
           <a:p>
             <a:fld id="{E52F4C69-7549-4A71-BB0C-341D25F594E8}" type="datetime1">
               <a:rPr lang="de-AT" smtClean="0"/>
-              <a:t>09.09.20</a:t>
+              <a:t>10.09.20</a:t>
             </a:fld>
             <a:endParaRPr lang="de-AT"/>
           </a:p>
@@ -4829,7 +4829,7 @@
           <a:p>
             <a:fld id="{E52F4C69-7549-4A71-BB0C-341D25F594E8}" type="datetime1">
               <a:rPr lang="de-AT" smtClean="0"/>
-              <a:t>09.09.20</a:t>
+              <a:t>10.09.20</a:t>
             </a:fld>
             <a:endParaRPr lang="de-AT"/>
           </a:p>
@@ -5016,7 +5016,7 @@
           <a:p>
             <a:fld id="{E52F4C69-7549-4A71-BB0C-341D25F594E8}" type="datetime1">
               <a:rPr lang="de-AT" smtClean="0"/>
-              <a:t>09.09.20</a:t>
+              <a:t>10.09.20</a:t>
             </a:fld>
             <a:endParaRPr lang="de-AT"/>
           </a:p>
@@ -5203,7 +5203,7 @@
           <a:p>
             <a:fld id="{E52F4C69-7549-4A71-BB0C-341D25F594E8}" type="datetime1">
               <a:rPr lang="de-AT" smtClean="0"/>
-              <a:t>09.09.20</a:t>
+              <a:t>10.09.20</a:t>
             </a:fld>
             <a:endParaRPr lang="de-AT"/>
           </a:p>
@@ -5390,7 +5390,7 @@
           <a:p>
             <a:fld id="{E52F4C69-7549-4A71-BB0C-341D25F594E8}" type="datetime1">
               <a:rPr lang="de-AT" smtClean="0"/>
-              <a:t>09.09.20</a:t>
+              <a:t>10.09.20</a:t>
             </a:fld>
             <a:endParaRPr lang="de-AT"/>
           </a:p>
@@ -5577,7 +5577,7 @@
           <a:p>
             <a:fld id="{E52F4C69-7549-4A71-BB0C-341D25F594E8}" type="datetime1">
               <a:rPr lang="de-AT" smtClean="0"/>
-              <a:t>09.09.20</a:t>
+              <a:t>10.09.20</a:t>
             </a:fld>
             <a:endParaRPr lang="de-AT"/>
           </a:p>
@@ -5764,7 +5764,7 @@
           <a:p>
             <a:fld id="{E52F4C69-7549-4A71-BB0C-341D25F594E8}" type="datetime1">
               <a:rPr lang="de-AT" smtClean="0"/>
-              <a:t>09.09.20</a:t>
+              <a:t>10.09.20</a:t>
             </a:fld>
             <a:endParaRPr lang="de-AT"/>
           </a:p>
@@ -5951,7 +5951,7 @@
           <a:p>
             <a:fld id="{E52F4C69-7549-4A71-BB0C-341D25F594E8}" type="datetime1">
               <a:rPr lang="de-AT" smtClean="0"/>
-              <a:t>09.09.20</a:t>
+              <a:t>10.09.20</a:t>
             </a:fld>
             <a:endParaRPr lang="de-AT"/>
           </a:p>
@@ -6138,7 +6138,7 @@
           <a:p>
             <a:fld id="{E52F4C69-7549-4A71-BB0C-341D25F594E8}" type="datetime1">
               <a:rPr lang="de-AT" smtClean="0"/>
-              <a:t>09.09.20</a:t>
+              <a:t>10.09.20</a:t>
             </a:fld>
             <a:endParaRPr lang="de-AT"/>
           </a:p>
@@ -6325,7 +6325,7 @@
           <a:p>
             <a:fld id="{E52F4C69-7549-4A71-BB0C-341D25F594E8}" type="datetime1">
               <a:rPr lang="de-AT" smtClean="0"/>
-              <a:t>09.09.20</a:t>
+              <a:t>10.09.20</a:t>
             </a:fld>
             <a:endParaRPr lang="de-AT"/>
           </a:p>
@@ -6545,7 +6545,7 @@
           <a:p>
             <a:fld id="{E52F4C69-7549-4A71-BB0C-341D25F594E8}" type="datetime1">
               <a:rPr lang="de-AT" smtClean="0"/>
-              <a:t>09.09.20</a:t>
+              <a:t>10.09.20</a:t>
             </a:fld>
             <a:endParaRPr lang="de-AT"/>
           </a:p>
@@ -6723,7 +6723,7 @@
           <a:p>
             <a:fld id="{E52F4C69-7549-4A71-BB0C-341D25F594E8}" type="datetime1">
               <a:rPr lang="de-AT" smtClean="0"/>
-              <a:t>09.09.20</a:t>
+              <a:t>10.09.20</a:t>
             </a:fld>
             <a:endParaRPr lang="de-AT"/>
           </a:p>
@@ -6853,7 +6853,7 @@
           <a:p>
             <a:fld id="{E52F4C69-7549-4A71-BB0C-341D25F594E8}" type="datetime1">
               <a:rPr lang="de-AT" smtClean="0"/>
-              <a:t>09.09.20</a:t>
+              <a:t>10.09.20</a:t>
             </a:fld>
             <a:endParaRPr lang="de-AT"/>
           </a:p>
@@ -7094,7 +7094,7 @@
           <a:p>
             <a:fld id="{E52F4C69-7549-4A71-BB0C-341D25F594E8}" type="datetime1">
               <a:rPr lang="de-AT" smtClean="0"/>
-              <a:t>09.09.20</a:t>
+              <a:t>10.09.20</a:t>
             </a:fld>
             <a:endParaRPr lang="de-AT"/>
           </a:p>
@@ -7388,7 +7388,7 @@
           <a:p>
             <a:fld id="{E52F4C69-7549-4A71-BB0C-341D25F594E8}" type="datetime1">
               <a:rPr lang="de-AT" smtClean="0"/>
-              <a:t>09.09.20</a:t>
+              <a:t>10.09.20</a:t>
             </a:fld>
             <a:endParaRPr lang="de-AT"/>
           </a:p>
@@ -7521,7 +7521,7 @@
           <a:p>
             <a:fld id="{E52F4C69-7549-4A71-BB0C-341D25F594E8}" type="datetime1">
               <a:rPr lang="de-AT" smtClean="0"/>
-              <a:t>09.09.20</a:t>
+              <a:t>10.09.20</a:t>
             </a:fld>
             <a:endParaRPr lang="de-AT"/>
           </a:p>
@@ -7896,7 +7896,7 @@
           <a:p>
             <a:fld id="{E52F4C69-7549-4A71-BB0C-341D25F594E8}" type="datetime1">
               <a:rPr lang="de-AT" smtClean="0"/>
-              <a:t>09.09.20</a:t>
+              <a:t>10.09.20</a:t>
             </a:fld>
             <a:endParaRPr lang="de-AT"/>
           </a:p>
@@ -8089,7 +8089,7 @@
           <a:p>
             <a:fld id="{E52F4C69-7549-4A71-BB0C-341D25F594E8}" type="datetime1">
               <a:rPr lang="de-AT" smtClean="0"/>
-              <a:t>09.09.20</a:t>
+              <a:t>10.09.20</a:t>
             </a:fld>
             <a:endParaRPr lang="de-AT"/>
           </a:p>
@@ -8238,7 +8238,7 @@
           <a:p>
             <a:fld id="{E52F4C69-7549-4A71-BB0C-341D25F594E8}" type="datetime1">
               <a:rPr lang="de-AT" smtClean="0"/>
-              <a:t>09.09.20</a:t>
+              <a:t>10.09.20</a:t>
             </a:fld>
             <a:endParaRPr lang="de-AT"/>
           </a:p>
@@ -8422,7 +8422,7 @@
           <a:p>
             <a:fld id="{E52F4C69-7549-4A71-BB0C-341D25F594E8}" type="datetime1">
               <a:rPr lang="de-AT" smtClean="0"/>
-              <a:t>09.09.20</a:t>
+              <a:t>10.09.20</a:t>
             </a:fld>
             <a:endParaRPr lang="de-AT"/>
           </a:p>
@@ -9698,7 +9698,7 @@
             <a:fld id="{D920586B-A06C-4754-BF0D-C36EFEB7D1BE}" type="datetime1">
               <a:rPr lang="de-DE" smtClean="0"/>
               <a:pPr/>
-              <a:t>09.09.20</a:t>
+              <a:t>10.09.20</a:t>
             </a:fld>
             <a:endParaRPr lang="de-AT" dirty="0"/>
           </a:p>
@@ -12255,7 +12255,7 @@
       </p:sp>
       <p:pic>
         <p:nvPicPr>
-          <p:cNvPr id="12" name="Picture 11" descr="A screenshot of a social media post&#10;&#10;Description automatically generated">
+          <p:cNvPr id="12" name="Picture 11">
             <a:extLst>
               <a:ext uri="{FF2B5EF4-FFF2-40B4-BE49-F238E27FC236}">
                 <a16:creationId xmlns:a16="http://schemas.microsoft.com/office/drawing/2014/main" id="{00738A90-4238-C240-AE37-5E82CC7126FF}"/>
@@ -12275,14 +12275,13 @@
               </a:ext>
             </a:extLst>
           </a:blip>
-          <a:stretch>
-            <a:fillRect/>
-          </a:stretch>
+          <a:srcRect/>
+          <a:stretch/>
         </p:blipFill>
         <p:spPr>
           <a:xfrm>
-            <a:off x="102782" y="1036948"/>
-            <a:ext cx="11986436" cy="5817182"/>
+            <a:off x="458607" y="1036948"/>
+            <a:ext cx="11274785" cy="5817182"/>
           </a:xfrm>
           <a:prstGeom prst="rect">
             <a:avLst/>
@@ -12460,42 +12459,9 @@
           </a:p>
         </p:txBody>
       </p:sp>
-      <p:sp>
-        <p:nvSpPr>
-          <p:cNvPr id="4" name="Footer Placeholder 3">
-            <a:extLst>
-              <a:ext uri="{FF2B5EF4-FFF2-40B4-BE49-F238E27FC236}">
-                <a16:creationId xmlns:a16="http://schemas.microsoft.com/office/drawing/2014/main" id="{5CD35D5E-AF9E-454B-A2D5-C72DEC58B858}"/>
-              </a:ext>
-            </a:extLst>
-          </p:cNvPr>
-          <p:cNvSpPr>
-            <a:spLocks noGrp="1"/>
-          </p:cNvSpPr>
-          <p:nvPr>
-            <p:ph type="ftr" sz="quarter" idx="4294967295"/>
-          </p:nvPr>
-        </p:nvSpPr>
-        <p:spPr>
-          <a:xfrm>
-            <a:off x="0" y="6427788"/>
-            <a:ext cx="6643688" cy="365125"/>
-          </a:xfrm>
-        </p:spPr>
-        <p:txBody>
-          <a:bodyPr/>
-          <a:lstStyle/>
-          <a:p>
-            <a:r>
-              <a:rPr lang="de-AT" dirty="0"/>
-              <a:t>fiskaltrust.</a:t>
-            </a:r>
-          </a:p>
-        </p:txBody>
-      </p:sp>
       <p:pic>
         <p:nvPicPr>
-          <p:cNvPr id="3" name="Picture 2" descr="A screenshot of a cell phone&#10;&#10;Description automatically generated">
+          <p:cNvPr id="3" name="Picture 2">
             <a:extLst>
               <a:ext uri="{FF2B5EF4-FFF2-40B4-BE49-F238E27FC236}">
                 <a16:creationId xmlns:a16="http://schemas.microsoft.com/office/drawing/2014/main" id="{32BB83FB-F5F0-DC40-966A-5C6C5D7ADDFA}"/>
@@ -12515,14 +12481,13 @@
               </a:ext>
             </a:extLst>
           </a:blip>
-          <a:stretch>
-            <a:fillRect/>
-          </a:stretch>
+          <a:srcRect/>
+          <a:stretch/>
         </p:blipFill>
         <p:spPr>
           <a:xfrm>
-            <a:off x="0" y="3831199"/>
-            <a:ext cx="12192000" cy="2510358"/>
+            <a:off x="684198" y="3861084"/>
+            <a:ext cx="7638969" cy="2510358"/>
           </a:xfrm>
           <a:prstGeom prst="rect">
             <a:avLst/>
@@ -15485,15 +15450,6 @@
 </file>
 
 <file path=customXml/item2.xml><?xml version="1.0" encoding="utf-8"?>
-<?mso-contentType ?>
-<FormTemplates xmlns="http://schemas.microsoft.com/sharepoint/v3/contenttype/forms">
-  <Display>DocumentLibraryForm</Display>
-  <Edit>DocumentLibraryForm</Edit>
-  <New>DocumentLibraryForm</New>
-</FormTemplates>
-</file>
-
-<file path=customXml/item3.xml><?xml version="1.0" encoding="utf-8"?>
 <ct:contentTypeSchema xmlns:ct="http://schemas.microsoft.com/office/2006/metadata/contentType" xmlns:ma="http://schemas.microsoft.com/office/2006/metadata/properties/metaAttributes" ct:_="" ma:_="" ma:contentTypeName="Dokument" ma:contentTypeID="0x010100EDDAB4B22929B54F9C6B97FCF3506A69" ma:contentTypeVersion="18" ma:contentTypeDescription="Ein neues Dokument erstellen." ma:contentTypeScope="" ma:versionID="48f0b89e718592fa7287d62064933d84">
   <xsd:schema xmlns:xsd="http://www.w3.org/2001/XMLSchema" xmlns:xs="http://www.w3.org/2001/XMLSchema" xmlns:p="http://schemas.microsoft.com/office/2006/metadata/properties" xmlns:ns3="86d55d5a-583b-4ffa-ba38-1d7d24766b92" xmlns:ns4="79e3e85f-1e38-4ceb-855f-9704f5188ae9" targetNamespace="http://schemas.microsoft.com/office/2006/metadata/properties" ma:root="true" ma:fieldsID="756dd8eefc7eaabc214879ed16408efd" ns3:_="" ns4:_="">
     <xsd:import namespace="86d55d5a-583b-4ffa-ba38-1d7d24766b92"/>
@@ -15746,6 +15702,15 @@
 </ct:contentTypeSchema>
 </file>
 
+<file path=customXml/item3.xml><?xml version="1.0" encoding="utf-8"?>
+<?mso-contentType ?>
+<FormTemplates xmlns="http://schemas.microsoft.com/sharepoint/v3/contenttype/forms">
+  <Display>DocumentLibraryForm</Display>
+  <Edit>DocumentLibraryForm</Edit>
+  <New>DocumentLibraryForm</New>
+</FormTemplates>
+</file>
+
 <file path=customXml/itemProps1.xml><?xml version="1.0" encoding="utf-8"?>
 <ds:datastoreItem xmlns:ds="http://schemas.openxmlformats.org/officeDocument/2006/customXml" ds:itemID="{A770BCC9-0480-4A5F-A5A5-05648EB42497}">
   <ds:schemaRefs>
@@ -15757,14 +15722,6 @@
 </file>
 
 <file path=customXml/itemProps2.xml><?xml version="1.0" encoding="utf-8"?>
-<ds:datastoreItem xmlns:ds="http://schemas.openxmlformats.org/officeDocument/2006/customXml" ds:itemID="{3F407387-4BEA-45E7-A546-EAF24BCEADF4}">
-  <ds:schemaRefs>
-    <ds:schemaRef ds:uri="http://schemas.microsoft.com/sharepoint/v3/contenttype/forms"/>
-  </ds:schemaRefs>
-</ds:datastoreItem>
-</file>
-
-<file path=customXml/itemProps3.xml><?xml version="1.0" encoding="utf-8"?>
 <ds:datastoreItem xmlns:ds="http://schemas.openxmlformats.org/officeDocument/2006/customXml" ds:itemID="{C858B782-02BD-4534-B5E2-DFF71202A804}">
   <ds:schemaRefs>
     <ds:schemaRef ds:uri="http://schemas.microsoft.com/office/2006/metadata/contentType"/>
@@ -15781,4 +15738,12 @@
     <ds:schemaRef ds:uri="http://schemas.microsoft.com/internal/obd"/>
   </ds:schemaRefs>
 </ds:datastoreItem>
+</file>
+
+<file path=customXml/itemProps3.xml><?xml version="1.0" encoding="utf-8"?>
+<ds:datastoreItem xmlns:ds="http://schemas.openxmlformats.org/officeDocument/2006/customXml" ds:itemID="{3F407387-4BEA-45E7-A546-EAF24BCEADF4}">
+  <ds:schemaRefs>
+    <ds:schemaRef ds:uri="http://schemas.microsoft.com/sharepoint/v3/contenttype/forms"/>
+  </ds:schemaRefs>
+</ds:datastoreItem>
 </file>
--- a/for-posdealers/presentation/tech/media/posdealer-tech-rollout.pptx
+++ b/for-posdealers/presentation/tech/media/posdealer-tech-rollout.pptx
@@ -189,7 +189,440 @@
       </p:ext>
     </p:extLst>
   </p:cmAuthor>
+  <p:cmAuthor id="2" name="Thomas Steininger" initials="TS" lastIdx="20" clrIdx="1">
+    <p:extLst>
+      <p:ext uri="{19B8F6BF-5375-455C-9EA6-DF929625EA0E}">
+        <p15:presenceInfo xmlns:p15="http://schemas.microsoft.com/office/powerpoint/2012/main" userId="S::thomas.steininger@fiskaltrust.services::fa07a723-11c5-4e01-a785-5b6825a71c8a" providerId="AD"/>
+      </p:ext>
+    </p:extLst>
+  </p:cmAuthor>
+  <p:cmAuthor id="3" name="Christian Rogobete" initials="CR" lastIdx="2" clrIdx="2">
+    <p:extLst>
+      <p:ext uri="{19B8F6BF-5375-455C-9EA6-DF929625EA0E}">
+        <p15:presenceInfo xmlns:p15="http://schemas.microsoft.com/office/powerpoint/2012/main" userId="S::christian.rogobete@fiskaltrust.services::d2c5bf37-7af1-4f1e-89e5-52f1cd2a0a85" providerId="AD"/>
+      </p:ext>
+    </p:extLst>
+  </p:cmAuthor>
 </p:cmAuthorLst>
+</file>
+
+<file path=ppt/revisionInfo.xml><?xml version="1.0" encoding="utf-8"?>
+<p1510:revInfo xmlns:a="http://schemas.openxmlformats.org/drawingml/2006/main" xmlns:r="http://schemas.openxmlformats.org/officeDocument/2006/relationships" xmlns:p1510="http://schemas.microsoft.com/office/powerpoint/2015/10/main">
+  <p1510:revLst>
+    <p1510:client id="{01CB4AAF-EA6F-43C6-9737-C3C5DB2D1D0B}" v="3" dt="2020-09-21T14:43:55.392"/>
+    <p1510:client id="{BE679156-1E30-4F92-8D58-427CF7C0B02E}" v="64" dt="2020-09-23T10:13:15.124"/>
+  </p1510:revLst>
+</p1510:revInfo>
+</file>
+
+<file path=ppt/changesInfos/changesInfo1.xml><?xml version="1.0" encoding="utf-8"?>
+<pc:chgInfo xmlns:a="http://schemas.openxmlformats.org/drawingml/2006/main" xmlns:r="http://schemas.openxmlformats.org/officeDocument/2006/relationships" xmlns:ac="http://schemas.microsoft.com/office/drawing/2013/main/command" xmlns:pc="http://schemas.microsoft.com/office/powerpoint/2013/main/command">
+  <pc:docChgLst>
+    <pc:chgData name="Thomas Steininger" userId="fa07a723-11c5-4e01-a785-5b6825a71c8a" providerId="ADAL" clId="{44E3E4C1-3FF8-4A1B-81DC-215D6F70D6D5}"/>
+    <pc:docChg chg="undo custSel modSld">
+      <pc:chgData name="Thomas Steininger" userId="fa07a723-11c5-4e01-a785-5b6825a71c8a" providerId="ADAL" clId="{44E3E4C1-3FF8-4A1B-81DC-215D6F70D6D5}" dt="2020-09-14T20:42:46.336" v="57" actId="1589"/>
+      <pc:docMkLst>
+        <pc:docMk/>
+      </pc:docMkLst>
+      <pc:sldChg chg="addCm delCm modCm modNotesTx">
+        <pc:chgData name="Thomas Steininger" userId="fa07a723-11c5-4e01-a785-5b6825a71c8a" providerId="ADAL" clId="{44E3E4C1-3FF8-4A1B-81DC-215D6F70D6D5}" dt="2020-09-14T20:26:36.513" v="29" actId="1589"/>
+        <pc:sldMkLst>
+          <pc:docMk/>
+          <pc:sldMk cId="1779156252" sldId="1643"/>
+        </pc:sldMkLst>
+      </pc:sldChg>
+      <pc:sldChg chg="addCm modCm">
+        <pc:chgData name="Thomas Steininger" userId="fa07a723-11c5-4e01-a785-5b6825a71c8a" providerId="ADAL" clId="{44E3E4C1-3FF8-4A1B-81DC-215D6F70D6D5}" dt="2020-09-14T20:29:51.137" v="35" actId="1589"/>
+        <pc:sldMkLst>
+          <pc:docMk/>
+          <pc:sldMk cId="3750638835" sldId="1644"/>
+        </pc:sldMkLst>
+      </pc:sldChg>
+      <pc:sldChg chg="addCm modCm modNotesTx">
+        <pc:chgData name="Thomas Steininger" userId="fa07a723-11c5-4e01-a785-5b6825a71c8a" providerId="ADAL" clId="{44E3E4C1-3FF8-4A1B-81DC-215D6F70D6D5}" dt="2020-09-14T20:34:44.954" v="43" actId="1589"/>
+        <pc:sldMkLst>
+          <pc:docMk/>
+          <pc:sldMk cId="626255768" sldId="1646"/>
+        </pc:sldMkLst>
+      </pc:sldChg>
+      <pc:sldChg chg="modSp addCm modCm">
+        <pc:chgData name="Thomas Steininger" userId="fa07a723-11c5-4e01-a785-5b6825a71c8a" providerId="ADAL" clId="{44E3E4C1-3FF8-4A1B-81DC-215D6F70D6D5}" dt="2020-09-14T20:37:20.927" v="50"/>
+        <pc:sldMkLst>
+          <pc:docMk/>
+          <pc:sldMk cId="3376721436" sldId="1651"/>
+        </pc:sldMkLst>
+        <pc:spChg chg="mod">
+          <ac:chgData name="Thomas Steininger" userId="fa07a723-11c5-4e01-a785-5b6825a71c8a" providerId="ADAL" clId="{44E3E4C1-3FF8-4A1B-81DC-215D6F70D6D5}" dt="2020-09-14T20:36:03.705" v="46" actId="15"/>
+          <ac:spMkLst>
+            <pc:docMk/>
+            <pc:sldMk cId="3376721436" sldId="1651"/>
+            <ac:spMk id="7" creationId="{4DE78D6A-7D77-8B48-A7A2-AD18A97D6DEF}"/>
+          </ac:spMkLst>
+        </pc:spChg>
+      </pc:sldChg>
+      <pc:sldChg chg="addCm modCm">
+        <pc:chgData name="Thomas Steininger" userId="fa07a723-11c5-4e01-a785-5b6825a71c8a" providerId="ADAL" clId="{44E3E4C1-3FF8-4A1B-81DC-215D6F70D6D5}" dt="2020-09-14T20:39:22.543" v="52"/>
+        <pc:sldMkLst>
+          <pc:docMk/>
+          <pc:sldMk cId="3613263762" sldId="1653"/>
+        </pc:sldMkLst>
+      </pc:sldChg>
+      <pc:sldChg chg="addCm modCm">
+        <pc:chgData name="Thomas Steininger" userId="fa07a723-11c5-4e01-a785-5b6825a71c8a" providerId="ADAL" clId="{44E3E4C1-3FF8-4A1B-81DC-215D6F70D6D5}" dt="2020-09-14T20:41:31.231" v="54"/>
+        <pc:sldMkLst>
+          <pc:docMk/>
+          <pc:sldMk cId="3843813847" sldId="1655"/>
+        </pc:sldMkLst>
+      </pc:sldChg>
+      <pc:sldChg chg="addCm modCm">
+        <pc:chgData name="Thomas Steininger" userId="fa07a723-11c5-4e01-a785-5b6825a71c8a" providerId="ADAL" clId="{44E3E4C1-3FF8-4A1B-81DC-215D6F70D6D5}" dt="2020-09-14T20:42:46.336" v="57" actId="1589"/>
+        <pc:sldMkLst>
+          <pc:docMk/>
+          <pc:sldMk cId="1647750330" sldId="1658"/>
+        </pc:sldMkLst>
+      </pc:sldChg>
+    </pc:docChg>
+  </pc:docChgLst>
+  <pc:docChgLst>
+    <pc:chgData name="Christian Rogobete" userId="S::christian.rogobete@fiskaltrust.services::d2c5bf37-7af1-4f1e-89e5-52f1cd2a0a85" providerId="AD" clId="Web-{BE679156-1E30-4F92-8D58-427CF7C0B02E}"/>
+    <pc:docChg chg="modSld">
+      <pc:chgData name="Christian Rogobete" userId="S::christian.rogobete@fiskaltrust.services::d2c5bf37-7af1-4f1e-89e5-52f1cd2a0a85" providerId="AD" clId="Web-{BE679156-1E30-4F92-8D58-427CF7C0B02E}" dt="2020-09-23T10:13:14.155" v="61" actId="20577"/>
+      <pc:docMkLst>
+        <pc:docMk/>
+      </pc:docMkLst>
+      <pc:sldChg chg="modSp">
+        <pc:chgData name="Christian Rogobete" userId="S::christian.rogobete@fiskaltrust.services::d2c5bf37-7af1-4f1e-89e5-52f1cd2a0a85" providerId="AD" clId="Web-{BE679156-1E30-4F92-8D58-427CF7C0B02E}" dt="2020-09-23T10:05:52.733" v="10" actId="20577"/>
+        <pc:sldMkLst>
+          <pc:docMk/>
+          <pc:sldMk cId="1779156252" sldId="1643"/>
+        </pc:sldMkLst>
+        <pc:graphicFrameChg chg="modGraphic">
+          <ac:chgData name="Christian Rogobete" userId="S::christian.rogobete@fiskaltrust.services::d2c5bf37-7af1-4f1e-89e5-52f1cd2a0a85" providerId="AD" clId="Web-{BE679156-1E30-4F92-8D58-427CF7C0B02E}" dt="2020-09-23T10:05:52.733" v="10" actId="20577"/>
+          <ac:graphicFrameMkLst>
+            <pc:docMk/>
+            <pc:sldMk cId="1779156252" sldId="1643"/>
+            <ac:graphicFrameMk id="8" creationId="{83FCB137-C3FE-E949-B604-FF61EBFB7B98}"/>
+          </ac:graphicFrameMkLst>
+        </pc:graphicFrameChg>
+      </pc:sldChg>
+      <pc:sldChg chg="modSp">
+        <pc:chgData name="Christian Rogobete" userId="S::christian.rogobete@fiskaltrust.services::d2c5bf37-7af1-4f1e-89e5-52f1cd2a0a85" providerId="AD" clId="Web-{BE679156-1E30-4F92-8D58-427CF7C0B02E}" dt="2020-09-23T10:13:14.155" v="60" actId="20577"/>
+        <pc:sldMkLst>
+          <pc:docMk/>
+          <pc:sldMk cId="109195356" sldId="1650"/>
+        </pc:sldMkLst>
+        <pc:spChg chg="mod">
+          <ac:chgData name="Christian Rogobete" userId="S::christian.rogobete@fiskaltrust.services::d2c5bf37-7af1-4f1e-89e5-52f1cd2a0a85" providerId="AD" clId="Web-{BE679156-1E30-4F92-8D58-427CF7C0B02E}" dt="2020-09-23T10:13:14.155" v="60" actId="20577"/>
+          <ac:spMkLst>
+            <pc:docMk/>
+            <pc:sldMk cId="109195356" sldId="1650"/>
+            <ac:spMk id="7" creationId="{4DE78D6A-7D77-8B48-A7A2-AD18A97D6DEF}"/>
+          </ac:spMkLst>
+        </pc:spChg>
+      </pc:sldChg>
+      <pc:sldChg chg="modSp addCm delCm">
+        <pc:chgData name="Christian Rogobete" userId="S::christian.rogobete@fiskaltrust.services::d2c5bf37-7af1-4f1e-89e5-52f1cd2a0a85" providerId="AD" clId="Web-{BE679156-1E30-4F92-8D58-427CF7C0B02E}" dt="2020-09-23T10:10:30.639" v="31"/>
+        <pc:sldMkLst>
+          <pc:docMk/>
+          <pc:sldMk cId="3376721436" sldId="1651"/>
+        </pc:sldMkLst>
+        <pc:spChg chg="mod">
+          <ac:chgData name="Christian Rogobete" userId="S::christian.rogobete@fiskaltrust.services::d2c5bf37-7af1-4f1e-89e5-52f1cd2a0a85" providerId="AD" clId="Web-{BE679156-1E30-4F92-8D58-427CF7C0B02E}" dt="2020-09-23T10:10:17.811" v="29" actId="20577"/>
+          <ac:spMkLst>
+            <pc:docMk/>
+            <pc:sldMk cId="3376721436" sldId="1651"/>
+            <ac:spMk id="7" creationId="{4DE78D6A-7D77-8B48-A7A2-AD18A97D6DEF}"/>
+          </ac:spMkLst>
+        </pc:spChg>
+      </pc:sldChg>
+    </pc:docChg>
+  </pc:docChgLst>
+  <pc:docChgLst>
+    <pc:chgData name="Andreas Edler" userId="1c5b4421-a50c-4d38-ab8f-79911dbf2b71" providerId="ADAL" clId="{01CB4AAF-EA6F-43C6-9737-C3C5DB2D1D0B}"/>
+    <pc:docChg chg="modSld">
+      <pc:chgData name="Andreas Edler" userId="1c5b4421-a50c-4d38-ab8f-79911dbf2b71" providerId="ADAL" clId="{01CB4AAF-EA6F-43C6-9737-C3C5DB2D1D0B}" dt="2020-09-21T14:43:55.392" v="2"/>
+      <pc:docMkLst>
+        <pc:docMk/>
+      </pc:docMkLst>
+      <pc:sldChg chg="modCm">
+        <pc:chgData name="Andreas Edler" userId="1c5b4421-a50c-4d38-ab8f-79911dbf2b71" providerId="ADAL" clId="{01CB4AAF-EA6F-43C6-9737-C3C5DB2D1D0B}" dt="2020-09-21T14:43:55.392" v="2"/>
+        <pc:sldMkLst>
+          <pc:docMk/>
+          <pc:sldMk cId="1779156252" sldId="1643"/>
+        </pc:sldMkLst>
+      </pc:sldChg>
+    </pc:docChg>
+  </pc:docChgLst>
+  <pc:docChgLst>
+    <pc:chgData name="Christian Rogobete" userId="S::christian.rogobete@fiskaltrust.services::d2c5bf37-7af1-4f1e-89e5-52f1cd2a0a85" providerId="AD" clId="Web-{DA4B3F57-2634-4B05-8DFE-A8C592779067}"/>
+    <pc:docChg chg="modSld">
+      <pc:chgData name="Christian Rogobete" userId="S::christian.rogobete@fiskaltrust.services::d2c5bf37-7af1-4f1e-89e5-52f1cd2a0a85" providerId="AD" clId="Web-{DA4B3F57-2634-4B05-8DFE-A8C592779067}" dt="2020-09-17T13:45:48.007" v="89"/>
+      <pc:docMkLst>
+        <pc:docMk/>
+      </pc:docMkLst>
+      <pc:sldChg chg="modSp addCm modNotes">
+        <pc:chgData name="Christian Rogobete" userId="S::christian.rogobete@fiskaltrust.services::d2c5bf37-7af1-4f1e-89e5-52f1cd2a0a85" providerId="AD" clId="Web-{DA4B3F57-2634-4B05-8DFE-A8C592779067}" dt="2020-09-17T13:45:48.007" v="89"/>
+        <pc:sldMkLst>
+          <pc:docMk/>
+          <pc:sldMk cId="1779156252" sldId="1643"/>
+        </pc:sldMkLst>
+        <pc:graphicFrameChg chg="modGraphic">
+          <ac:chgData name="Christian Rogobete" userId="S::christian.rogobete@fiskaltrust.services::d2c5bf37-7af1-4f1e-89e5-52f1cd2a0a85" providerId="AD" clId="Web-{DA4B3F57-2634-4B05-8DFE-A8C592779067}" dt="2020-09-17T13:42:35.722" v="53" actId="20577"/>
+          <ac:graphicFrameMkLst>
+            <pc:docMk/>
+            <pc:sldMk cId="1779156252" sldId="1643"/>
+            <ac:graphicFrameMk id="8" creationId="{83FCB137-C3FE-E949-B604-FF61EBFB7B98}"/>
+          </ac:graphicFrameMkLst>
+        </pc:graphicFrameChg>
+      </pc:sldChg>
+    </pc:docChg>
+  </pc:docChgLst>
+</pc:chgInfo>
+</file>
+
+<file path=ppt/comments/comment1.xml><?xml version="1.0" encoding="utf-8"?>
+<p:cmLst xmlns:a="http://schemas.openxmlformats.org/drawingml/2006/main" xmlns:r="http://schemas.openxmlformats.org/officeDocument/2006/relationships" xmlns:p="http://schemas.openxmlformats.org/presentationml/2006/main">
+  <p:cm authorId="2" dt="2020-09-14T22:19:17.594" idx="1">
+    <p:pos x="10" y="10"/>
+    <p:text>hier sollte auch noch der erleichtere flow erläutert werden.
+das kassenhändler-opt-in zur auto-invitation.</p:text>
+    <p:extLst>
+      <p:ext uri="{C676402C-5697-4E1C-873F-D02D1690AC5C}">
+        <p15:threadingInfo xmlns:p15="http://schemas.microsoft.com/office/powerpoint/2012/main" timeZoneBias="-120"/>
+      </p:ext>
+    </p:extLst>
+  </p:cm>
+  <p:cm authorId="2" dt="2020-09-14T22:20:39.843" idx="2">
+    <p:pos x="106" y="106"/>
+    <p:text>das ist im fall des betreibers nicht ein kooperationsvertrag, das ist der kassenbetreiber-nutzungsvertrag.</p:text>
+    <p:extLst>
+      <p:ext uri="{C676402C-5697-4E1C-873F-D02D1690AC5C}">
+        <p15:threadingInfo xmlns:p15="http://schemas.microsoft.com/office/powerpoint/2012/main" timeZoneBias="-120"/>
+      </p:ext>
+    </p:extLst>
+  </p:cm>
+  <p:cm authorId="3" dt="2020-09-17T06:42:49.238" idx="1">
+    <p:pos x="106" y="202"/>
+    <p:text>ja</p:text>
+    <p:extLst>
+      <p:ext uri="{C676402C-5697-4E1C-873F-D02D1690AC5C}">
+        <p15:threadingInfo xmlns:p15="http://schemas.microsoft.com/office/powerpoint/2012/main" timeZoneBias="420">
+          <p15:parentCm authorId="2" idx="2"/>
+        </p15:threadingInfo>
+      </p:ext>
+    </p:extLst>
+  </p:cm>
+  <p:cm authorId="2" dt="2020-09-14T22:23:13.200" idx="4">
+    <p:pos x="202" y="202"/>
+    <p:text>surrogate hat nichts mit dem account-id des betreibers zu tun.</p:text>
+    <p:extLst>
+      <p:ext uri="{C676402C-5697-4E1C-873F-D02D1690AC5C}">
+        <p15:threadingInfo xmlns:p15="http://schemas.microsoft.com/office/powerpoint/2012/main" timeZoneBias="-120"/>
+      </p:ext>
+    </p:extLst>
+  </p:cm>
+  <p:cm authorId="3" dt="2020-09-17T06:45:48.007" idx="2">
+    <p:pos x="202" y="298"/>
+    <p:text>done</p:text>
+    <p:extLst>
+      <p:ext uri="{C676402C-5697-4E1C-873F-D02D1690AC5C}">
+        <p15:threadingInfo xmlns:p15="http://schemas.microsoft.com/office/powerpoint/2012/main" timeZoneBias="420">
+          <p15:parentCm authorId="2" idx="4"/>
+        </p15:threadingInfo>
+      </p:ext>
+    </p:extLst>
+  </p:cm>
+  <p:cm authorId="2" dt="2020-09-14T22:23:36.984" idx="5">
+    <p:pos x="298" y="298"/>
+    <p:text>der account-id kann angesehen werden wenn man im kassenbetreiber-account drinnen ist. der account-id und der zugehörige accesstoken ist eine streg geheime kombination. diese sollte vom händler nur intern genutzt werden, denn damit kann eine neue konfiguration angelegt werden</p:text>
+    <p:extLst>
+      <p:ext uri="{C676402C-5697-4E1C-873F-D02D1690AC5C}">
+        <p15:threadingInfo xmlns:p15="http://schemas.microsoft.com/office/powerpoint/2012/main" timeZoneBias="-120"/>
+      </p:ext>
+    </p:extLst>
+  </p:cm>
+  <p:cm authorId="2" dt="2020-09-14T22:25:53.546" idx="6">
+    <p:pos x="394" y="394"/>
+    <p:text>im namen des betreibers den shop bedienen wär besser denk ich.</p:text>
+    <p:extLst>
+      <p:ext uri="{C676402C-5697-4E1C-873F-D02D1690AC5C}">
+        <p15:threadingInfo xmlns:p15="http://schemas.microsoft.com/office/powerpoint/2012/main" timeZoneBias="-120"/>
+      </p:ext>
+    </p:extLst>
+  </p:cm>
+  <p:cm authorId="2" dt="2020-09-14T22:26:36.498" idx="7">
+    <p:pos x="394" y="490"/>
+    <p:text>die checkout-funktion am kassenbetreiber benötigt zusätzlich das vertragsabschlussrecht, welches nicht per default vergeben wird.</p:text>
+    <p:extLst>
+      <p:ext uri="{C676402C-5697-4E1C-873F-D02D1690AC5C}">
+        <p15:threadingInfo xmlns:p15="http://schemas.microsoft.com/office/powerpoint/2012/main" timeZoneBias="-120">
+          <p15:parentCm authorId="2" idx="6"/>
+        </p15:threadingInfo>
+      </p:ext>
+    </p:extLst>
+  </p:cm>
+</p:cmLst>
+</file>
+
+<file path=ppt/comments/comment2.xml><?xml version="1.0" encoding="utf-8"?>
+<p:cmLst xmlns:a="http://schemas.openxmlformats.org/drawingml/2006/main" xmlns:r="http://schemas.openxmlformats.org/officeDocument/2006/relationships" xmlns:p="http://schemas.openxmlformats.org/presentationml/2006/main">
+  <p:cm authorId="2" dt="2020-09-14T22:27:26.690" idx="8">
+    <p:pos x="10" y="10"/>
+    <p:text>tse erzeugt auch die transaktionsnummer, die signatur und den signaturzähler.</p:text>
+    <p:extLst>
+      <p:ext uri="{C676402C-5697-4E1C-873F-D02D1690AC5C}">
+        <p15:threadingInfo xmlns:p15="http://schemas.microsoft.com/office/powerpoint/2012/main" timeZoneBias="-120"/>
+      </p:ext>
+    </p:extLst>
+  </p:cm>
+  <p:cm authorId="2" dt="2020-09-14T22:28:09.844" idx="9">
+    <p:pos x="7342" y="977"/>
+    <p:text>das ipos-interface ist innerhalb der queue, das würde ich auch so empfehlen. 
+die grafik mit zwei container (ft.middleware und cashbox) gefällt mir nicht.</p:text>
+    <p:extLst>
+      <p:ext uri="{C676402C-5697-4E1C-873F-D02D1690AC5C}">
+        <p15:threadingInfo xmlns:p15="http://schemas.microsoft.com/office/powerpoint/2012/main" timeZoneBias="-120"/>
+      </p:ext>
+    </p:extLst>
+  </p:cm>
+  <p:cm authorId="2" dt="2020-09-14T22:29:51.137" idx="10">
+    <p:pos x="7342" y="1073"/>
+    <p:text>bei konfigurationen mit mehreren queues innerhalb einer cashbox macht es die visualisierung des ipos-interface innerhalb der queue auch klarer, mit welchem url die jeweilige queue erreichbar ist.</p:text>
+    <p:extLst>
+      <p:ext uri="{C676402C-5697-4E1C-873F-D02D1690AC5C}">
+        <p15:threadingInfo xmlns:p15="http://schemas.microsoft.com/office/powerpoint/2012/main" timeZoneBias="-120">
+          <p15:parentCm authorId="2" idx="9"/>
+        </p15:threadingInfo>
+      </p:ext>
+    </p:extLst>
+  </p:cm>
+</p:cmLst>
+</file>
+
+<file path=ppt/comments/comment3.xml><?xml version="1.0" encoding="utf-8"?>
+<p:cmLst xmlns:a="http://schemas.openxmlformats.org/drawingml/2006/main" xmlns:r="http://schemas.openxmlformats.org/officeDocument/2006/relationships" xmlns:p="http://schemas.openxmlformats.org/presentationml/2006/main">
+  <p:cm authorId="2" dt="2020-09-14T22:31:38.393" idx="11">
+    <p:pos x="10" y="10"/>
+    <p:text>service install und service start sollte präziser beschrieben werden.</p:text>
+    <p:extLst>
+      <p:ext uri="{C676402C-5697-4E1C-873F-D02D1690AC5C}">
+        <p15:threadingInfo xmlns:p15="http://schemas.microsoft.com/office/powerpoint/2012/main" timeZoneBias="-120"/>
+      </p:ext>
+    </p:extLst>
+  </p:cm>
+  <p:cm authorId="2" dt="2020-09-14T22:32:43.190" idx="12">
+    <p:pos x="10" y="106"/>
+    <p:text>es ist parameter-gesteuert, was fiskaltrust.exe macht.
+-install
+-uninstall
+-test
+wären wichtige parameter welche man erklären sollte</p:text>
+    <p:extLst>
+      <p:ext uri="{C676402C-5697-4E1C-873F-D02D1690AC5C}">
+        <p15:threadingInfo xmlns:p15="http://schemas.microsoft.com/office/powerpoint/2012/main" timeZoneBias="-120">
+          <p15:parentCm authorId="2" idx="11"/>
+        </p15:threadingInfo>
+      </p:ext>
+    </p:extLst>
+  </p:cm>
+  <p:cm authorId="2" dt="2020-09-14T22:33:21.632" idx="13">
+    <p:pos x="106" y="106"/>
+    <p:text>den offline-launscher würde ich nicht so darstellen. 
+-useoffline ist einfach einparameter</p:text>
+    <p:extLst>
+      <p:ext uri="{C676402C-5697-4E1C-873F-D02D1690AC5C}">
+        <p15:threadingInfo xmlns:p15="http://schemas.microsoft.com/office/powerpoint/2012/main" timeZoneBias="-120"/>
+      </p:ext>
+    </p:extLst>
+  </p:cm>
+  <p:cm authorId="2" dt="2020-09-14T22:34:44.940" idx="14">
+    <p:pos x="106" y="202"/>
+    <p:text>verschiedenen typen von launcher werden mehr durch die platform definiert
+- .net 4.6/4.8
+- mono
+- android
+- cloudservice (österreich, frankreich)
+- container (deutschland)</p:text>
+    <p:extLst>
+      <p:ext uri="{C676402C-5697-4E1C-873F-D02D1690AC5C}">
+        <p15:threadingInfo xmlns:p15="http://schemas.microsoft.com/office/powerpoint/2012/main" timeZoneBias="-120">
+          <p15:parentCm authorId="2" idx="13"/>
+        </p15:threadingInfo>
+      </p:ext>
+    </p:extLst>
+  </p:cm>
+</p:cmLst>
+</file>
+
+<file path=ppt/comments/comment4.xml><?xml version="1.0" encoding="utf-8"?>
+<p:cmLst xmlns:a="http://schemas.openxmlformats.org/drawingml/2006/main" xmlns:r="http://schemas.openxmlformats.org/officeDocument/2006/relationships" xmlns:p="http://schemas.openxmlformats.org/presentationml/2006/main">
+  <p:cm authorId="2" dt="2020-09-14T22:36:28.600" idx="16">
+    <p:pos x="10" y="10"/>
+    <p:text>eine teilung zwischem dem template-content =&gt; was auch gegen helipad ausgeführt werden kann
+und
+dem shop-template, welches auch text, bilder und den template-content enthält und im shop ausgeführt werden kann
+sollte klar ersichtlich sein</p:text>
+    <p:extLst>
+      <p:ext uri="{C676402C-5697-4E1C-873F-D02D1690AC5C}">
+        <p15:threadingInfo xmlns:p15="http://schemas.microsoft.com/office/powerpoint/2012/main" timeZoneBias="-120"/>
+      </p:ext>
+    </p:extLst>
+  </p:cm>
+</p:cmLst>
+</file>
+
+<file path=ppt/comments/comment5.xml><?xml version="1.0" encoding="utf-8"?>
+<p:cmLst xmlns:a="http://schemas.openxmlformats.org/drawingml/2006/main" xmlns:r="http://schemas.openxmlformats.org/officeDocument/2006/relationships" xmlns:p="http://schemas.openxmlformats.org/presentationml/2006/main">
+  <p:cm authorId="2" dt="2020-09-14T22:38:53.984" idx="17">
+    <p:pos x="10" y="10"/>
+    <p:text>hier sollten auch auf die vordefinierten parameter hingewiesen werden.</p:text>
+    <p:extLst>
+      <p:ext uri="{C676402C-5697-4E1C-873F-D02D1690AC5C}">
+        <p15:threadingInfo xmlns:p15="http://schemas.microsoft.com/office/powerpoint/2012/main" timeZoneBias="-120"/>
+      </p:ext>
+    </p:extLst>
+  </p:cm>
+</p:cmLst>
+</file>
+
+<file path=ppt/comments/comment6.xml><?xml version="1.0" encoding="utf-8"?>
+<p:cmLst xmlns:a="http://schemas.openxmlformats.org/drawingml/2006/main" xmlns:r="http://schemas.openxmlformats.org/officeDocument/2006/relationships" xmlns:p="http://schemas.openxmlformats.org/presentationml/2006/main">
+  <p:cm authorId="2" dt="2020-09-14T22:41:04.598" idx="18">
+    <p:pos x="10" y="10"/>
+    <p:text>hinweis auf den umgang mit der outlet-nummer.
+das ist das bindeglied welches vom händler oder betreiber menschenleslich definiert werden kann</p:text>
+    <p:extLst>
+      <p:ext uri="{C676402C-5697-4E1C-873F-D02D1690AC5C}">
+        <p15:threadingInfo xmlns:p15="http://schemas.microsoft.com/office/powerpoint/2012/main" timeZoneBias="-120"/>
+      </p:ext>
+    </p:extLst>
+  </p:cm>
+</p:cmLst>
+</file>
+
+<file path=ppt/comments/comment7.xml><?xml version="1.0" encoding="utf-8"?>
+<p:cmLst xmlns:a="http://schemas.openxmlformats.org/drawingml/2006/main" xmlns:r="http://schemas.openxmlformats.org/officeDocument/2006/relationships" xmlns:p="http://schemas.openxmlformats.org/presentationml/2006/main">
+  <p:cm authorId="2" dt="2020-09-14T22:42:17.727" idx="19">
+    <p:pos x="10" y="10"/>
+    <p:text>da sollten wir noch abchecken ob der aktuelle launcher auch wirklich als nuget-package zur verfügung gestellt wird.</p:text>
+    <p:extLst>
+      <p:ext uri="{C676402C-5697-4E1C-873F-D02D1690AC5C}">
+        <p15:threadingInfo xmlns:p15="http://schemas.microsoft.com/office/powerpoint/2012/main" timeZoneBias="-120"/>
+      </p:ext>
+    </p:extLst>
+  </p:cm>
+  <p:cm authorId="2" dt="2020-09-14T22:42:46.329" idx="20">
+    <p:pos x="10" y="106"/>
+    <p:text>sollte für die zukunft schon so sein hoffe ich.</p:text>
+    <p:extLst>
+      <p:ext uri="{C676402C-5697-4E1C-873F-D02D1690AC5C}">
+        <p15:threadingInfo xmlns:p15="http://schemas.microsoft.com/office/powerpoint/2012/main" timeZoneBias="-120">
+          <p15:parentCm authorId="2" idx="19"/>
+        </p15:threadingInfo>
+      </p:ext>
+    </p:extLst>
+  </p:cm>
+</p:cmLst>
 </file>
 
 <file path=ppt/diagrams/colors1.xml><?xml version="1.0" encoding="utf-8"?>
@@ -961,7 +1394,7 @@
         <a:lstStyle/>
         <a:p>
           <a:r>
-            <a:rPr lang="de-DE" dirty="0"/>
+            <a:rPr lang="de-DE"/>
             <a:t>Händler</a:t>
           </a:r>
         </a:p>
@@ -997,7 +1430,7 @@
         <a:lstStyle/>
         <a:p>
           <a:r>
-            <a:rPr lang="de-DE" dirty="0"/>
+            <a:rPr lang="de-DE"/>
             <a:t>Manuell oder Import mit CSV-Datei</a:t>
           </a:r>
         </a:p>
@@ -1033,7 +1466,7 @@
         <a:lstStyle/>
         <a:p>
           <a:r>
-            <a:rPr lang="de-DE" dirty="0"/>
+            <a:rPr lang="de-DE"/>
             <a:t>Einladungs-E-Mail</a:t>
           </a:r>
         </a:p>
@@ -1069,7 +1502,7 @@
         <a:lstStyle/>
         <a:p>
           <a:r>
-            <a:rPr lang="de-DE" dirty="0"/>
+            <a:rPr lang="de-DE"/>
             <a:t>Betreiber</a:t>
           </a:r>
         </a:p>
@@ -1105,7 +1538,7 @@
         <a:lstStyle/>
         <a:p>
           <a:r>
-            <a:rPr lang="de-DE" dirty="0"/>
+            <a:rPr lang="de-DE"/>
             <a:t>Passwort setzen</a:t>
           </a:r>
         </a:p>
@@ -1141,7 +1574,7 @@
         <a:lstStyle/>
         <a:p>
           <a:r>
-            <a:rPr lang="de-DE" dirty="0"/>
+            <a:rPr lang="de-DE"/>
             <a:t>Händler</a:t>
           </a:r>
         </a:p>
@@ -1177,7 +1610,7 @@
         <a:lstStyle/>
         <a:p>
           <a:r>
-            <a:rPr lang="de-DE" dirty="0"/>
+            <a:rPr lang="de-DE"/>
             <a:t>Anfordern von Zugriffsrechten (Surrogation)</a:t>
           </a:r>
         </a:p>
@@ -1205,43 +1638,6 @@
         </a:p>
       </dgm:t>
     </dgm:pt>
-    <dgm:pt modelId="{39D6AC70-6092-4BDD-B452-472EFCEB7CE3}">
-      <dgm:prSet phldrT="[Text]"/>
-      <dgm:spPr/>
-      <dgm:t>
-        <a:bodyPr/>
-        <a:lstStyle/>
-        <a:p>
-          <a:r>
-            <a:rPr lang="de-DE" dirty="0" err="1"/>
-            <a:t>AccountID</a:t>
-          </a:r>
-          <a:endParaRPr lang="de-DE" dirty="0"/>
-        </a:p>
-      </dgm:t>
-    </dgm:pt>
-    <dgm:pt modelId="{F7B66B58-1E3D-4DA1-B931-8C9C26D5619E}" type="parTrans" cxnId="{75F04649-6C7E-4ED9-AB71-ADAFFC12AC8B}">
-      <dgm:prSet/>
-      <dgm:spPr/>
-      <dgm:t>
-        <a:bodyPr/>
-        <a:lstStyle/>
-        <a:p>
-          <a:endParaRPr lang="de-DE"/>
-        </a:p>
-      </dgm:t>
-    </dgm:pt>
-    <dgm:pt modelId="{27612686-63D8-4308-94E8-7BE246C76A5A}" type="sibTrans" cxnId="{75F04649-6C7E-4ED9-AB71-ADAFFC12AC8B}">
-      <dgm:prSet/>
-      <dgm:spPr/>
-      <dgm:t>
-        <a:bodyPr/>
-        <a:lstStyle/>
-        <a:p>
-          <a:endParaRPr lang="de-DE"/>
-        </a:p>
-      </dgm:t>
-    </dgm:pt>
     <dgm:pt modelId="{15D92C2D-5742-4574-B3E7-79598663529D}">
       <dgm:prSet phldrT="[Text]"/>
       <dgm:spPr/>
@@ -1250,7 +1646,7 @@
         <a:lstStyle/>
         <a:p>
           <a:r>
-            <a:rPr lang="de-DE" dirty="0"/>
+            <a:rPr lang="de-DE"/>
             <a:t>E-Mail link</a:t>
           </a:r>
         </a:p>
@@ -1285,10 +1681,14 @@
         <a:bodyPr/>
         <a:lstStyle/>
         <a:p>
+          <a:pPr rtl="0"/>
           <a:r>
-            <a:rPr lang="de-DE" dirty="0"/>
-            <a:t>Kooperationsvertrag unterzeichnen</a:t>
+            <a:rPr lang="de-DE" b="1">
+              <a:latin typeface="Calibri Light" panose="020F0302020204030204"/>
+            </a:rPr>
+            <a:t>Nutzungsvereinbarung unterzeichnen</a:t>
           </a:r>
+          <a:endParaRPr lang="de-DE" b="1"/>
         </a:p>
       </dgm:t>
     </dgm:pt>
@@ -1458,58 +1858,55 @@
   </dgm:ptLst>
   <dgm:cxnLst>
     <dgm:cxn modelId="{07689C06-969F-418B-BA84-044AEFFEEE33}" srcId="{A127E4B3-65AD-4248-95B2-95D5289D7EA9}" destId="{D690E6B1-ED93-4978-AC10-25C06B709E1D}" srcOrd="1" destOrd="0" parTransId="{44261E62-8A2B-49C1-93FA-10BEB09B2730}" sibTransId="{4BEE0D3E-BAE9-45E2-B1D4-A457B1CF87CE}"/>
-    <dgm:cxn modelId="{0E762B2B-90EF-4EAF-A328-5A65E6DC1A46}" type="presOf" srcId="{D4F9471E-5DB8-4527-8A9A-3BA1BC9BC03D}" destId="{B7B11F5B-5454-4DC0-A365-DC862339A3A5}" srcOrd="0" destOrd="0" presId="urn:microsoft.com/office/officeart/2005/8/layout/hProcess4"/>
-    <dgm:cxn modelId="{45C29031-C77B-4657-B405-3D5BAEA80D4B}" type="presOf" srcId="{F671BBA3-D45D-4509-982C-C5515B0DCAB4}" destId="{FDF54E9C-0750-422B-BCCE-276BE25C71B1}" srcOrd="0" destOrd="2" presId="urn:microsoft.com/office/officeart/2005/8/layout/hProcess4"/>
-    <dgm:cxn modelId="{E4014932-7D13-4467-8766-D539E60CD105}" type="presOf" srcId="{D690E6B1-ED93-4978-AC10-25C06B709E1D}" destId="{4BA1B2B1-C1B8-47F2-8C0E-ADA73BC9C811}" srcOrd="1" destOrd="1" presId="urn:microsoft.com/office/officeart/2005/8/layout/hProcess4"/>
-    <dgm:cxn modelId="{DF406D3B-38CF-4CE0-9785-37C55C1B3B94}" type="presOf" srcId="{39D6AC70-6092-4BDD-B452-472EFCEB7CE3}" destId="{5BE17825-D0E8-4D69-992E-D5C1E7D39F21}" srcOrd="0" destOrd="1" presId="urn:microsoft.com/office/officeart/2005/8/layout/hProcess4"/>
-    <dgm:cxn modelId="{6515AE3D-247F-4FC0-90EE-54AC4967E4C4}" type="presOf" srcId="{A4305718-53E2-4A7F-804A-6F3B3A68EDA1}" destId="{188C989C-C17C-4448-9807-3BC6ED139629}" srcOrd="1" destOrd="1" presId="urn:microsoft.com/office/officeart/2005/8/layout/hProcess4"/>
-    <dgm:cxn modelId="{368CEF3E-5102-43E5-B33A-DCAC10EE02FD}" type="presOf" srcId="{15D92C2D-5742-4574-B3E7-79598663529D}" destId="{FDF54E9C-0750-422B-BCCE-276BE25C71B1}" srcOrd="0" destOrd="0" presId="urn:microsoft.com/office/officeart/2005/8/layout/hProcess4"/>
+    <dgm:cxn modelId="{F512690B-1B9D-4996-914F-EE421D82A610}" type="presOf" srcId="{1D659693-0E7A-4638-9B8A-23A860592A72}" destId="{67EE90C8-39C2-4B24-A6E2-73ED47BE406D}" srcOrd="0" destOrd="0" presId="urn:microsoft.com/office/officeart/2005/8/layout/hProcess4"/>
+    <dgm:cxn modelId="{795DA70B-0FFF-4FFC-A434-4F9B91436652}" type="presOf" srcId="{D690E6B1-ED93-4978-AC10-25C06B709E1D}" destId="{4BA1B2B1-C1B8-47F2-8C0E-ADA73BC9C811}" srcOrd="1" destOrd="1" presId="urn:microsoft.com/office/officeart/2005/8/layout/hProcess4"/>
+    <dgm:cxn modelId="{85AA8425-1081-448D-9410-269A4299B5A9}" type="presOf" srcId="{A4305718-53E2-4A7F-804A-6F3B3A68EDA1}" destId="{FDF54E9C-0750-422B-BCCE-276BE25C71B1}" srcOrd="0" destOrd="1" presId="urn:microsoft.com/office/officeart/2005/8/layout/hProcess4"/>
+    <dgm:cxn modelId="{2A1CAD2E-6B63-4049-A2F3-860688BECC21}" type="presOf" srcId="{F671BBA3-D45D-4509-982C-C5515B0DCAB4}" destId="{188C989C-C17C-4448-9807-3BC6ED139629}" srcOrd="1" destOrd="2" presId="urn:microsoft.com/office/officeart/2005/8/layout/hProcess4"/>
+    <dgm:cxn modelId="{AC933341-163A-4D62-8D8E-5A313321B87F}" type="presOf" srcId="{F671BBA3-D45D-4509-982C-C5515B0DCAB4}" destId="{FDF54E9C-0750-422B-BCCE-276BE25C71B1}" srcOrd="0" destOrd="2" presId="urn:microsoft.com/office/officeart/2005/8/layout/hProcess4"/>
+    <dgm:cxn modelId="{58008664-3995-4CF6-AA84-AC52CECDB58B}" type="presOf" srcId="{EAAEEAC4-C2C6-4028-807F-BC6BBE918253}" destId="{372AD9A6-8D12-40F9-B849-B57BBAA7BA69}" srcOrd="1" destOrd="0" presId="urn:microsoft.com/office/officeart/2005/8/layout/hProcess4"/>
+    <dgm:cxn modelId="{E572C045-0D06-4187-B2B2-3C8575815ED4}" type="presOf" srcId="{DAD872BC-E1FE-4473-A5D3-4F8E2CB8E824}" destId="{F83F24C8-958D-4FC4-8571-340B0C782D94}" srcOrd="0" destOrd="0" presId="urn:microsoft.com/office/officeart/2005/8/layout/hProcess4"/>
     <dgm:cxn modelId="{D90BB746-0804-4898-BF96-356E2B873EAA}" srcId="{F0F6B17E-9533-4727-B3CC-A6D0466AC596}" destId="{939A1577-2324-43EB-B7C5-B0BEC8FE22DE}" srcOrd="2" destOrd="0" parTransId="{54852552-1083-4F9C-9B1F-503522ABD84C}" sibTransId="{5D2CC7DE-FDA6-4D6E-A5F3-358AE7439C44}"/>
-    <dgm:cxn modelId="{75F04649-6C7E-4ED9-AB71-ADAFFC12AC8B}" srcId="{939A1577-2324-43EB-B7C5-B0BEC8FE22DE}" destId="{39D6AC70-6092-4BDD-B452-472EFCEB7CE3}" srcOrd="1" destOrd="0" parTransId="{F7B66B58-1E3D-4DA1-B931-8C9C26D5619E}" sibTransId="{27612686-63D8-4308-94E8-7BE246C76A5A}"/>
-    <dgm:cxn modelId="{8D2E324C-57A8-4BE2-8051-6A202E40C405}" type="presOf" srcId="{EAAEEAC4-C2C6-4028-807F-BC6BBE918253}" destId="{372AD9A6-8D12-40F9-B849-B57BBAA7BA69}" srcOrd="1" destOrd="0" presId="urn:microsoft.com/office/officeart/2005/8/layout/hProcess4"/>
-    <dgm:cxn modelId="{80EFAC4C-7C17-445A-B6FD-2AB32EDE0639}" type="presOf" srcId="{D690E6B1-ED93-4978-AC10-25C06B709E1D}" destId="{B02BE0EB-C330-4F32-8D7C-9CA39266E853}" srcOrd="0" destOrd="1" presId="urn:microsoft.com/office/officeart/2005/8/layout/hProcess4"/>
-    <dgm:cxn modelId="{6F288C4D-B3CE-45A4-933E-1E560261B32C}" type="presOf" srcId="{939A1577-2324-43EB-B7C5-B0BEC8FE22DE}" destId="{DD0A6EF8-9419-4735-9241-1BAB89D1DEB0}" srcOrd="0" destOrd="0" presId="urn:microsoft.com/office/officeart/2005/8/layout/hProcess4"/>
-    <dgm:cxn modelId="{7BEC0562-1005-44AF-AEDB-66FA12A504DA}" type="presOf" srcId="{39D6AC70-6092-4BDD-B452-472EFCEB7CE3}" destId="{372AD9A6-8D12-40F9-B849-B57BBAA7BA69}" srcOrd="1" destOrd="1" presId="urn:microsoft.com/office/officeart/2005/8/layout/hProcess4"/>
+    <dgm:cxn modelId="{2169E968-C6C5-4527-83C3-4E55D84AEB9B}" type="presOf" srcId="{626115E6-AD47-4869-966A-CE8E61220F0A}" destId="{4BA1B2B1-C1B8-47F2-8C0E-ADA73BC9C811}" srcOrd="1" destOrd="0" presId="urn:microsoft.com/office/officeart/2005/8/layout/hProcess4"/>
+    <dgm:cxn modelId="{40517F4A-D191-4729-BCB8-D2FC74B7BCC8}" type="presOf" srcId="{A4305718-53E2-4A7F-804A-6F3B3A68EDA1}" destId="{188C989C-C17C-4448-9807-3BC6ED139629}" srcOrd="1" destOrd="1" presId="urn:microsoft.com/office/officeart/2005/8/layout/hProcess4"/>
     <dgm:cxn modelId="{7AF1A46B-8C9C-49F7-A8C3-D781ADC1DF61}" srcId="{939A1577-2324-43EB-B7C5-B0BEC8FE22DE}" destId="{EAAEEAC4-C2C6-4028-807F-BC6BBE918253}" srcOrd="0" destOrd="0" parTransId="{292A3486-B733-4327-90E8-F23FDDCC573D}" sibTransId="{161BD47E-7386-4BB1-8A0E-FA4BBD79F0B5}"/>
+    <dgm:cxn modelId="{75443957-98B0-408A-993E-52BDF8A3F088}" type="presOf" srcId="{A127E4B3-65AD-4248-95B2-95D5289D7EA9}" destId="{6C29B79F-2D3A-4853-8A7F-3EBEA7DAF6D1}" srcOrd="0" destOrd="0" presId="urn:microsoft.com/office/officeart/2005/8/layout/hProcess4"/>
+    <dgm:cxn modelId="{9E767E79-1DD6-44F9-B48C-D440C9C963CB}" type="presOf" srcId="{626115E6-AD47-4869-966A-CE8E61220F0A}" destId="{B02BE0EB-C330-4F32-8D7C-9CA39266E853}" srcOrd="0" destOrd="0" presId="urn:microsoft.com/office/officeart/2005/8/layout/hProcess4"/>
     <dgm:cxn modelId="{011F547E-6C54-49FB-AD63-F6A700C9F57B}" srcId="{A127E4B3-65AD-4248-95B2-95D5289D7EA9}" destId="{626115E6-AD47-4869-966A-CE8E61220F0A}" srcOrd="0" destOrd="0" parTransId="{3403EA9F-FE87-4C1D-9769-729877F19A03}" sibTransId="{BF0B59F1-50F3-42AA-B12F-CBB0F79E4BC3}"/>
+    <dgm:cxn modelId="{FB22D67F-1AF5-42D9-A897-A4EFC1920D40}" type="presOf" srcId="{939A1577-2324-43EB-B7C5-B0BEC8FE22DE}" destId="{DD0A6EF8-9419-4735-9241-1BAB89D1DEB0}" srcOrd="0" destOrd="0" presId="urn:microsoft.com/office/officeart/2005/8/layout/hProcess4"/>
     <dgm:cxn modelId="{3031F17F-8F4D-4622-BCE9-55A48FDC59CF}" srcId="{D4F9471E-5DB8-4527-8A9A-3BA1BC9BC03D}" destId="{A4305718-53E2-4A7F-804A-6F3B3A68EDA1}" srcOrd="1" destOrd="0" parTransId="{6352A4B0-029B-47A9-B901-39E39478AA01}" sibTransId="{031F83FA-BA7B-481B-8A9D-B4136C226BCE}"/>
+    <dgm:cxn modelId="{A88AE291-94F9-4F5E-84D8-5CEC9DA90069}" type="presOf" srcId="{EAAEEAC4-C2C6-4028-807F-BC6BBE918253}" destId="{5BE17825-D0E8-4D69-992E-D5C1E7D39F21}" srcOrd="0" destOrd="0" presId="urn:microsoft.com/office/officeart/2005/8/layout/hProcess4"/>
     <dgm:cxn modelId="{426FE093-C152-4565-8B88-75EEA7DB8FBF}" srcId="{F0F6B17E-9533-4727-B3CC-A6D0466AC596}" destId="{A127E4B3-65AD-4248-95B2-95D5289D7EA9}" srcOrd="0" destOrd="0" parTransId="{7EA8BFFC-7878-4C8B-AD98-3A05865402BF}" sibTransId="{1D659693-0E7A-4638-9B8A-23A860592A72}"/>
-    <dgm:cxn modelId="{564F94A0-6325-4EB5-984A-221F6E93DA7C}" type="presOf" srcId="{626115E6-AD47-4869-966A-CE8E61220F0A}" destId="{B02BE0EB-C330-4F32-8D7C-9CA39266E853}" srcOrd="0" destOrd="0" presId="urn:microsoft.com/office/officeart/2005/8/layout/hProcess4"/>
+    <dgm:cxn modelId="{B4963C95-4152-4A93-BB26-125B133355DD}" type="presOf" srcId="{15D92C2D-5742-4574-B3E7-79598663529D}" destId="{188C989C-C17C-4448-9807-3BC6ED139629}" srcOrd="1" destOrd="0" presId="urn:microsoft.com/office/officeart/2005/8/layout/hProcess4"/>
+    <dgm:cxn modelId="{18BA20BD-C956-4DA7-B2CF-3AA5B73297F8}" type="presOf" srcId="{D4F9471E-5DB8-4527-8A9A-3BA1BC9BC03D}" destId="{B7B11F5B-5454-4DC0-A365-DC862339A3A5}" srcOrd="0" destOrd="0" presId="urn:microsoft.com/office/officeart/2005/8/layout/hProcess4"/>
     <dgm:cxn modelId="{A29646BD-6AE5-4D34-869A-36A9725DDBF3}" srcId="{D4F9471E-5DB8-4527-8A9A-3BA1BC9BC03D}" destId="{F671BBA3-D45D-4509-982C-C5515B0DCAB4}" srcOrd="2" destOrd="0" parTransId="{D64BB036-4186-44AC-B8D2-FD20EC315433}" sibTransId="{486DFC96-35CB-4115-B620-6ED4B09F08B7}"/>
-    <dgm:cxn modelId="{20CCF6BE-98EB-4AA8-AA59-800C770D65B6}" type="presOf" srcId="{626115E6-AD47-4869-966A-CE8E61220F0A}" destId="{4BA1B2B1-C1B8-47F2-8C0E-ADA73BC9C811}" srcOrd="1" destOrd="0" presId="urn:microsoft.com/office/officeart/2005/8/layout/hProcess4"/>
-    <dgm:cxn modelId="{622EB1C9-2879-42D8-AC0F-55AE45798E05}" type="presOf" srcId="{DAD872BC-E1FE-4473-A5D3-4F8E2CB8E824}" destId="{F83F24C8-958D-4FC4-8571-340B0C782D94}" srcOrd="0" destOrd="0" presId="urn:microsoft.com/office/officeart/2005/8/layout/hProcess4"/>
-    <dgm:cxn modelId="{6BEBBFCB-73F3-4E0A-BDC6-5D4A4147AAAF}" type="presOf" srcId="{EAAEEAC4-C2C6-4028-807F-BC6BBE918253}" destId="{5BE17825-D0E8-4D69-992E-D5C1E7D39F21}" srcOrd="0" destOrd="0" presId="urn:microsoft.com/office/officeart/2005/8/layout/hProcess4"/>
-    <dgm:cxn modelId="{326C8AD3-5E4D-4092-8736-6C782DE940B0}" type="presOf" srcId="{A4305718-53E2-4A7F-804A-6F3B3A68EDA1}" destId="{FDF54E9C-0750-422B-BCCE-276BE25C71B1}" srcOrd="0" destOrd="1" presId="urn:microsoft.com/office/officeart/2005/8/layout/hProcess4"/>
-    <dgm:cxn modelId="{F783DEE3-F4DF-40F5-A322-430FF15CB4FB}" type="presOf" srcId="{A127E4B3-65AD-4248-95B2-95D5289D7EA9}" destId="{6C29B79F-2D3A-4853-8A7F-3EBEA7DAF6D1}" srcOrd="0" destOrd="0" presId="urn:microsoft.com/office/officeart/2005/8/layout/hProcess4"/>
+    <dgm:cxn modelId="{FFE0AACB-205C-4006-9011-C85BC0C3C2E6}" type="presOf" srcId="{15D92C2D-5742-4574-B3E7-79598663529D}" destId="{FDF54E9C-0750-422B-BCCE-276BE25C71B1}" srcOrd="0" destOrd="0" presId="urn:microsoft.com/office/officeart/2005/8/layout/hProcess4"/>
+    <dgm:cxn modelId="{096568E3-B4C6-4D57-A7BA-D3297C7C5A85}" type="presOf" srcId="{D690E6B1-ED93-4978-AC10-25C06B709E1D}" destId="{B02BE0EB-C330-4F32-8D7C-9CA39266E853}" srcOrd="0" destOrd="1" presId="urn:microsoft.com/office/officeart/2005/8/layout/hProcess4"/>
     <dgm:cxn modelId="{B8E331EB-17B5-49CF-BA3D-3A26E11561C1}" type="presOf" srcId="{F0F6B17E-9533-4727-B3CC-A6D0466AC596}" destId="{4AFD1DCE-7613-4DC5-B92D-15D823546BE3}" srcOrd="0" destOrd="0" presId="urn:microsoft.com/office/officeart/2005/8/layout/hProcess4"/>
     <dgm:cxn modelId="{8BB221F7-170E-4C5C-944C-8E40A482F4DE}" srcId="{D4F9471E-5DB8-4527-8A9A-3BA1BC9BC03D}" destId="{15D92C2D-5742-4574-B3E7-79598663529D}" srcOrd="0" destOrd="0" parTransId="{9F7D3593-F9E9-438A-BC5F-575D440D2900}" sibTransId="{1B9B45EE-C543-47D2-A1B8-053E8652743A}"/>
     <dgm:cxn modelId="{2D2FDEF7-9A24-42CF-B35C-67E7BBBE1978}" srcId="{F0F6B17E-9533-4727-B3CC-A6D0466AC596}" destId="{D4F9471E-5DB8-4527-8A9A-3BA1BC9BC03D}" srcOrd="1" destOrd="0" parTransId="{3E0D2DB4-69F5-4874-BA10-652667F3845F}" sibTransId="{DAD872BC-E1FE-4473-A5D3-4F8E2CB8E824}"/>
-    <dgm:cxn modelId="{ECB3FEF9-67E5-4E75-BFB1-CC273CFEF0E1}" type="presOf" srcId="{1D659693-0E7A-4638-9B8A-23A860592A72}" destId="{67EE90C8-39C2-4B24-A6E2-73ED47BE406D}" srcOrd="0" destOrd="0" presId="urn:microsoft.com/office/officeart/2005/8/layout/hProcess4"/>
-    <dgm:cxn modelId="{22BD4BFA-36F1-485D-B8E2-15268120FC3B}" type="presOf" srcId="{15D92C2D-5742-4574-B3E7-79598663529D}" destId="{188C989C-C17C-4448-9807-3BC6ED139629}" srcOrd="1" destOrd="0" presId="urn:microsoft.com/office/officeart/2005/8/layout/hProcess4"/>
-    <dgm:cxn modelId="{143317FE-ED23-46E5-AFAD-06BFF5D3C519}" type="presOf" srcId="{F671BBA3-D45D-4509-982C-C5515B0DCAB4}" destId="{188C989C-C17C-4448-9807-3BC6ED139629}" srcOrd="1" destOrd="2" presId="urn:microsoft.com/office/officeart/2005/8/layout/hProcess4"/>
-    <dgm:cxn modelId="{CEA1917B-FB7D-4518-A3CE-FE9587433115}" type="presParOf" srcId="{4AFD1DCE-7613-4DC5-B92D-15D823546BE3}" destId="{C069848C-BF21-40B7-A602-B6242366A092}" srcOrd="0" destOrd="0" presId="urn:microsoft.com/office/officeart/2005/8/layout/hProcess4"/>
-    <dgm:cxn modelId="{1EDB6FD8-D547-43CC-8E99-F0D97AE78390}" type="presParOf" srcId="{4AFD1DCE-7613-4DC5-B92D-15D823546BE3}" destId="{89B1B8CE-056B-4BBF-BF94-D880E83F04D2}" srcOrd="1" destOrd="0" presId="urn:microsoft.com/office/officeart/2005/8/layout/hProcess4"/>
-    <dgm:cxn modelId="{57743DBF-3BBE-49B5-99D8-D64F761FDF0C}" type="presParOf" srcId="{4AFD1DCE-7613-4DC5-B92D-15D823546BE3}" destId="{E25BFEBF-B597-44A8-B691-65D92A11366F}" srcOrd="2" destOrd="0" presId="urn:microsoft.com/office/officeart/2005/8/layout/hProcess4"/>
-    <dgm:cxn modelId="{24550189-7E5B-47E3-95F0-5EBBBA72BBCF}" type="presParOf" srcId="{E25BFEBF-B597-44A8-B691-65D92A11366F}" destId="{565E187B-74BC-415B-81C0-D2A5CD367E5F}" srcOrd="0" destOrd="0" presId="urn:microsoft.com/office/officeart/2005/8/layout/hProcess4"/>
-    <dgm:cxn modelId="{B0797532-FD3A-4721-A230-D674A2F75689}" type="presParOf" srcId="{565E187B-74BC-415B-81C0-D2A5CD367E5F}" destId="{6E64D7FD-5019-4B70-9F1A-F62EF610E68C}" srcOrd="0" destOrd="0" presId="urn:microsoft.com/office/officeart/2005/8/layout/hProcess4"/>
-    <dgm:cxn modelId="{BC630954-84B2-4A2C-A99E-E9EFB208760F}" type="presParOf" srcId="{565E187B-74BC-415B-81C0-D2A5CD367E5F}" destId="{B02BE0EB-C330-4F32-8D7C-9CA39266E853}" srcOrd="1" destOrd="0" presId="urn:microsoft.com/office/officeart/2005/8/layout/hProcess4"/>
-    <dgm:cxn modelId="{D116D415-8AE4-41D5-9110-37E18DCBFD06}" type="presParOf" srcId="{565E187B-74BC-415B-81C0-D2A5CD367E5F}" destId="{4BA1B2B1-C1B8-47F2-8C0E-ADA73BC9C811}" srcOrd="2" destOrd="0" presId="urn:microsoft.com/office/officeart/2005/8/layout/hProcess4"/>
-    <dgm:cxn modelId="{6CAFB5AF-5F7A-4B11-88AB-B43E838749E9}" type="presParOf" srcId="{565E187B-74BC-415B-81C0-D2A5CD367E5F}" destId="{6C29B79F-2D3A-4853-8A7F-3EBEA7DAF6D1}" srcOrd="3" destOrd="0" presId="urn:microsoft.com/office/officeart/2005/8/layout/hProcess4"/>
-    <dgm:cxn modelId="{32DD9754-3D92-4B78-9C60-76554FB1A5F9}" type="presParOf" srcId="{565E187B-74BC-415B-81C0-D2A5CD367E5F}" destId="{1A153C83-4E9F-456A-90AD-F3824BC4F187}" srcOrd="4" destOrd="0" presId="urn:microsoft.com/office/officeart/2005/8/layout/hProcess4"/>
-    <dgm:cxn modelId="{AA2C4347-A519-4795-9630-113ADC9318B7}" type="presParOf" srcId="{E25BFEBF-B597-44A8-B691-65D92A11366F}" destId="{67EE90C8-39C2-4B24-A6E2-73ED47BE406D}" srcOrd="1" destOrd="0" presId="urn:microsoft.com/office/officeart/2005/8/layout/hProcess4"/>
-    <dgm:cxn modelId="{9D083584-5922-4192-B134-BCF4FC5B2AD3}" type="presParOf" srcId="{E25BFEBF-B597-44A8-B691-65D92A11366F}" destId="{A111D8A3-EC94-4695-8728-17FD3B0C5202}" srcOrd="2" destOrd="0" presId="urn:microsoft.com/office/officeart/2005/8/layout/hProcess4"/>
-    <dgm:cxn modelId="{80F967E8-557C-492A-9A03-A5F0FA4D83C1}" type="presParOf" srcId="{A111D8A3-EC94-4695-8728-17FD3B0C5202}" destId="{AD7C4D02-6E14-46C0-9043-C6B36B1E0944}" srcOrd="0" destOrd="0" presId="urn:microsoft.com/office/officeart/2005/8/layout/hProcess4"/>
-    <dgm:cxn modelId="{760A13F9-F878-4A67-B2D4-5C4512F5C153}" type="presParOf" srcId="{A111D8A3-EC94-4695-8728-17FD3B0C5202}" destId="{FDF54E9C-0750-422B-BCCE-276BE25C71B1}" srcOrd="1" destOrd="0" presId="urn:microsoft.com/office/officeart/2005/8/layout/hProcess4"/>
-    <dgm:cxn modelId="{26268A01-12AD-43C6-AFCE-6DF3C72EAA8A}" type="presParOf" srcId="{A111D8A3-EC94-4695-8728-17FD3B0C5202}" destId="{188C989C-C17C-4448-9807-3BC6ED139629}" srcOrd="2" destOrd="0" presId="urn:microsoft.com/office/officeart/2005/8/layout/hProcess4"/>
-    <dgm:cxn modelId="{D06B6D20-8F73-48FE-98CC-B785ACF632A3}" type="presParOf" srcId="{A111D8A3-EC94-4695-8728-17FD3B0C5202}" destId="{B7B11F5B-5454-4DC0-A365-DC862339A3A5}" srcOrd="3" destOrd="0" presId="urn:microsoft.com/office/officeart/2005/8/layout/hProcess4"/>
-    <dgm:cxn modelId="{3CF3D849-36CC-4B03-9919-AEB6BE27DFEB}" type="presParOf" srcId="{A111D8A3-EC94-4695-8728-17FD3B0C5202}" destId="{34AE625F-DCCF-4725-89A1-D1A057E55C84}" srcOrd="4" destOrd="0" presId="urn:microsoft.com/office/officeart/2005/8/layout/hProcess4"/>
-    <dgm:cxn modelId="{5F8E9C24-24A7-4461-B85E-621D3BA90369}" type="presParOf" srcId="{E25BFEBF-B597-44A8-B691-65D92A11366F}" destId="{F83F24C8-958D-4FC4-8571-340B0C782D94}" srcOrd="3" destOrd="0" presId="urn:microsoft.com/office/officeart/2005/8/layout/hProcess4"/>
-    <dgm:cxn modelId="{18A712F8-2D41-4A26-A200-4F0EA436BA1E}" type="presParOf" srcId="{E25BFEBF-B597-44A8-B691-65D92A11366F}" destId="{3A39CF31-3CBB-4777-B3F7-561DE089D42B}" srcOrd="4" destOrd="0" presId="urn:microsoft.com/office/officeart/2005/8/layout/hProcess4"/>
-    <dgm:cxn modelId="{1FFA9261-12AF-46CE-8E31-F05E741B0961}" type="presParOf" srcId="{3A39CF31-3CBB-4777-B3F7-561DE089D42B}" destId="{F78685F5-5A12-4FD8-A661-B01B4335B782}" srcOrd="0" destOrd="0" presId="urn:microsoft.com/office/officeart/2005/8/layout/hProcess4"/>
-    <dgm:cxn modelId="{87E2CFAC-3AF7-454B-9A2F-5C14D8C2DDE6}" type="presParOf" srcId="{3A39CF31-3CBB-4777-B3F7-561DE089D42B}" destId="{5BE17825-D0E8-4D69-992E-D5C1E7D39F21}" srcOrd="1" destOrd="0" presId="urn:microsoft.com/office/officeart/2005/8/layout/hProcess4"/>
-    <dgm:cxn modelId="{7A9F067C-51E9-457A-963A-69B3F48B9AC2}" type="presParOf" srcId="{3A39CF31-3CBB-4777-B3F7-561DE089D42B}" destId="{372AD9A6-8D12-40F9-B849-B57BBAA7BA69}" srcOrd="2" destOrd="0" presId="urn:microsoft.com/office/officeart/2005/8/layout/hProcess4"/>
-    <dgm:cxn modelId="{3DB016A9-D415-4AF4-80F7-29AC968C6212}" type="presParOf" srcId="{3A39CF31-3CBB-4777-B3F7-561DE089D42B}" destId="{DD0A6EF8-9419-4735-9241-1BAB89D1DEB0}" srcOrd="3" destOrd="0" presId="urn:microsoft.com/office/officeart/2005/8/layout/hProcess4"/>
-    <dgm:cxn modelId="{D25AB41C-5EDA-4092-AC18-A392F3C5BDDA}" type="presParOf" srcId="{3A39CF31-3CBB-4777-B3F7-561DE089D42B}" destId="{F9F49EFA-CA33-44BF-82D0-BBF2213F801D}" srcOrd="4" destOrd="0" presId="urn:microsoft.com/office/officeart/2005/8/layout/hProcess4"/>
+    <dgm:cxn modelId="{929B66E2-3981-4BD7-A084-913785D5C2F5}" type="presParOf" srcId="{4AFD1DCE-7613-4DC5-B92D-15D823546BE3}" destId="{C069848C-BF21-40B7-A602-B6242366A092}" srcOrd="0" destOrd="0" presId="urn:microsoft.com/office/officeart/2005/8/layout/hProcess4"/>
+    <dgm:cxn modelId="{8EFB33B8-AC36-4C33-9BF8-947AABB0BD25}" type="presParOf" srcId="{4AFD1DCE-7613-4DC5-B92D-15D823546BE3}" destId="{89B1B8CE-056B-4BBF-BF94-D880E83F04D2}" srcOrd="1" destOrd="0" presId="urn:microsoft.com/office/officeart/2005/8/layout/hProcess4"/>
+    <dgm:cxn modelId="{F53DEC06-9627-40D2-B398-1508B7C9A199}" type="presParOf" srcId="{4AFD1DCE-7613-4DC5-B92D-15D823546BE3}" destId="{E25BFEBF-B597-44A8-B691-65D92A11366F}" srcOrd="2" destOrd="0" presId="urn:microsoft.com/office/officeart/2005/8/layout/hProcess4"/>
+    <dgm:cxn modelId="{2289BEF6-CB8B-427D-821A-0D5A78C60540}" type="presParOf" srcId="{E25BFEBF-B597-44A8-B691-65D92A11366F}" destId="{565E187B-74BC-415B-81C0-D2A5CD367E5F}" srcOrd="0" destOrd="0" presId="urn:microsoft.com/office/officeart/2005/8/layout/hProcess4"/>
+    <dgm:cxn modelId="{EDAF7564-D9BB-4CA6-8FBE-60EB104E43DB}" type="presParOf" srcId="{565E187B-74BC-415B-81C0-D2A5CD367E5F}" destId="{6E64D7FD-5019-4B70-9F1A-F62EF610E68C}" srcOrd="0" destOrd="0" presId="urn:microsoft.com/office/officeart/2005/8/layout/hProcess4"/>
+    <dgm:cxn modelId="{EE0FABA9-1113-495A-86F1-6A005D4BA18A}" type="presParOf" srcId="{565E187B-74BC-415B-81C0-D2A5CD367E5F}" destId="{B02BE0EB-C330-4F32-8D7C-9CA39266E853}" srcOrd="1" destOrd="0" presId="urn:microsoft.com/office/officeart/2005/8/layout/hProcess4"/>
+    <dgm:cxn modelId="{D196A082-004B-439E-BAE2-F5F6B826E8B2}" type="presParOf" srcId="{565E187B-74BC-415B-81C0-D2A5CD367E5F}" destId="{4BA1B2B1-C1B8-47F2-8C0E-ADA73BC9C811}" srcOrd="2" destOrd="0" presId="urn:microsoft.com/office/officeart/2005/8/layout/hProcess4"/>
+    <dgm:cxn modelId="{C52E6C40-8F76-4BB9-8DFA-19BA8D4D1F65}" type="presParOf" srcId="{565E187B-74BC-415B-81C0-D2A5CD367E5F}" destId="{6C29B79F-2D3A-4853-8A7F-3EBEA7DAF6D1}" srcOrd="3" destOrd="0" presId="urn:microsoft.com/office/officeart/2005/8/layout/hProcess4"/>
+    <dgm:cxn modelId="{FC78D985-AB1E-4F23-9F4F-00B17C22936A}" type="presParOf" srcId="{565E187B-74BC-415B-81C0-D2A5CD367E5F}" destId="{1A153C83-4E9F-456A-90AD-F3824BC4F187}" srcOrd="4" destOrd="0" presId="urn:microsoft.com/office/officeart/2005/8/layout/hProcess4"/>
+    <dgm:cxn modelId="{16709F62-661D-4159-A98C-54E01BBE94AF}" type="presParOf" srcId="{E25BFEBF-B597-44A8-B691-65D92A11366F}" destId="{67EE90C8-39C2-4B24-A6E2-73ED47BE406D}" srcOrd="1" destOrd="0" presId="urn:microsoft.com/office/officeart/2005/8/layout/hProcess4"/>
+    <dgm:cxn modelId="{75E494DF-5B31-4A40-8DA5-B7689C87AF47}" type="presParOf" srcId="{E25BFEBF-B597-44A8-B691-65D92A11366F}" destId="{A111D8A3-EC94-4695-8728-17FD3B0C5202}" srcOrd="2" destOrd="0" presId="urn:microsoft.com/office/officeart/2005/8/layout/hProcess4"/>
+    <dgm:cxn modelId="{955C150B-AB4A-44C9-A6DC-E08F952F7989}" type="presParOf" srcId="{A111D8A3-EC94-4695-8728-17FD3B0C5202}" destId="{AD7C4D02-6E14-46C0-9043-C6B36B1E0944}" srcOrd="0" destOrd="0" presId="urn:microsoft.com/office/officeart/2005/8/layout/hProcess4"/>
+    <dgm:cxn modelId="{2988633A-492C-4C78-AF39-4977C9444580}" type="presParOf" srcId="{A111D8A3-EC94-4695-8728-17FD3B0C5202}" destId="{FDF54E9C-0750-422B-BCCE-276BE25C71B1}" srcOrd="1" destOrd="0" presId="urn:microsoft.com/office/officeart/2005/8/layout/hProcess4"/>
+    <dgm:cxn modelId="{D5C484A5-A46E-4C8F-8574-48BC42AD85A8}" type="presParOf" srcId="{A111D8A3-EC94-4695-8728-17FD3B0C5202}" destId="{188C989C-C17C-4448-9807-3BC6ED139629}" srcOrd="2" destOrd="0" presId="urn:microsoft.com/office/officeart/2005/8/layout/hProcess4"/>
+    <dgm:cxn modelId="{619FB669-1F99-4C28-923D-ED501BF5F4F5}" type="presParOf" srcId="{A111D8A3-EC94-4695-8728-17FD3B0C5202}" destId="{B7B11F5B-5454-4DC0-A365-DC862339A3A5}" srcOrd="3" destOrd="0" presId="urn:microsoft.com/office/officeart/2005/8/layout/hProcess4"/>
+    <dgm:cxn modelId="{6B499DED-9F83-40F0-A157-CAAE4E7B441A}" type="presParOf" srcId="{A111D8A3-EC94-4695-8728-17FD3B0C5202}" destId="{34AE625F-DCCF-4725-89A1-D1A057E55C84}" srcOrd="4" destOrd="0" presId="urn:microsoft.com/office/officeart/2005/8/layout/hProcess4"/>
+    <dgm:cxn modelId="{033A5099-D4D9-489A-A7F3-22FA969F62AA}" type="presParOf" srcId="{E25BFEBF-B597-44A8-B691-65D92A11366F}" destId="{F83F24C8-958D-4FC4-8571-340B0C782D94}" srcOrd="3" destOrd="0" presId="urn:microsoft.com/office/officeart/2005/8/layout/hProcess4"/>
+    <dgm:cxn modelId="{3CE687E6-BB31-4642-AAF4-F7C6277504A8}" type="presParOf" srcId="{E25BFEBF-B597-44A8-B691-65D92A11366F}" destId="{3A39CF31-3CBB-4777-B3F7-561DE089D42B}" srcOrd="4" destOrd="0" presId="urn:microsoft.com/office/officeart/2005/8/layout/hProcess4"/>
+    <dgm:cxn modelId="{28CA5475-6E3C-4706-A526-6901CA10ECE2}" type="presParOf" srcId="{3A39CF31-3CBB-4777-B3F7-561DE089D42B}" destId="{F78685F5-5A12-4FD8-A661-B01B4335B782}" srcOrd="0" destOrd="0" presId="urn:microsoft.com/office/officeart/2005/8/layout/hProcess4"/>
+    <dgm:cxn modelId="{B0497D9C-A660-4474-8A9D-0918FF5AC415}" type="presParOf" srcId="{3A39CF31-3CBB-4777-B3F7-561DE089D42B}" destId="{5BE17825-D0E8-4D69-992E-D5C1E7D39F21}" srcOrd="1" destOrd="0" presId="urn:microsoft.com/office/officeart/2005/8/layout/hProcess4"/>
+    <dgm:cxn modelId="{97A9517E-D9AD-4572-BE75-9B6C162D226B}" type="presParOf" srcId="{3A39CF31-3CBB-4777-B3F7-561DE089D42B}" destId="{372AD9A6-8D12-40F9-B849-B57BBAA7BA69}" srcOrd="2" destOrd="0" presId="urn:microsoft.com/office/officeart/2005/8/layout/hProcess4"/>
+    <dgm:cxn modelId="{0B83CE2D-7000-476E-AE54-35CF53EF0508}" type="presParOf" srcId="{3A39CF31-3CBB-4777-B3F7-561DE089D42B}" destId="{DD0A6EF8-9419-4735-9241-1BAB89D1DEB0}" srcOrd="3" destOrd="0" presId="urn:microsoft.com/office/officeart/2005/8/layout/hProcess4"/>
+    <dgm:cxn modelId="{66BB2BF2-D1D7-4E0F-84BC-963AF824E4E0}" type="presParOf" srcId="{3A39CF31-3CBB-4777-B3F7-561DE089D42B}" destId="{F9F49EFA-CA33-44BF-82D0-BBF2213F801D}" srcOrd="4" destOrd="0" presId="urn:microsoft.com/office/officeart/2005/8/layout/hProcess4"/>
   </dgm:cxnLst>
   <dgm:bg/>
   <dgm:whole/>
@@ -1580,12 +1977,12 @@
         <a:fontRef idx="minor"/>
       </dsp:style>
       <dsp:txBody>
-        <a:bodyPr spcFirstLastPara="0" vert="horz" wrap="square" lIns="32385" tIns="32385" rIns="32385" bIns="32385" numCol="1" spcCol="1270" anchor="t" anchorCtr="0">
+        <a:bodyPr spcFirstLastPara="0" vert="horz" wrap="square" lIns="30480" tIns="30480" rIns="30480" bIns="30480" numCol="1" spcCol="1270" anchor="t" anchorCtr="0">
           <a:noAutofit/>
         </a:bodyPr>
         <a:lstStyle/>
         <a:p>
-          <a:pPr marL="171450" lvl="1" indent="-171450" algn="l" defTabSz="755650">
+          <a:pPr marL="171450" lvl="1" indent="-171450" algn="l" defTabSz="711200">
             <a:lnSpc>
               <a:spcPct val="90000"/>
             </a:lnSpc>
@@ -1598,12 +1995,12 @@
             <a:buChar char="•"/>
           </a:pPr>
           <a:r>
-            <a:rPr lang="de-DE" sz="1700" kern="1200" dirty="0"/>
+            <a:rPr lang="de-DE" sz="1600" kern="1200"/>
             <a:t>Manuell oder Import mit CSV-Datei</a:t>
           </a:r>
         </a:p>
         <a:p>
-          <a:pPr marL="171450" lvl="1" indent="-171450" algn="l" defTabSz="755650">
+          <a:pPr marL="171450" lvl="1" indent="-171450" algn="l" defTabSz="711200">
             <a:lnSpc>
               <a:spcPct val="90000"/>
             </a:lnSpc>
@@ -1616,7 +2013,7 @@
             <a:buChar char="•"/>
           </a:pPr>
           <a:r>
-            <a:rPr lang="de-DE" sz="1700" kern="1200" dirty="0"/>
+            <a:rPr lang="de-DE" sz="1600" kern="1200"/>
             <a:t>Einladungs-E-Mail</a:t>
           </a:r>
         </a:p>
@@ -1744,7 +2141,7 @@
             <a:buNone/>
           </a:pPr>
           <a:r>
-            <a:rPr lang="de-DE" sz="3600" kern="1200" dirty="0"/>
+            <a:rPr lang="de-DE" sz="3600" kern="1200"/>
             <a:t>Händler</a:t>
           </a:r>
         </a:p>
@@ -1805,12 +2202,12 @@
         <a:fontRef idx="minor"/>
       </dsp:style>
       <dsp:txBody>
-        <a:bodyPr spcFirstLastPara="0" vert="horz" wrap="square" lIns="32385" tIns="32385" rIns="32385" bIns="32385" numCol="1" spcCol="1270" anchor="t" anchorCtr="0">
+        <a:bodyPr spcFirstLastPara="0" vert="horz" wrap="square" lIns="30480" tIns="30480" rIns="30480" bIns="30480" numCol="1" spcCol="1270" anchor="t" anchorCtr="0">
           <a:noAutofit/>
         </a:bodyPr>
         <a:lstStyle/>
         <a:p>
-          <a:pPr marL="171450" lvl="1" indent="-171450" algn="l" defTabSz="755650">
+          <a:pPr marL="171450" lvl="1" indent="-171450" algn="l" defTabSz="711200">
             <a:lnSpc>
               <a:spcPct val="90000"/>
             </a:lnSpc>
@@ -1823,12 +2220,12 @@
             <a:buChar char="•"/>
           </a:pPr>
           <a:r>
-            <a:rPr lang="de-DE" sz="1700" kern="1200" dirty="0"/>
+            <a:rPr lang="de-DE" sz="1600" kern="1200"/>
             <a:t>E-Mail link</a:t>
           </a:r>
         </a:p>
         <a:p>
-          <a:pPr marL="171450" lvl="1" indent="-171450" algn="l" defTabSz="755650">
+          <a:pPr marL="171450" lvl="1" indent="-171450" algn="l" defTabSz="711200">
             <a:lnSpc>
               <a:spcPct val="90000"/>
             </a:lnSpc>
@@ -1841,12 +2238,12 @@
             <a:buChar char="•"/>
           </a:pPr>
           <a:r>
-            <a:rPr lang="de-DE" sz="1700" kern="1200" dirty="0"/>
+            <a:rPr lang="de-DE" sz="1600" kern="1200"/>
             <a:t>Passwort setzen</a:t>
           </a:r>
         </a:p>
         <a:p>
-          <a:pPr marL="171450" lvl="1" indent="-171450" algn="l" defTabSz="755650">
+          <a:pPr marL="171450" lvl="1" indent="-171450" algn="l" defTabSz="711200" rtl="0">
             <a:lnSpc>
               <a:spcPct val="90000"/>
             </a:lnSpc>
@@ -1859,9 +2256,12 @@
             <a:buChar char="•"/>
           </a:pPr>
           <a:r>
-            <a:rPr lang="de-DE" sz="1700" kern="1200" dirty="0"/>
-            <a:t>Kooperationsvertrag unterzeichnen</a:t>
+            <a:rPr lang="de-DE" sz="1600" b="1" kern="1200">
+              <a:latin typeface="Calibri Light" panose="020F0302020204030204"/>
+            </a:rPr>
+            <a:t>Nutzungsvereinbarung unterzeichnen</a:t>
           </a:r>
+          <a:endParaRPr lang="de-DE" sz="1600" b="1" kern="1200"/>
         </a:p>
       </dsp:txBody>
       <dsp:txXfrm>
@@ -1987,7 +2387,7 @@
             <a:buNone/>
           </a:pPr>
           <a:r>
-            <a:rPr lang="de-DE" sz="3600" kern="1200" dirty="0"/>
+            <a:rPr lang="de-DE" sz="3600" kern="1200"/>
             <a:t>Betreiber</a:t>
           </a:r>
         </a:p>
@@ -2048,12 +2448,12 @@
         <a:fontRef idx="minor"/>
       </dsp:style>
       <dsp:txBody>
-        <a:bodyPr spcFirstLastPara="0" vert="horz" wrap="square" lIns="32385" tIns="32385" rIns="32385" bIns="32385" numCol="1" spcCol="1270" anchor="t" anchorCtr="0">
+        <a:bodyPr spcFirstLastPara="0" vert="horz" wrap="square" lIns="30480" tIns="30480" rIns="30480" bIns="30480" numCol="1" spcCol="1270" anchor="t" anchorCtr="0">
           <a:noAutofit/>
         </a:bodyPr>
         <a:lstStyle/>
         <a:p>
-          <a:pPr marL="171450" lvl="1" indent="-171450" algn="l" defTabSz="755650">
+          <a:pPr marL="171450" lvl="1" indent="-171450" algn="l" defTabSz="711200">
             <a:lnSpc>
               <a:spcPct val="90000"/>
             </a:lnSpc>
@@ -2066,28 +2466,9 @@
             <a:buChar char="•"/>
           </a:pPr>
           <a:r>
-            <a:rPr lang="de-DE" sz="1700" kern="1200" dirty="0"/>
+            <a:rPr lang="de-DE" sz="1600" kern="1200"/>
             <a:t>Anfordern von Zugriffsrechten (Surrogation)</a:t>
           </a:r>
-        </a:p>
-        <a:p>
-          <a:pPr marL="171450" lvl="1" indent="-171450" algn="l" defTabSz="755650">
-            <a:lnSpc>
-              <a:spcPct val="90000"/>
-            </a:lnSpc>
-            <a:spcBef>
-              <a:spcPct val="0"/>
-            </a:spcBef>
-            <a:spcAft>
-              <a:spcPct val="15000"/>
-            </a:spcAft>
-            <a:buChar char="•"/>
-          </a:pPr>
-          <a:r>
-            <a:rPr lang="de-DE" sz="1700" kern="1200" dirty="0" err="1"/>
-            <a:t>AccountID</a:t>
-          </a:r>
-          <a:endParaRPr lang="de-DE" sz="1700" kern="1200" dirty="0"/>
         </a:p>
       </dsp:txBody>
       <dsp:txXfrm>
@@ -2165,7 +2546,7 @@
             <a:buNone/>
           </a:pPr>
           <a:r>
-            <a:rPr lang="de-DE" sz="3600" kern="1200" dirty="0"/>
+            <a:rPr lang="de-DE" sz="3600" kern="1200"/>
             <a:t>Händler</a:t>
           </a:r>
         </a:p>
@@ -3813,7 +4194,7 @@
           </a:lstStyle>
           <a:p>
             <a:r>
-              <a:rPr lang="de-DE" dirty="0"/>
+              <a:rPr lang="de-DE"/>
               <a:t>fiskaltrust gmbh</a:t>
             </a:r>
           </a:p>
@@ -3856,7 +4237,7 @@
               <a:rPr lang="de-AT"/>
               <a:t>28.05.2020</a:t>
             </a:r>
-            <a:endParaRPr lang="en-AT" dirty="0"/>
+            <a:endParaRPr lang="en-AT"/>
           </a:p>
         </p:txBody>
       </p:sp>
@@ -3894,10 +4275,10 @@
           </a:lstStyle>
           <a:p>
             <a:r>
-              <a:rPr lang="de-DE" dirty="0"/>
+              <a:rPr lang="de-DE"/>
               <a:t>Präsentation</a:t>
             </a:r>
-            <a:endParaRPr lang="en-AT" dirty="0"/>
+            <a:endParaRPr lang="en-AT"/>
           </a:p>
         </p:txBody>
       </p:sp>
@@ -3938,7 +4319,7 @@
               <a:rPr lang="en-AT" smtClean="0"/>
               <a:t>‹#›</a:t>
             </a:fld>
-            <a:endParaRPr lang="en-AT" dirty="0"/>
+            <a:endParaRPr lang="en-AT"/>
           </a:p>
         </p:txBody>
       </p:sp>
@@ -4004,22 +4385,22 @@
           </a:lstStyle>
           <a:p>
             <a:r>
-              <a:rPr lang="de-AT" dirty="0"/>
+              <a:rPr lang="de-AT"/>
               <a:t>fiskaltrust. </a:t>
             </a:r>
             <a:r>
-              <a:rPr lang="de-AT" dirty="0" err="1"/>
+              <a:rPr lang="de-AT" err="1"/>
               <a:t>consulting</a:t>
             </a:r>
             <a:r>
-              <a:rPr lang="de-AT" dirty="0"/>
+              <a:rPr lang="de-AT"/>
               <a:t> gmbh - </a:t>
             </a:r>
             <a:r>
-              <a:rPr lang="de-AT" dirty="0" err="1"/>
+              <a:rPr lang="de-AT" err="1"/>
               <a:t>confidential</a:t>
             </a:r>
-            <a:endParaRPr lang="de-AT" dirty="0"/>
+            <a:endParaRPr lang="de-AT"/>
           </a:p>
         </p:txBody>
       </p:sp>
@@ -4052,7 +4433,7 @@
           <a:p>
             <a:fld id="{E52F4C69-7549-4A71-BB0C-341D25F594E8}" type="datetime1">
               <a:rPr lang="de-AT" smtClean="0"/>
-              <a:t>10.09.20</a:t>
+              <a:t>23.09.2020</a:t>
             </a:fld>
             <a:endParaRPr lang="de-AT"/>
           </a:p>
@@ -4366,13 +4747,13 @@
           <a:lstStyle/>
           <a:p>
             <a:r>
-              <a:rPr lang="de-DE" dirty="0"/>
+              <a:rPr lang="de-DE"/>
               <a:t>Wir werden auf folgende Themen eingehen:</a:t>
             </a:r>
           </a:p>
           <a:p>
             <a:r>
-              <a:rPr lang="de-DE" dirty="0"/>
+              <a:rPr lang="de-DE"/>
               <a:t>-  Das fiskaltrust Portal wird als Rollout Management Tool verwendet. Es unterstützt Kassenhändler bei der Vorbereitung und Ausführung des Rollout.</a:t>
             </a:r>
           </a:p>
@@ -4382,7 +4763,7 @@
               <a:buChar char="-"/>
             </a:pPr>
             <a:r>
-              <a:rPr lang="de-DE" dirty="0"/>
+              <a:rPr lang="de-DE"/>
               <a:t>Die Middleware muss vor der Auslieferung spezifisch auf die Gegebenheiten des Betreibers Konfiguriert werden. Wir werden erläutern, wie diese Konfiguration mit Hilfe des Portals vorgenommen werden kann, was genau konfiguriert werden muss und wie nach der Konfiguration die Auslieferung der Middleware über das Portal erfolgen kann (manueller Download des Launcher)</a:t>
             </a:r>
           </a:p>
@@ -4392,7 +4773,7 @@
               <a:buChar char="-"/>
             </a:pPr>
             <a:r>
-              <a:rPr lang="de-DE" dirty="0"/>
+              <a:rPr lang="de-DE"/>
               <a:t>Als nächstes werden wir unsere Automatisierungsoptionen vorstellen die Kassenherstellern ermöglichen bei einem Rollout mit vielen betroffenen Kassen einen Massenrollout durchzuführen</a:t>
             </a:r>
           </a:p>
@@ -4402,7 +4783,7 @@
               <a:buChar char="-"/>
             </a:pPr>
             <a:r>
-              <a:rPr lang="de-DE" dirty="0"/>
+              <a:rPr lang="de-DE"/>
               <a:t>Zum Schluss stellen wir diverse Rollout-Szenarien vor, die die Flexibilität unserer Lösung verdeutlichen</a:t>
             </a:r>
           </a:p>
@@ -4411,7 +4792,7 @@
               <a:buFontTx/>
               <a:buChar char="-"/>
             </a:pPr>
-            <a:endParaRPr lang="de-DE" dirty="0"/>
+            <a:endParaRPr lang="de-DE"/>
           </a:p>
         </p:txBody>
       </p:sp>
@@ -4434,7 +4815,6 @@
               <a:rPr lang="de-AT"/>
               <a:t>fiskaltrust. consulting gmbh - confidential</a:t>
             </a:r>
-            <a:endParaRPr lang="de-AT" dirty="0"/>
           </a:p>
         </p:txBody>
       </p:sp>
@@ -4455,7 +4835,7 @@
           <a:p>
             <a:fld id="{E52F4C69-7549-4A71-BB0C-341D25F594E8}" type="datetime1">
               <a:rPr lang="de-AT" smtClean="0"/>
-              <a:t>10.09.20</a:t>
+              <a:t>23.09.2020</a:t>
             </a:fld>
             <a:endParaRPr lang="de-AT"/>
           </a:p>
@@ -4542,63 +4922,63 @@
           <a:lstStyle/>
           <a:p>
             <a:r>
-              <a:rPr lang="de-DE" dirty="0"/>
+              <a:rPr lang="de-DE"/>
               <a:t>Vorführung Anhand:</a:t>
             </a:r>
           </a:p>
           <a:p>
             <a:r>
-              <a:rPr lang="de-DE" dirty="0"/>
+              <a:rPr lang="de-DE"/>
               <a:t>https://</a:t>
             </a:r>
             <a:r>
-              <a:rPr lang="de-DE" dirty="0" err="1"/>
+              <a:rPr lang="de-DE" err="1"/>
               <a:t>docs.fiskaltrust.cloud</a:t>
             </a:r>
             <a:r>
-              <a:rPr lang="de-DE" dirty="0"/>
+              <a:rPr lang="de-DE"/>
               <a:t>/</a:t>
             </a:r>
             <a:r>
-              <a:rPr lang="de-DE" dirty="0" err="1"/>
+              <a:rPr lang="de-DE" err="1"/>
               <a:t>doc</a:t>
             </a:r>
             <a:r>
-              <a:rPr lang="de-DE" dirty="0"/>
+              <a:rPr lang="de-DE"/>
               <a:t>/</a:t>
             </a:r>
             <a:r>
-              <a:rPr lang="de-DE" dirty="0" err="1"/>
+              <a:rPr lang="de-DE" err="1"/>
               <a:t>productdescription</a:t>
             </a:r>
             <a:r>
-              <a:rPr lang="de-DE" dirty="0"/>
+              <a:rPr lang="de-DE"/>
               <a:t>-de-</a:t>
             </a:r>
             <a:r>
-              <a:rPr lang="de-DE" dirty="0" err="1"/>
+              <a:rPr lang="de-DE" err="1"/>
               <a:t>doc</a:t>
             </a:r>
             <a:r>
-              <a:rPr lang="de-DE" dirty="0"/>
+              <a:rPr lang="de-DE"/>
               <a:t>/</a:t>
             </a:r>
             <a:r>
-              <a:rPr lang="de-DE" dirty="0" err="1"/>
+              <a:rPr lang="de-DE" err="1"/>
               <a:t>for-posdealers</a:t>
             </a:r>
             <a:r>
-              <a:rPr lang="de-DE" dirty="0"/>
+              <a:rPr lang="de-DE"/>
               <a:t>/02-pre-sales/automatisierter-</a:t>
             </a:r>
             <a:r>
-              <a:rPr lang="de-DE" dirty="0" err="1"/>
+              <a:rPr lang="de-DE" err="1"/>
               <a:t>rollout.html</a:t>
             </a:r>
-            <a:endParaRPr lang="de-DE" dirty="0"/>
-          </a:p>
-          <a:p>
-            <a:endParaRPr lang="de-DE" dirty="0"/>
+            <a:endParaRPr lang="de-DE"/>
+          </a:p>
+          <a:p>
+            <a:endParaRPr lang="de-DE"/>
           </a:p>
         </p:txBody>
       </p:sp>
@@ -4621,7 +5001,6 @@
               <a:rPr lang="de-AT"/>
               <a:t>fiskaltrust. consulting gmbh - confidential</a:t>
             </a:r>
-            <a:endParaRPr lang="de-AT" dirty="0"/>
           </a:p>
         </p:txBody>
       </p:sp>
@@ -4642,7 +5021,7 @@
           <a:p>
             <a:fld id="{E52F4C69-7549-4A71-BB0C-341D25F594E8}" type="datetime1">
               <a:rPr lang="de-AT" smtClean="0"/>
-              <a:t>10.09.20</a:t>
+              <a:t>23.09.2020</a:t>
             </a:fld>
             <a:endParaRPr lang="de-AT"/>
           </a:p>
@@ -4729,63 +5108,63 @@
           <a:lstStyle/>
           <a:p>
             <a:r>
-              <a:rPr lang="de-DE" dirty="0"/>
+              <a:rPr lang="de-DE"/>
               <a:t>Vorführung Anhand Portal +</a:t>
             </a:r>
           </a:p>
           <a:p>
             <a:r>
-              <a:rPr lang="de-DE" dirty="0"/>
+              <a:rPr lang="de-DE"/>
               <a:t>https://</a:t>
             </a:r>
             <a:r>
-              <a:rPr lang="de-DE" dirty="0" err="1"/>
+              <a:rPr lang="de-DE" err="1"/>
               <a:t>docs.fiskaltrust.cloud</a:t>
             </a:r>
             <a:r>
-              <a:rPr lang="de-DE" dirty="0"/>
+              <a:rPr lang="de-DE"/>
               <a:t>/</a:t>
             </a:r>
             <a:r>
-              <a:rPr lang="de-DE" dirty="0" err="1"/>
+              <a:rPr lang="de-DE" err="1"/>
               <a:t>doc</a:t>
             </a:r>
             <a:r>
-              <a:rPr lang="de-DE" dirty="0"/>
+              <a:rPr lang="de-DE"/>
               <a:t>/</a:t>
             </a:r>
             <a:r>
-              <a:rPr lang="de-DE" dirty="0" err="1"/>
+              <a:rPr lang="de-DE" err="1"/>
               <a:t>productdescription</a:t>
             </a:r>
             <a:r>
-              <a:rPr lang="de-DE" dirty="0"/>
+              <a:rPr lang="de-DE"/>
               <a:t>-de-</a:t>
             </a:r>
             <a:r>
-              <a:rPr lang="de-DE" dirty="0" err="1"/>
+              <a:rPr lang="de-DE" err="1"/>
               <a:t>doc</a:t>
             </a:r>
             <a:r>
-              <a:rPr lang="de-DE" dirty="0"/>
+              <a:rPr lang="de-DE"/>
               <a:t>/</a:t>
             </a:r>
             <a:r>
-              <a:rPr lang="de-DE" dirty="0" err="1"/>
+              <a:rPr lang="de-DE" err="1"/>
               <a:t>for-posdealers</a:t>
             </a:r>
             <a:r>
-              <a:rPr lang="de-DE" dirty="0"/>
+              <a:rPr lang="de-DE"/>
               <a:t>/02-pre-sales/automatisierter-</a:t>
             </a:r>
             <a:r>
-              <a:rPr lang="de-DE" dirty="0" err="1"/>
+              <a:rPr lang="de-DE" err="1"/>
               <a:t>rollout.html</a:t>
             </a:r>
-            <a:endParaRPr lang="de-DE" dirty="0"/>
-          </a:p>
-          <a:p>
-            <a:endParaRPr lang="de-DE" dirty="0"/>
+            <a:endParaRPr lang="de-DE"/>
+          </a:p>
+          <a:p>
+            <a:endParaRPr lang="de-DE"/>
           </a:p>
         </p:txBody>
       </p:sp>
@@ -4808,7 +5187,6 @@
               <a:rPr lang="de-AT"/>
               <a:t>fiskaltrust. consulting gmbh - confidential</a:t>
             </a:r>
-            <a:endParaRPr lang="de-AT" dirty="0"/>
           </a:p>
         </p:txBody>
       </p:sp>
@@ -4829,7 +5207,7 @@
           <a:p>
             <a:fld id="{E52F4C69-7549-4A71-BB0C-341D25F594E8}" type="datetime1">
               <a:rPr lang="de-AT" smtClean="0"/>
-              <a:t>10.09.20</a:t>
+              <a:t>23.09.2020</a:t>
             </a:fld>
             <a:endParaRPr lang="de-AT"/>
           </a:p>
@@ -4916,63 +5294,63 @@
           <a:lstStyle/>
           <a:p>
             <a:r>
-              <a:rPr lang="de-DE" dirty="0"/>
+              <a:rPr lang="de-DE"/>
               <a:t>Vorführung Anhand Portal +</a:t>
             </a:r>
           </a:p>
           <a:p>
             <a:r>
-              <a:rPr lang="de-DE" dirty="0"/>
+              <a:rPr lang="de-DE"/>
               <a:t>https://</a:t>
             </a:r>
             <a:r>
-              <a:rPr lang="de-DE" dirty="0" err="1"/>
+              <a:rPr lang="de-DE" err="1"/>
               <a:t>docs.fiskaltrust.cloud</a:t>
             </a:r>
             <a:r>
-              <a:rPr lang="de-DE" dirty="0"/>
+              <a:rPr lang="de-DE"/>
               <a:t>/</a:t>
             </a:r>
             <a:r>
-              <a:rPr lang="de-DE" dirty="0" err="1"/>
+              <a:rPr lang="de-DE" err="1"/>
               <a:t>doc</a:t>
             </a:r>
             <a:r>
-              <a:rPr lang="de-DE" dirty="0"/>
+              <a:rPr lang="de-DE"/>
               <a:t>/</a:t>
             </a:r>
             <a:r>
-              <a:rPr lang="de-DE" dirty="0" err="1"/>
+              <a:rPr lang="de-DE" err="1"/>
               <a:t>productdescription</a:t>
             </a:r>
             <a:r>
-              <a:rPr lang="de-DE" dirty="0"/>
+              <a:rPr lang="de-DE"/>
               <a:t>-de-</a:t>
             </a:r>
             <a:r>
-              <a:rPr lang="de-DE" dirty="0" err="1"/>
+              <a:rPr lang="de-DE" err="1"/>
               <a:t>doc</a:t>
             </a:r>
             <a:r>
-              <a:rPr lang="de-DE" dirty="0"/>
+              <a:rPr lang="de-DE"/>
               <a:t>/</a:t>
             </a:r>
             <a:r>
-              <a:rPr lang="de-DE" dirty="0" err="1"/>
+              <a:rPr lang="de-DE" err="1"/>
               <a:t>for-posdealers</a:t>
             </a:r>
             <a:r>
-              <a:rPr lang="de-DE" dirty="0"/>
+              <a:rPr lang="de-DE"/>
               <a:t>/02-pre-sales/automatisierter-</a:t>
             </a:r>
             <a:r>
-              <a:rPr lang="de-DE" dirty="0" err="1"/>
+              <a:rPr lang="de-DE" err="1"/>
               <a:t>rollout.html</a:t>
             </a:r>
-            <a:endParaRPr lang="de-DE" dirty="0"/>
-          </a:p>
-          <a:p>
-            <a:endParaRPr lang="de-DE" dirty="0"/>
+            <a:endParaRPr lang="de-DE"/>
+          </a:p>
+          <a:p>
+            <a:endParaRPr lang="de-DE"/>
           </a:p>
         </p:txBody>
       </p:sp>
@@ -4995,7 +5373,6 @@
               <a:rPr lang="de-AT"/>
               <a:t>fiskaltrust. consulting gmbh - confidential</a:t>
             </a:r>
-            <a:endParaRPr lang="de-AT" dirty="0"/>
           </a:p>
         </p:txBody>
       </p:sp>
@@ -5016,7 +5393,7 @@
           <a:p>
             <a:fld id="{E52F4C69-7549-4A71-BB0C-341D25F594E8}" type="datetime1">
               <a:rPr lang="de-AT" smtClean="0"/>
-              <a:t>10.09.20</a:t>
+              <a:t>23.09.2020</a:t>
             </a:fld>
             <a:endParaRPr lang="de-AT"/>
           </a:p>
@@ -5103,63 +5480,63 @@
           <a:lstStyle/>
           <a:p>
             <a:r>
-              <a:rPr lang="de-DE" dirty="0"/>
+              <a:rPr lang="de-DE"/>
               <a:t>Vorführung Anhand:</a:t>
             </a:r>
           </a:p>
           <a:p>
             <a:r>
-              <a:rPr lang="de-DE" dirty="0"/>
+              <a:rPr lang="de-DE"/>
               <a:t>https://</a:t>
             </a:r>
             <a:r>
-              <a:rPr lang="de-DE" dirty="0" err="1"/>
+              <a:rPr lang="de-DE" err="1"/>
               <a:t>docs.fiskaltrust.cloud</a:t>
             </a:r>
             <a:r>
-              <a:rPr lang="de-DE" dirty="0"/>
+              <a:rPr lang="de-DE"/>
               <a:t>/</a:t>
             </a:r>
             <a:r>
-              <a:rPr lang="de-DE" dirty="0" err="1"/>
+              <a:rPr lang="de-DE" err="1"/>
               <a:t>doc</a:t>
             </a:r>
             <a:r>
-              <a:rPr lang="de-DE" dirty="0"/>
+              <a:rPr lang="de-DE"/>
               <a:t>/</a:t>
             </a:r>
             <a:r>
-              <a:rPr lang="de-DE" dirty="0" err="1"/>
+              <a:rPr lang="de-DE" err="1"/>
               <a:t>productdescription</a:t>
             </a:r>
             <a:r>
-              <a:rPr lang="de-DE" dirty="0"/>
+              <a:rPr lang="de-DE"/>
               <a:t>-de-</a:t>
             </a:r>
             <a:r>
-              <a:rPr lang="de-DE" dirty="0" err="1"/>
+              <a:rPr lang="de-DE" err="1"/>
               <a:t>doc</a:t>
             </a:r>
             <a:r>
-              <a:rPr lang="de-DE" dirty="0"/>
+              <a:rPr lang="de-DE"/>
               <a:t>/</a:t>
             </a:r>
             <a:r>
-              <a:rPr lang="de-DE" dirty="0" err="1"/>
+              <a:rPr lang="de-DE" err="1"/>
               <a:t>for-posdealers</a:t>
             </a:r>
             <a:r>
-              <a:rPr lang="de-DE" dirty="0"/>
+              <a:rPr lang="de-DE"/>
               <a:t>/02-pre-sales/automatisierter-</a:t>
             </a:r>
             <a:r>
-              <a:rPr lang="de-DE" dirty="0" err="1"/>
+              <a:rPr lang="de-DE" err="1"/>
               <a:t>rollout.html</a:t>
             </a:r>
-            <a:endParaRPr lang="de-DE" dirty="0"/>
-          </a:p>
-          <a:p>
-            <a:endParaRPr lang="de-DE" dirty="0"/>
+            <a:endParaRPr lang="de-DE"/>
+          </a:p>
+          <a:p>
+            <a:endParaRPr lang="de-DE"/>
           </a:p>
         </p:txBody>
       </p:sp>
@@ -5182,7 +5559,6 @@
               <a:rPr lang="de-AT"/>
               <a:t>fiskaltrust. consulting gmbh - confidential</a:t>
             </a:r>
-            <a:endParaRPr lang="de-AT" dirty="0"/>
           </a:p>
         </p:txBody>
       </p:sp>
@@ -5203,7 +5579,7 @@
           <a:p>
             <a:fld id="{E52F4C69-7549-4A71-BB0C-341D25F594E8}" type="datetime1">
               <a:rPr lang="de-AT" smtClean="0"/>
-              <a:t>10.09.20</a:t>
+              <a:t>23.09.2020</a:t>
             </a:fld>
             <a:endParaRPr lang="de-AT"/>
           </a:p>
@@ -5290,63 +5666,63 @@
           <a:lstStyle/>
           <a:p>
             <a:r>
-              <a:rPr lang="de-DE" dirty="0"/>
+              <a:rPr lang="de-DE"/>
               <a:t>Vorführung Anhand:</a:t>
             </a:r>
           </a:p>
           <a:p>
             <a:r>
-              <a:rPr lang="de-DE" dirty="0"/>
+              <a:rPr lang="de-DE"/>
               <a:t>https://</a:t>
             </a:r>
             <a:r>
-              <a:rPr lang="de-DE" dirty="0" err="1"/>
+              <a:rPr lang="de-DE" err="1"/>
               <a:t>docs.fiskaltrust.cloud</a:t>
             </a:r>
             <a:r>
-              <a:rPr lang="de-DE" dirty="0"/>
+              <a:rPr lang="de-DE"/>
               <a:t>/</a:t>
             </a:r>
             <a:r>
-              <a:rPr lang="de-DE" dirty="0" err="1"/>
+              <a:rPr lang="de-DE" err="1"/>
               <a:t>doc</a:t>
             </a:r>
             <a:r>
-              <a:rPr lang="de-DE" dirty="0"/>
+              <a:rPr lang="de-DE"/>
               <a:t>/</a:t>
             </a:r>
             <a:r>
-              <a:rPr lang="de-DE" dirty="0" err="1"/>
+              <a:rPr lang="de-DE" err="1"/>
               <a:t>productdescription</a:t>
             </a:r>
             <a:r>
-              <a:rPr lang="de-DE" dirty="0"/>
+              <a:rPr lang="de-DE"/>
               <a:t>-de-</a:t>
             </a:r>
             <a:r>
-              <a:rPr lang="de-DE" dirty="0" err="1"/>
+              <a:rPr lang="de-DE" err="1"/>
               <a:t>doc</a:t>
             </a:r>
             <a:r>
-              <a:rPr lang="de-DE" dirty="0"/>
+              <a:rPr lang="de-DE"/>
               <a:t>/</a:t>
             </a:r>
             <a:r>
-              <a:rPr lang="de-DE" dirty="0" err="1"/>
+              <a:rPr lang="de-DE" err="1"/>
               <a:t>for-posdealers</a:t>
             </a:r>
             <a:r>
-              <a:rPr lang="de-DE" dirty="0"/>
+              <a:rPr lang="de-DE"/>
               <a:t>/02-pre-sales/automatisierter-</a:t>
             </a:r>
             <a:r>
-              <a:rPr lang="de-DE" dirty="0" err="1"/>
+              <a:rPr lang="de-DE" err="1"/>
               <a:t>rollout.html</a:t>
             </a:r>
-            <a:endParaRPr lang="de-DE" dirty="0"/>
-          </a:p>
-          <a:p>
-            <a:endParaRPr lang="de-DE" dirty="0"/>
+            <a:endParaRPr lang="de-DE"/>
+          </a:p>
+          <a:p>
+            <a:endParaRPr lang="de-DE"/>
           </a:p>
         </p:txBody>
       </p:sp>
@@ -5369,7 +5745,6 @@
               <a:rPr lang="de-AT"/>
               <a:t>fiskaltrust. consulting gmbh - confidential</a:t>
             </a:r>
-            <a:endParaRPr lang="de-AT" dirty="0"/>
           </a:p>
         </p:txBody>
       </p:sp>
@@ -5390,7 +5765,7 @@
           <a:p>
             <a:fld id="{E52F4C69-7549-4A71-BB0C-341D25F594E8}" type="datetime1">
               <a:rPr lang="de-AT" smtClean="0"/>
-              <a:t>10.09.20</a:t>
+              <a:t>23.09.2020</a:t>
             </a:fld>
             <a:endParaRPr lang="de-AT"/>
           </a:p>
@@ -5477,63 +5852,63 @@
           <a:lstStyle/>
           <a:p>
             <a:r>
-              <a:rPr lang="de-DE" dirty="0"/>
+              <a:rPr lang="de-DE"/>
               <a:t>Vorführung Anhand:</a:t>
             </a:r>
           </a:p>
           <a:p>
             <a:r>
-              <a:rPr lang="de-DE" dirty="0"/>
+              <a:rPr lang="de-DE"/>
               <a:t>https://</a:t>
             </a:r>
             <a:r>
-              <a:rPr lang="de-DE" dirty="0" err="1"/>
+              <a:rPr lang="de-DE" err="1"/>
               <a:t>docs.fiskaltrust.cloud</a:t>
             </a:r>
             <a:r>
-              <a:rPr lang="de-DE" dirty="0"/>
+              <a:rPr lang="de-DE"/>
               <a:t>/</a:t>
             </a:r>
             <a:r>
-              <a:rPr lang="de-DE" dirty="0" err="1"/>
+              <a:rPr lang="de-DE" err="1"/>
               <a:t>doc</a:t>
             </a:r>
             <a:r>
-              <a:rPr lang="de-DE" dirty="0"/>
+              <a:rPr lang="de-DE"/>
               <a:t>/</a:t>
             </a:r>
             <a:r>
-              <a:rPr lang="de-DE" dirty="0" err="1"/>
+              <a:rPr lang="de-DE" err="1"/>
               <a:t>productdescription</a:t>
             </a:r>
             <a:r>
-              <a:rPr lang="de-DE" dirty="0"/>
+              <a:rPr lang="de-DE"/>
               <a:t>-de-</a:t>
             </a:r>
             <a:r>
-              <a:rPr lang="de-DE" dirty="0" err="1"/>
+              <a:rPr lang="de-DE" err="1"/>
               <a:t>doc</a:t>
             </a:r>
             <a:r>
-              <a:rPr lang="de-DE" dirty="0"/>
+              <a:rPr lang="de-DE"/>
               <a:t>/</a:t>
             </a:r>
             <a:r>
-              <a:rPr lang="de-DE" dirty="0" err="1"/>
+              <a:rPr lang="de-DE" err="1"/>
               <a:t>for-posdealers</a:t>
             </a:r>
             <a:r>
-              <a:rPr lang="de-DE" dirty="0"/>
+              <a:rPr lang="de-DE"/>
               <a:t>/02-pre-sales/automatisierter-</a:t>
             </a:r>
             <a:r>
-              <a:rPr lang="de-DE" dirty="0" err="1"/>
+              <a:rPr lang="de-DE" err="1"/>
               <a:t>rollout.html</a:t>
             </a:r>
-            <a:endParaRPr lang="de-DE" dirty="0"/>
-          </a:p>
-          <a:p>
-            <a:endParaRPr lang="de-DE" dirty="0"/>
+            <a:endParaRPr lang="de-DE"/>
+          </a:p>
+          <a:p>
+            <a:endParaRPr lang="de-DE"/>
           </a:p>
         </p:txBody>
       </p:sp>
@@ -5556,7 +5931,6 @@
               <a:rPr lang="de-AT"/>
               <a:t>fiskaltrust. consulting gmbh - confidential</a:t>
             </a:r>
-            <a:endParaRPr lang="de-AT" dirty="0"/>
           </a:p>
         </p:txBody>
       </p:sp>
@@ -5577,7 +5951,7 @@
           <a:p>
             <a:fld id="{E52F4C69-7549-4A71-BB0C-341D25F594E8}" type="datetime1">
               <a:rPr lang="de-AT" smtClean="0"/>
-              <a:t>10.09.20</a:t>
+              <a:t>23.09.2020</a:t>
             </a:fld>
             <a:endParaRPr lang="de-AT"/>
           </a:p>
@@ -5664,63 +6038,63 @@
           <a:lstStyle/>
           <a:p>
             <a:r>
-              <a:rPr lang="de-DE" dirty="0"/>
+              <a:rPr lang="de-DE"/>
               <a:t>Vorführung Anhand:</a:t>
             </a:r>
           </a:p>
           <a:p>
             <a:r>
-              <a:rPr lang="de-DE" dirty="0"/>
+              <a:rPr lang="de-DE"/>
               <a:t>https://</a:t>
             </a:r>
             <a:r>
-              <a:rPr lang="de-DE" dirty="0" err="1"/>
+              <a:rPr lang="de-DE" err="1"/>
               <a:t>docs.fiskaltrust.cloud</a:t>
             </a:r>
             <a:r>
-              <a:rPr lang="de-DE" dirty="0"/>
+              <a:rPr lang="de-DE"/>
               <a:t>/</a:t>
             </a:r>
             <a:r>
-              <a:rPr lang="de-DE" dirty="0" err="1"/>
+              <a:rPr lang="de-DE" err="1"/>
               <a:t>doc</a:t>
             </a:r>
             <a:r>
-              <a:rPr lang="de-DE" dirty="0"/>
+              <a:rPr lang="de-DE"/>
               <a:t>/</a:t>
             </a:r>
             <a:r>
-              <a:rPr lang="de-DE" dirty="0" err="1"/>
+              <a:rPr lang="de-DE" err="1"/>
               <a:t>productdescription</a:t>
             </a:r>
             <a:r>
-              <a:rPr lang="de-DE" dirty="0"/>
+              <a:rPr lang="de-DE"/>
               <a:t>-de-</a:t>
             </a:r>
             <a:r>
-              <a:rPr lang="de-DE" dirty="0" err="1"/>
+              <a:rPr lang="de-DE" err="1"/>
               <a:t>doc</a:t>
             </a:r>
             <a:r>
-              <a:rPr lang="de-DE" dirty="0"/>
+              <a:rPr lang="de-DE"/>
               <a:t>/</a:t>
             </a:r>
             <a:r>
-              <a:rPr lang="de-DE" dirty="0" err="1"/>
+              <a:rPr lang="de-DE" err="1"/>
               <a:t>for-posdealers</a:t>
             </a:r>
             <a:r>
-              <a:rPr lang="de-DE" dirty="0"/>
+              <a:rPr lang="de-DE"/>
               <a:t>/02-pre-sales/automatisierter-</a:t>
             </a:r>
             <a:r>
-              <a:rPr lang="de-DE" dirty="0" err="1"/>
+              <a:rPr lang="de-DE" err="1"/>
               <a:t>rollout.html</a:t>
             </a:r>
-            <a:endParaRPr lang="de-DE" dirty="0"/>
-          </a:p>
-          <a:p>
-            <a:endParaRPr lang="de-DE" dirty="0"/>
+            <a:endParaRPr lang="de-DE"/>
+          </a:p>
+          <a:p>
+            <a:endParaRPr lang="de-DE"/>
           </a:p>
         </p:txBody>
       </p:sp>
@@ -5743,7 +6117,6 @@
               <a:rPr lang="de-AT"/>
               <a:t>fiskaltrust. consulting gmbh - confidential</a:t>
             </a:r>
-            <a:endParaRPr lang="de-AT" dirty="0"/>
           </a:p>
         </p:txBody>
       </p:sp>
@@ -5764,7 +6137,7 @@
           <a:p>
             <a:fld id="{E52F4C69-7549-4A71-BB0C-341D25F594E8}" type="datetime1">
               <a:rPr lang="de-AT" smtClean="0"/>
-              <a:t>10.09.20</a:t>
+              <a:t>23.09.2020</a:t>
             </a:fld>
             <a:endParaRPr lang="de-AT"/>
           </a:p>
@@ -5851,63 +6224,63 @@
           <a:lstStyle/>
           <a:p>
             <a:r>
-              <a:rPr lang="de-DE" dirty="0"/>
+              <a:rPr lang="de-DE"/>
               <a:t>Vorführung Anhand:</a:t>
             </a:r>
           </a:p>
           <a:p>
             <a:r>
-              <a:rPr lang="de-DE" dirty="0"/>
+              <a:rPr lang="de-DE"/>
               <a:t>https://</a:t>
             </a:r>
             <a:r>
-              <a:rPr lang="de-DE" dirty="0" err="1"/>
+              <a:rPr lang="de-DE" err="1"/>
               <a:t>docs.fiskaltrust.cloud</a:t>
             </a:r>
             <a:r>
-              <a:rPr lang="de-DE" dirty="0"/>
+              <a:rPr lang="de-DE"/>
               <a:t>/</a:t>
             </a:r>
             <a:r>
-              <a:rPr lang="de-DE" dirty="0" err="1"/>
+              <a:rPr lang="de-DE" err="1"/>
               <a:t>doc</a:t>
             </a:r>
             <a:r>
-              <a:rPr lang="de-DE" dirty="0"/>
+              <a:rPr lang="de-DE"/>
               <a:t>/</a:t>
             </a:r>
             <a:r>
-              <a:rPr lang="de-DE" dirty="0" err="1"/>
+              <a:rPr lang="de-DE" err="1"/>
               <a:t>productdescription</a:t>
             </a:r>
             <a:r>
-              <a:rPr lang="de-DE" dirty="0"/>
+              <a:rPr lang="de-DE"/>
               <a:t>-de-</a:t>
             </a:r>
             <a:r>
-              <a:rPr lang="de-DE" dirty="0" err="1"/>
+              <a:rPr lang="de-DE" err="1"/>
               <a:t>doc</a:t>
             </a:r>
             <a:r>
-              <a:rPr lang="de-DE" dirty="0"/>
+              <a:rPr lang="de-DE"/>
               <a:t>/</a:t>
             </a:r>
             <a:r>
-              <a:rPr lang="de-DE" dirty="0" err="1"/>
+              <a:rPr lang="de-DE" err="1"/>
               <a:t>for-posdealers</a:t>
             </a:r>
             <a:r>
-              <a:rPr lang="de-DE" dirty="0"/>
+              <a:rPr lang="de-DE"/>
               <a:t>/02-pre-sales/automatisierter-</a:t>
             </a:r>
             <a:r>
-              <a:rPr lang="de-DE" dirty="0" err="1"/>
+              <a:rPr lang="de-DE" err="1"/>
               <a:t>rollout.html</a:t>
             </a:r>
-            <a:endParaRPr lang="de-DE" dirty="0"/>
-          </a:p>
-          <a:p>
-            <a:endParaRPr lang="de-DE" dirty="0"/>
+            <a:endParaRPr lang="de-DE"/>
+          </a:p>
+          <a:p>
+            <a:endParaRPr lang="de-DE"/>
           </a:p>
         </p:txBody>
       </p:sp>
@@ -5930,7 +6303,6 @@
               <a:rPr lang="de-AT"/>
               <a:t>fiskaltrust. consulting gmbh - confidential</a:t>
             </a:r>
-            <a:endParaRPr lang="de-AT" dirty="0"/>
           </a:p>
         </p:txBody>
       </p:sp>
@@ -5951,7 +6323,7 @@
           <a:p>
             <a:fld id="{E52F4C69-7549-4A71-BB0C-341D25F594E8}" type="datetime1">
               <a:rPr lang="de-AT" smtClean="0"/>
-              <a:t>10.09.20</a:t>
+              <a:t>23.09.2020</a:t>
             </a:fld>
             <a:endParaRPr lang="de-AT"/>
           </a:p>
@@ -6038,63 +6410,63 @@
           <a:lstStyle/>
           <a:p>
             <a:r>
-              <a:rPr lang="de-DE" dirty="0"/>
+              <a:rPr lang="de-DE"/>
               <a:t>Vorführung Anhand:</a:t>
             </a:r>
           </a:p>
           <a:p>
             <a:r>
-              <a:rPr lang="de-DE" dirty="0"/>
+              <a:rPr lang="de-DE"/>
               <a:t>https://</a:t>
             </a:r>
             <a:r>
-              <a:rPr lang="de-DE" dirty="0" err="1"/>
+              <a:rPr lang="de-DE" err="1"/>
               <a:t>docs.fiskaltrust.cloud</a:t>
             </a:r>
             <a:r>
-              <a:rPr lang="de-DE" dirty="0"/>
+              <a:rPr lang="de-DE"/>
               <a:t>/</a:t>
             </a:r>
             <a:r>
-              <a:rPr lang="de-DE" dirty="0" err="1"/>
+              <a:rPr lang="de-DE" err="1"/>
               <a:t>doc</a:t>
             </a:r>
             <a:r>
-              <a:rPr lang="de-DE" dirty="0"/>
+              <a:rPr lang="de-DE"/>
               <a:t>/</a:t>
             </a:r>
             <a:r>
-              <a:rPr lang="de-DE" dirty="0" err="1"/>
+              <a:rPr lang="de-DE" err="1"/>
               <a:t>productdescription</a:t>
             </a:r>
             <a:r>
-              <a:rPr lang="de-DE" dirty="0"/>
+              <a:rPr lang="de-DE"/>
               <a:t>-de-</a:t>
             </a:r>
             <a:r>
-              <a:rPr lang="de-DE" dirty="0" err="1"/>
+              <a:rPr lang="de-DE" err="1"/>
               <a:t>doc</a:t>
             </a:r>
             <a:r>
-              <a:rPr lang="de-DE" dirty="0"/>
+              <a:rPr lang="de-DE"/>
               <a:t>/</a:t>
             </a:r>
             <a:r>
-              <a:rPr lang="de-DE" dirty="0" err="1"/>
+              <a:rPr lang="de-DE" err="1"/>
               <a:t>for-posdealers</a:t>
             </a:r>
             <a:r>
-              <a:rPr lang="de-DE" dirty="0"/>
+              <a:rPr lang="de-DE"/>
               <a:t>/02-pre-sales/automatisierter-</a:t>
             </a:r>
             <a:r>
-              <a:rPr lang="de-DE" dirty="0" err="1"/>
+              <a:rPr lang="de-DE" err="1"/>
               <a:t>rollout.html</a:t>
             </a:r>
-            <a:endParaRPr lang="de-DE" dirty="0"/>
-          </a:p>
-          <a:p>
-            <a:endParaRPr lang="de-DE" dirty="0"/>
+            <a:endParaRPr lang="de-DE"/>
+          </a:p>
+          <a:p>
+            <a:endParaRPr lang="de-DE"/>
           </a:p>
         </p:txBody>
       </p:sp>
@@ -6117,7 +6489,6 @@
               <a:rPr lang="de-AT"/>
               <a:t>fiskaltrust. consulting gmbh - confidential</a:t>
             </a:r>
-            <a:endParaRPr lang="de-AT" dirty="0"/>
           </a:p>
         </p:txBody>
       </p:sp>
@@ -6138,7 +6509,7 @@
           <a:p>
             <a:fld id="{E52F4C69-7549-4A71-BB0C-341D25F594E8}" type="datetime1">
               <a:rPr lang="de-AT" smtClean="0"/>
-              <a:t>10.09.20</a:t>
+              <a:t>23.09.2020</a:t>
             </a:fld>
             <a:endParaRPr lang="de-AT"/>
           </a:p>
@@ -6225,63 +6596,63 @@
           <a:lstStyle/>
           <a:p>
             <a:r>
-              <a:rPr lang="de-DE" dirty="0"/>
+              <a:rPr lang="de-DE"/>
               <a:t>Vorführung Anhand:</a:t>
             </a:r>
           </a:p>
           <a:p>
             <a:r>
-              <a:rPr lang="de-DE" dirty="0"/>
+              <a:rPr lang="de-DE"/>
               <a:t>https://</a:t>
             </a:r>
             <a:r>
-              <a:rPr lang="de-DE" dirty="0" err="1"/>
+              <a:rPr lang="de-DE" err="1"/>
               <a:t>docs.fiskaltrust.cloud</a:t>
             </a:r>
             <a:r>
-              <a:rPr lang="de-DE" dirty="0"/>
+              <a:rPr lang="de-DE"/>
               <a:t>/</a:t>
             </a:r>
             <a:r>
-              <a:rPr lang="de-DE" dirty="0" err="1"/>
+              <a:rPr lang="de-DE" err="1"/>
               <a:t>doc</a:t>
             </a:r>
             <a:r>
-              <a:rPr lang="de-DE" dirty="0"/>
+              <a:rPr lang="de-DE"/>
               <a:t>/</a:t>
             </a:r>
             <a:r>
-              <a:rPr lang="de-DE" dirty="0" err="1"/>
+              <a:rPr lang="de-DE" err="1"/>
               <a:t>productdescription</a:t>
             </a:r>
             <a:r>
-              <a:rPr lang="de-DE" dirty="0"/>
+              <a:rPr lang="de-DE"/>
               <a:t>-de-</a:t>
             </a:r>
             <a:r>
-              <a:rPr lang="de-DE" dirty="0" err="1"/>
+              <a:rPr lang="de-DE" err="1"/>
               <a:t>doc</a:t>
             </a:r>
             <a:r>
-              <a:rPr lang="de-DE" dirty="0"/>
+              <a:rPr lang="de-DE"/>
               <a:t>/</a:t>
             </a:r>
             <a:r>
-              <a:rPr lang="de-DE" dirty="0" err="1"/>
+              <a:rPr lang="de-DE" err="1"/>
               <a:t>for-posdealers</a:t>
             </a:r>
             <a:r>
-              <a:rPr lang="de-DE" dirty="0"/>
+              <a:rPr lang="de-DE"/>
               <a:t>/02-pre-sales/automatisierter-</a:t>
             </a:r>
             <a:r>
-              <a:rPr lang="de-DE" dirty="0" err="1"/>
+              <a:rPr lang="de-DE" err="1"/>
               <a:t>rollout.html</a:t>
             </a:r>
-            <a:endParaRPr lang="de-DE" dirty="0"/>
-          </a:p>
-          <a:p>
-            <a:endParaRPr lang="de-DE" dirty="0"/>
+            <a:endParaRPr lang="de-DE"/>
+          </a:p>
+          <a:p>
+            <a:endParaRPr lang="de-DE"/>
           </a:p>
         </p:txBody>
       </p:sp>
@@ -6304,7 +6675,6 @@
               <a:rPr lang="de-AT"/>
               <a:t>fiskaltrust. consulting gmbh - confidential</a:t>
             </a:r>
-            <a:endParaRPr lang="de-AT" dirty="0"/>
           </a:p>
         </p:txBody>
       </p:sp>
@@ -6325,7 +6695,7 @@
           <a:p>
             <a:fld id="{E52F4C69-7549-4A71-BB0C-341D25F594E8}" type="datetime1">
               <a:rPr lang="de-AT" smtClean="0"/>
-              <a:t>10.09.20</a:t>
+              <a:t>23.09.2020</a:t>
             </a:fld>
             <a:endParaRPr lang="de-AT"/>
           </a:p>
@@ -6429,39 +6799,39 @@
               <a:defRPr/>
             </a:pPr>
             <a:r>
-              <a:rPr lang="de-DE" sz="1100" dirty="0"/>
+              <a:rPr lang="de-DE" sz="1100"/>
               <a:t>Das fiskaltrust Portal wird als Rollout Management Tool verwendet. Es unterstützt Kassenhändler bei der Vorbereitung und Ausführung des Rollouts.</a:t>
             </a:r>
           </a:p>
           <a:p>
             <a:r>
-              <a:rPr lang="de-DE" sz="1100" b="1" dirty="0"/>
+              <a:rPr lang="de-DE" sz="1100" b="1"/>
               <a:t>Live und Sandbox Portal</a:t>
             </a:r>
             <a:r>
-              <a:rPr lang="de-DE" sz="1100" dirty="0"/>
+              <a:rPr lang="de-DE" sz="1100"/>
               <a:t>: fiskaltrust stellt neben der Live-Umgebung auch eine Testumgebung namens Sandbox zur Verfügung</a:t>
             </a:r>
           </a:p>
           <a:p>
             <a:r>
-              <a:rPr lang="de-DE" sz="1100" dirty="0"/>
+              <a:rPr lang="de-DE" sz="1100"/>
               <a:t>(https://</a:t>
             </a:r>
             <a:r>
-              <a:rPr lang="de-DE" sz="1100" dirty="0" err="1"/>
+              <a:rPr lang="de-DE" sz="1100" err="1"/>
               <a:t>portal.fiskaltrust.de</a:t>
             </a:r>
             <a:r>
-              <a:rPr lang="de-DE" sz="1100" dirty="0"/>
+              <a:rPr lang="de-DE" sz="1100"/>
               <a:t> und https://portal-</a:t>
             </a:r>
             <a:r>
-              <a:rPr lang="de-DE" sz="1100" dirty="0" err="1"/>
+              <a:rPr lang="de-DE" sz="1100" err="1"/>
               <a:t>sandbox.fiskaltrust.de</a:t>
             </a:r>
             <a:r>
-              <a:rPr lang="de-DE" sz="1100" dirty="0"/>
+              <a:rPr lang="de-DE" sz="1100"/>
               <a:t>)</a:t>
             </a:r>
           </a:p>
@@ -6484,24 +6854,24 @@
               <a:defRPr/>
             </a:pPr>
             <a:r>
-              <a:rPr lang="de-DE" sz="1100" dirty="0"/>
+              <a:rPr lang="de-DE" sz="1100"/>
               <a:t>Im Portal kann die Einladung der Kassenbetreiber die Vorbereitung der Konfiguration und der Download des Launchers erfolgen. Im Folgenden gehen wir auf die Details hierzu ein.</a:t>
             </a:r>
           </a:p>
           <a:p>
-            <a:endParaRPr lang="de-DE" sz="1100" dirty="0"/>
-          </a:p>
-          <a:p>
-            <a:endParaRPr lang="de-DE" sz="1100" dirty="0"/>
-          </a:p>
-          <a:p>
-            <a:endParaRPr lang="de-DE" sz="1100" dirty="0"/>
-          </a:p>
-          <a:p>
-            <a:endParaRPr lang="de-DE" sz="1100" dirty="0"/>
-          </a:p>
-          <a:p>
-            <a:endParaRPr lang="de-DE" sz="1100" dirty="0"/>
+            <a:endParaRPr lang="de-DE" sz="1100"/>
+          </a:p>
+          <a:p>
+            <a:endParaRPr lang="de-DE" sz="1100"/>
+          </a:p>
+          <a:p>
+            <a:endParaRPr lang="de-DE" sz="1100"/>
+          </a:p>
+          <a:p>
+            <a:endParaRPr lang="de-DE" sz="1100"/>
+          </a:p>
+          <a:p>
+            <a:endParaRPr lang="de-DE" sz="1100"/>
           </a:p>
         </p:txBody>
       </p:sp>
@@ -6524,7 +6894,6 @@
               <a:rPr lang="de-AT"/>
               <a:t>fiskaltrust. consulting gmbh - confidential</a:t>
             </a:r>
-            <a:endParaRPr lang="de-AT" dirty="0"/>
           </a:p>
         </p:txBody>
       </p:sp>
@@ -6545,7 +6914,7 @@
           <a:p>
             <a:fld id="{E52F4C69-7549-4A71-BB0C-341D25F594E8}" type="datetime1">
               <a:rPr lang="de-AT" smtClean="0"/>
-              <a:t>10.09.20</a:t>
+              <a:t>23.09.2020</a:t>
             </a:fld>
             <a:endParaRPr lang="de-AT"/>
           </a:p>
@@ -6632,54 +7001,54 @@
           <a:lstStyle/>
           <a:p>
             <a:r>
-              <a:rPr lang="de-DE" dirty="0"/>
+              <a:rPr lang="de-DE"/>
               <a:t>https://</a:t>
             </a:r>
             <a:r>
-              <a:rPr lang="de-DE" dirty="0" err="1"/>
+              <a:rPr lang="de-DE" err="1"/>
               <a:t>docs.fiskaltrust.cloud</a:t>
             </a:r>
             <a:r>
-              <a:rPr lang="de-DE" dirty="0"/>
+              <a:rPr lang="de-DE"/>
               <a:t>/</a:t>
             </a:r>
             <a:r>
-              <a:rPr lang="de-DE" dirty="0" err="1"/>
+              <a:rPr lang="de-DE" err="1"/>
               <a:t>doc</a:t>
             </a:r>
             <a:r>
-              <a:rPr lang="de-DE" dirty="0"/>
+              <a:rPr lang="de-DE"/>
               <a:t>/</a:t>
             </a:r>
             <a:r>
-              <a:rPr lang="de-DE" dirty="0" err="1"/>
+              <a:rPr lang="de-DE" err="1"/>
               <a:t>productdescription</a:t>
             </a:r>
             <a:r>
-              <a:rPr lang="de-DE" dirty="0"/>
+              <a:rPr lang="de-DE"/>
               <a:t>-de-</a:t>
             </a:r>
             <a:r>
-              <a:rPr lang="de-DE" dirty="0" err="1"/>
+              <a:rPr lang="de-DE" err="1"/>
               <a:t>doc</a:t>
             </a:r>
             <a:r>
-              <a:rPr lang="de-DE" dirty="0"/>
+              <a:rPr lang="de-DE"/>
               <a:t>/</a:t>
             </a:r>
             <a:r>
-              <a:rPr lang="de-DE" dirty="0" err="1"/>
+              <a:rPr lang="de-DE" err="1"/>
               <a:t>for-posdealers</a:t>
             </a:r>
             <a:r>
-              <a:rPr lang="de-DE" dirty="0"/>
+              <a:rPr lang="de-DE"/>
               <a:t>/02-pre-sales/rollout-</a:t>
             </a:r>
             <a:r>
-              <a:rPr lang="de-DE" dirty="0" err="1"/>
+              <a:rPr lang="de-DE" err="1"/>
               <a:t>scenarios.html</a:t>
             </a:r>
-            <a:endParaRPr lang="de-DE" dirty="0"/>
+            <a:endParaRPr lang="de-DE"/>
           </a:p>
         </p:txBody>
       </p:sp>
@@ -6702,7 +7071,6 @@
               <a:rPr lang="de-AT"/>
               <a:t>fiskaltrust. consulting gmbh - confidential</a:t>
             </a:r>
-            <a:endParaRPr lang="de-AT" dirty="0"/>
           </a:p>
         </p:txBody>
       </p:sp>
@@ -6723,7 +7091,7 @@
           <a:p>
             <a:fld id="{E52F4C69-7549-4A71-BB0C-341D25F594E8}" type="datetime1">
               <a:rPr lang="de-AT" smtClean="0"/>
-              <a:t>10.09.20</a:t>
+              <a:t>23.09.2020</a:t>
             </a:fld>
             <a:endParaRPr lang="de-AT"/>
           </a:p>
@@ -6809,7 +7177,7 @@
           <a:bodyPr/>
           <a:lstStyle/>
           <a:p>
-            <a:endParaRPr lang="de-DE" dirty="0"/>
+            <a:endParaRPr lang="de-DE"/>
           </a:p>
         </p:txBody>
       </p:sp>
@@ -6832,7 +7200,6 @@
               <a:rPr lang="de-AT"/>
               <a:t>fiskaltrust. consulting gmbh - confidential</a:t>
             </a:r>
-            <a:endParaRPr lang="de-AT" dirty="0"/>
           </a:p>
         </p:txBody>
       </p:sp>
@@ -6853,7 +7220,7 @@
           <a:p>
             <a:fld id="{E52F4C69-7549-4A71-BB0C-341D25F594E8}" type="datetime1">
               <a:rPr lang="de-AT" smtClean="0"/>
-              <a:t>10.09.20</a:t>
+              <a:t>23.09.2020</a:t>
             </a:fld>
             <a:endParaRPr lang="de-AT"/>
           </a:p>
@@ -6957,7 +7324,7 @@
               <a:defRPr/>
             </a:pPr>
             <a:r>
-              <a:rPr lang="de-DE" sz="1100" dirty="0"/>
+              <a:rPr lang="de-DE" sz="1100"/>
               <a:t>Kassenbetreiber können manuell oder automatisiert über das Portal eingeladen werden. Zum automatisierten Einladen vieler Kassenbetreiber wird eine CSV Datei verwendet, die zu diesem Zweck im Portal importiert werden kann. </a:t>
             </a:r>
           </a:p>
@@ -6980,77 +7347,74 @@
               <a:defRPr/>
             </a:pPr>
             <a:r>
-              <a:rPr lang="de-DE" sz="1100" dirty="0"/>
+              <a:rPr lang="de-DE" sz="1100"/>
               <a:t>Sobald die Einladung initiiert wurde, sendet fiskaltrust eine Einladungs-E-Mail an den Kassenbetreiber. Sie enthält Informationen und einem Email-Bestätigungs-Link.</a:t>
             </a:r>
           </a:p>
           <a:p>
-            <a:pPr marL="0" marR="0" lvl="0" indent="0" algn="l" defTabSz="914400" rtl="0" eaLnBrk="1" fontAlgn="auto" latinLnBrk="0" hangingPunct="1">
-              <a:lnSpc>
-                <a:spcPct val="100000"/>
-              </a:lnSpc>
-              <a:spcBef>
-                <a:spcPts val="0"/>
-              </a:spcBef>
-              <a:spcAft>
-                <a:spcPts val="0"/>
-              </a:spcAft>
-              <a:buClrTx/>
-              <a:buSzTx/>
-              <a:buFontTx/>
-              <a:buNone/>
-              <a:tabLst/>
+            <a:pPr>
               <a:defRPr/>
             </a:pPr>
             <a:r>
-              <a:rPr lang="de-DE" sz="1100" dirty="0"/>
-              <a:t>Der Betreiber drückt den Link und wird auf das fiskaltrust Portal weiter geleitet wo er seine Daten überprüfen und sein Passwort setzen kann. Im nächsten Schritt muss er den Kooperationsvertrag mit fiskaltrust digital unterzeichnen. </a:t>
-            </a:r>
-          </a:p>
-          <a:p>
-            <a:pPr marL="0" marR="0" lvl="0" indent="0" algn="l" defTabSz="914400" rtl="0" eaLnBrk="1" fontAlgn="auto" latinLnBrk="0" hangingPunct="1">
-              <a:lnSpc>
-                <a:spcPct val="100000"/>
-              </a:lnSpc>
-              <a:spcBef>
-                <a:spcPts val="0"/>
-              </a:spcBef>
-              <a:spcAft>
-                <a:spcPts val="0"/>
-              </a:spcAft>
-              <a:buClrTx/>
-              <a:buSzTx/>
-              <a:buFontTx/>
-              <a:buNone/>
-              <a:tabLst/>
+              <a:rPr lang="de-DE" sz="1100"/>
+              <a:t>Der Betreiber drückt den Link und wird auf das </a:t>
+            </a:r>
+            <a:r>
+              <a:rPr lang="de-DE" sz="1100" err="1"/>
+              <a:t>fiskaltrust</a:t>
+            </a:r>
+            <a:r>
+              <a:rPr lang="de-DE" sz="1100"/>
+              <a:t> Portal weiter geleitet wo er seine Daten überprüfen und sein Passwort setzen kann. Im nächsten Schritt muss er</a:t>
+            </a:r>
+            <a:r>
+              <a:rPr lang="de-DE" sz="1100">
+                <a:solidFill>
+                  <a:srgbClr val="000000"/>
+                </a:solidFill>
+              </a:rPr>
+              <a:t> die Kassenbetreiber-Nutzungsvereinbarung digital unterzeichnen.</a:t>
+            </a:r>
+            <a:endParaRPr lang="de-DE" sz="1100" strike="sngStrike">
+              <a:solidFill>
+                <a:srgbClr val="FF0000"/>
+              </a:solidFill>
+              <a:highlight>
+                <a:srgbClr val="FFFF00"/>
+              </a:highlight>
+            </a:endParaRPr>
+          </a:p>
+          <a:p>
+            <a:pPr>
               <a:defRPr/>
             </a:pPr>
             <a:r>
-              <a:rPr lang="de-DE" sz="1100" dirty="0"/>
-              <a:t>Der Händler kann Zugriffsrechte für die sogenannte Surrogation Funktion anfordern. Damit kann der Händler später mit der </a:t>
-            </a:r>
-            <a:r>
-              <a:rPr lang="de-DE" sz="1100" dirty="0" err="1"/>
-              <a:t>AccountID</a:t>
-            </a:r>
-            <a:r>
-              <a:rPr lang="de-DE" sz="1100" dirty="0"/>
-              <a:t> des Betreibers in dessen Portal-Account </a:t>
-            </a:r>
-            <a:r>
-              <a:rPr lang="de-DE" sz="1100" dirty="0" err="1"/>
-              <a:t>switchen</a:t>
-            </a:r>
-            <a:r>
-              <a:rPr lang="de-DE" sz="1100" dirty="0"/>
-              <a:t> und im Namen des Betreibers Produkte auschecken und technische Konfigurationen vornehmen.</a:t>
-            </a:r>
-          </a:p>
-          <a:p>
-            <a:endParaRPr lang="de-DE" sz="1100" dirty="0"/>
-          </a:p>
-          <a:p>
-            <a:endParaRPr lang="de-DE" sz="1100" dirty="0"/>
+              <a:rPr lang="de-DE" sz="1100"/>
+              <a:t>Der Händler kann Zugriffsrechte für die sogenannte Surrogation Funktion anfordern. Damit kann der Händler in den Portal-Account des Betreibers switchen und im Namen des Betreibers den </a:t>
+            </a:r>
+            <a:r>
+              <a:rPr lang="de-DE" sz="1100" err="1"/>
+              <a:t>fiskaltrist.Shop</a:t>
+            </a:r>
+            <a:r>
+              <a:rPr lang="de-DE" sz="1100"/>
+              <a:t> bedienen und benötigte technische Konfigurationen vornehmen.</a:t>
+            </a:r>
+            <a:endParaRPr lang="de-DE" sz="1100" strike="sngStrike">
+              <a:solidFill>
+                <a:srgbClr val="FF0000"/>
+              </a:solidFill>
+              <a:highlight>
+                <a:srgbClr val="FFFF00"/>
+              </a:highlight>
+              <a:cs typeface="Calibri"/>
+            </a:endParaRPr>
+          </a:p>
+          <a:p>
+            <a:endParaRPr lang="de-DE" sz="1100"/>
+          </a:p>
+          <a:p>
+            <a:endParaRPr lang="de-DE" sz="1100"/>
           </a:p>
         </p:txBody>
       </p:sp>
@@ -7073,7 +7437,6 @@
               <a:rPr lang="de-AT"/>
               <a:t>fiskaltrust. consulting gmbh - confidential</a:t>
             </a:r>
-            <a:endParaRPr lang="de-AT" dirty="0"/>
           </a:p>
         </p:txBody>
       </p:sp>
@@ -7094,7 +7457,7 @@
           <a:p>
             <a:fld id="{E52F4C69-7549-4A71-BB0C-341D25F594E8}" type="datetime1">
               <a:rPr lang="de-AT" smtClean="0"/>
-              <a:t>10.09.20</a:t>
+              <a:t>23.09.2020</a:t>
             </a:fld>
             <a:endParaRPr lang="de-AT"/>
           </a:p>
@@ -7181,16 +7544,16 @@
           <a:lstStyle/>
           <a:p>
             <a:r>
-              <a:rPr lang="de-DE" sz="1100" noProof="0" dirty="0"/>
+              <a:rPr lang="de-DE" sz="1100" noProof="0"/>
               <a:t>Die Konfiguration einer ft.Middleware Instanz wird über eine sogenannte Cashbox im Portal vorgenommen.</a:t>
             </a:r>
           </a:p>
           <a:p>
-            <a:endParaRPr lang="de-DE" sz="1100" noProof="0" dirty="0"/>
-          </a:p>
-          <a:p>
-            <a:r>
-              <a:rPr lang="de-DE" sz="1100" b="0" i="0" kern="1200" dirty="0">
+            <a:endParaRPr lang="de-DE" sz="1100" noProof="0"/>
+          </a:p>
+          <a:p>
+            <a:r>
+              <a:rPr lang="de-DE" sz="1100" b="0" i="0" kern="1200">
                 <a:solidFill>
                   <a:schemeClr val="tx1"/>
                 </a:solidFill>
@@ -7203,7 +7566,7 @@
             </a:r>
           </a:p>
           <a:p>
-            <a:endParaRPr lang="de-DE" sz="1100" b="0" i="0" kern="1200" noProof="0" dirty="0">
+            <a:endParaRPr lang="de-DE" sz="1100" b="0" i="0" kern="1200" noProof="0">
               <a:solidFill>
                 <a:schemeClr val="tx1"/>
               </a:solidFill>
@@ -7232,7 +7595,7 @@
               <a:defRPr/>
             </a:pPr>
             <a:r>
-              <a:rPr lang="de-DE" sz="1100" b="0" i="0" kern="1200" dirty="0">
+              <a:rPr lang="de-DE" sz="1100" b="0" i="0" kern="1200">
                 <a:solidFill>
                   <a:schemeClr val="tx1"/>
                 </a:solidFill>
@@ -7245,7 +7608,7 @@
             </a:r>
           </a:p>
           <a:p>
-            <a:endParaRPr lang="de-DE" sz="1100" b="0" i="0" kern="1200" noProof="0" dirty="0">
+            <a:endParaRPr lang="de-DE" sz="1100" b="0" i="0" kern="1200" noProof="0">
               <a:solidFill>
                 <a:schemeClr val="tx1"/>
               </a:solidFill>
@@ -7257,7 +7620,7 @@
           </a:p>
           <a:p>
             <a:r>
-              <a:rPr lang="de-DE" sz="1100" b="0" i="0" kern="1200" dirty="0">
+              <a:rPr lang="de-DE" sz="1100" b="0" i="0" kern="1200">
                 <a:solidFill>
                   <a:schemeClr val="tx1"/>
                 </a:solidFill>
@@ -7269,7 +7632,7 @@
               <a:t>Die SCU (Security </a:t>
             </a:r>
             <a:r>
-              <a:rPr lang="de-DE" sz="1100" b="0" i="0" kern="1200" dirty="0" err="1">
+              <a:rPr lang="de-DE" sz="1100" b="0" i="0" kern="1200" err="1">
                 <a:solidFill>
                   <a:schemeClr val="tx1"/>
                 </a:solidFill>
@@ -7281,7 +7644,7 @@
               <a:t>Creation</a:t>
             </a:r>
             <a:r>
-              <a:rPr lang="de-DE" sz="1100" b="0" i="0" kern="1200" dirty="0">
+              <a:rPr lang="de-DE" sz="1100" b="0" i="0" kern="1200">
                 <a:solidFill>
                   <a:schemeClr val="tx1"/>
                 </a:solidFill>
@@ -7293,7 +7656,7 @@
               <a:t> Unit, deutsch: Signatur-Erstellungs-Einheit) ist eine Komponente der </a:t>
             </a:r>
             <a:r>
-              <a:rPr lang="de-DE" sz="1100" b="0" i="0" kern="1200" dirty="0" err="1">
+              <a:rPr lang="de-DE" sz="1100" b="0" i="0" kern="1200" err="1">
                 <a:solidFill>
                   <a:schemeClr val="tx1"/>
                 </a:solidFill>
@@ -7305,7 +7668,7 @@
               <a:t>ft.Middelware</a:t>
             </a:r>
             <a:r>
-              <a:rPr lang="de-DE" sz="1100" b="0" i="0" kern="1200" dirty="0">
+              <a:rPr lang="de-DE" sz="1100" b="0" i="0" kern="1200">
                 <a:solidFill>
                   <a:schemeClr val="tx1"/>
                 </a:solidFill>
@@ -7318,7 +7681,7 @@
             </a:r>
           </a:p>
           <a:p>
-            <a:endParaRPr lang="de-DE" sz="1100" b="0" i="0" kern="1200" noProof="0" dirty="0">
+            <a:endParaRPr lang="de-DE" sz="1100" b="0" i="0" kern="1200" noProof="0">
               <a:solidFill>
                 <a:schemeClr val="tx1"/>
               </a:solidFill>
@@ -7330,7 +7693,7 @@
           </a:p>
           <a:p>
             <a:r>
-              <a:rPr lang="de-DE" sz="1100" b="0" i="0" kern="1200" noProof="0" dirty="0">
+              <a:rPr lang="de-DE" sz="1100" b="0" i="0" kern="1200" noProof="0">
                 <a:solidFill>
                   <a:schemeClr val="tx1"/>
                 </a:solidFill>
@@ -7341,10 +7704,10 @@
               </a:rPr>
               <a:t>Die Cashbox beinhaltet die benötigten Konfigurationen und verbindet diese miteinander. Jede Middleware Instanz benötigt eine Cashbox um den Betrieb aufnehmen zu können.</a:t>
             </a:r>
-            <a:endParaRPr lang="de-DE" sz="1100" noProof="0" dirty="0"/>
-          </a:p>
-          <a:p>
-            <a:endParaRPr lang="de-DE" sz="1100" dirty="0"/>
+            <a:endParaRPr lang="de-DE" sz="1100" noProof="0"/>
+          </a:p>
+          <a:p>
+            <a:endParaRPr lang="de-DE" sz="1100"/>
           </a:p>
         </p:txBody>
       </p:sp>
@@ -7367,7 +7730,6 @@
               <a:rPr lang="de-AT"/>
               <a:t>fiskaltrust. consulting gmbh - confidential</a:t>
             </a:r>
-            <a:endParaRPr lang="de-AT" dirty="0"/>
           </a:p>
         </p:txBody>
       </p:sp>
@@ -7388,7 +7750,7 @@
           <a:p>
             <a:fld id="{E52F4C69-7549-4A71-BB0C-341D25F594E8}" type="datetime1">
               <a:rPr lang="de-AT" smtClean="0"/>
-              <a:t>10.09.20</a:t>
+              <a:t>23.09.2020</a:t>
             </a:fld>
             <a:endParaRPr lang="de-AT"/>
           </a:p>
@@ -7475,7 +7837,7 @@
           <a:lstStyle/>
           <a:p>
             <a:r>
-              <a:rPr lang="de-DE" dirty="0"/>
+              <a:rPr lang="de-DE"/>
               <a:t>Diese Schritte sind bei einem manuellen Anlegen über das Portal vorzunehmen um eine Cashbox zusammen zu stellen.</a:t>
             </a:r>
           </a:p>
@@ -7500,7 +7862,6 @@
               <a:rPr lang="de-AT"/>
               <a:t>fiskaltrust. consulting gmbh - confidential</a:t>
             </a:r>
-            <a:endParaRPr lang="de-AT" dirty="0"/>
           </a:p>
         </p:txBody>
       </p:sp>
@@ -7521,7 +7882,7 @@
           <a:p>
             <a:fld id="{E52F4C69-7549-4A71-BB0C-341D25F594E8}" type="datetime1">
               <a:rPr lang="de-AT" smtClean="0"/>
-              <a:t>10.09.20</a:t>
+              <a:t>23.09.2020</a:t>
             </a:fld>
             <a:endParaRPr lang="de-AT"/>
           </a:p>
@@ -7608,16 +7969,16 @@
           <a:lstStyle/>
           <a:p>
             <a:r>
-              <a:rPr lang="de-DE" dirty="0"/>
+              <a:rPr lang="de-DE"/>
               <a:t>Die fiskaltrust.Middleware wird lokal mit Hilfe eines Launcher gestartet. </a:t>
             </a:r>
           </a:p>
           <a:p>
-            <a:endParaRPr lang="de-DE" dirty="0"/>
-          </a:p>
-          <a:p>
-            <a:r>
-              <a:rPr lang="de-DE" dirty="0"/>
+            <a:endParaRPr lang="de-DE"/>
+          </a:p>
+          <a:p>
+            <a:r>
+              <a:rPr lang="de-DE"/>
               <a:t>Es sind 2 Arten von Launcher verfügbar: </a:t>
             </a:r>
           </a:p>
@@ -7626,7 +7987,7 @@
               <a:buAutoNum type="arabicPeriod"/>
             </a:pPr>
             <a:r>
-              <a:rPr lang="de-DE" dirty="0"/>
+              <a:rPr lang="de-DE"/>
               <a:t>Online Launcher: -&gt; Lädt beim Start je nach Konfiguration die benötigten Funktions-Pakete aus der Cloud.</a:t>
             </a:r>
           </a:p>
@@ -7635,7 +7996,7 @@
               <a:buAutoNum type="arabicPeriod"/>
             </a:pPr>
             <a:r>
-              <a:rPr lang="de-DE" dirty="0"/>
+              <a:rPr lang="de-DE" strike="sngStrike"/>
               <a:t>Offline Launcher: -&gt; Beinhaltet bereits alle notwendigen Funktions-Pakete ist jedoch viel umfangreicher.</a:t>
             </a:r>
           </a:p>
@@ -7643,7 +8004,7 @@
             <a:pPr marL="228600" indent="-228600">
               <a:buAutoNum type="arabicPeriod"/>
             </a:pPr>
-            <a:endParaRPr lang="de-DE" dirty="0"/>
+            <a:endParaRPr lang="de-DE"/>
           </a:p>
           <a:p>
             <a:pPr marL="0" marR="0" lvl="0" indent="0" algn="l" defTabSz="914400" rtl="0" eaLnBrk="1" fontAlgn="auto" latinLnBrk="0" hangingPunct="1">
@@ -7664,23 +8025,23 @@
               <a:defRPr/>
             </a:pPr>
             <a:r>
-              <a:rPr lang="de-DE" dirty="0"/>
+              <a:rPr lang="de-DE"/>
               <a:t>Vor dem Download des Launcher sollte die Cashbox neu zusammengebaut werden („</a:t>
             </a:r>
             <a:r>
-              <a:rPr lang="de-DE" dirty="0" err="1"/>
+              <a:rPr lang="de-DE" err="1"/>
               <a:t>Rebuild</a:t>
             </a:r>
             <a:r>
-              <a:rPr lang="de-DE" dirty="0"/>
+              <a:rPr lang="de-DE"/>
               <a:t> </a:t>
             </a:r>
             <a:r>
-              <a:rPr lang="de-DE" dirty="0" err="1"/>
+              <a:rPr lang="de-DE" err="1"/>
               <a:t>configuration</a:t>
             </a:r>
             <a:r>
-              <a:rPr lang="de-DE" dirty="0"/>
+              <a:rPr lang="de-DE"/>
               <a:t>“ – Button) um sicher zu sein, dass zwischenzeitlich vorgenommene Änderungen an den einzelnen Konfigurationen (Queue, SCU) auch angewendet werden. </a:t>
             </a:r>
           </a:p>
@@ -7702,7 +8063,7 @@
               <a:tabLst/>
               <a:defRPr/>
             </a:pPr>
-            <a:endParaRPr lang="de-DE" dirty="0"/>
+            <a:endParaRPr lang="de-DE"/>
           </a:p>
           <a:p>
             <a:pPr marL="0" marR="0" lvl="0" indent="0" algn="l" defTabSz="914400" rtl="0" eaLnBrk="1" fontAlgn="auto" latinLnBrk="0" hangingPunct="1">
@@ -7723,31 +8084,31 @@
               <a:defRPr/>
             </a:pPr>
             <a:r>
-              <a:rPr lang="de-DE" dirty="0"/>
+              <a:rPr lang="de-DE" strike="sngStrike"/>
               <a:t>Download und Start des Launcher (</a:t>
             </a:r>
             <a:r>
-              <a:rPr lang="de-DE" dirty="0" err="1"/>
+              <a:rPr lang="de-DE" strike="sngStrike" err="1"/>
               <a:t>fiskaltrust.exe</a:t>
             </a:r>
             <a:r>
-              <a:rPr lang="de-DE" dirty="0"/>
+              <a:rPr lang="de-DE" strike="sngStrike"/>
               <a:t>). Bei Start des Launcher wird die Konfiguration der enthaltenen </a:t>
             </a:r>
             <a:r>
-              <a:rPr lang="de-DE" dirty="0" err="1"/>
+              <a:rPr lang="de-DE" strike="sngStrike" err="1"/>
               <a:t>fiskaltrust.Middelware</a:t>
             </a:r>
             <a:r>
-              <a:rPr lang="de-DE" dirty="0"/>
+              <a:rPr lang="de-DE" strike="sngStrike"/>
               <a:t> vorgenommen und die </a:t>
             </a:r>
             <a:r>
-              <a:rPr lang="de-DE" dirty="0" err="1"/>
+              <a:rPr lang="de-DE" strike="sngStrike" err="1"/>
               <a:t>fiskaltrust.Middelware</a:t>
             </a:r>
             <a:r>
-              <a:rPr lang="de-DE" dirty="0"/>
+              <a:rPr lang="de-DE" strike="sngStrike"/>
               <a:t> wird danach als Service gestartet.</a:t>
             </a:r>
           </a:p>
@@ -7769,7 +8130,7 @@
               <a:tabLst/>
               <a:defRPr/>
             </a:pPr>
-            <a:endParaRPr lang="de-DE" dirty="0"/>
+            <a:endParaRPr lang="de-DE"/>
           </a:p>
           <a:p>
             <a:pPr marL="0" marR="0" lvl="0" indent="0" algn="l" defTabSz="914400" rtl="0" eaLnBrk="1" fontAlgn="auto" latinLnBrk="0" hangingPunct="1">
@@ -7790,47 +8151,47 @@
               <a:defRPr/>
             </a:pPr>
             <a:r>
-              <a:rPr lang="de-DE" dirty="0"/>
+              <a:rPr lang="de-DE"/>
               <a:t>Die „</a:t>
             </a:r>
             <a:r>
-              <a:rPr lang="de-DE" dirty="0" err="1"/>
+              <a:rPr lang="de-DE" err="1"/>
               <a:t>Rebuild</a:t>
             </a:r>
             <a:r>
-              <a:rPr lang="de-DE" dirty="0"/>
+              <a:rPr lang="de-DE"/>
               <a:t> </a:t>
             </a:r>
             <a:r>
-              <a:rPr lang="de-DE" dirty="0" err="1"/>
+              <a:rPr lang="de-DE" err="1"/>
               <a:t>Configuration</a:t>
             </a:r>
             <a:r>
-              <a:rPr lang="de-DE" dirty="0"/>
+              <a:rPr lang="de-DE"/>
               <a:t>“ Funktionalität wird auch zum Aktualisieren einer bereits ausgelieferten </a:t>
             </a:r>
             <a:r>
-              <a:rPr lang="de-DE" dirty="0" err="1"/>
+              <a:rPr lang="de-DE" err="1"/>
               <a:t>fiskaltrust.Middlware</a:t>
             </a:r>
             <a:r>
-              <a:rPr lang="de-DE" dirty="0"/>
+              <a:rPr lang="de-DE"/>
               <a:t> Instanz verwendet. Wird die Cashbox aktualisiert, der „</a:t>
             </a:r>
             <a:r>
-              <a:rPr lang="de-DE" dirty="0" err="1"/>
+              <a:rPr lang="de-DE" err="1"/>
               <a:t>Rebuild</a:t>
             </a:r>
             <a:r>
-              <a:rPr lang="de-DE" dirty="0"/>
+              <a:rPr lang="de-DE"/>
               <a:t> </a:t>
             </a:r>
             <a:r>
-              <a:rPr lang="de-DE" dirty="0" err="1"/>
+              <a:rPr lang="de-DE" err="1"/>
               <a:t>Configuration</a:t>
             </a:r>
             <a:r>
-              <a:rPr lang="de-DE" dirty="0"/>
+              <a:rPr lang="de-DE"/>
               <a:t>“  Button gedrückt und der Online-Launcher neu gestartet, so lädt sich dieser automatisch die neue Konfiguration herunter und wendet diese an.</a:t>
             </a:r>
           </a:p>
@@ -7852,7 +8213,7 @@
               <a:tabLst/>
               <a:defRPr/>
             </a:pPr>
-            <a:endParaRPr lang="de-DE" dirty="0"/>
+            <a:endParaRPr lang="de-DE"/>
           </a:p>
         </p:txBody>
       </p:sp>
@@ -7875,7 +8236,6 @@
               <a:rPr lang="de-AT"/>
               <a:t>fiskaltrust. consulting gmbh - confidential</a:t>
             </a:r>
-            <a:endParaRPr lang="de-AT" dirty="0"/>
           </a:p>
         </p:txBody>
       </p:sp>
@@ -7896,7 +8256,7 @@
           <a:p>
             <a:fld id="{E52F4C69-7549-4A71-BB0C-341D25F594E8}" type="datetime1">
               <a:rPr lang="de-AT" smtClean="0"/>
-              <a:t>10.09.20</a:t>
+              <a:t>23.09.2020</a:t>
             </a:fld>
             <a:endParaRPr lang="de-AT"/>
           </a:p>
@@ -7983,69 +8343,69 @@
           <a:lstStyle/>
           <a:p>
             <a:r>
-              <a:rPr lang="de-DE" dirty="0"/>
+              <a:rPr lang="de-DE"/>
               <a:t>Für Massenrollouts bietet fiskaltrust diverse Automatisierungsoptionen. Wir werden im Folgenden die aufgelisteten Punkte vorstellen.</a:t>
             </a:r>
           </a:p>
           <a:p>
-            <a:endParaRPr lang="de-DE" dirty="0"/>
-          </a:p>
-          <a:p>
-            <a:r>
-              <a:rPr lang="de-DE" dirty="0"/>
+            <a:endParaRPr lang="de-DE"/>
+          </a:p>
+          <a:p>
+            <a:r>
+              <a:rPr lang="de-DE"/>
               <a:t>Für die weiteren Inhalte zur Präsentation der Automatisierung wird als Vorlage folgende Dokumentation verwendet:</a:t>
             </a:r>
           </a:p>
           <a:p>
             <a:r>
-              <a:rPr lang="de-DE" dirty="0"/>
+              <a:rPr lang="de-DE"/>
               <a:t>https://</a:t>
             </a:r>
             <a:r>
-              <a:rPr lang="de-DE" dirty="0" err="1"/>
+              <a:rPr lang="de-DE" err="1"/>
               <a:t>docs.fiskaltrust.cloud</a:t>
             </a:r>
             <a:r>
-              <a:rPr lang="de-DE" dirty="0"/>
+              <a:rPr lang="de-DE"/>
               <a:t>/</a:t>
             </a:r>
             <a:r>
-              <a:rPr lang="de-DE" dirty="0" err="1"/>
+              <a:rPr lang="de-DE" err="1"/>
               <a:t>doc</a:t>
             </a:r>
             <a:r>
-              <a:rPr lang="de-DE" dirty="0"/>
+              <a:rPr lang="de-DE"/>
               <a:t>/</a:t>
             </a:r>
             <a:r>
-              <a:rPr lang="de-DE" dirty="0" err="1"/>
+              <a:rPr lang="de-DE" err="1"/>
               <a:t>productdescription</a:t>
             </a:r>
             <a:r>
-              <a:rPr lang="de-DE" dirty="0"/>
+              <a:rPr lang="de-DE"/>
               <a:t>-de-</a:t>
             </a:r>
             <a:r>
-              <a:rPr lang="de-DE" dirty="0" err="1"/>
+              <a:rPr lang="de-DE" err="1"/>
               <a:t>doc</a:t>
             </a:r>
             <a:r>
-              <a:rPr lang="de-DE" dirty="0"/>
+              <a:rPr lang="de-DE"/>
               <a:t>/</a:t>
             </a:r>
             <a:r>
-              <a:rPr lang="de-DE" dirty="0" err="1"/>
+              <a:rPr lang="de-DE" err="1"/>
               <a:t>for-posdealers</a:t>
             </a:r>
             <a:r>
-              <a:rPr lang="de-DE" dirty="0"/>
+              <a:rPr lang="de-DE"/>
               <a:t>/02-pre-sales/automatisierter-</a:t>
             </a:r>
             <a:r>
-              <a:rPr lang="de-DE" dirty="0" err="1"/>
+              <a:rPr lang="de-DE" err="1"/>
               <a:t>rollout.html</a:t>
             </a:r>
-            <a:endParaRPr lang="de-DE" dirty="0"/>
+            <a:endParaRPr lang="de-DE"/>
           </a:p>
         </p:txBody>
       </p:sp>
@@ -8068,7 +8428,6 @@
               <a:rPr lang="de-AT"/>
               <a:t>fiskaltrust. consulting gmbh - confidential</a:t>
             </a:r>
-            <a:endParaRPr lang="de-AT" dirty="0"/>
           </a:p>
         </p:txBody>
       </p:sp>
@@ -8089,7 +8448,7 @@
           <a:p>
             <a:fld id="{E52F4C69-7549-4A71-BB0C-341D25F594E8}" type="datetime1">
               <a:rPr lang="de-AT" smtClean="0"/>
-              <a:t>10.09.20</a:t>
+              <a:t>23.09.2020</a:t>
             </a:fld>
             <a:endParaRPr lang="de-AT"/>
           </a:p>
@@ -8176,23 +8535,23 @@
           <a:lstStyle/>
           <a:p>
             <a:r>
-              <a:rPr lang="de-DE" dirty="0"/>
+              <a:rPr lang="de-DE"/>
               <a:t>Update des SQL Package auf Version 1.3.5 für aller Cashboxen die aktuell mit der Version 1.3.3 konfiguriert sind + </a:t>
             </a:r>
             <a:r>
-              <a:rPr lang="de-DE" dirty="0" err="1"/>
+              <a:rPr lang="de-DE" err="1"/>
               <a:t>Rebuild</a:t>
             </a:r>
             <a:r>
-              <a:rPr lang="de-DE" dirty="0"/>
+              <a:rPr lang="de-DE"/>
               <a:t> </a:t>
             </a:r>
             <a:r>
-              <a:rPr lang="de-DE" dirty="0" err="1"/>
+              <a:rPr lang="de-DE" err="1"/>
               <a:t>Configuration</a:t>
             </a:r>
             <a:r>
-              <a:rPr lang="de-DE" dirty="0"/>
+              <a:rPr lang="de-DE"/>
               <a:t> </a:t>
             </a:r>
           </a:p>
@@ -8217,7 +8576,6 @@
               <a:rPr lang="de-AT"/>
               <a:t>fiskaltrust. consulting gmbh - confidential</a:t>
             </a:r>
-            <a:endParaRPr lang="de-AT" dirty="0"/>
           </a:p>
         </p:txBody>
       </p:sp>
@@ -8238,7 +8596,7 @@
           <a:p>
             <a:fld id="{E52F4C69-7549-4A71-BB0C-341D25F594E8}" type="datetime1">
               <a:rPr lang="de-AT" smtClean="0"/>
-              <a:t>10.09.20</a:t>
+              <a:t>23.09.2020</a:t>
             </a:fld>
             <a:endParaRPr lang="de-AT"/>
           </a:p>
@@ -8325,60 +8683,60 @@
           <a:lstStyle/>
           <a:p>
             <a:r>
-              <a:rPr lang="de-DE" dirty="0"/>
+              <a:rPr lang="de-DE"/>
               <a:t>Vorführung Anhand:</a:t>
             </a:r>
           </a:p>
           <a:p>
             <a:r>
-              <a:rPr lang="de-DE" dirty="0"/>
+              <a:rPr lang="de-DE"/>
               <a:t>https://</a:t>
             </a:r>
             <a:r>
-              <a:rPr lang="de-DE" dirty="0" err="1"/>
+              <a:rPr lang="de-DE" err="1"/>
               <a:t>docs.fiskaltrust.cloud</a:t>
             </a:r>
             <a:r>
-              <a:rPr lang="de-DE" dirty="0"/>
+              <a:rPr lang="de-DE"/>
               <a:t>/</a:t>
             </a:r>
             <a:r>
-              <a:rPr lang="de-DE" dirty="0" err="1"/>
+              <a:rPr lang="de-DE" err="1"/>
               <a:t>doc</a:t>
             </a:r>
             <a:r>
-              <a:rPr lang="de-DE" dirty="0"/>
+              <a:rPr lang="de-DE"/>
               <a:t>/</a:t>
             </a:r>
             <a:r>
-              <a:rPr lang="de-DE" dirty="0" err="1"/>
+              <a:rPr lang="de-DE" err="1"/>
               <a:t>productdescription</a:t>
             </a:r>
             <a:r>
-              <a:rPr lang="de-DE" dirty="0"/>
+              <a:rPr lang="de-DE"/>
               <a:t>-de-</a:t>
             </a:r>
             <a:r>
-              <a:rPr lang="de-DE" dirty="0" err="1"/>
+              <a:rPr lang="de-DE" err="1"/>
               <a:t>doc</a:t>
             </a:r>
             <a:r>
-              <a:rPr lang="de-DE" dirty="0"/>
+              <a:rPr lang="de-DE"/>
               <a:t>/</a:t>
             </a:r>
             <a:r>
-              <a:rPr lang="de-DE" dirty="0" err="1"/>
+              <a:rPr lang="de-DE" err="1"/>
               <a:t>for-posdealers</a:t>
             </a:r>
             <a:r>
-              <a:rPr lang="de-DE" dirty="0"/>
+              <a:rPr lang="de-DE"/>
               <a:t>/02-pre-sales/automatisierter-</a:t>
             </a:r>
             <a:r>
-              <a:rPr lang="de-DE" dirty="0" err="1"/>
+              <a:rPr lang="de-DE" err="1"/>
               <a:t>rollout.html</a:t>
             </a:r>
-            <a:endParaRPr lang="de-DE" dirty="0"/>
+            <a:endParaRPr lang="de-DE"/>
           </a:p>
         </p:txBody>
       </p:sp>
@@ -8401,7 +8759,6 @@
               <a:rPr lang="de-AT"/>
               <a:t>fiskaltrust. consulting gmbh - confidential</a:t>
             </a:r>
-            <a:endParaRPr lang="de-AT" dirty="0"/>
           </a:p>
         </p:txBody>
       </p:sp>
@@ -8422,7 +8779,7 @@
           <a:p>
             <a:fld id="{E52F4C69-7549-4A71-BB0C-341D25F594E8}" type="datetime1">
               <a:rPr lang="de-AT" smtClean="0"/>
-              <a:t>10.09.20</a:t>
+              <a:t>23.09.2020</a:t>
             </a:fld>
             <a:endParaRPr lang="de-AT"/>
           </a:p>
@@ -8524,10 +8881,10 @@
           </a:lstStyle>
           <a:p>
             <a:r>
-              <a:rPr lang="de-DE" dirty="0"/>
+              <a:rPr lang="de-DE"/>
               <a:t>Mastertitelformat bearbeiten</a:t>
             </a:r>
-            <a:endParaRPr lang="de-AT" dirty="0"/>
+            <a:endParaRPr lang="de-AT"/>
           </a:p>
         </p:txBody>
       </p:sp>
@@ -8655,38 +9012,38 @@
           <a:p>
             <a:pPr lvl="0"/>
             <a:r>
-              <a:rPr lang="de-DE" dirty="0"/>
+              <a:rPr lang="de-DE"/>
               <a:t>Mastertextformat bearbeiten</a:t>
             </a:r>
           </a:p>
           <a:p>
             <a:pPr lvl="1"/>
             <a:r>
-              <a:rPr lang="de-DE" dirty="0"/>
+              <a:rPr lang="de-DE"/>
               <a:t>Zweite Ebene</a:t>
             </a:r>
           </a:p>
           <a:p>
             <a:pPr lvl="2"/>
             <a:r>
-              <a:rPr lang="de-DE" dirty="0"/>
+              <a:rPr lang="de-DE"/>
               <a:t>Dritte Ebene</a:t>
             </a:r>
           </a:p>
           <a:p>
             <a:pPr lvl="3"/>
             <a:r>
-              <a:rPr lang="de-DE" dirty="0"/>
+              <a:rPr lang="de-DE"/>
               <a:t>Vierte Ebene</a:t>
             </a:r>
           </a:p>
           <a:p>
             <a:pPr lvl="4"/>
             <a:r>
-              <a:rPr lang="de-DE" dirty="0"/>
+              <a:rPr lang="de-DE"/>
               <a:t>Fünfte Ebene</a:t>
             </a:r>
-            <a:endParaRPr lang="de-AT" dirty="0"/>
+            <a:endParaRPr lang="de-AT"/>
           </a:p>
         </p:txBody>
       </p:sp>
@@ -8723,7 +9080,7 @@
               <a:pPr/>
               <a:t>‹#›</a:t>
             </a:fld>
-            <a:endParaRPr lang="de-AT" dirty="0"/>
+            <a:endParaRPr lang="de-AT"/>
           </a:p>
         </p:txBody>
       </p:sp>
@@ -9033,38 +9390,38 @@
           <a:p>
             <a:pPr lvl="0"/>
             <a:r>
-              <a:rPr lang="de-DE" dirty="0"/>
+              <a:rPr lang="de-DE"/>
               <a:t>Mastertextformat bearbeiten</a:t>
             </a:r>
           </a:p>
           <a:p>
             <a:pPr lvl="1"/>
             <a:r>
-              <a:rPr lang="de-DE" dirty="0"/>
+              <a:rPr lang="de-DE"/>
               <a:t>Zweite Ebene</a:t>
             </a:r>
           </a:p>
           <a:p>
             <a:pPr lvl="2"/>
             <a:r>
-              <a:rPr lang="de-DE" dirty="0"/>
+              <a:rPr lang="de-DE"/>
               <a:t>Dritte Ebene</a:t>
             </a:r>
           </a:p>
           <a:p>
             <a:pPr lvl="3"/>
             <a:r>
-              <a:rPr lang="de-DE" dirty="0"/>
+              <a:rPr lang="de-DE"/>
               <a:t>Vierte Ebene</a:t>
             </a:r>
           </a:p>
           <a:p>
             <a:pPr lvl="4"/>
             <a:r>
-              <a:rPr lang="de-DE" dirty="0"/>
+              <a:rPr lang="de-DE"/>
               <a:t>Fünfte Ebene</a:t>
             </a:r>
-            <a:endParaRPr lang="de-AT" dirty="0"/>
+            <a:endParaRPr lang="de-AT"/>
           </a:p>
         </p:txBody>
       </p:sp>
@@ -9165,7 +9522,7 @@
               <a:rPr lang="de-AT" smtClean="0"/>
               <a:t>‹#›</a:t>
             </a:fld>
-            <a:endParaRPr lang="de-AT" dirty="0"/>
+            <a:endParaRPr lang="de-AT"/>
           </a:p>
         </p:txBody>
       </p:sp>
@@ -9235,10 +9592,10 @@
           </a:lstStyle>
           <a:p>
             <a:r>
-              <a:rPr lang="de-DE" dirty="0"/>
+              <a:rPr lang="de-DE"/>
               <a:t>Mastertitelformat bearbeiten</a:t>
             </a:r>
-            <a:endParaRPr lang="de-AT" dirty="0"/>
+            <a:endParaRPr lang="de-AT"/>
           </a:p>
         </p:txBody>
       </p:sp>
@@ -9311,10 +9668,10 @@
           </a:lstStyle>
           <a:p>
             <a:r>
-              <a:rPr lang="de-DE" dirty="0"/>
+              <a:rPr lang="de-DE"/>
               <a:t>Master-Untertitelformat bearbeiten</a:t>
             </a:r>
-            <a:endParaRPr lang="de-AT" dirty="0"/>
+            <a:endParaRPr lang="de-AT"/>
           </a:p>
         </p:txBody>
       </p:sp>
@@ -9361,7 +9718,7 @@
           </a:lstStyle>
           <a:p>
             <a:r>
-              <a:rPr lang="de-AT" dirty="0"/>
+              <a:rPr lang="de-AT"/>
               <a:t>fiskaltrust.</a:t>
             </a:r>
           </a:p>
@@ -9414,7 +9771,7 @@
               <a:pPr/>
               <a:t>‹#›</a:t>
             </a:fld>
-            <a:endParaRPr lang="de-AT" dirty="0"/>
+            <a:endParaRPr lang="de-AT"/>
           </a:p>
         </p:txBody>
       </p:sp>
@@ -9518,10 +9875,10 @@
           </a:lstStyle>
           <a:p>
             <a:r>
-              <a:rPr lang="de-DE" dirty="0"/>
+              <a:rPr lang="de-DE"/>
               <a:t>Mastertitelformat bearbeiten</a:t>
             </a:r>
-            <a:endParaRPr lang="de-AT" dirty="0"/>
+            <a:endParaRPr lang="de-AT"/>
           </a:p>
         </p:txBody>
       </p:sp>
@@ -9647,7 +10004,7 @@
           <a:p>
             <a:pPr lvl="0"/>
             <a:r>
-              <a:rPr lang="de-DE" dirty="0"/>
+              <a:rPr lang="de-DE"/>
               <a:t>Mastertextformat bearbeiten</a:t>
             </a:r>
           </a:p>
@@ -9698,9 +10055,9 @@
             <a:fld id="{D920586B-A06C-4754-BF0D-C36EFEB7D1BE}" type="datetime1">
               <a:rPr lang="de-DE" smtClean="0"/>
               <a:pPr/>
-              <a:t>10.09.20</a:t>
+              <a:t>23.09.2020</a:t>
             </a:fld>
-            <a:endParaRPr lang="de-AT" dirty="0"/>
+            <a:endParaRPr lang="de-AT"/>
           </a:p>
         </p:txBody>
       </p:sp>
@@ -9747,7 +10104,7 @@
           </a:lstStyle>
           <a:p>
             <a:r>
-              <a:rPr lang="de-AT" dirty="0"/>
+              <a:rPr lang="de-AT"/>
               <a:t>fiskaltrust.</a:t>
             </a:r>
           </a:p>
@@ -9800,7 +10157,7 @@
               <a:pPr/>
               <a:t>‹#›</a:t>
             </a:fld>
-            <a:endParaRPr lang="de-AT" dirty="0"/>
+            <a:endParaRPr lang="de-AT"/>
           </a:p>
         </p:txBody>
       </p:sp>
@@ -9907,10 +10264,10 @@
           <a:lstStyle/>
           <a:p>
             <a:r>
-              <a:rPr lang="de-DE" dirty="0"/>
+              <a:rPr lang="de-DE"/>
               <a:t>Mastertitelformat bearbeiten</a:t>
             </a:r>
-            <a:endParaRPr lang="de-AT" dirty="0"/>
+            <a:endParaRPr lang="de-AT"/>
           </a:p>
         </p:txBody>
       </p:sp>
@@ -9953,7 +10310,7 @@
               </a:buBlip>
             </a:pPr>
             <a:r>
-              <a:rPr lang="de-DE" dirty="0"/>
+              <a:rPr lang="de-DE"/>
               <a:t>Mastertextformat bearbeiten</a:t>
             </a:r>
           </a:p>
@@ -9966,7 +10323,7 @@
               </a:buBlip>
             </a:pPr>
             <a:r>
-              <a:rPr lang="de-DE" dirty="0"/>
+              <a:rPr lang="de-DE"/>
               <a:t>Zweite Ebene</a:t>
             </a:r>
           </a:p>
@@ -9979,7 +10336,7 @@
               </a:buBlip>
             </a:pPr>
             <a:r>
-              <a:rPr lang="de-DE" dirty="0"/>
+              <a:rPr lang="de-DE"/>
               <a:t>Dritte Ebene</a:t>
             </a:r>
           </a:p>
@@ -9992,7 +10349,7 @@
               </a:buBlip>
             </a:pPr>
             <a:r>
-              <a:rPr lang="de-DE" dirty="0"/>
+              <a:rPr lang="de-DE"/>
               <a:t>Vierte Ebene</a:t>
             </a:r>
           </a:p>
@@ -10005,10 +10362,10 @@
               </a:buBlip>
             </a:pPr>
             <a:r>
-              <a:rPr lang="de-DE" dirty="0"/>
+              <a:rPr lang="de-DE"/>
               <a:t>Fünfte Ebene</a:t>
             </a:r>
-            <a:endParaRPr lang="de-AT" dirty="0"/>
+            <a:endParaRPr lang="de-AT"/>
           </a:p>
         </p:txBody>
       </p:sp>
@@ -10055,7 +10412,7 @@
               <a:rPr lang="de-AT" smtClean="0"/>
               <a:t>‹#›</a:t>
             </a:fld>
-            <a:endParaRPr lang="de-AT" dirty="0"/>
+            <a:endParaRPr lang="de-AT"/>
           </a:p>
         </p:txBody>
       </p:sp>
@@ -10100,7 +10457,7 @@
           <a:p>
             <a:pPr algn="l"/>
             <a:r>
-              <a:rPr lang="de-AT" dirty="0"/>
+              <a:rPr lang="de-AT"/>
               <a:t>fiskaltrust gmbh – 19.05.2020 – Seite </a:t>
             </a:r>
             <a:fld id="{3302DA5C-8401-4214-B683-F5B25EB0CBFF}" type="slidenum">
@@ -10109,14 +10466,14 @@
               <a:t>‹#›</a:t>
             </a:fld>
             <a:r>
-              <a:rPr lang="de-AT" dirty="0"/>
+              <a:rPr lang="de-AT"/>
               <a:t> </a:t>
             </a:r>
             <a:r>
-              <a:rPr lang="en-GB" dirty="0"/>
+              <a:rPr lang="en-GB"/>
               <a:t>– Confidential – Be aware of the NDA</a:t>
             </a:r>
-            <a:endParaRPr lang="de-AT" dirty="0"/>
+            <a:endParaRPr lang="de-AT"/>
           </a:p>
         </p:txBody>
       </p:sp>
@@ -10475,7 +10832,7 @@
           <a:lstStyle/>
           <a:p>
             <a:r>
-              <a:rPr lang="de-DE" dirty="0"/>
+              <a:rPr lang="de-DE"/>
               <a:t>fiskaltrust für Kassenhändler</a:t>
             </a:r>
           </a:p>
@@ -10503,7 +10860,7 @@
           <a:lstStyle/>
           <a:p>
             <a:r>
-              <a:rPr lang="de-DE" dirty="0"/>
+              <a:rPr lang="de-DE"/>
               <a:t> technisches Rollout</a:t>
             </a:r>
           </a:p>
@@ -10591,7 +10948,7 @@
           <a:lstStyle/>
           <a:p>
             <a:r>
-              <a:rPr lang="de-DE" dirty="0"/>
+              <a:rPr lang="de-DE"/>
               <a:t>Templating zum Erstellen von Cashboxen</a:t>
             </a:r>
           </a:p>
@@ -10624,13 +10981,13 @@
               <a:buFont typeface="Arial" panose="020B0604020202020204" pitchFamily="34" charset="0"/>
               <a:buChar char="•"/>
             </a:pPr>
-            <a:endParaRPr lang="de-DE" dirty="0"/>
+            <a:endParaRPr lang="de-DE"/>
           </a:p>
           <a:p>
             <a:pPr marL="0" indent="0">
               <a:buNone/>
             </a:pPr>
-            <a:endParaRPr lang="de-DE" dirty="0"/>
+            <a:endParaRPr lang="de-DE"/>
           </a:p>
           <a:p>
             <a:pPr>
@@ -10638,7 +10995,7 @@
               <a:buChar char="•"/>
             </a:pPr>
             <a:r>
-              <a:rPr lang="de-DE" dirty="0"/>
+              <a:rPr lang="de-DE"/>
               <a:t>Aufbau und Funktionsweise</a:t>
             </a:r>
           </a:p>
@@ -10648,7 +11005,7 @@
               <a:buChar char="•"/>
             </a:pPr>
             <a:r>
-              <a:rPr lang="de-DE" dirty="0"/>
+              <a:rPr lang="de-DE"/>
               <a:t>Manuelles Anlegen und Ausführen über das Portal </a:t>
             </a:r>
           </a:p>
@@ -10658,7 +11015,7 @@
               <a:buChar char="•"/>
             </a:pPr>
             <a:r>
-              <a:rPr lang="de-DE" dirty="0"/>
+              <a:rPr lang="de-DE"/>
               <a:t>Automatisiertes Ausführen über API</a:t>
             </a:r>
           </a:p>
@@ -10690,7 +11047,7 @@
               <a:pPr/>
               <a:t>10</a:t>
             </a:fld>
-            <a:endParaRPr lang="de-AT" dirty="0"/>
+            <a:endParaRPr lang="de-AT"/>
           </a:p>
         </p:txBody>
       </p:sp>
@@ -10721,7 +11078,7 @@
           <a:lstStyle/>
           <a:p>
             <a:r>
-              <a:rPr lang="de-AT" dirty="0"/>
+              <a:rPr lang="de-AT"/>
               <a:t>fiskaltrust.</a:t>
             </a:r>
           </a:p>
@@ -10779,7 +11136,7 @@
           <a:lstStyle/>
           <a:p>
             <a:r>
-              <a:rPr lang="de-DE" dirty="0"/>
+              <a:rPr lang="de-DE"/>
               <a:t>Templating zum Erstellen von Cashboxen</a:t>
             </a:r>
           </a:p>
@@ -10803,7 +11160,7 @@
         </p:nvSpPr>
         <p:spPr/>
         <p:txBody>
-          <a:bodyPr>
+          <a:bodyPr lIns="91440" tIns="45720" rIns="91440" bIns="45720" anchor="t">
             <a:normAutofit/>
           </a:bodyPr>
           <a:lstStyle/>
@@ -10811,7 +11168,45 @@
             <a:pPr marL="0" indent="0">
               <a:buNone/>
             </a:pPr>
-            <a:endParaRPr lang="de-DE" dirty="0"/>
+            <a:endParaRPr lang="de-DE"/>
+          </a:p>
+          <a:p>
+            <a:pPr marL="359410" indent="-359410">
+              <a:buFont typeface="Arial" panose="020B0604020202020204" pitchFamily="34" charset="0"/>
+              <a:buChar char="•"/>
+            </a:pPr>
+            <a:r>
+              <a:rPr lang="de-DE">
+                <a:latin typeface="Roboto"/>
+              </a:rPr>
+              <a:t>Parametrisierbare Variante der </a:t>
+            </a:r>
+            <a:r>
+              <a:rPr lang="de-DE" err="1">
+                <a:latin typeface="Roboto"/>
+              </a:rPr>
+              <a:t>Cashbox</a:t>
+            </a:r>
+          </a:p>
+          <a:p>
+            <a:pPr lvl="1">
+              <a:buFont typeface="Arial" panose="020B0604020202020204" pitchFamily="34" charset="0"/>
+              <a:buChar char="•"/>
+            </a:pPr>
+            <a:r>
+              <a:rPr lang="de-DE"/>
+              <a:t>Definiert die Struktur (z.B. zwei Queues und eine SCU)</a:t>
+            </a:r>
+          </a:p>
+          <a:p>
+            <a:pPr lvl="1">
+              <a:buFont typeface="Arial" panose="020B0604020202020204" pitchFamily="34" charset="0"/>
+              <a:buChar char="•"/>
+            </a:pPr>
+            <a:r>
+              <a:rPr lang="de-DE"/>
+              <a:t>Verwendet Variablen als Platzhalter (Systemvariablen und eigene)</a:t>
+            </a:r>
           </a:p>
           <a:p>
             <a:pPr>
@@ -10819,38 +11214,8 @@
               <a:buChar char="•"/>
             </a:pPr>
             <a:r>
-              <a:rPr lang="de-DE" dirty="0"/>
-              <a:t>Parametrisierbare Variante der Cashbox</a:t>
-            </a:r>
-          </a:p>
-          <a:p>
-            <a:pPr lvl="1">
-              <a:buFont typeface="Arial" panose="020B0604020202020204" pitchFamily="34" charset="0"/>
-              <a:buChar char="•"/>
-            </a:pPr>
-            <a:r>
-              <a:rPr lang="de-DE" dirty="0"/>
-              <a:t>JSON String</a:t>
-            </a:r>
-          </a:p>
-          <a:p>
-            <a:pPr lvl="1">
-              <a:buFont typeface="Arial" panose="020B0604020202020204" pitchFamily="34" charset="0"/>
-              <a:buChar char="•"/>
-            </a:pPr>
-            <a:r>
-              <a:rPr lang="de-DE" dirty="0"/>
-              <a:t>Definiert die Struktur (z.B. zwei Queues und eine SCU)</a:t>
-            </a:r>
-          </a:p>
-          <a:p>
-            <a:pPr lvl="1">
-              <a:buFont typeface="Arial" panose="020B0604020202020204" pitchFamily="34" charset="0"/>
-              <a:buChar char="•"/>
-            </a:pPr>
-            <a:r>
-              <a:rPr lang="de-DE" dirty="0"/>
-              <a:t>Verwendet Variablen als Platzhalter (Systemvariablen und eigene)</a:t>
+              <a:rPr lang="de-DE"/>
+              <a:t>Kann im Portal hinterlegt werden</a:t>
             </a:r>
           </a:p>
           <a:p>
@@ -10859,17 +11224,7 @@
               <a:buChar char="•"/>
             </a:pPr>
             <a:r>
-              <a:rPr lang="de-DE" dirty="0"/>
-              <a:t>Kann im Portal hinterlegt werden</a:t>
-            </a:r>
-          </a:p>
-          <a:p>
-            <a:pPr>
-              <a:buFont typeface="Arial" panose="020B0604020202020204" pitchFamily="34" charset="0"/>
-              <a:buChar char="•"/>
-            </a:pPr>
-            <a:r>
-              <a:rPr lang="de-DE" dirty="0"/>
+              <a:rPr lang="de-DE"/>
               <a:t>Generiert eine Cashbox beim Ausführen</a:t>
             </a:r>
           </a:p>
@@ -10901,7 +11256,7 @@
               <a:pPr/>
               <a:t>11</a:t>
             </a:fld>
-            <a:endParaRPr lang="de-AT" dirty="0"/>
+            <a:endParaRPr lang="de-AT"/>
           </a:p>
         </p:txBody>
       </p:sp>
@@ -10932,7 +11287,7 @@
           <a:lstStyle/>
           <a:p>
             <a:r>
-              <a:rPr lang="de-AT" dirty="0"/>
+              <a:rPr lang="de-AT"/>
               <a:t>fiskaltrust.</a:t>
             </a:r>
           </a:p>
@@ -10990,7 +11345,7 @@
           <a:lstStyle/>
           <a:p>
             <a:r>
-              <a:rPr lang="de-DE" dirty="0"/>
+              <a:rPr lang="de-DE"/>
               <a:t>Manuelles Anlegen von Templates</a:t>
             </a:r>
           </a:p>
@@ -11014,7 +11369,7 @@
         </p:nvSpPr>
         <p:spPr/>
         <p:txBody>
-          <a:bodyPr>
+          <a:bodyPr lIns="91440" tIns="45720" rIns="91440" bIns="45720" anchor="t">
             <a:normAutofit/>
           </a:bodyPr>
           <a:lstStyle/>
@@ -11022,35 +11377,49 @@
             <a:pPr marL="0" indent="0">
               <a:buNone/>
             </a:pPr>
-            <a:endParaRPr lang="de-DE" dirty="0"/>
-          </a:p>
-          <a:p>
-            <a:pPr>
+            <a:endParaRPr lang="de-DE"/>
+          </a:p>
+          <a:p>
+            <a:pPr marL="359410" indent="-359410">
               <a:buFont typeface="Arial" panose="020B0604020202020204" pitchFamily="34" charset="0"/>
               <a:buChar char="•"/>
             </a:pPr>
             <a:r>
-              <a:rPr lang="de-DE" dirty="0"/>
+              <a:rPr lang="de-DE"/>
               <a:t>Portal -&gt; Konfiguration -&gt; Templates</a:t>
             </a:r>
           </a:p>
           <a:p>
-            <a:pPr>
+            <a:pPr marL="359410" indent="-359410">
               <a:buFont typeface="Arial" panose="020B0604020202020204" pitchFamily="34" charset="0"/>
               <a:buChar char="•"/>
             </a:pPr>
             <a:r>
-              <a:rPr lang="de-DE" dirty="0"/>
-              <a:t>Freigabeoptionen</a:t>
-            </a:r>
-          </a:p>
-          <a:p>
-            <a:pPr>
+              <a:rPr lang="de-DE">
+                <a:latin typeface="Roboto"/>
+              </a:rPr>
+              <a:t>Template-Content</a:t>
+            </a:r>
+          </a:p>
+          <a:p>
+            <a:pPr marL="359410" indent="-359410">
               <a:buFont typeface="Arial" panose="020B0604020202020204" pitchFamily="34" charset="0"/>
               <a:buChar char="•"/>
             </a:pPr>
             <a:r>
-              <a:rPr lang="de-DE" dirty="0"/>
+              <a:rPr lang="de-DE">
+                <a:latin typeface="Roboto"/>
+              </a:rPr>
+              <a:t>Freigabeoptionen</a:t>
+            </a:r>
+          </a:p>
+          <a:p>
+            <a:pPr marL="359410" indent="-359410">
+              <a:buFont typeface="Arial" panose="020B0604020202020204" pitchFamily="34" charset="0"/>
+              <a:buChar char="•"/>
+            </a:pPr>
+            <a:r>
+              <a:rPr lang="de-DE"/>
               <a:t>Branding</a:t>
             </a:r>
           </a:p>
@@ -11082,7 +11451,7 @@
               <a:pPr/>
               <a:t>12</a:t>
             </a:fld>
-            <a:endParaRPr lang="de-AT" dirty="0"/>
+            <a:endParaRPr lang="de-AT"/>
           </a:p>
         </p:txBody>
       </p:sp>
@@ -11113,7 +11482,7 @@
           <a:lstStyle/>
           <a:p>
             <a:r>
-              <a:rPr lang="de-AT" dirty="0"/>
+              <a:rPr lang="de-AT"/>
               <a:t>fiskaltrust.</a:t>
             </a:r>
           </a:p>
@@ -11171,7 +11540,7 @@
           <a:lstStyle/>
           <a:p>
             <a:r>
-              <a:rPr lang="de-DE" dirty="0"/>
+              <a:rPr lang="de-DE"/>
               <a:t>Manuelles Ausführen von Templates</a:t>
             </a:r>
           </a:p>
@@ -11203,7 +11572,7 @@
             <a:pPr marL="0" indent="0">
               <a:buNone/>
             </a:pPr>
-            <a:endParaRPr lang="de-DE" dirty="0"/>
+            <a:endParaRPr lang="de-DE"/>
           </a:p>
           <a:p>
             <a:pPr>
@@ -11211,7 +11580,7 @@
               <a:buChar char="•"/>
             </a:pPr>
             <a:r>
-              <a:rPr lang="de-DE" dirty="0"/>
+              <a:rPr lang="de-DE"/>
               <a:t>Betreiber: Portal -&gt; Shop -&gt; Auschecken -&gt; Cashbox</a:t>
             </a:r>
           </a:p>
@@ -11221,7 +11590,7 @@
               <a:buChar char="•"/>
             </a:pPr>
             <a:r>
-              <a:rPr lang="de-DE" dirty="0"/>
+              <a:rPr lang="de-DE"/>
               <a:t>Surrogation</a:t>
             </a:r>
           </a:p>
@@ -11253,7 +11622,7 @@
               <a:pPr/>
               <a:t>13</a:t>
             </a:fld>
-            <a:endParaRPr lang="de-AT" dirty="0"/>
+            <a:endParaRPr lang="de-AT"/>
           </a:p>
         </p:txBody>
       </p:sp>
@@ -11284,7 +11653,7 @@
           <a:lstStyle/>
           <a:p>
             <a:r>
-              <a:rPr lang="de-AT" dirty="0"/>
+              <a:rPr lang="de-AT"/>
               <a:t>fiskaltrust.</a:t>
             </a:r>
           </a:p>
@@ -11342,7 +11711,7 @@
           <a:lstStyle/>
           <a:p>
             <a:r>
-              <a:rPr lang="de-DE" dirty="0"/>
+              <a:rPr lang="de-DE"/>
               <a:t>Automatisiertes Ausführen von Templates</a:t>
             </a:r>
           </a:p>
@@ -11374,7 +11743,7 @@
             <a:pPr marL="0" indent="0">
               <a:buNone/>
             </a:pPr>
-            <a:endParaRPr lang="de-DE" dirty="0"/>
+            <a:endParaRPr lang="de-DE"/>
           </a:p>
           <a:p>
             <a:pPr>
@@ -11382,7 +11751,7 @@
               <a:buChar char="•"/>
             </a:pPr>
             <a:r>
-              <a:rPr lang="de-DE" dirty="0"/>
+              <a:rPr lang="de-DE"/>
               <a:t>Aufruf HTTP-API</a:t>
             </a:r>
           </a:p>
@@ -11392,22 +11761,22 @@
               <a:buChar char="•"/>
             </a:pPr>
             <a:r>
-              <a:rPr lang="de-DE" dirty="0"/>
+              <a:rPr lang="de-DE"/>
               <a:t>Headers: </a:t>
             </a:r>
             <a:r>
-              <a:rPr lang="de-DE" dirty="0" err="1"/>
+              <a:rPr lang="de-DE" err="1"/>
               <a:t>accountid</a:t>
             </a:r>
             <a:r>
-              <a:rPr lang="de-DE" dirty="0"/>
+              <a:rPr lang="de-DE"/>
               <a:t>, </a:t>
             </a:r>
             <a:r>
-              <a:rPr lang="de-DE" dirty="0" err="1"/>
+              <a:rPr lang="de-DE" err="1"/>
               <a:t>accesstoken</a:t>
             </a:r>
-            <a:endParaRPr lang="de-DE" dirty="0"/>
+            <a:endParaRPr lang="de-DE"/>
           </a:p>
           <a:p>
             <a:pPr lvl="1">
@@ -11415,15 +11784,15 @@
               <a:buChar char="•"/>
             </a:pPr>
             <a:r>
-              <a:rPr lang="de-DE" dirty="0"/>
+              <a:rPr lang="de-DE"/>
               <a:t>Body: Template (</a:t>
             </a:r>
             <a:r>
-              <a:rPr lang="de-DE" dirty="0" err="1"/>
+              <a:rPr lang="de-DE" err="1"/>
               <a:t>escaped</a:t>
             </a:r>
             <a:r>
-              <a:rPr lang="de-DE" dirty="0"/>
+              <a:rPr lang="de-DE"/>
               <a:t> JSON String)</a:t>
             </a:r>
           </a:p>
@@ -11433,20 +11802,20 @@
               <a:buChar char="•"/>
             </a:pPr>
             <a:r>
-              <a:rPr lang="de-DE" dirty="0"/>
+              <a:rPr lang="de-DE"/>
               <a:t>Werte von Variablen über </a:t>
             </a:r>
             <a:r>
-              <a:rPr lang="de-DE" dirty="0" err="1"/>
+              <a:rPr lang="de-DE" err="1"/>
               <a:t>QueryString</a:t>
             </a:r>
-            <a:endParaRPr lang="de-DE" dirty="0"/>
+            <a:endParaRPr lang="de-DE"/>
           </a:p>
           <a:p>
             <a:pPr marL="360000" lvl="1" indent="0">
               <a:buNone/>
             </a:pPr>
-            <a:endParaRPr lang="de-DE" dirty="0"/>
+            <a:endParaRPr lang="de-DE"/>
           </a:p>
           <a:p>
             <a:pPr>
@@ -11454,30 +11823,30 @@
               <a:buChar char="•"/>
             </a:pPr>
             <a:r>
-              <a:rPr lang="de-DE" dirty="0"/>
+              <a:rPr lang="de-DE"/>
               <a:t>Rückgabe: </a:t>
             </a:r>
             <a:r>
-              <a:rPr lang="de-DE" dirty="0" err="1"/>
+              <a:rPr lang="de-DE" err="1"/>
               <a:t>cashboxid</a:t>
             </a:r>
             <a:r>
-              <a:rPr lang="de-DE" dirty="0"/>
+              <a:rPr lang="de-DE"/>
               <a:t>, </a:t>
             </a:r>
             <a:r>
-              <a:rPr lang="de-DE" dirty="0" err="1"/>
+              <a:rPr lang="de-DE" err="1"/>
               <a:t>accesstoken</a:t>
             </a:r>
             <a:r>
-              <a:rPr lang="de-DE" dirty="0"/>
+              <a:rPr lang="de-DE"/>
               <a:t>, </a:t>
             </a:r>
             <a:r>
-              <a:rPr lang="de-DE" dirty="0" err="1"/>
+              <a:rPr lang="de-DE" err="1"/>
               <a:t>template</a:t>
             </a:r>
-            <a:endParaRPr lang="de-DE" dirty="0"/>
+            <a:endParaRPr lang="de-DE"/>
           </a:p>
         </p:txBody>
       </p:sp>
@@ -11507,7 +11876,7 @@
               <a:pPr/>
               <a:t>14</a:t>
             </a:fld>
-            <a:endParaRPr lang="de-AT" dirty="0"/>
+            <a:endParaRPr lang="de-AT"/>
           </a:p>
         </p:txBody>
       </p:sp>
@@ -11538,7 +11907,7 @@
           <a:lstStyle/>
           <a:p>
             <a:r>
-              <a:rPr lang="de-AT" dirty="0"/>
+              <a:rPr lang="de-AT"/>
               <a:t>fiskaltrust.</a:t>
             </a:r>
           </a:p>
@@ -11596,7 +11965,7 @@
           <a:lstStyle/>
           <a:p>
             <a:r>
-              <a:rPr lang="de-DE" dirty="0"/>
+              <a:rPr lang="de-DE"/>
               <a:t>Automatisiertes Ausführen von Templates</a:t>
             </a:r>
           </a:p>
@@ -11628,7 +11997,7 @@
             <a:pPr marL="0" indent="0">
               <a:buNone/>
             </a:pPr>
-            <a:endParaRPr lang="de-DE" dirty="0"/>
+            <a:endParaRPr lang="de-DE"/>
           </a:p>
           <a:p>
             <a:pPr>
@@ -11636,27 +12005,27 @@
               <a:buChar char="•"/>
             </a:pPr>
             <a:r>
-              <a:rPr lang="de-DE" dirty="0"/>
+              <a:rPr lang="de-DE"/>
               <a:t>Beispiel mit </a:t>
             </a:r>
             <a:r>
-              <a:rPr lang="de-DE" dirty="0" err="1"/>
+              <a:rPr lang="de-DE" err="1"/>
               <a:t>PowerShell</a:t>
             </a:r>
-            <a:endParaRPr lang="de-DE" dirty="0"/>
+            <a:endParaRPr lang="de-DE"/>
           </a:p>
           <a:p>
             <a:pPr>
               <a:buFont typeface="Arial" panose="020B0604020202020204" pitchFamily="34" charset="0"/>
               <a:buChar char="•"/>
             </a:pPr>
-            <a:endParaRPr lang="de-DE" dirty="0"/>
+            <a:endParaRPr lang="de-DE"/>
           </a:p>
           <a:p>
             <a:pPr marL="0" indent="0">
               <a:buNone/>
             </a:pPr>
-            <a:endParaRPr lang="de-DE" dirty="0"/>
+            <a:endParaRPr lang="de-DE"/>
           </a:p>
         </p:txBody>
       </p:sp>
@@ -11686,7 +12055,7 @@
               <a:pPr/>
               <a:t>15</a:t>
             </a:fld>
-            <a:endParaRPr lang="de-AT" dirty="0"/>
+            <a:endParaRPr lang="de-AT"/>
           </a:p>
         </p:txBody>
       </p:sp>
@@ -11717,7 +12086,7 @@
           <a:lstStyle/>
           <a:p>
             <a:r>
-              <a:rPr lang="de-AT" dirty="0"/>
+              <a:rPr lang="de-AT"/>
               <a:t>fiskaltrust.</a:t>
             </a:r>
           </a:p>
@@ -11811,7 +12180,7 @@
           <a:lstStyle/>
           <a:p>
             <a:r>
-              <a:rPr lang="de-DE" dirty="0"/>
+              <a:rPr lang="de-DE"/>
               <a:t>Outlets im Portal anlegen</a:t>
             </a:r>
           </a:p>
@@ -11843,7 +12212,7 @@
             <a:pPr marL="0" indent="0">
               <a:buNone/>
             </a:pPr>
-            <a:endParaRPr lang="de-DE" dirty="0"/>
+            <a:endParaRPr lang="de-DE"/>
           </a:p>
           <a:p>
             <a:pPr>
@@ -11851,7 +12220,7 @@
               <a:buChar char="•"/>
             </a:pPr>
             <a:r>
-              <a:rPr lang="de-DE" dirty="0"/>
+              <a:rPr lang="de-DE"/>
               <a:t>Manuell</a:t>
             </a:r>
           </a:p>
@@ -11861,7 +12230,7 @@
               <a:buChar char="•"/>
             </a:pPr>
             <a:r>
-              <a:rPr lang="de-DE" dirty="0"/>
+              <a:rPr lang="de-DE"/>
               <a:t>Automatisiert über Bulk-Import (CSV Datei)</a:t>
             </a:r>
           </a:p>
@@ -11893,7 +12262,7 @@
               <a:pPr/>
               <a:t>16</a:t>
             </a:fld>
-            <a:endParaRPr lang="de-AT" dirty="0"/>
+            <a:endParaRPr lang="de-AT"/>
           </a:p>
         </p:txBody>
       </p:sp>
@@ -11924,7 +12293,7 @@
           <a:lstStyle/>
           <a:p>
             <a:r>
-              <a:rPr lang="de-AT" dirty="0"/>
+              <a:rPr lang="de-AT"/>
               <a:t>fiskaltrust.</a:t>
             </a:r>
           </a:p>
@@ -11982,7 +12351,7 @@
           <a:lstStyle/>
           <a:p>
             <a:r>
-              <a:rPr lang="de-DE" dirty="0"/>
+              <a:rPr lang="de-DE"/>
               <a:t>Ausführen von Templates je Outlet</a:t>
             </a:r>
           </a:p>
@@ -12014,7 +12383,7 @@
               <a:pPr/>
               <a:t>17</a:t>
             </a:fld>
-            <a:endParaRPr lang="de-AT" dirty="0"/>
+            <a:endParaRPr lang="de-AT"/>
           </a:p>
         </p:txBody>
       </p:sp>
@@ -12045,7 +12414,7 @@
           <a:lstStyle/>
           <a:p>
             <a:r>
-              <a:rPr lang="de-AT" dirty="0"/>
+              <a:rPr lang="de-AT"/>
               <a:t>fiskaltrust.</a:t>
             </a:r>
           </a:p>
@@ -12118,7 +12487,7 @@
             <a:pPr marL="0" indent="0">
               <a:buNone/>
             </a:pPr>
-            <a:endParaRPr lang="de-DE" dirty="0"/>
+            <a:endParaRPr lang="de-DE"/>
           </a:p>
           <a:p>
             <a:pPr>
@@ -12126,7 +12495,7 @@
               <a:buChar char="•"/>
             </a:pPr>
             <a:r>
-              <a:rPr lang="de-DE" dirty="0"/>
+              <a:rPr lang="de-DE"/>
               <a:t>CSV Datei (Bulk-Import + Vorlage für API Aufruf)</a:t>
             </a:r>
           </a:p>
@@ -12184,7 +12553,7 @@
           <a:lstStyle/>
           <a:p>
             <a:r>
-              <a:rPr lang="de-DE" dirty="0"/>
+              <a:rPr lang="de-DE"/>
               <a:t>Ausführen von Templates je Outlet</a:t>
             </a:r>
           </a:p>
@@ -12216,7 +12585,7 @@
               <a:pPr/>
               <a:t>18</a:t>
             </a:fld>
-            <a:endParaRPr lang="de-AT" dirty="0"/>
+            <a:endParaRPr lang="de-AT"/>
           </a:p>
         </p:txBody>
       </p:sp>
@@ -12247,7 +12616,7 @@
           <a:lstStyle/>
           <a:p>
             <a:r>
-              <a:rPr lang="de-AT" dirty="0"/>
+              <a:rPr lang="de-AT"/>
               <a:t>fiskaltrust.</a:t>
             </a:r>
           </a:p>
@@ -12340,7 +12709,7 @@
           <a:lstStyle/>
           <a:p>
             <a:r>
-              <a:rPr lang="de-DE" dirty="0"/>
+              <a:rPr lang="de-DE"/>
               <a:t>Automatisierte Auslieferung der Middleware</a:t>
             </a:r>
           </a:p>
@@ -12372,7 +12741,7 @@
             <a:pPr marL="0" indent="0">
               <a:buNone/>
             </a:pPr>
-            <a:endParaRPr lang="de-DE" dirty="0"/>
+            <a:endParaRPr lang="de-DE"/>
           </a:p>
           <a:p>
             <a:pPr>
@@ -12380,7 +12749,7 @@
               <a:buChar char="•"/>
             </a:pPr>
             <a:r>
-              <a:rPr lang="de-DE" dirty="0"/>
+              <a:rPr lang="de-DE"/>
               <a:t>Launcher als Nugget-Package</a:t>
             </a:r>
           </a:p>
@@ -12390,23 +12759,23 @@
               <a:buChar char="•"/>
             </a:pPr>
             <a:r>
-              <a:rPr lang="de-DE" dirty="0"/>
+              <a:rPr lang="de-DE"/>
               <a:t>Konfiguration anpassen (</a:t>
             </a:r>
             <a:r>
-              <a:rPr lang="de-DE" dirty="0" err="1"/>
+              <a:rPr lang="de-DE" err="1"/>
               <a:t>cashboxid</a:t>
             </a:r>
             <a:r>
-              <a:rPr lang="de-DE" dirty="0"/>
+              <a:rPr lang="de-DE"/>
               <a:t>, </a:t>
             </a:r>
             <a:r>
-              <a:rPr lang="de-DE" dirty="0" err="1"/>
+              <a:rPr lang="de-DE" err="1"/>
               <a:t>accesstoken</a:t>
             </a:r>
             <a:r>
-              <a:rPr lang="de-DE" dirty="0"/>
+              <a:rPr lang="de-DE"/>
               <a:t>)</a:t>
             </a:r>
           </a:p>
@@ -12416,7 +12785,7 @@
               <a:buChar char="•"/>
             </a:pPr>
             <a:r>
-              <a:rPr lang="de-DE" dirty="0"/>
+              <a:rPr lang="de-DE"/>
               <a:t>Ausliefern und Starten</a:t>
             </a:r>
           </a:p>
@@ -12425,7 +12794,7 @@
               <a:buFont typeface="Arial" panose="020B0604020202020204" pitchFamily="34" charset="0"/>
               <a:buChar char="•"/>
             </a:pPr>
-            <a:endParaRPr lang="de-DE" dirty="0"/>
+            <a:endParaRPr lang="de-DE"/>
           </a:p>
         </p:txBody>
       </p:sp>
@@ -12455,7 +12824,7 @@
               <a:pPr/>
               <a:t>19</a:t>
             </a:fld>
-            <a:endParaRPr lang="de-AT" dirty="0"/>
+            <a:endParaRPr lang="de-AT"/>
           </a:p>
         </p:txBody>
       </p:sp>
@@ -12546,7 +12915,7 @@
           <a:lstStyle/>
           <a:p>
             <a:r>
-              <a:rPr lang="de-DE" dirty="0"/>
+              <a:rPr lang="de-DE"/>
               <a:t>Agenda</a:t>
             </a:r>
           </a:p>
@@ -12577,13 +12946,13 @@
               <a:buFont typeface="Arial" panose="020B0604020202020204" pitchFamily="34" charset="0"/>
               <a:buChar char="•"/>
             </a:pPr>
-            <a:endParaRPr lang="de-DE" dirty="0"/>
+            <a:endParaRPr lang="de-DE"/>
           </a:p>
           <a:p>
             <a:pPr marL="0" indent="0">
               <a:buNone/>
             </a:pPr>
-            <a:endParaRPr lang="de-DE" dirty="0"/>
+            <a:endParaRPr lang="de-DE"/>
           </a:p>
           <a:p>
             <a:pPr>
@@ -12591,7 +12960,7 @@
               <a:buChar char="•"/>
             </a:pPr>
             <a:r>
-              <a:rPr lang="de-DE" dirty="0"/>
+              <a:rPr lang="de-DE"/>
               <a:t>Portal als Rollout Management Tool</a:t>
             </a:r>
           </a:p>
@@ -12601,7 +12970,7 @@
               <a:buChar char="•"/>
             </a:pPr>
             <a:r>
-              <a:rPr lang="de-DE" dirty="0"/>
+              <a:rPr lang="de-DE"/>
               <a:t>Konfiguration und Auslieferung der ft.Middleware</a:t>
             </a:r>
           </a:p>
@@ -12611,7 +12980,7 @@
               <a:buChar char="•"/>
             </a:pPr>
             <a:r>
-              <a:rPr lang="de-DE" dirty="0"/>
+              <a:rPr lang="de-DE"/>
               <a:t>Automatisierungsoptionen</a:t>
             </a:r>
           </a:p>
@@ -12621,7 +12990,7 @@
               <a:buChar char="•"/>
             </a:pPr>
             <a:r>
-              <a:rPr lang="de-DE" dirty="0"/>
+              <a:rPr lang="de-DE"/>
               <a:t>Rollout Szenarien</a:t>
             </a:r>
           </a:p>
@@ -12630,7 +12999,7 @@
               <a:buFont typeface="Arial" panose="020B0604020202020204" pitchFamily="34" charset="0"/>
               <a:buChar char="•"/>
             </a:pPr>
-            <a:endParaRPr lang="de-DE" dirty="0"/>
+            <a:endParaRPr lang="de-DE"/>
           </a:p>
         </p:txBody>
       </p:sp>
@@ -12660,7 +13029,7 @@
               <a:pPr/>
               <a:t>2</a:t>
             </a:fld>
-            <a:endParaRPr lang="de-AT" dirty="0"/>
+            <a:endParaRPr lang="de-AT"/>
           </a:p>
         </p:txBody>
       </p:sp>
@@ -12691,7 +13060,7 @@
           <a:lstStyle/>
           <a:p>
             <a:r>
-              <a:rPr lang="de-AT" dirty="0"/>
+              <a:rPr lang="de-AT"/>
               <a:t>fiskaltrust.</a:t>
             </a:r>
           </a:p>
@@ -12749,7 +13118,7 @@
           <a:lstStyle/>
           <a:p>
             <a:r>
-              <a:rPr lang="de-DE" dirty="0"/>
+              <a:rPr lang="de-DE"/>
               <a:t>Hoher Automatisierungsgrad</a:t>
             </a:r>
           </a:p>
@@ -12781,7 +13150,7 @@
             <a:pPr marL="0" indent="0">
               <a:buNone/>
             </a:pPr>
-            <a:endParaRPr lang="de-DE" dirty="0"/>
+            <a:endParaRPr lang="de-DE"/>
           </a:p>
           <a:p>
             <a:pPr>
@@ -12789,7 +13158,7 @@
               <a:buChar char="•"/>
             </a:pPr>
             <a:r>
-              <a:rPr lang="de-DE" dirty="0"/>
+              <a:rPr lang="de-DE"/>
               <a:t>Bulk-Import der Outlets</a:t>
             </a:r>
           </a:p>
@@ -12799,7 +13168,7 @@
               <a:buChar char="•"/>
             </a:pPr>
             <a:r>
-              <a:rPr lang="de-DE" dirty="0"/>
+              <a:rPr lang="de-DE"/>
               <a:t>Automatisches Ausführen von Templates</a:t>
             </a:r>
           </a:p>
@@ -12809,7 +13178,7 @@
               <a:buChar char="•"/>
             </a:pPr>
             <a:r>
-              <a:rPr lang="de-DE" dirty="0"/>
+              <a:rPr lang="de-DE"/>
               <a:t>Automatisches Ausliefern des Launcher</a:t>
             </a:r>
           </a:p>
@@ -12818,7 +13187,7 @@
               <a:buFont typeface="Arial" panose="020B0604020202020204" pitchFamily="34" charset="0"/>
               <a:buChar char="•"/>
             </a:pPr>
-            <a:endParaRPr lang="de-DE" dirty="0"/>
+            <a:endParaRPr lang="de-DE"/>
           </a:p>
         </p:txBody>
       </p:sp>
@@ -12848,7 +13217,7 @@
               <a:pPr/>
               <a:t>20</a:t>
             </a:fld>
-            <a:endParaRPr lang="de-AT" dirty="0"/>
+            <a:endParaRPr lang="de-AT"/>
           </a:p>
         </p:txBody>
       </p:sp>
@@ -12879,7 +13248,7 @@
           <a:lstStyle/>
           <a:p>
             <a:r>
-              <a:rPr lang="de-AT" dirty="0"/>
+              <a:rPr lang="de-AT"/>
               <a:t>fiskaltrust.</a:t>
             </a:r>
           </a:p>
@@ -12937,7 +13306,7 @@
           <a:lstStyle/>
           <a:p>
             <a:r>
-              <a:rPr lang="de-DE" dirty="0"/>
+              <a:rPr lang="de-DE"/>
               <a:t>Rollout Szenarien</a:t>
             </a:r>
           </a:p>
@@ -12969,7 +13338,7 @@
             <a:pPr marL="0" indent="0">
               <a:buNone/>
             </a:pPr>
-            <a:endParaRPr lang="de-DE" dirty="0"/>
+            <a:endParaRPr lang="de-DE"/>
           </a:p>
           <a:p>
             <a:pPr>
@@ -12977,19 +13346,19 @@
               <a:buChar char="•"/>
             </a:pPr>
             <a:r>
-              <a:rPr lang="de-DE" dirty="0">
+              <a:rPr lang="de-DE">
                 <a:hlinkClick r:id="rId3"/>
               </a:rPr>
               <a:t>Vorführung anhand der Dokumentation</a:t>
             </a:r>
-            <a:endParaRPr lang="de-DE" dirty="0"/>
+            <a:endParaRPr lang="de-DE"/>
           </a:p>
           <a:p>
             <a:pPr>
               <a:buFont typeface="Arial" panose="020B0604020202020204" pitchFamily="34" charset="0"/>
               <a:buChar char="•"/>
             </a:pPr>
-            <a:endParaRPr lang="de-DE" dirty="0"/>
+            <a:endParaRPr lang="de-DE"/>
           </a:p>
         </p:txBody>
       </p:sp>
@@ -13019,7 +13388,7 @@
               <a:pPr/>
               <a:t>21</a:t>
             </a:fld>
-            <a:endParaRPr lang="de-AT" dirty="0"/>
+            <a:endParaRPr lang="de-AT"/>
           </a:p>
         </p:txBody>
       </p:sp>
@@ -13050,7 +13419,7 @@
           <a:lstStyle/>
           <a:p>
             <a:r>
-              <a:rPr lang="de-AT" dirty="0"/>
+              <a:rPr lang="de-AT"/>
               <a:t>fiskaltrust.</a:t>
             </a:r>
           </a:p>
@@ -13108,7 +13477,7 @@
           <a:lstStyle/>
           <a:p>
             <a:r>
-              <a:rPr lang="de-DE" dirty="0"/>
+              <a:rPr lang="de-DE"/>
               <a:t>Nächste Schritte</a:t>
             </a:r>
           </a:p>
@@ -13140,7 +13509,7 @@
             <a:pPr marL="0" indent="0">
               <a:buNone/>
             </a:pPr>
-            <a:endParaRPr lang="de-DE" dirty="0"/>
+            <a:endParaRPr lang="de-DE"/>
           </a:p>
           <a:p>
             <a:pPr>
@@ -13148,19 +13517,19 @@
               <a:buChar char="•"/>
             </a:pPr>
             <a:r>
-              <a:rPr lang="de-DE" dirty="0">
+              <a:rPr lang="de-DE">
                 <a:hlinkClick r:id="rId3"/>
               </a:rPr>
               <a:t>Getting Started für Kassenhändler</a:t>
             </a:r>
-            <a:endParaRPr lang="de-DE" dirty="0"/>
+            <a:endParaRPr lang="de-DE"/>
           </a:p>
           <a:p>
             <a:pPr>
               <a:buFont typeface="Arial" panose="020B0604020202020204" pitchFamily="34" charset="0"/>
               <a:buChar char="•"/>
             </a:pPr>
-            <a:endParaRPr lang="de-DE" dirty="0"/>
+            <a:endParaRPr lang="de-DE"/>
           </a:p>
         </p:txBody>
       </p:sp>
@@ -13190,7 +13559,7 @@
               <a:pPr/>
               <a:t>22</a:t>
             </a:fld>
-            <a:endParaRPr lang="de-AT" dirty="0"/>
+            <a:endParaRPr lang="de-AT"/>
           </a:p>
         </p:txBody>
       </p:sp>
@@ -13221,7 +13590,7 @@
           <a:lstStyle/>
           <a:p>
             <a:r>
-              <a:rPr lang="de-AT" dirty="0"/>
+              <a:rPr lang="de-AT"/>
               <a:t>fiskaltrust.</a:t>
             </a:r>
           </a:p>
@@ -13279,7 +13648,7 @@
           <a:lstStyle/>
           <a:p>
             <a:r>
-              <a:rPr lang="de-DE" dirty="0"/>
+              <a:rPr lang="de-DE"/>
               <a:t>Portal als Rollout Management Tool</a:t>
             </a:r>
           </a:p>
@@ -13310,7 +13679,7 @@
               <a:buFont typeface="Arial" panose="020B0604020202020204" pitchFamily="34" charset="0"/>
               <a:buChar char="•"/>
             </a:pPr>
-            <a:endParaRPr lang="de-DE" dirty="0"/>
+            <a:endParaRPr lang="de-DE"/>
           </a:p>
           <a:p>
             <a:pPr>
@@ -13318,7 +13687,7 @@
               <a:buChar char="•"/>
             </a:pPr>
             <a:r>
-              <a:rPr lang="de-DE" dirty="0"/>
+              <a:rPr lang="de-DE"/>
               <a:t>Live Portal und Sandbox Portal zum Testen</a:t>
             </a:r>
           </a:p>
@@ -13328,7 +13697,7 @@
               <a:buChar char="•"/>
             </a:pPr>
             <a:r>
-              <a:rPr lang="de-DE" dirty="0"/>
+              <a:rPr lang="de-DE"/>
               <a:t>Einladung der Kassenbetreiber</a:t>
             </a:r>
           </a:p>
@@ -13338,7 +13707,7 @@
               <a:buChar char="•"/>
             </a:pPr>
             <a:r>
-              <a:rPr lang="de-DE" dirty="0"/>
+              <a:rPr lang="de-DE"/>
               <a:t>Vorbereitung der Konfiguration (Cashbox)</a:t>
             </a:r>
           </a:p>
@@ -13348,7 +13717,7 @@
               <a:buChar char="•"/>
             </a:pPr>
             <a:r>
-              <a:rPr lang="de-DE" dirty="0"/>
+              <a:rPr lang="de-DE"/>
               <a:t>Download der ft.Middleware (Launcher)</a:t>
             </a:r>
           </a:p>
@@ -13380,7 +13749,7 @@
               <a:pPr/>
               <a:t>3</a:t>
             </a:fld>
-            <a:endParaRPr lang="de-AT" dirty="0"/>
+            <a:endParaRPr lang="de-AT"/>
           </a:p>
         </p:txBody>
       </p:sp>
@@ -13411,7 +13780,7 @@
           <a:lstStyle/>
           <a:p>
             <a:r>
-              <a:rPr lang="de-AT" dirty="0"/>
+              <a:rPr lang="de-AT"/>
               <a:t>fiskaltrust.</a:t>
             </a:r>
           </a:p>
@@ -13469,7 +13838,7 @@
           <a:lstStyle/>
           <a:p>
             <a:r>
-              <a:rPr lang="de-DE" dirty="0"/>
+              <a:rPr lang="de-DE"/>
               <a:t>Einladung der Kassenbetreiber</a:t>
             </a:r>
           </a:p>
@@ -13501,7 +13870,7 @@
               <a:pPr/>
               <a:t>4</a:t>
             </a:fld>
-            <a:endParaRPr lang="de-AT" dirty="0"/>
+            <a:endParaRPr lang="de-AT"/>
           </a:p>
         </p:txBody>
       </p:sp>
@@ -13532,7 +13901,7 @@
           <a:lstStyle/>
           <a:p>
             <a:r>
-              <a:rPr lang="de-AT" dirty="0"/>
+              <a:rPr lang="de-AT"/>
               <a:t>fiskaltrust.</a:t>
             </a:r>
           </a:p>
@@ -13621,7 +13990,7 @@
           <a:lstStyle/>
           <a:p>
             <a:r>
-              <a:rPr lang="de-DE" dirty="0"/>
+              <a:rPr lang="de-DE"/>
               <a:t>Vorbereitung der Konfiguration (Cashbox)</a:t>
             </a:r>
           </a:p>
@@ -13688,7 +14057,7 @@
               <a:pPr/>
               <a:t>5</a:t>
             </a:fld>
-            <a:endParaRPr lang="de-AT" dirty="0"/>
+            <a:endParaRPr lang="de-AT"/>
           </a:p>
         </p:txBody>
       </p:sp>
@@ -13719,7 +14088,7 @@
           <a:lstStyle/>
           <a:p>
             <a:r>
-              <a:rPr lang="de-AT" dirty="0"/>
+              <a:rPr lang="de-AT"/>
               <a:t>fiskaltrust.</a:t>
             </a:r>
           </a:p>
@@ -13777,7 +14146,7 @@
           <a:lstStyle/>
           <a:p>
             <a:r>
-              <a:rPr lang="de-DE" dirty="0"/>
+              <a:rPr lang="de-DE"/>
               <a:t>Vorbereitung der Konfiguration (Cashbox)</a:t>
             </a:r>
           </a:p>
@@ -13810,13 +14179,13 @@
               <a:buFont typeface="Arial" panose="020B0604020202020204" pitchFamily="34" charset="0"/>
               <a:buChar char="•"/>
             </a:pPr>
-            <a:endParaRPr lang="de-DE" dirty="0"/>
+            <a:endParaRPr lang="de-DE"/>
           </a:p>
           <a:p>
             <a:pPr marL="0" indent="0">
               <a:buNone/>
             </a:pPr>
-            <a:endParaRPr lang="de-DE" dirty="0"/>
+            <a:endParaRPr lang="de-DE"/>
           </a:p>
           <a:p>
             <a:pPr>
@@ -13824,7 +14193,7 @@
               <a:buChar char="•"/>
             </a:pPr>
             <a:r>
-              <a:rPr lang="de-DE" dirty="0"/>
+              <a:rPr lang="de-DE"/>
               <a:t>Anlegen und konfigurieren der Queue</a:t>
             </a:r>
           </a:p>
@@ -13834,7 +14203,7 @@
               <a:buChar char="•"/>
             </a:pPr>
             <a:r>
-              <a:rPr lang="de-DE" dirty="0"/>
+              <a:rPr lang="de-DE"/>
               <a:t>Anlegen und konfigurieren der SCU</a:t>
             </a:r>
           </a:p>
@@ -13844,7 +14213,7 @@
               <a:buChar char="•"/>
             </a:pPr>
             <a:r>
-              <a:rPr lang="de-DE" dirty="0"/>
+              <a:rPr lang="de-DE"/>
               <a:t>Verknüpfen der Queue mit der SCU</a:t>
             </a:r>
           </a:p>
@@ -13854,7 +14223,7 @@
               <a:buChar char="•"/>
             </a:pPr>
             <a:r>
-              <a:rPr lang="de-DE" dirty="0"/>
+              <a:rPr lang="de-DE"/>
               <a:t>Erstellen und konfigurieren der Cashbox</a:t>
             </a:r>
           </a:p>
@@ -13886,7 +14255,7 @@
               <a:pPr/>
               <a:t>6</a:t>
             </a:fld>
-            <a:endParaRPr lang="de-AT" dirty="0"/>
+            <a:endParaRPr lang="de-AT"/>
           </a:p>
         </p:txBody>
       </p:sp>
@@ -13917,7 +14286,7 @@
           <a:lstStyle/>
           <a:p>
             <a:r>
-              <a:rPr lang="de-AT" dirty="0"/>
+              <a:rPr lang="de-AT"/>
               <a:t>fiskaltrust.</a:t>
             </a:r>
           </a:p>
@@ -13975,7 +14344,7 @@
           <a:lstStyle/>
           <a:p>
             <a:r>
-              <a:rPr lang="de-DE" dirty="0"/>
+              <a:rPr lang="de-DE"/>
               <a:t>Download der ft.Middleware (Launcher)</a:t>
             </a:r>
           </a:p>
@@ -14008,13 +14377,13 @@
               <a:buFont typeface="Arial" panose="020B0604020202020204" pitchFamily="34" charset="0"/>
               <a:buChar char="•"/>
             </a:pPr>
-            <a:endParaRPr lang="de-DE" dirty="0"/>
+            <a:endParaRPr lang="de-DE"/>
           </a:p>
           <a:p>
             <a:pPr marL="0" indent="0">
               <a:buNone/>
             </a:pPr>
-            <a:endParaRPr lang="de-DE" dirty="0"/>
+            <a:endParaRPr lang="de-DE"/>
           </a:p>
           <a:p>
             <a:pPr>
@@ -14022,7 +14391,7 @@
               <a:buChar char="•"/>
             </a:pPr>
             <a:r>
-              <a:rPr lang="de-DE" dirty="0"/>
+              <a:rPr lang="de-DE"/>
               <a:t>Online Launcher vs. Offline Launcher</a:t>
             </a:r>
           </a:p>
@@ -14032,23 +14401,23 @@
               <a:buChar char="•"/>
             </a:pPr>
             <a:r>
-              <a:rPr lang="de-DE" dirty="0"/>
+              <a:rPr lang="de-DE"/>
               <a:t>„</a:t>
             </a:r>
             <a:r>
-              <a:rPr lang="de-DE" dirty="0" err="1"/>
+              <a:rPr lang="de-DE" err="1"/>
               <a:t>Rebuild</a:t>
             </a:r>
             <a:r>
-              <a:rPr lang="de-DE" dirty="0"/>
+              <a:rPr lang="de-DE"/>
               <a:t> </a:t>
             </a:r>
             <a:r>
-              <a:rPr lang="de-DE" dirty="0" err="1"/>
+              <a:rPr lang="de-DE" err="1"/>
               <a:t>configuration</a:t>
             </a:r>
             <a:r>
-              <a:rPr lang="de-DE" dirty="0"/>
+              <a:rPr lang="de-DE"/>
               <a:t>“</a:t>
             </a:r>
           </a:p>
@@ -14058,7 +14427,7 @@
               <a:buChar char="•"/>
             </a:pPr>
             <a:r>
-              <a:rPr lang="de-DE" dirty="0"/>
+              <a:rPr lang="de-DE"/>
               <a:t>Download des Launcher</a:t>
             </a:r>
           </a:p>
@@ -14068,7 +14437,7 @@
               <a:buChar char="•"/>
             </a:pPr>
             <a:r>
-              <a:rPr lang="de-DE" dirty="0"/>
+              <a:rPr lang="de-DE"/>
               <a:t>Starten des Launcher</a:t>
             </a:r>
           </a:p>
@@ -14100,7 +14469,7 @@
               <a:pPr/>
               <a:t>7</a:t>
             </a:fld>
-            <a:endParaRPr lang="de-AT" dirty="0"/>
+            <a:endParaRPr lang="de-AT"/>
           </a:p>
         </p:txBody>
       </p:sp>
@@ -14131,7 +14500,7 @@
           <a:lstStyle/>
           <a:p>
             <a:r>
-              <a:rPr lang="de-AT" dirty="0"/>
+              <a:rPr lang="de-AT"/>
               <a:t>fiskaltrust.</a:t>
             </a:r>
           </a:p>
@@ -14189,7 +14558,7 @@
           <a:lstStyle/>
           <a:p>
             <a:r>
-              <a:rPr lang="de-DE" dirty="0"/>
+              <a:rPr lang="de-DE"/>
               <a:t>Automatisierungsoptionen</a:t>
             </a:r>
           </a:p>
@@ -14222,13 +14591,13 @@
               <a:buFont typeface="Arial" panose="020B0604020202020204" pitchFamily="34" charset="0"/>
               <a:buChar char="•"/>
             </a:pPr>
-            <a:endParaRPr lang="de-DE" dirty="0"/>
+            <a:endParaRPr lang="de-DE"/>
           </a:p>
           <a:p>
             <a:pPr marL="0" indent="0">
               <a:buNone/>
             </a:pPr>
-            <a:endParaRPr lang="de-DE" dirty="0"/>
+            <a:endParaRPr lang="de-DE"/>
           </a:p>
           <a:p>
             <a:pPr>
@@ -14236,7 +14605,7 @@
               <a:buChar char="•"/>
             </a:pPr>
             <a:r>
-              <a:rPr lang="de-DE" dirty="0"/>
+              <a:rPr lang="de-DE"/>
               <a:t>Massenupdate der Cashboxen</a:t>
             </a:r>
           </a:p>
@@ -14246,7 +14615,7 @@
               <a:buChar char="•"/>
             </a:pPr>
             <a:r>
-              <a:rPr lang="de-DE" dirty="0"/>
+              <a:rPr lang="de-DE"/>
               <a:t>Templating zum Erstellen von Cashboxen</a:t>
             </a:r>
           </a:p>
@@ -14256,7 +14625,7 @@
               <a:buChar char="•"/>
             </a:pPr>
             <a:r>
-              <a:rPr lang="de-DE" dirty="0"/>
+              <a:rPr lang="de-DE"/>
               <a:t>Bulk-Import der Standorte</a:t>
             </a:r>
           </a:p>
@@ -14266,7 +14635,7 @@
               <a:buChar char="•"/>
             </a:pPr>
             <a:r>
-              <a:rPr lang="de-DE" dirty="0"/>
+              <a:rPr lang="de-DE"/>
               <a:t>Automatisierte Auslieferung der Middleware</a:t>
             </a:r>
           </a:p>
@@ -14276,7 +14645,7 @@
               <a:buChar char="•"/>
             </a:pPr>
             <a:r>
-              <a:rPr lang="de-DE" dirty="0"/>
+              <a:rPr lang="de-DE"/>
               <a:t>Hoher Automatisierungsgrad</a:t>
             </a:r>
           </a:p>
@@ -14308,7 +14677,7 @@
               <a:pPr/>
               <a:t>8</a:t>
             </a:fld>
-            <a:endParaRPr lang="de-AT" dirty="0"/>
+            <a:endParaRPr lang="de-AT"/>
           </a:p>
         </p:txBody>
       </p:sp>
@@ -14339,7 +14708,7 @@
           <a:lstStyle/>
           <a:p>
             <a:r>
-              <a:rPr lang="de-AT" dirty="0"/>
+              <a:rPr lang="de-AT"/>
               <a:t>fiskaltrust.</a:t>
             </a:r>
           </a:p>
@@ -14397,7 +14766,7 @@
           <a:lstStyle/>
           <a:p>
             <a:r>
-              <a:rPr lang="de-DE" dirty="0"/>
+              <a:rPr lang="de-DE"/>
               <a:t>Massenupdate der Cashboxen</a:t>
             </a:r>
           </a:p>
@@ -14430,13 +14799,13 @@
               <a:buFont typeface="Arial" panose="020B0604020202020204" pitchFamily="34" charset="0"/>
               <a:buChar char="•"/>
             </a:pPr>
-            <a:endParaRPr lang="de-DE" dirty="0"/>
+            <a:endParaRPr lang="de-DE"/>
           </a:p>
           <a:p>
             <a:pPr marL="0" indent="0">
               <a:buNone/>
             </a:pPr>
-            <a:endParaRPr lang="de-DE" dirty="0"/>
+            <a:endParaRPr lang="de-DE"/>
           </a:p>
         </p:txBody>
       </p:sp>
@@ -14466,7 +14835,7 @@
               <a:pPr/>
               <a:t>9</a:t>
             </a:fld>
-            <a:endParaRPr lang="de-AT" dirty="0"/>
+            <a:endParaRPr lang="de-AT"/>
           </a:p>
         </p:txBody>
       </p:sp>
@@ -14497,7 +14866,7 @@
           <a:lstStyle/>
           <a:p>
             <a:r>
-              <a:rPr lang="de-AT" dirty="0"/>
+              <a:rPr lang="de-AT"/>
               <a:t>fiskaltrust.</a:t>
             </a:r>
           </a:p>
@@ -15439,45 +15808,29 @@
 
 <file path=customXml/item1.xml><?xml version="1.0" encoding="utf-8"?>
 <p:properties xmlns:p="http://schemas.microsoft.com/office/2006/metadata/properties" xmlns:xsi="http://www.w3.org/2001/XMLSchema-instance" xmlns:pc="http://schemas.microsoft.com/office/infopath/2007/PartnerControls">
-  <documentManagement>
-    <MigrationWizIdPermissions xmlns="86d55d5a-583b-4ffa-ba38-1d7d24766b92" xsi:nil="true"/>
-    <MigrationWizIdSecurityGroups xmlns="86d55d5a-583b-4ffa-ba38-1d7d24766b92" xsi:nil="true"/>
-    <MigrationWizIdPermissionLevels xmlns="86d55d5a-583b-4ffa-ba38-1d7d24766b92" xsi:nil="true"/>
-    <MigrationWizId xmlns="86d55d5a-583b-4ffa-ba38-1d7d24766b92" xsi:nil="true"/>
-    <MigrationWizIdDocumentLibraryPermissions xmlns="86d55d5a-583b-4ffa-ba38-1d7d24766b92" xsi:nil="true"/>
-  </documentManagement>
+  <documentManagement/>
 </p:properties>
 </file>
 
 <file path=customXml/item2.xml><?xml version="1.0" encoding="utf-8"?>
-<ct:contentTypeSchema xmlns:ct="http://schemas.microsoft.com/office/2006/metadata/contentType" xmlns:ma="http://schemas.microsoft.com/office/2006/metadata/properties/metaAttributes" ct:_="" ma:_="" ma:contentTypeName="Dokument" ma:contentTypeID="0x010100EDDAB4B22929B54F9C6B97FCF3506A69" ma:contentTypeVersion="18" ma:contentTypeDescription="Ein neues Dokument erstellen." ma:contentTypeScope="" ma:versionID="48f0b89e718592fa7287d62064933d84">
-  <xsd:schema xmlns:xsd="http://www.w3.org/2001/XMLSchema" xmlns:xs="http://www.w3.org/2001/XMLSchema" xmlns:p="http://schemas.microsoft.com/office/2006/metadata/properties" xmlns:ns3="86d55d5a-583b-4ffa-ba38-1d7d24766b92" xmlns:ns4="79e3e85f-1e38-4ceb-855f-9704f5188ae9" targetNamespace="http://schemas.microsoft.com/office/2006/metadata/properties" ma:root="true" ma:fieldsID="756dd8eefc7eaabc214879ed16408efd" ns3:_="" ns4:_="">
-    <xsd:import namespace="86d55d5a-583b-4ffa-ba38-1d7d24766b92"/>
-    <xsd:import namespace="79e3e85f-1e38-4ceb-855f-9704f5188ae9"/>
+<ct:contentTypeSchema xmlns:ct="http://schemas.microsoft.com/office/2006/metadata/contentType" xmlns:ma="http://schemas.microsoft.com/office/2006/metadata/properties/metaAttributes" ct:_="" ma:_="" ma:contentTypeName="Dokument" ma:contentTypeID="0x01010003A087929988544A956B845A242A1874" ma:contentTypeVersion="9" ma:contentTypeDescription="Ein neues Dokument erstellen." ma:contentTypeScope="" ma:versionID="8fcee6ad74384aaf9bbc4d877337004d">
+  <xsd:schema xmlns:xsd="http://www.w3.org/2001/XMLSchema" xmlns:xs="http://www.w3.org/2001/XMLSchema" xmlns:p="http://schemas.microsoft.com/office/2006/metadata/properties" xmlns:ns2="c3142773-ea53-476f-8961-6b85122cde25" targetNamespace="http://schemas.microsoft.com/office/2006/metadata/properties" ma:root="true" ma:fieldsID="a573346e6707e52bf95e9f5c0e472ecc" ns2:_="">
+    <xsd:import namespace="c3142773-ea53-476f-8961-6b85122cde25"/>
     <xsd:element name="properties">
       <xsd:complexType>
         <xsd:sequence>
           <xsd:element name="documentManagement">
             <xsd:complexType>
               <xsd:all>
-                <xsd:element ref="ns3:MigrationWizId" minOccurs="0"/>
-                <xsd:element ref="ns3:MigrationWizIdPermissions" minOccurs="0"/>
-                <xsd:element ref="ns3:MigrationWizIdPermissionLevels" minOccurs="0"/>
-                <xsd:element ref="ns3:MigrationWizIdDocumentLibraryPermissions" minOccurs="0"/>
-                <xsd:element ref="ns3:MigrationWizIdSecurityGroups" minOccurs="0"/>
-                <xsd:element ref="ns3:MediaServiceMetadata" minOccurs="0"/>
-                <xsd:element ref="ns3:MediaServiceFastMetadata" minOccurs="0"/>
-                <xsd:element ref="ns3:MediaServiceDateTaken" minOccurs="0"/>
-                <xsd:element ref="ns3:MediaServiceAutoTags" minOccurs="0"/>
-                <xsd:element ref="ns3:MediaServiceLocation" minOccurs="0"/>
-                <xsd:element ref="ns3:MediaServiceOCR" minOccurs="0"/>
-                <xsd:element ref="ns4:SharedWithUsers" minOccurs="0"/>
-                <xsd:element ref="ns4:SharedWithDetails" minOccurs="0"/>
-                <xsd:element ref="ns4:SharingHintHash" minOccurs="0"/>
-                <xsd:element ref="ns3:MediaServiceEventHashCode" minOccurs="0"/>
-                <xsd:element ref="ns3:MediaServiceGenerationTime" minOccurs="0"/>
-                <xsd:element ref="ns3:MediaServiceAutoKeyPoints" minOccurs="0"/>
-                <xsd:element ref="ns3:MediaServiceKeyPoints" minOccurs="0"/>
+                <xsd:element ref="ns2:MediaServiceMetadata" minOccurs="0"/>
+                <xsd:element ref="ns2:MediaServiceFastMetadata" minOccurs="0"/>
+                <xsd:element ref="ns2:MediaServiceDateTaken" minOccurs="0"/>
+                <xsd:element ref="ns2:MediaServiceAutoKeyPoints" minOccurs="0"/>
+                <xsd:element ref="ns2:MediaServiceKeyPoints" minOccurs="0"/>
+                <xsd:element ref="ns2:MediaServiceAutoTags" minOccurs="0"/>
+                <xsd:element ref="ns2:MediaServiceOCR" minOccurs="0"/>
+                <xsd:element ref="ns2:MediaServiceGenerationTime" minOccurs="0"/>
+                <xsd:element ref="ns2:MediaServiceEventHashCode" minOccurs="0"/>
               </xsd:all>
             </xsd:complexType>
           </xsd:element>
@@ -15485,119 +15838,54 @@
       </xsd:complexType>
     </xsd:element>
   </xsd:schema>
-  <xsd:schema xmlns:xsd="http://www.w3.org/2001/XMLSchema" xmlns:xs="http://www.w3.org/2001/XMLSchema" xmlns:dms="http://schemas.microsoft.com/office/2006/documentManagement/types" xmlns:pc="http://schemas.microsoft.com/office/infopath/2007/PartnerControls" targetNamespace="86d55d5a-583b-4ffa-ba38-1d7d24766b92" elementFormDefault="qualified">
+  <xsd:schema xmlns:xsd="http://www.w3.org/2001/XMLSchema" xmlns:xs="http://www.w3.org/2001/XMLSchema" xmlns:dms="http://schemas.microsoft.com/office/2006/documentManagement/types" xmlns:pc="http://schemas.microsoft.com/office/infopath/2007/PartnerControls" targetNamespace="c3142773-ea53-476f-8961-6b85122cde25" elementFormDefault="qualified">
     <xsd:import namespace="http://schemas.microsoft.com/office/2006/documentManagement/types"/>
     <xsd:import namespace="http://schemas.microsoft.com/office/infopath/2007/PartnerControls"/>
-    <xsd:element name="MigrationWizId" ma:index="8" nillable="true" ma:displayName="MigrationWizId" ma:internalName="MigrationWizId">
+    <xsd:element name="MediaServiceMetadata" ma:index="8" nillable="true" ma:displayName="MediaServiceMetadata" ma:hidden="true" ma:internalName="MediaServiceMetadata" ma:readOnly="true">
+      <xsd:simpleType>
+        <xsd:restriction base="dms:Note"/>
+      </xsd:simpleType>
+    </xsd:element>
+    <xsd:element name="MediaServiceFastMetadata" ma:index="9" nillable="true" ma:displayName="MediaServiceFastMetadata" ma:hidden="true" ma:internalName="MediaServiceFastMetadata" ma:readOnly="true">
+      <xsd:simpleType>
+        <xsd:restriction base="dms:Note"/>
+      </xsd:simpleType>
+    </xsd:element>
+    <xsd:element name="MediaServiceDateTaken" ma:index="10" nillable="true" ma:displayName="MediaServiceDateTaken" ma:hidden="true" ma:internalName="MediaServiceDateTaken" ma:readOnly="true">
       <xsd:simpleType>
         <xsd:restriction base="dms:Text"/>
       </xsd:simpleType>
     </xsd:element>
-    <xsd:element name="MigrationWizIdPermissions" ma:index="9" nillable="true" ma:displayName="MigrationWizIdPermissions" ma:internalName="MigrationWizIdPermissions">
-      <xsd:simpleType>
-        <xsd:restriction base="dms:Text"/>
-      </xsd:simpleType>
-    </xsd:element>
-    <xsd:element name="MigrationWizIdPermissionLevels" ma:index="10" nillable="true" ma:displayName="MigrationWizIdPermissionLevels" ma:internalName="MigrationWizIdPermissionLevels">
-      <xsd:simpleType>
-        <xsd:restriction base="dms:Text"/>
-      </xsd:simpleType>
-    </xsd:element>
-    <xsd:element name="MigrationWizIdDocumentLibraryPermissions" ma:index="11" nillable="true" ma:displayName="MigrationWizIdDocumentLibraryPermissions" ma:internalName="MigrationWizIdDocumentLibraryPermissions">
-      <xsd:simpleType>
-        <xsd:restriction base="dms:Text"/>
-      </xsd:simpleType>
-    </xsd:element>
-    <xsd:element name="MigrationWizIdSecurityGroups" ma:index="12" nillable="true" ma:displayName="MigrationWizIdSecurityGroups" ma:internalName="MigrationWizIdSecurityGroups">
-      <xsd:simpleType>
-        <xsd:restriction base="dms:Text"/>
-      </xsd:simpleType>
-    </xsd:element>
-    <xsd:element name="MediaServiceMetadata" ma:index="13" nillable="true" ma:displayName="MediaServiceMetadata" ma:hidden="true" ma:internalName="MediaServiceMetadata" ma:readOnly="true">
+    <xsd:element name="MediaServiceAutoKeyPoints" ma:index="11" nillable="true" ma:displayName="MediaServiceAutoKeyPoints" ma:hidden="true" ma:internalName="MediaServiceAutoKeyPoints" ma:readOnly="true">
       <xsd:simpleType>
         <xsd:restriction base="dms:Note"/>
       </xsd:simpleType>
     </xsd:element>
-    <xsd:element name="MediaServiceFastMetadata" ma:index="14" nillable="true" ma:displayName="MediaServiceFastMetadata" ma:hidden="true" ma:internalName="MediaServiceFastMetadata" ma:readOnly="true">
-      <xsd:simpleType>
-        <xsd:restriction base="dms:Note"/>
-      </xsd:simpleType>
-    </xsd:element>
-    <xsd:element name="MediaServiceDateTaken" ma:index="15" nillable="true" ma:displayName="MediaServiceDateTaken" ma:hidden="true" ma:internalName="MediaServiceDateTaken" ma:readOnly="true">
-      <xsd:simpleType>
-        <xsd:restriction base="dms:Text"/>
-      </xsd:simpleType>
-    </xsd:element>
-    <xsd:element name="MediaServiceAutoTags" ma:index="16" nillable="true" ma:displayName="MediaServiceAutoTags" ma:internalName="MediaServiceAutoTags" ma:readOnly="true">
-      <xsd:simpleType>
-        <xsd:restriction base="dms:Text"/>
-      </xsd:simpleType>
-    </xsd:element>
-    <xsd:element name="MediaServiceLocation" ma:index="17" nillable="true" ma:displayName="MediaServiceLocation" ma:internalName="MediaServiceLocation" ma:readOnly="true">
-      <xsd:simpleType>
-        <xsd:restriction base="dms:Text"/>
-      </xsd:simpleType>
-    </xsd:element>
-    <xsd:element name="MediaServiceOCR" ma:index="18" nillable="true" ma:displayName="MediaServiceOCR" ma:internalName="MediaServiceOCR" ma:readOnly="true">
+    <xsd:element name="MediaServiceKeyPoints" ma:index="12" nillable="true" ma:displayName="KeyPoints" ma:internalName="MediaServiceKeyPoints" ma:readOnly="true">
       <xsd:simpleType>
         <xsd:restriction base="dms:Note">
           <xsd:maxLength value="255"/>
         </xsd:restriction>
       </xsd:simpleType>
     </xsd:element>
-    <xsd:element name="MediaServiceEventHashCode" ma:index="22" nillable="true" ma:displayName="MediaServiceEventHashCode" ma:hidden="true" ma:internalName="MediaServiceEventHashCode" ma:readOnly="true">
+    <xsd:element name="MediaServiceAutoTags" ma:index="13" nillable="true" ma:displayName="Tags" ma:internalName="MediaServiceAutoTags" ma:readOnly="true">
       <xsd:simpleType>
         <xsd:restriction base="dms:Text"/>
       </xsd:simpleType>
     </xsd:element>
-    <xsd:element name="MediaServiceGenerationTime" ma:index="23" nillable="true" ma:displayName="MediaServiceGenerationTime" ma:hidden="true" ma:internalName="MediaServiceGenerationTime" ma:readOnly="true">
-      <xsd:simpleType>
-        <xsd:restriction base="dms:Text"/>
-      </xsd:simpleType>
-    </xsd:element>
-    <xsd:element name="MediaServiceAutoKeyPoints" ma:index="24" nillable="true" ma:displayName="MediaServiceAutoKeyPoints" ma:hidden="true" ma:internalName="MediaServiceAutoKeyPoints" ma:readOnly="true">
-      <xsd:simpleType>
-        <xsd:restriction base="dms:Note"/>
-      </xsd:simpleType>
-    </xsd:element>
-    <xsd:element name="MediaServiceKeyPoints" ma:index="25" nillable="true" ma:displayName="KeyPoints" ma:internalName="MediaServiceKeyPoints" ma:readOnly="true">
+    <xsd:element name="MediaServiceOCR" ma:index="14" nillable="true" ma:displayName="Extracted Text" ma:internalName="MediaServiceOCR" ma:readOnly="true">
       <xsd:simpleType>
         <xsd:restriction base="dms:Note">
           <xsd:maxLength value="255"/>
         </xsd:restriction>
       </xsd:simpleType>
     </xsd:element>
-  </xsd:schema>
-  <xsd:schema xmlns:xsd="http://www.w3.org/2001/XMLSchema" xmlns:xs="http://www.w3.org/2001/XMLSchema" xmlns:dms="http://schemas.microsoft.com/office/2006/documentManagement/types" xmlns:pc="http://schemas.microsoft.com/office/infopath/2007/PartnerControls" targetNamespace="79e3e85f-1e38-4ceb-855f-9704f5188ae9" elementFormDefault="qualified">
-    <xsd:import namespace="http://schemas.microsoft.com/office/2006/documentManagement/types"/>
-    <xsd:import namespace="http://schemas.microsoft.com/office/infopath/2007/PartnerControls"/>
-    <xsd:element name="SharedWithUsers" ma:index="19" nillable="true" ma:displayName="Freigegeben für" ma:internalName="SharedWithUsers" ma:readOnly="true">
-      <xsd:complexType>
-        <xsd:complexContent>
-          <xsd:extension base="dms:UserMulti">
-            <xsd:sequence>
-              <xsd:element name="UserInfo" minOccurs="0" maxOccurs="unbounded">
-                <xsd:complexType>
-                  <xsd:sequence>
-                    <xsd:element name="DisplayName" type="xsd:string" minOccurs="0"/>
-                    <xsd:element name="AccountId" type="dms:UserId" minOccurs="0" nillable="true"/>
-                    <xsd:element name="AccountType" type="xsd:string" minOccurs="0"/>
-                  </xsd:sequence>
-                </xsd:complexType>
-              </xsd:element>
-            </xsd:sequence>
-          </xsd:extension>
-        </xsd:complexContent>
-      </xsd:complexType>
-    </xsd:element>
-    <xsd:element name="SharedWithDetails" ma:index="20" nillable="true" ma:displayName="Freigegeben für - Details" ma:internalName="SharedWithDetails" ma:readOnly="true">
+    <xsd:element name="MediaServiceGenerationTime" ma:index="15" nillable="true" ma:displayName="MediaServiceGenerationTime" ma:hidden="true" ma:internalName="MediaServiceGenerationTime" ma:readOnly="true">
       <xsd:simpleType>
-        <xsd:restriction base="dms:Note">
-          <xsd:maxLength value="255"/>
-        </xsd:restriction>
+        <xsd:restriction base="dms:Text"/>
       </xsd:simpleType>
     </xsd:element>
-    <xsd:element name="SharingHintHash" ma:index="21" nillable="true" ma:displayName="Freigabehinweishash" ma:hidden="true" ma:internalName="SharingHintHash" ma:readOnly="true">
+    <xsd:element name="MediaServiceEventHashCode" ma:index="16" nillable="true" ma:displayName="MediaServiceEventHashCode" ma:hidden="true" ma:internalName="MediaServiceEventHashCode" ma:readOnly="true">
       <xsd:simpleType>
         <xsd:restriction base="dms:Text"/>
       </xsd:simpleType>
@@ -15716,26 +16004,24 @@
   <ds:schemaRefs>
     <ds:schemaRef ds:uri="http://schemas.microsoft.com/office/2006/metadata/properties"/>
     <ds:schemaRef ds:uri="http://schemas.microsoft.com/office/infopath/2007/PartnerControls"/>
-    <ds:schemaRef ds:uri="86d55d5a-583b-4ffa-ba38-1d7d24766b92"/>
   </ds:schemaRefs>
 </ds:datastoreItem>
 </file>
 
 <file path=customXml/itemProps2.xml><?xml version="1.0" encoding="utf-8"?>
-<ds:datastoreItem xmlns:ds="http://schemas.openxmlformats.org/officeDocument/2006/customXml" ds:itemID="{C858B782-02BD-4534-B5E2-DFF71202A804}">
+<ds:datastoreItem xmlns:ds="http://schemas.openxmlformats.org/officeDocument/2006/customXml" ds:itemID="{95CC55F0-9F10-4CBF-A0A7-A8740A38E1CF}">
   <ds:schemaRefs>
-    <ds:schemaRef ds:uri="http://schemas.microsoft.com/office/2006/metadata/contentType"/>
-    <ds:schemaRef ds:uri="http://schemas.microsoft.com/office/2006/metadata/properties/metaAttributes"/>
-    <ds:schemaRef ds:uri="http://www.w3.org/2001/XMLSchema"/>
-    <ds:schemaRef ds:uri="http://schemas.microsoft.com/office/2006/metadata/properties"/>
-    <ds:schemaRef ds:uri="86d55d5a-583b-4ffa-ba38-1d7d24766b92"/>
-    <ds:schemaRef ds:uri="79e3e85f-1e38-4ceb-855f-9704f5188ae9"/>
-    <ds:schemaRef ds:uri="http://schemas.microsoft.com/office/2006/documentManagement/types"/>
-    <ds:schemaRef ds:uri="http://schemas.microsoft.com/office/infopath/2007/PartnerControls"/>
-    <ds:schemaRef ds:uri="http://schemas.openxmlformats.org/package/2006/metadata/core-properties"/>
+    <ds:schemaRef ds:uri="c3142773-ea53-476f-8961-6b85122cde25"/>
     <ds:schemaRef ds:uri="http://purl.org/dc/elements/1.1/"/>
     <ds:schemaRef ds:uri="http://purl.org/dc/terms/"/>
     <ds:schemaRef ds:uri="http://schemas.microsoft.com/internal/obd"/>
+    <ds:schemaRef ds:uri="http://schemas.microsoft.com/office/2006/documentManagement/types"/>
+    <ds:schemaRef ds:uri="http://schemas.microsoft.com/office/2006/metadata/contentType"/>
+    <ds:schemaRef ds:uri="http://schemas.microsoft.com/office/2006/metadata/properties"/>
+    <ds:schemaRef ds:uri="http://schemas.microsoft.com/office/2006/metadata/properties/metaAttributes"/>
+    <ds:schemaRef ds:uri="http://schemas.microsoft.com/office/infopath/2007/PartnerControls"/>
+    <ds:schemaRef ds:uri="http://schemas.openxmlformats.org/package/2006/metadata/core-properties"/>
+    <ds:schemaRef ds:uri="http://www.w3.org/2001/XMLSchema"/>
   </ds:schemaRefs>
 </ds:datastoreItem>
 </file>

--- a/for-posdealers/presentation/tech/media/posdealer-tech-rollout.pptx
+++ b/for-posdealers/presentation/tech/media/posdealer-tech-rollout.pptx
@@ -5,7 +5,7 @@
     <p:sldMasterId id="2147483648" r:id="rId4"/>
   </p:sldMasterIdLst>
   <p:notesMasterIdLst>
-    <p:notesMasterId r:id="rId28"/>
+    <p:notesMasterId r:id="rId29"/>
   </p:notesMasterIdLst>
   <p:sldIdLst>
     <p:sldId id="271" r:id="rId5"/>
@@ -13,24 +13,25 @@
     <p:sldId id="290" r:id="rId7"/>
     <p:sldId id="291" r:id="rId8"/>
     <p:sldId id="292" r:id="rId9"/>
-    <p:sldId id="293" r:id="rId10"/>
-    <p:sldId id="294" r:id="rId11"/>
-    <p:sldId id="295" r:id="rId12"/>
-    <p:sldId id="296" r:id="rId13"/>
-    <p:sldId id="297" r:id="rId14"/>
-    <p:sldId id="298" r:id="rId15"/>
-    <p:sldId id="299" r:id="rId16"/>
-    <p:sldId id="300" r:id="rId17"/>
-    <p:sldId id="301" r:id="rId18"/>
-    <p:sldId id="302" r:id="rId19"/>
-    <p:sldId id="303" r:id="rId20"/>
-    <p:sldId id="304" r:id="rId21"/>
-    <p:sldId id="305" r:id="rId22"/>
-    <p:sldId id="306" r:id="rId23"/>
-    <p:sldId id="307" r:id="rId24"/>
-    <p:sldId id="308" r:id="rId25"/>
-    <p:sldId id="309" r:id="rId26"/>
-    <p:sldId id="288" r:id="rId27"/>
+    <p:sldId id="310" r:id="rId10"/>
+    <p:sldId id="293" r:id="rId11"/>
+    <p:sldId id="294" r:id="rId12"/>
+    <p:sldId id="295" r:id="rId13"/>
+    <p:sldId id="296" r:id="rId14"/>
+    <p:sldId id="297" r:id="rId15"/>
+    <p:sldId id="298" r:id="rId16"/>
+    <p:sldId id="299" r:id="rId17"/>
+    <p:sldId id="300" r:id="rId18"/>
+    <p:sldId id="301" r:id="rId19"/>
+    <p:sldId id="302" r:id="rId20"/>
+    <p:sldId id="303" r:id="rId21"/>
+    <p:sldId id="304" r:id="rId22"/>
+    <p:sldId id="305" r:id="rId23"/>
+    <p:sldId id="306" r:id="rId24"/>
+    <p:sldId id="307" r:id="rId25"/>
+    <p:sldId id="308" r:id="rId26"/>
+    <p:sldId id="309" r:id="rId27"/>
+    <p:sldId id="288" r:id="rId28"/>
   </p:sldIdLst>
   <p:sldSz cx="12192000" cy="6858000"/>
   <p:notesSz cx="6858000" cy="9144000"/>
@@ -9288,7 +9289,7 @@
           <a:p>
             <a:fld id="{878DCA2D-ADC9-4D7A-A916-9A90AC8F3FDD}" type="datetimeFigureOut">
               <a:rPr lang="de-DE" smtClean="0"/>
-              <a:t>24.09.20</a:t>
+              <a:t>08.10.20</a:t>
             </a:fld>
             <a:endParaRPr lang="de-DE"/>
           </a:p>
@@ -9689,59 +9690,24 @@
           <a:p>
             <a:r>
               <a:rPr lang="de-DE" dirty="0"/>
-              <a:t>Vorführung Anhand:</a:t>
-            </a:r>
-          </a:p>
-          <a:p>
+              <a:t>Update des SQL Package auf Version 1.3.5 für aller Cashboxen die aktuell mit der Version 1.3.3 konfiguriert sind + </a:t>
+            </a:r>
+            <a:r>
+              <a:rPr lang="de-DE" dirty="0" err="1"/>
+              <a:t>Rebuild</a:t>
+            </a:r>
             <a:r>
               <a:rPr lang="de-DE" dirty="0"/>
-              <a:t>https://</a:t>
+              <a:t> </a:t>
             </a:r>
             <a:r>
               <a:rPr lang="de-DE" dirty="0" err="1"/>
-              <a:t>docs.fiskaltrust.cloud</a:t>
+              <a:t>Configuration</a:t>
             </a:r>
             <a:r>
               <a:rPr lang="de-DE" dirty="0"/>
-              <a:t>/</a:t>
-            </a:r>
-            <a:r>
-              <a:rPr lang="de-DE" dirty="0" err="1"/>
-              <a:t>doc</a:t>
-            </a:r>
-            <a:r>
-              <a:rPr lang="de-DE" dirty="0"/>
-              <a:t>/</a:t>
-            </a:r>
-            <a:r>
-              <a:rPr lang="de-DE" dirty="0" err="1"/>
-              <a:t>productdescription</a:t>
-            </a:r>
-            <a:r>
-              <a:rPr lang="de-DE" dirty="0"/>
-              <a:t>-de-</a:t>
-            </a:r>
-            <a:r>
-              <a:rPr lang="de-DE" dirty="0" err="1"/>
-              <a:t>doc</a:t>
-            </a:r>
-            <a:r>
-              <a:rPr lang="de-DE" dirty="0"/>
-              <a:t>/</a:t>
-            </a:r>
-            <a:r>
-              <a:rPr lang="de-DE" dirty="0" err="1"/>
-              <a:t>for-posdealers</a:t>
-            </a:r>
-            <a:r>
-              <a:rPr lang="de-DE" dirty="0"/>
-              <a:t>/02-pre-sales/automatisierter-</a:t>
-            </a:r>
-            <a:r>
-              <a:rPr lang="de-DE" dirty="0" err="1"/>
-              <a:t>rollout.html</a:t>
-            </a:r>
-            <a:endParaRPr lang="de-DE" dirty="0"/>
+              <a:t> </a:t>
+            </a:r>
           </a:p>
         </p:txBody>
       </p:sp>
@@ -9771,7 +9737,7 @@
     </p:spTree>
     <p:extLst>
       <p:ext uri="{BB962C8B-B14F-4D97-AF65-F5344CB8AC3E}">
-        <p14:creationId xmlns:p14="http://schemas.microsoft.com/office/powerpoint/2010/main" val="555986351"/>
+        <p14:creationId xmlns:p14="http://schemas.microsoft.com/office/powerpoint/2010/main" val="3864017454"/>
       </p:ext>
     </p:extLst>
   </p:cSld>
@@ -9909,7 +9875,7 @@
     </p:spTree>
     <p:extLst>
       <p:ext uri="{BB962C8B-B14F-4D97-AF65-F5344CB8AC3E}">
-        <p14:creationId xmlns:p14="http://schemas.microsoft.com/office/powerpoint/2010/main" val="937297756"/>
+        <p14:creationId xmlns:p14="http://schemas.microsoft.com/office/powerpoint/2010/main" val="555986351"/>
       </p:ext>
     </p:extLst>
   </p:cSld>
@@ -10047,7 +10013,7 @@
     </p:spTree>
     <p:extLst>
       <p:ext uri="{BB962C8B-B14F-4D97-AF65-F5344CB8AC3E}">
-        <p14:creationId xmlns:p14="http://schemas.microsoft.com/office/powerpoint/2010/main" val="708752320"/>
+        <p14:creationId xmlns:p14="http://schemas.microsoft.com/office/powerpoint/2010/main" val="937297756"/>
       </p:ext>
     </p:extLst>
   </p:cSld>
@@ -10185,7 +10151,7 @@
     </p:spTree>
     <p:extLst>
       <p:ext uri="{BB962C8B-B14F-4D97-AF65-F5344CB8AC3E}">
-        <p14:creationId xmlns:p14="http://schemas.microsoft.com/office/powerpoint/2010/main" val="1862044332"/>
+        <p14:creationId xmlns:p14="http://schemas.microsoft.com/office/powerpoint/2010/main" val="708752320"/>
       </p:ext>
     </p:extLst>
   </p:cSld>
@@ -10323,7 +10289,7 @@
     </p:spTree>
     <p:extLst>
       <p:ext uri="{BB962C8B-B14F-4D97-AF65-F5344CB8AC3E}">
-        <p14:creationId xmlns:p14="http://schemas.microsoft.com/office/powerpoint/2010/main" val="2289535749"/>
+        <p14:creationId xmlns:p14="http://schemas.microsoft.com/office/powerpoint/2010/main" val="1862044332"/>
       </p:ext>
     </p:extLst>
   </p:cSld>
@@ -10461,7 +10427,7 @@
     </p:spTree>
     <p:extLst>
       <p:ext uri="{BB962C8B-B14F-4D97-AF65-F5344CB8AC3E}">
-        <p14:creationId xmlns:p14="http://schemas.microsoft.com/office/powerpoint/2010/main" val="80614078"/>
+        <p14:creationId xmlns:p14="http://schemas.microsoft.com/office/powerpoint/2010/main" val="2289535749"/>
       </p:ext>
     </p:extLst>
   </p:cSld>
@@ -10571,23 +10537,6 @@
             </a:r>
             <a:endParaRPr lang="de-DE" dirty="0"/>
           </a:p>
-          <a:p>
-            <a:endParaRPr lang="de-DE" dirty="0"/>
-          </a:p>
-          <a:p>
-            <a:r>
-              <a:rPr lang="de-DE" dirty="0"/>
-              <a:t>Hinweis auf den Umgang mit der Outlet-Nummer. Das ist das Bindeglied welches vom Händler oder Betreiber </a:t>
-            </a:r>
-            <a:r>
-              <a:rPr lang="de-DE" dirty="0" err="1"/>
-              <a:t>menschenleslich</a:t>
-            </a:r>
-            <a:r>
-              <a:rPr lang="de-DE" dirty="0"/>
-              <a:t> definiert werden kann.</a:t>
-            </a:r>
-          </a:p>
         </p:txBody>
       </p:sp>
       <p:sp>
@@ -10616,7 +10565,7 @@
     </p:spTree>
     <p:extLst>
       <p:ext uri="{BB962C8B-B14F-4D97-AF65-F5344CB8AC3E}">
-        <p14:creationId xmlns:p14="http://schemas.microsoft.com/office/powerpoint/2010/main" val="1503803784"/>
+        <p14:creationId xmlns:p14="http://schemas.microsoft.com/office/powerpoint/2010/main" val="80614078"/>
       </p:ext>
     </p:extLst>
   </p:cSld>
@@ -10726,6 +10675,23 @@
             </a:r>
             <a:endParaRPr lang="de-DE" dirty="0"/>
           </a:p>
+          <a:p>
+            <a:endParaRPr lang="de-DE" dirty="0"/>
+          </a:p>
+          <a:p>
+            <a:r>
+              <a:rPr lang="de-DE" dirty="0"/>
+              <a:t>Hinweis auf den Umgang mit der Outlet-Nummer. Das ist das Bindeglied welches vom Händler oder Betreiber </a:t>
+            </a:r>
+            <a:r>
+              <a:rPr lang="de-DE" dirty="0" err="1"/>
+              <a:t>menschenleslich</a:t>
+            </a:r>
+            <a:r>
+              <a:rPr lang="de-DE" dirty="0"/>
+              <a:t> definiert werden kann.</a:t>
+            </a:r>
+          </a:p>
         </p:txBody>
       </p:sp>
       <p:sp>
@@ -10754,7 +10720,7 @@
     </p:spTree>
     <p:extLst>
       <p:ext uri="{BB962C8B-B14F-4D97-AF65-F5344CB8AC3E}">
-        <p14:creationId xmlns:p14="http://schemas.microsoft.com/office/powerpoint/2010/main" val="2603407384"/>
+        <p14:creationId xmlns:p14="http://schemas.microsoft.com/office/powerpoint/2010/main" val="1503803784"/>
       </p:ext>
     </p:extLst>
   </p:cSld>
@@ -10892,7 +10858,7 @@
     </p:spTree>
     <p:extLst>
       <p:ext uri="{BB962C8B-B14F-4D97-AF65-F5344CB8AC3E}">
-        <p14:creationId xmlns:p14="http://schemas.microsoft.com/office/powerpoint/2010/main" val="4129027587"/>
+        <p14:creationId xmlns:p14="http://schemas.microsoft.com/office/powerpoint/2010/main" val="2603407384"/>
       </p:ext>
     </p:extLst>
   </p:cSld>
@@ -11030,7 +10996,7 @@
     </p:spTree>
     <p:extLst>
       <p:ext uri="{BB962C8B-B14F-4D97-AF65-F5344CB8AC3E}">
-        <p14:creationId xmlns:p14="http://schemas.microsoft.com/office/powerpoint/2010/main" val="2580291306"/>
+        <p14:creationId xmlns:p14="http://schemas.microsoft.com/office/powerpoint/2010/main" val="4129027587"/>
       </p:ext>
     </p:extLst>
   </p:cSld>
@@ -11294,7 +11260,7 @@
     </p:spTree>
     <p:extLst>
       <p:ext uri="{BB962C8B-B14F-4D97-AF65-F5344CB8AC3E}">
-        <p14:creationId xmlns:p14="http://schemas.microsoft.com/office/powerpoint/2010/main" val="3201717681"/>
+        <p14:creationId xmlns:p14="http://schemas.microsoft.com/office/powerpoint/2010/main" val="2580291306"/>
       </p:ext>
     </p:extLst>
   </p:cSld>
@@ -11350,6 +11316,12 @@
           <a:p>
             <a:r>
               <a:rPr lang="de-DE" dirty="0"/>
+              <a:t>Vorführung Anhand:</a:t>
+            </a:r>
+          </a:p>
+          <a:p>
+            <a:r>
+              <a:rPr lang="de-DE" dirty="0"/>
               <a:t>https://</a:t>
             </a:r>
             <a:r>
@@ -11390,11 +11362,11 @@
             </a:r>
             <a:r>
               <a:rPr lang="de-DE" dirty="0"/>
-              <a:t>/02-pre-sales/rollout-</a:t>
+              <a:t>/02-pre-sales/automatisierter-</a:t>
             </a:r>
             <a:r>
               <a:rPr lang="de-DE" dirty="0" err="1"/>
-              <a:t>scenarios.html</a:t>
+              <a:t>rollout.html</a:t>
             </a:r>
             <a:endParaRPr lang="de-DE" dirty="0"/>
           </a:p>
@@ -11426,7 +11398,7 @@
     </p:spTree>
     <p:extLst>
       <p:ext uri="{BB962C8B-B14F-4D97-AF65-F5344CB8AC3E}">
-        <p14:creationId xmlns:p14="http://schemas.microsoft.com/office/powerpoint/2010/main" val="2987153345"/>
+        <p14:creationId xmlns:p14="http://schemas.microsoft.com/office/powerpoint/2010/main" val="3201717681"/>
       </p:ext>
     </p:extLst>
   </p:cSld>
@@ -11522,11 +11494,11 @@
             </a:r>
             <a:r>
               <a:rPr lang="de-DE" dirty="0"/>
-              <a:t>/</a:t>
+              <a:t>/02-pre-sales/rollout-</a:t>
             </a:r>
             <a:r>
               <a:rPr lang="de-DE" dirty="0" err="1"/>
-              <a:t>getting-started.html</a:t>
+              <a:t>scenarios.html</a:t>
             </a:r>
             <a:endParaRPr lang="de-DE" dirty="0"/>
           </a:p>
@@ -11558,7 +11530,7 @@
     </p:spTree>
     <p:extLst>
       <p:ext uri="{BB962C8B-B14F-4D97-AF65-F5344CB8AC3E}">
-        <p14:creationId xmlns:p14="http://schemas.microsoft.com/office/powerpoint/2010/main" val="453208936"/>
+        <p14:creationId xmlns:p14="http://schemas.microsoft.com/office/powerpoint/2010/main" val="2987153345"/>
       </p:ext>
     </p:extLst>
   </p:cSld>
@@ -11612,7 +11584,55 @@
           <a:bodyPr/>
           <a:lstStyle/>
           <a:p>
-            <a:endParaRPr lang="en-US" dirty="0"/>
+            <a:r>
+              <a:rPr lang="de-DE" dirty="0"/>
+              <a:t>https://</a:t>
+            </a:r>
+            <a:r>
+              <a:rPr lang="de-DE" dirty="0" err="1"/>
+              <a:t>docs.fiskaltrust.cloud</a:t>
+            </a:r>
+            <a:r>
+              <a:rPr lang="de-DE" dirty="0"/>
+              <a:t>/</a:t>
+            </a:r>
+            <a:r>
+              <a:rPr lang="de-DE" dirty="0" err="1"/>
+              <a:t>doc</a:t>
+            </a:r>
+            <a:r>
+              <a:rPr lang="de-DE" dirty="0"/>
+              <a:t>/</a:t>
+            </a:r>
+            <a:r>
+              <a:rPr lang="de-DE" dirty="0" err="1"/>
+              <a:t>productdescription</a:t>
+            </a:r>
+            <a:r>
+              <a:rPr lang="de-DE" dirty="0"/>
+              <a:t>-de-</a:t>
+            </a:r>
+            <a:r>
+              <a:rPr lang="de-DE" dirty="0" err="1"/>
+              <a:t>doc</a:t>
+            </a:r>
+            <a:r>
+              <a:rPr lang="de-DE" dirty="0"/>
+              <a:t>/</a:t>
+            </a:r>
+            <a:r>
+              <a:rPr lang="de-DE" dirty="0" err="1"/>
+              <a:t>for-posdealers</a:t>
+            </a:r>
+            <a:r>
+              <a:rPr lang="de-DE" dirty="0"/>
+              <a:t>/</a:t>
+            </a:r>
+            <a:r>
+              <a:rPr lang="de-DE" dirty="0" err="1"/>
+              <a:t>getting-started.html</a:t>
+            </a:r>
+            <a:endParaRPr lang="de-DE" dirty="0"/>
           </a:p>
         </p:txBody>
       </p:sp>
@@ -11634,6 +11654,90 @@
             <a:fld id="{87FB5468-8034-4A81-91AF-9E789D7C7320}" type="slidenum">
               <a:rPr lang="de-DE" smtClean="0"/>
               <a:t>23</a:t>
+            </a:fld>
+            <a:endParaRPr lang="de-DE"/>
+          </a:p>
+        </p:txBody>
+      </p:sp>
+    </p:spTree>
+    <p:extLst>
+      <p:ext uri="{BB962C8B-B14F-4D97-AF65-F5344CB8AC3E}">
+        <p14:creationId xmlns:p14="http://schemas.microsoft.com/office/powerpoint/2010/main" val="453208936"/>
+      </p:ext>
+    </p:extLst>
+  </p:cSld>
+  <p:clrMapOvr>
+    <a:masterClrMapping/>
+  </p:clrMapOvr>
+</p:notes>
+</file>
+
+<file path=ppt/notesSlides/notesSlide24.xml><?xml version="1.0" encoding="utf-8"?>
+<p:notes xmlns:a="http://schemas.openxmlformats.org/drawingml/2006/main" xmlns:r="http://schemas.openxmlformats.org/officeDocument/2006/relationships" xmlns:p="http://schemas.openxmlformats.org/presentationml/2006/main">
+  <p:cSld>
+    <p:spTree>
+      <p:nvGrpSpPr>
+        <p:cNvPr id="1" name=""/>
+        <p:cNvGrpSpPr/>
+        <p:nvPr/>
+      </p:nvGrpSpPr>
+      <p:grpSpPr>
+        <a:xfrm>
+          <a:off x="0" y="0"/>
+          <a:ext cx="0" cy="0"/>
+          <a:chOff x="0" y="0"/>
+          <a:chExt cx="0" cy="0"/>
+        </a:xfrm>
+      </p:grpSpPr>
+      <p:sp>
+        <p:nvSpPr>
+          <p:cNvPr id="2" name="Slide Image Placeholder 1"/>
+          <p:cNvSpPr>
+            <a:spLocks noGrp="1" noRot="1" noChangeAspect="1"/>
+          </p:cNvSpPr>
+          <p:nvPr>
+            <p:ph type="sldImg"/>
+          </p:nvPr>
+        </p:nvSpPr>
+        <p:spPr/>
+      </p:sp>
+      <p:sp>
+        <p:nvSpPr>
+          <p:cNvPr id="3" name="Notes Placeholder 2"/>
+          <p:cNvSpPr>
+            <a:spLocks noGrp="1"/>
+          </p:cNvSpPr>
+          <p:nvPr>
+            <p:ph type="body" idx="1"/>
+          </p:nvPr>
+        </p:nvSpPr>
+        <p:spPr/>
+        <p:txBody>
+          <a:bodyPr/>
+          <a:lstStyle/>
+          <a:p>
+            <a:endParaRPr lang="en-US" dirty="0"/>
+          </a:p>
+        </p:txBody>
+      </p:sp>
+      <p:sp>
+        <p:nvSpPr>
+          <p:cNvPr id="4" name="Slide Number Placeholder 3"/>
+          <p:cNvSpPr>
+            <a:spLocks noGrp="1"/>
+          </p:cNvSpPr>
+          <p:nvPr>
+            <p:ph type="sldNum" sz="quarter" idx="5"/>
+          </p:nvPr>
+        </p:nvSpPr>
+        <p:spPr/>
+        <p:txBody>
+          <a:bodyPr/>
+          <a:lstStyle/>
+          <a:p>
+            <a:fld id="{87FB5468-8034-4A81-91AF-9E789D7C7320}" type="slidenum">
+              <a:rPr lang="de-DE" smtClean="0"/>
+              <a:t>24</a:t>
             </a:fld>
             <a:endParaRPr lang="de-DE"/>
           </a:p>
@@ -12056,171 +12160,146 @@
           <a:bodyPr/>
           <a:lstStyle/>
           <a:p>
-            <a:r>
-              <a:rPr lang="de-DE" sz="1200" noProof="0" dirty="0"/>
-              <a:t>Die Konfiguration einer ft.Middleware Instanz wird über eine sogenannte Cashbox im Portal vorgenommen.</a:t>
-            </a:r>
-          </a:p>
-          <a:p>
-            <a:endParaRPr lang="de-DE" sz="1200" noProof="0" dirty="0"/>
-          </a:p>
-          <a:p>
-            <a:r>
-              <a:rPr lang="de-DE" sz="1200" b="0" i="0" kern="1200" dirty="0">
-                <a:solidFill>
-                  <a:schemeClr val="tx1"/>
-                </a:solidFill>
-                <a:effectLst/>
-                <a:latin typeface="+mn-lt"/>
-                <a:ea typeface="+mn-ea"/>
-                <a:cs typeface="+mn-cs"/>
-              </a:rPr>
-              <a:t>Die Cashbox ist ein Konfigurationscontainer, der die Konfiguration der einzelnen Komponenten der ft.Middleware beinhaltet. Über die Cashbox können die Konfigurationen miteinander verbunden werden. So kann die Cashbox die Konfiguration von Queue, SCU und von diversen Helper beinhalten und diese miteinander verbinden. </a:t>
-            </a:r>
-          </a:p>
-          <a:p>
-            <a:endParaRPr lang="de-DE" sz="1200" b="0" i="0" kern="1200" noProof="0" dirty="0">
-              <a:solidFill>
-                <a:schemeClr val="tx1"/>
-              </a:solidFill>
-              <a:effectLst/>
-              <a:latin typeface="+mn-lt"/>
-              <a:ea typeface="+mn-ea"/>
-              <a:cs typeface="+mn-cs"/>
+            <a:pPr>
+              <a:buFont typeface="Arial"/>
+              <a:buChar char="•"/>
+            </a:pPr>
+            <a:r>
+              <a:rPr lang="de-DE" dirty="0"/>
+              <a:t> Das Kassensystem kommuniziert mit der ft.Middleware über das </a:t>
+            </a:r>
+            <a:r>
+              <a:rPr lang="de-DE" dirty="0" err="1"/>
+              <a:t>iPOS</a:t>
+            </a:r>
+            <a:r>
+              <a:rPr lang="de-DE" dirty="0"/>
+              <a:t> Interface. </a:t>
+            </a:r>
+            <a:endParaRPr lang="de-DE" dirty="0">
+              <a:cs typeface="Calibri" panose="020F0502020204030204"/>
             </a:endParaRPr>
           </a:p>
           <a:p>
-            <a:pPr marL="0" marR="0" lvl="0" indent="0" algn="l" defTabSz="914400" rtl="0" eaLnBrk="1" fontAlgn="auto" latinLnBrk="0" hangingPunct="1">
-              <a:lnSpc>
-                <a:spcPct val="100000"/>
-              </a:lnSpc>
-              <a:spcBef>
-                <a:spcPts val="0"/>
-              </a:spcBef>
-              <a:spcAft>
-                <a:spcPts val="0"/>
-              </a:spcAft>
-              <a:buClrTx/>
-              <a:buSzTx/>
-              <a:buFontTx/>
-              <a:buNone/>
-              <a:tabLst/>
-              <a:defRPr/>
+            <a:pPr>
+              <a:buFont typeface="Arial"/>
+              <a:buChar char="•"/>
             </a:pPr>
             <a:r>
-              <a:rPr lang="de-DE" sz="1200" b="0" i="0" kern="1200" dirty="0">
-                <a:solidFill>
-                  <a:schemeClr val="tx1"/>
-                </a:solidFill>
-                <a:effectLst/>
-                <a:latin typeface="+mn-lt"/>
-                <a:ea typeface="+mn-ea"/>
-                <a:cs typeface="+mn-cs"/>
-              </a:rPr>
-              <a:t>Die Queue ist eine Komponente der ft.Middleware, sammelt die Belege und ist für das Erzeugen und Persistieren der Belegkette verantwortlich. Des Weiteren ist die Queue die Komponente der ft.Middleware mit der Ihr  POS System kommuniziert. An sie sendet das POS System die Belegdaten und erhält Signaturen und andere Daten zurück.</a:t>
-            </a:r>
-          </a:p>
-          <a:p>
-            <a:endParaRPr lang="de-DE" sz="1200" b="0" i="0" kern="1200" noProof="0" dirty="0">
-              <a:solidFill>
-                <a:schemeClr val="tx1"/>
-              </a:solidFill>
-              <a:effectLst/>
-              <a:latin typeface="+mn-lt"/>
-              <a:ea typeface="+mn-ea"/>
-              <a:cs typeface="+mn-cs"/>
+              <a:rPr lang="de-DE" dirty="0"/>
+              <a:t> Das </a:t>
+            </a:r>
+            <a:r>
+              <a:rPr lang="de-DE" dirty="0" err="1"/>
+              <a:t>iPOS</a:t>
+            </a:r>
+            <a:r>
+              <a:rPr lang="de-DE" dirty="0"/>
+              <a:t> Interface ist identisch für alle unterstützen Länder (Länderübergreifend).</a:t>
+            </a:r>
+            <a:endParaRPr lang="de-DE" dirty="0">
+              <a:cs typeface="Calibri"/>
             </a:endParaRPr>
           </a:p>
           <a:p>
-            <a:r>
-              <a:rPr lang="de-DE" sz="1200" b="0" i="0" kern="1200" dirty="0">
-                <a:solidFill>
-                  <a:schemeClr val="tx1"/>
-                </a:solidFill>
-                <a:effectLst/>
-                <a:latin typeface="+mn-lt"/>
-                <a:ea typeface="+mn-ea"/>
-                <a:cs typeface="+mn-cs"/>
-              </a:rPr>
-              <a:t>Die SCU (Security </a:t>
-            </a:r>
-            <a:r>
-              <a:rPr lang="de-DE" sz="1200" b="0" i="0" kern="1200" dirty="0" err="1">
-                <a:solidFill>
-                  <a:schemeClr val="tx1"/>
-                </a:solidFill>
-                <a:effectLst/>
-                <a:latin typeface="+mn-lt"/>
-                <a:ea typeface="+mn-ea"/>
-                <a:cs typeface="+mn-cs"/>
-              </a:rPr>
-              <a:t>Creation</a:t>
-            </a:r>
-            <a:r>
-              <a:rPr lang="de-DE" sz="1200" b="0" i="0" kern="1200" dirty="0">
-                <a:solidFill>
-                  <a:schemeClr val="tx1"/>
-                </a:solidFill>
-                <a:effectLst/>
-                <a:latin typeface="+mn-lt"/>
-                <a:ea typeface="+mn-ea"/>
-                <a:cs typeface="+mn-cs"/>
-              </a:rPr>
-              <a:t> Unit, deutsch: Signatur-Erstellungs-Einheit) ist eine Komponente der </a:t>
-            </a:r>
-            <a:r>
-              <a:rPr lang="de-DE" sz="1200" b="0" i="0" kern="1200" dirty="0" err="1">
-                <a:solidFill>
-                  <a:schemeClr val="tx1"/>
-                </a:solidFill>
-                <a:effectLst/>
-                <a:latin typeface="+mn-lt"/>
-                <a:ea typeface="+mn-ea"/>
-                <a:cs typeface="+mn-cs"/>
-              </a:rPr>
-              <a:t>ft.Middelware</a:t>
-            </a:r>
-            <a:r>
-              <a:rPr lang="de-DE" sz="1200" b="0" i="0" kern="1200" dirty="0">
-                <a:solidFill>
-                  <a:schemeClr val="tx1"/>
-                </a:solidFill>
-                <a:effectLst/>
-                <a:latin typeface="+mn-lt"/>
-                <a:ea typeface="+mn-ea"/>
-                <a:cs typeface="+mn-cs"/>
-              </a:rPr>
-              <a:t>, die für die Signierung zuständig ist. In Deutschland übernimmt sie die Kommunikation mit der TSE, die schlussendlich die Signierung vornimmt. Je nachdem welche TSE Sie benutzen möchten, benötigt die SCU eine entsprechende Konfiguration um auf diese zugreifen zu können.</a:t>
-            </a:r>
-          </a:p>
-          <a:p>
-            <a:endParaRPr lang="de-DE" sz="1200" b="0" i="0" kern="1200" noProof="0" dirty="0">
-              <a:solidFill>
-                <a:schemeClr val="tx1"/>
-              </a:solidFill>
-              <a:effectLst/>
-              <a:latin typeface="+mn-lt"/>
-              <a:ea typeface="+mn-ea"/>
-              <a:cs typeface="+mn-cs"/>
+            <a:pPr>
+              <a:buFont typeface="Arial"/>
+              <a:buChar char="•"/>
+            </a:pPr>
+            <a:r>
+              <a:rPr lang="de-DE" dirty="0"/>
+              <a:t> Das </a:t>
+            </a:r>
+            <a:r>
+              <a:rPr lang="de-DE" dirty="0" err="1"/>
+              <a:t>iPOS</a:t>
+            </a:r>
+            <a:r>
+              <a:rPr lang="de-DE" dirty="0"/>
+              <a:t> Interface ist über REST, </a:t>
+            </a:r>
+            <a:r>
+              <a:rPr lang="de-DE" dirty="0" err="1"/>
+              <a:t>gRPC</a:t>
+            </a:r>
+            <a:r>
+              <a:rPr lang="de-DE" dirty="0"/>
+              <a:t>, WCF, TCP-Stream und Serial-Stream erreichbar.</a:t>
+            </a:r>
+            <a:endParaRPr lang="de-DE" dirty="0">
+              <a:cs typeface="Calibri"/>
             </a:endParaRPr>
           </a:p>
           <a:p>
-            <a:r>
-              <a:rPr lang="de-DE" sz="1200" b="0" i="0" kern="1200" noProof="0" dirty="0">
-                <a:solidFill>
-                  <a:schemeClr val="tx1"/>
-                </a:solidFill>
-                <a:effectLst/>
-                <a:latin typeface="+mn-lt"/>
-                <a:ea typeface="+mn-ea"/>
-                <a:cs typeface="+mn-cs"/>
-              </a:rPr>
-              <a:t>Die Cashbox beinhaltet die benötigten Konfigurationen und verbindet diese miteinander. Jede Middleware Instanz benötigt eine Cashbox um den Betrieb aufnehmen zu können.</a:t>
-            </a:r>
-            <a:endParaRPr lang="de-DE" sz="1200" noProof="0" dirty="0"/>
-          </a:p>
-          <a:p>
-            <a:endParaRPr lang="en-US" dirty="0"/>
+            <a:pPr>
+              <a:buFont typeface="Arial"/>
+              <a:buChar char="•"/>
+            </a:pPr>
+            <a:r>
+              <a:rPr lang="de-DE" dirty="0"/>
+              <a:t> Das </a:t>
+            </a:r>
+            <a:r>
+              <a:rPr lang="de-DE" dirty="0" err="1"/>
+              <a:t>iPOS</a:t>
+            </a:r>
+            <a:r>
+              <a:rPr lang="de-DE" dirty="0"/>
+              <a:t> Interface bietet 3 Schnittstellen-Methoden: </a:t>
+            </a:r>
+            <a:r>
+              <a:rPr lang="de-DE" b="1" dirty="0"/>
+              <a:t>echo</a:t>
+            </a:r>
+            <a:r>
+              <a:rPr lang="de-DE" dirty="0"/>
+              <a:t> (Verfügbarkeit prüfen), </a:t>
+            </a:r>
+            <a:r>
+              <a:rPr lang="de-DE" b="1" dirty="0" err="1"/>
+              <a:t>sign</a:t>
+            </a:r>
+            <a:r>
+              <a:rPr lang="de-DE" dirty="0"/>
+              <a:t> (Signieren der Belegdaten, Absetzen von Sonderbelegen), </a:t>
+            </a:r>
+            <a:r>
+              <a:rPr lang="de-DE" b="1" dirty="0" err="1"/>
+              <a:t>journal</a:t>
+            </a:r>
+            <a:r>
+              <a:rPr lang="de-DE" dirty="0"/>
+              <a:t> (Export von Daten)</a:t>
+            </a:r>
+            <a:endParaRPr lang="de-DE" dirty="0">
+              <a:cs typeface="Calibri"/>
+            </a:endParaRPr>
+          </a:p>
+          <a:p>
+            <a:pPr>
+              <a:buFont typeface="Arial"/>
+              <a:buChar char="•"/>
+            </a:pPr>
+            <a:r>
+              <a:rPr lang="de-DE" dirty="0"/>
+              <a:t> Die Requests werden im ft.SecurityMechanism bearbeitet. Dieser kümmert sich um die Erstellung der eindeutigen, fortlaufenden Belegnummer, um die Verkettung, Signierung und die Persistenz der Daten.</a:t>
+            </a:r>
+            <a:endParaRPr lang="de-DE" dirty="0">
+              <a:cs typeface="Calibri"/>
+            </a:endParaRPr>
+          </a:p>
+          <a:p>
+            <a:pPr>
+              <a:buFont typeface="Arial"/>
+              <a:buChar char="•"/>
+            </a:pPr>
+            <a:r>
+              <a:rPr lang="de-DE" dirty="0"/>
+              <a:t> Die SCU übernimmt die länderspezifische Implementierung der Sicherheitslösung (z.B. in Deutschland die Erstellung der Signaturen mit Hilfe einer TSE)</a:t>
+            </a:r>
+            <a:endParaRPr lang="de-DE" dirty="0">
+              <a:cs typeface="Calibri"/>
+            </a:endParaRPr>
           </a:p>
         </p:txBody>
       </p:sp>
@@ -12305,9 +12384,170 @@
           <a:lstStyle/>
           <a:p>
             <a:r>
-              <a:rPr lang="de-DE" dirty="0"/>
-              <a:t>Diese Schritte sind bei einem manuellen Anlegen über das Portal vorzunehmen um eine Cashbox zusammen zu stellen.</a:t>
-            </a:r>
+              <a:rPr lang="de-DE" sz="1200" noProof="0" dirty="0"/>
+              <a:t>Die Konfiguration einer ft.Middleware Instanz wird über eine sogenannte Cashbox im Portal vorgenommen.</a:t>
+            </a:r>
+          </a:p>
+          <a:p>
+            <a:endParaRPr lang="de-DE" sz="1200" noProof="0" dirty="0"/>
+          </a:p>
+          <a:p>
+            <a:r>
+              <a:rPr lang="de-DE" sz="1200" b="0" i="0" kern="1200" dirty="0">
+                <a:solidFill>
+                  <a:schemeClr val="tx1"/>
+                </a:solidFill>
+                <a:effectLst/>
+                <a:latin typeface="+mn-lt"/>
+                <a:ea typeface="+mn-ea"/>
+                <a:cs typeface="+mn-cs"/>
+              </a:rPr>
+              <a:t>Die Cashbox ist ein Konfigurationscontainer, der die Konfiguration der einzelnen Komponenten der ft.Middleware beinhaltet. Über die Cashbox können die Konfigurationen miteinander verbunden werden. So kann die Cashbox die Konfiguration von Queue, SCU und von diversen Helper beinhalten und diese miteinander verbinden. </a:t>
+            </a:r>
+          </a:p>
+          <a:p>
+            <a:endParaRPr lang="de-DE" sz="1200" b="0" i="0" kern="1200" noProof="0" dirty="0">
+              <a:solidFill>
+                <a:schemeClr val="tx1"/>
+              </a:solidFill>
+              <a:effectLst/>
+              <a:latin typeface="+mn-lt"/>
+              <a:ea typeface="+mn-ea"/>
+              <a:cs typeface="+mn-cs"/>
+            </a:endParaRPr>
+          </a:p>
+          <a:p>
+            <a:pPr marL="0" marR="0" lvl="0" indent="0" algn="l" defTabSz="914400" rtl="0" eaLnBrk="1" fontAlgn="auto" latinLnBrk="0" hangingPunct="1">
+              <a:lnSpc>
+                <a:spcPct val="100000"/>
+              </a:lnSpc>
+              <a:spcBef>
+                <a:spcPts val="0"/>
+              </a:spcBef>
+              <a:spcAft>
+                <a:spcPts val="0"/>
+              </a:spcAft>
+              <a:buClrTx/>
+              <a:buSzTx/>
+              <a:buFontTx/>
+              <a:buNone/>
+              <a:tabLst/>
+              <a:defRPr/>
+            </a:pPr>
+            <a:r>
+              <a:rPr lang="de-DE" sz="1200" b="0" i="0" kern="1200" dirty="0">
+                <a:solidFill>
+                  <a:schemeClr val="tx1"/>
+                </a:solidFill>
+                <a:effectLst/>
+                <a:latin typeface="+mn-lt"/>
+                <a:ea typeface="+mn-ea"/>
+                <a:cs typeface="+mn-cs"/>
+              </a:rPr>
+              <a:t>Die Queue ist eine Komponente der ft.Middleware, sammelt die Belege und ist für das Erzeugen und Persistieren der Belegkette verantwortlich. Des Weiteren ist die Queue die Komponente der ft.Middleware mit der Ihr POS System kommuniziert. An sie sendet das POS System die Belegdaten und erhält Signaturen und andere Daten zurück.</a:t>
+            </a:r>
+          </a:p>
+          <a:p>
+            <a:endParaRPr lang="de-DE" sz="1200" b="0" i="0" kern="1200" noProof="0" dirty="0">
+              <a:solidFill>
+                <a:schemeClr val="tx1"/>
+              </a:solidFill>
+              <a:effectLst/>
+              <a:latin typeface="+mn-lt"/>
+              <a:ea typeface="+mn-ea"/>
+              <a:cs typeface="+mn-cs"/>
+            </a:endParaRPr>
+          </a:p>
+          <a:p>
+            <a:r>
+              <a:rPr lang="de-DE" sz="1200" b="0" i="0" kern="1200" dirty="0">
+                <a:solidFill>
+                  <a:schemeClr val="tx1"/>
+                </a:solidFill>
+                <a:effectLst/>
+                <a:latin typeface="+mn-lt"/>
+                <a:ea typeface="+mn-ea"/>
+                <a:cs typeface="+mn-cs"/>
+              </a:rPr>
+              <a:t>Die SCU (Security </a:t>
+            </a:r>
+            <a:r>
+              <a:rPr lang="de-DE" sz="1200" b="0" i="0" kern="1200" dirty="0" err="1">
+                <a:solidFill>
+                  <a:schemeClr val="tx1"/>
+                </a:solidFill>
+                <a:effectLst/>
+                <a:latin typeface="+mn-lt"/>
+                <a:ea typeface="+mn-ea"/>
+                <a:cs typeface="+mn-cs"/>
+              </a:rPr>
+              <a:t>Creation</a:t>
+            </a:r>
+            <a:r>
+              <a:rPr lang="de-DE" sz="1200" b="0" i="0" kern="1200" dirty="0">
+                <a:solidFill>
+                  <a:schemeClr val="tx1"/>
+                </a:solidFill>
+                <a:effectLst/>
+                <a:latin typeface="+mn-lt"/>
+                <a:ea typeface="+mn-ea"/>
+                <a:cs typeface="+mn-cs"/>
+              </a:rPr>
+              <a:t> Unit, deutsch: Signatur-Erstellungs-Einheit) ist eine Komponente der </a:t>
+            </a:r>
+            <a:r>
+              <a:rPr lang="de-DE" sz="1200" b="0" i="0" kern="1200" dirty="0" err="1">
+                <a:solidFill>
+                  <a:schemeClr val="tx1"/>
+                </a:solidFill>
+                <a:effectLst/>
+                <a:latin typeface="+mn-lt"/>
+                <a:ea typeface="+mn-ea"/>
+                <a:cs typeface="+mn-cs"/>
+              </a:rPr>
+              <a:t>ft.Middelware</a:t>
+            </a:r>
+            <a:r>
+              <a:rPr lang="de-DE" sz="1200" b="0" i="0" kern="1200" dirty="0">
+                <a:solidFill>
+                  <a:schemeClr val="tx1"/>
+                </a:solidFill>
+                <a:effectLst/>
+                <a:latin typeface="+mn-lt"/>
+                <a:ea typeface="+mn-ea"/>
+                <a:cs typeface="+mn-cs"/>
+              </a:rPr>
+              <a:t>, die für die Signierung zuständig ist. In Deutschland übernimmt sie die Kommunikation mit der TSE, die schlussendlich die Signierung vornimmt. Je nachdem welche TSE Sie benutzen möchten, benötigt die SCU eine entsprechende Konfiguration um auf diese zugreifen zu können.</a:t>
+            </a:r>
+          </a:p>
+          <a:p>
+            <a:endParaRPr lang="de-DE" sz="1200" b="0" i="0" kern="1200" noProof="0" dirty="0">
+              <a:solidFill>
+                <a:schemeClr val="tx1"/>
+              </a:solidFill>
+              <a:effectLst/>
+              <a:latin typeface="+mn-lt"/>
+              <a:ea typeface="+mn-ea"/>
+              <a:cs typeface="+mn-cs"/>
+            </a:endParaRPr>
+          </a:p>
+          <a:p>
+            <a:r>
+              <a:rPr lang="de-DE" sz="1200" b="0" i="0" kern="1200" noProof="0" dirty="0">
+                <a:solidFill>
+                  <a:schemeClr val="tx1"/>
+                </a:solidFill>
+                <a:effectLst/>
+                <a:latin typeface="+mn-lt"/>
+                <a:ea typeface="+mn-ea"/>
+                <a:cs typeface="+mn-cs"/>
+              </a:rPr>
+              <a:t>Die Cashbox beinhaltet die benötigten Konfigurationen und verbindet diese miteinander. Jede Middleware Instanz benötigt eine Cashbox um den Betrieb aufnehmen zu können.</a:t>
+            </a:r>
+            <a:endParaRPr lang="de-DE" sz="1200" noProof="0" dirty="0"/>
+          </a:p>
+          <a:p>
+            <a:endParaRPr lang="en-US" dirty="0"/>
           </a:p>
         </p:txBody>
       </p:sp>
@@ -12337,7 +12577,7 @@
     </p:spTree>
     <p:extLst>
       <p:ext uri="{BB962C8B-B14F-4D97-AF65-F5344CB8AC3E}">
-        <p14:creationId xmlns:p14="http://schemas.microsoft.com/office/powerpoint/2010/main" val="748330949"/>
+        <p14:creationId xmlns:p14="http://schemas.microsoft.com/office/powerpoint/2010/main" val="1107142229"/>
       </p:ext>
     </p:extLst>
   </p:cSld>
@@ -12393,465 +12633,7 @@
           <a:p>
             <a:r>
               <a:rPr lang="de-DE" dirty="0"/>
-              <a:t>Die fiskaltrust.Middleware wird lokal mit Hilfe eines Launcher gestartet. </a:t>
-            </a:r>
-          </a:p>
-          <a:p>
-            <a:endParaRPr lang="de-DE" dirty="0"/>
-          </a:p>
-          <a:p>
-            <a:pPr marL="0" marR="0" lvl="0" indent="0" algn="l" defTabSz="914400" rtl="0" eaLnBrk="1" fontAlgn="auto" latinLnBrk="0" hangingPunct="1">
-              <a:lnSpc>
-                <a:spcPct val="100000"/>
-              </a:lnSpc>
-              <a:spcBef>
-                <a:spcPts val="0"/>
-              </a:spcBef>
-              <a:spcAft>
-                <a:spcPts val="0"/>
-              </a:spcAft>
-              <a:buClrTx/>
-              <a:buSzTx/>
-              <a:buFontTx/>
-              <a:buNone/>
-              <a:tabLst/>
-              <a:defRPr/>
-            </a:pPr>
-            <a:r>
-              <a:rPr lang="de-DE" dirty="0"/>
-              <a:t>Vor dem Download des Launcher sollte die Cashbox neu zusammengebaut werden („</a:t>
-            </a:r>
-            <a:r>
-              <a:rPr lang="de-DE" dirty="0" err="1"/>
-              <a:t>Rebuild</a:t>
-            </a:r>
-            <a:r>
-              <a:rPr lang="de-DE" dirty="0"/>
-              <a:t> </a:t>
-            </a:r>
-            <a:r>
-              <a:rPr lang="de-DE" dirty="0" err="1"/>
-              <a:t>configuration</a:t>
-            </a:r>
-            <a:r>
-              <a:rPr lang="de-DE" dirty="0"/>
-              <a:t>“ – Button) um sicher zu sein, dass zwischenzeitlich vorgenommene Änderungen an den einzelnen Konfigurationen (Queue, SCU) auch angewendet werden. Die „</a:t>
-            </a:r>
-            <a:r>
-              <a:rPr lang="de-DE" dirty="0" err="1"/>
-              <a:t>Rebuild</a:t>
-            </a:r>
-            <a:r>
-              <a:rPr lang="de-DE" dirty="0"/>
-              <a:t> </a:t>
-            </a:r>
-            <a:r>
-              <a:rPr lang="de-DE" dirty="0" err="1"/>
-              <a:t>Configuration</a:t>
-            </a:r>
-            <a:r>
-              <a:rPr lang="de-DE" dirty="0"/>
-              <a:t>“ Funktionalität wird auch zum Aktualisieren einer bereits ausgelieferten </a:t>
-            </a:r>
-            <a:r>
-              <a:rPr lang="de-DE" dirty="0" err="1"/>
-              <a:t>fiskaltrust.Middlware</a:t>
-            </a:r>
-            <a:r>
-              <a:rPr lang="de-DE" dirty="0"/>
-              <a:t> Instanz verwendet. Wird die Cashbox aktualisiert, der „</a:t>
-            </a:r>
-            <a:r>
-              <a:rPr lang="de-DE" dirty="0" err="1"/>
-              <a:t>Rebuild</a:t>
-            </a:r>
-            <a:r>
-              <a:rPr lang="de-DE" dirty="0"/>
-              <a:t> </a:t>
-            </a:r>
-            <a:r>
-              <a:rPr lang="de-DE" dirty="0" err="1"/>
-              <a:t>Configuration</a:t>
-            </a:r>
-            <a:r>
-              <a:rPr lang="de-DE" dirty="0"/>
-              <a:t>“  Button gedrückt und der Online-Launcher neu gestartet, so lädt sich dieser automatisch die neue Konfiguration herunter und wendet diese an.</a:t>
-            </a:r>
-          </a:p>
-          <a:p>
-            <a:pPr marL="0" marR="0" lvl="0" indent="0" algn="l" defTabSz="914400" rtl="0" eaLnBrk="1" fontAlgn="auto" latinLnBrk="0" hangingPunct="1">
-              <a:lnSpc>
-                <a:spcPct val="100000"/>
-              </a:lnSpc>
-              <a:spcBef>
-                <a:spcPts val="0"/>
-              </a:spcBef>
-              <a:spcAft>
-                <a:spcPts val="0"/>
-              </a:spcAft>
-              <a:buClrTx/>
-              <a:buSzTx/>
-              <a:buFontTx/>
-              <a:buNone/>
-              <a:tabLst/>
-              <a:defRPr/>
-            </a:pPr>
-            <a:endParaRPr lang="de-DE" dirty="0"/>
-          </a:p>
-          <a:p>
-            <a:pPr marL="0" marR="0" lvl="0" indent="0" algn="l" defTabSz="914400" rtl="0" eaLnBrk="1" fontAlgn="auto" latinLnBrk="0" hangingPunct="1">
-              <a:lnSpc>
-                <a:spcPct val="100000"/>
-              </a:lnSpc>
-              <a:spcBef>
-                <a:spcPts val="0"/>
-              </a:spcBef>
-              <a:spcAft>
-                <a:spcPts val="0"/>
-              </a:spcAft>
-              <a:buClrTx/>
-              <a:buSzTx/>
-              <a:buFontTx/>
-              <a:buNone/>
-              <a:tabLst/>
-              <a:defRPr/>
-            </a:pPr>
-            <a:r>
-              <a:rPr lang="de-DE" dirty="0"/>
-              <a:t>Download des Launcher aus dem Portal nach „</a:t>
-            </a:r>
-            <a:r>
-              <a:rPr lang="de-DE" dirty="0" err="1"/>
-              <a:t>Rebuild</a:t>
-            </a:r>
-            <a:r>
-              <a:rPr lang="de-DE" dirty="0"/>
-              <a:t> </a:t>
-            </a:r>
-            <a:r>
-              <a:rPr lang="de-DE" dirty="0" err="1"/>
-              <a:t>configuration</a:t>
-            </a:r>
-            <a:r>
-              <a:rPr lang="de-DE" dirty="0"/>
-              <a:t>“</a:t>
-            </a:r>
-          </a:p>
-          <a:p>
-            <a:pPr marL="0" marR="0" lvl="0" indent="0" algn="l" defTabSz="914400" rtl="0" eaLnBrk="1" fontAlgn="auto" latinLnBrk="0" hangingPunct="1">
-              <a:lnSpc>
-                <a:spcPct val="100000"/>
-              </a:lnSpc>
-              <a:spcBef>
-                <a:spcPts val="0"/>
-              </a:spcBef>
-              <a:spcAft>
-                <a:spcPts val="0"/>
-              </a:spcAft>
-              <a:buClrTx/>
-              <a:buSzTx/>
-              <a:buFontTx/>
-              <a:buNone/>
-              <a:tabLst/>
-              <a:defRPr/>
-            </a:pPr>
-            <a:r>
-              <a:rPr lang="de-DE" dirty="0"/>
-              <a:t>Verschiedenen typen des Launcher werden durch die </a:t>
-            </a:r>
-            <a:r>
-              <a:rPr lang="de-DE" dirty="0" err="1"/>
-              <a:t>Platform</a:t>
-            </a:r>
-            <a:r>
-              <a:rPr lang="de-DE" dirty="0"/>
-              <a:t> definiert:</a:t>
-            </a:r>
-          </a:p>
-          <a:p>
-            <a:pPr marL="0" marR="0" lvl="0" indent="0" algn="l" defTabSz="914400" rtl="0" eaLnBrk="1" fontAlgn="auto" latinLnBrk="0" hangingPunct="1">
-              <a:lnSpc>
-                <a:spcPct val="100000"/>
-              </a:lnSpc>
-              <a:spcBef>
-                <a:spcPts val="0"/>
-              </a:spcBef>
-              <a:spcAft>
-                <a:spcPts val="0"/>
-              </a:spcAft>
-              <a:buClrTx/>
-              <a:buSzTx/>
-              <a:buFontTx/>
-              <a:buNone/>
-              <a:tabLst/>
-              <a:defRPr/>
-            </a:pPr>
-            <a:r>
-              <a:rPr lang="de-DE" dirty="0"/>
-              <a:t>- .net 4.6/4.8</a:t>
-            </a:r>
-          </a:p>
-          <a:p>
-            <a:pPr marL="0" marR="0" lvl="0" indent="0" algn="l" defTabSz="914400" rtl="0" eaLnBrk="1" fontAlgn="auto" latinLnBrk="0" hangingPunct="1">
-              <a:lnSpc>
-                <a:spcPct val="100000"/>
-              </a:lnSpc>
-              <a:spcBef>
-                <a:spcPts val="0"/>
-              </a:spcBef>
-              <a:spcAft>
-                <a:spcPts val="0"/>
-              </a:spcAft>
-              <a:buClrTx/>
-              <a:buSzTx/>
-              <a:buFontTx/>
-              <a:buNone/>
-              <a:tabLst/>
-              <a:defRPr/>
-            </a:pPr>
-            <a:r>
-              <a:rPr lang="de-DE" dirty="0"/>
-              <a:t>- mono</a:t>
-            </a:r>
-          </a:p>
-          <a:p>
-            <a:pPr marL="0" marR="0" lvl="0" indent="0" algn="l" defTabSz="914400" rtl="0" eaLnBrk="1" fontAlgn="auto" latinLnBrk="0" hangingPunct="1">
-              <a:lnSpc>
-                <a:spcPct val="100000"/>
-              </a:lnSpc>
-              <a:spcBef>
-                <a:spcPts val="0"/>
-              </a:spcBef>
-              <a:spcAft>
-                <a:spcPts val="0"/>
-              </a:spcAft>
-              <a:buClrTx/>
-              <a:buSzTx/>
-              <a:buFontTx/>
-              <a:buNone/>
-              <a:tabLst/>
-              <a:defRPr/>
-            </a:pPr>
-            <a:r>
-              <a:rPr lang="de-DE" dirty="0"/>
-              <a:t>- </a:t>
-            </a:r>
-            <a:r>
-              <a:rPr lang="de-DE" dirty="0" err="1"/>
-              <a:t>android</a:t>
-            </a:r>
-            <a:endParaRPr lang="de-DE" dirty="0"/>
-          </a:p>
-          <a:p>
-            <a:pPr marL="0" marR="0" lvl="0" indent="0" algn="l" defTabSz="914400" rtl="0" eaLnBrk="1" fontAlgn="auto" latinLnBrk="0" hangingPunct="1">
-              <a:lnSpc>
-                <a:spcPct val="100000"/>
-              </a:lnSpc>
-              <a:spcBef>
-                <a:spcPts val="0"/>
-              </a:spcBef>
-              <a:spcAft>
-                <a:spcPts val="0"/>
-              </a:spcAft>
-              <a:buClrTx/>
-              <a:buSzTx/>
-              <a:buFontTx/>
-              <a:buNone/>
-              <a:tabLst/>
-              <a:defRPr/>
-            </a:pPr>
-            <a:r>
-              <a:rPr lang="de-DE" dirty="0"/>
-              <a:t>- </a:t>
-            </a:r>
-            <a:r>
-              <a:rPr lang="de-DE" dirty="0" err="1"/>
-              <a:t>cloudservice</a:t>
-            </a:r>
-            <a:r>
-              <a:rPr lang="de-DE" dirty="0"/>
-              <a:t> (</a:t>
-            </a:r>
-            <a:r>
-              <a:rPr lang="de-DE" dirty="0" err="1"/>
-              <a:t>österreich</a:t>
-            </a:r>
-            <a:r>
-              <a:rPr lang="de-DE" dirty="0"/>
-              <a:t>, </a:t>
-            </a:r>
-            <a:r>
-              <a:rPr lang="de-DE" dirty="0" err="1"/>
-              <a:t>frankreich</a:t>
-            </a:r>
-            <a:r>
-              <a:rPr lang="de-DE" dirty="0"/>
-              <a:t>)</a:t>
-            </a:r>
-          </a:p>
-          <a:p>
-            <a:pPr marL="171450" marR="0" lvl="0" indent="-171450" algn="l" defTabSz="914400" rtl="0" eaLnBrk="1" fontAlgn="auto" latinLnBrk="0" hangingPunct="1">
-              <a:lnSpc>
-                <a:spcPct val="100000"/>
-              </a:lnSpc>
-              <a:spcBef>
-                <a:spcPts val="0"/>
-              </a:spcBef>
-              <a:spcAft>
-                <a:spcPts val="0"/>
-              </a:spcAft>
-              <a:buClrTx/>
-              <a:buSzTx/>
-              <a:buFontTx/>
-              <a:buChar char="-"/>
-              <a:tabLst/>
-              <a:defRPr/>
-            </a:pPr>
-            <a:r>
-              <a:rPr lang="de-DE" dirty="0" err="1"/>
-              <a:t>container</a:t>
-            </a:r>
-            <a:r>
-              <a:rPr lang="de-DE" dirty="0"/>
-              <a:t> (</a:t>
-            </a:r>
-            <a:r>
-              <a:rPr lang="de-DE" dirty="0" err="1"/>
-              <a:t>deutschland</a:t>
-            </a:r>
-            <a:r>
-              <a:rPr lang="de-DE" dirty="0"/>
-              <a:t>)</a:t>
-            </a:r>
-          </a:p>
-          <a:p>
-            <a:pPr marL="171450" marR="0" lvl="0" indent="-171450" algn="l" defTabSz="914400" rtl="0" eaLnBrk="1" fontAlgn="auto" latinLnBrk="0" hangingPunct="1">
-              <a:lnSpc>
-                <a:spcPct val="100000"/>
-              </a:lnSpc>
-              <a:spcBef>
-                <a:spcPts val="0"/>
-              </a:spcBef>
-              <a:spcAft>
-                <a:spcPts val="0"/>
-              </a:spcAft>
-              <a:buClrTx/>
-              <a:buSzTx/>
-              <a:buFontTx/>
-              <a:buChar char="-"/>
-              <a:tabLst/>
-              <a:defRPr/>
-            </a:pPr>
-            <a:endParaRPr lang="de-DE" dirty="0"/>
-          </a:p>
-          <a:p>
-            <a:pPr marL="0" marR="0" lvl="0" indent="0" algn="l" defTabSz="914400" rtl="0" eaLnBrk="1" fontAlgn="auto" latinLnBrk="0" hangingPunct="1">
-              <a:lnSpc>
-                <a:spcPct val="100000"/>
-              </a:lnSpc>
-              <a:spcBef>
-                <a:spcPts val="0"/>
-              </a:spcBef>
-              <a:spcAft>
-                <a:spcPts val="0"/>
-              </a:spcAft>
-              <a:buClrTx/>
-              <a:buSzTx/>
-              <a:buFontTx/>
-              <a:buNone/>
-              <a:tabLst/>
-              <a:defRPr/>
-            </a:pPr>
-            <a:r>
-              <a:rPr lang="de-DE" dirty="0"/>
-              <a:t>was </a:t>
-            </a:r>
-            <a:r>
-              <a:rPr lang="de-DE" dirty="0" err="1"/>
-              <a:t>fiskaltrust.exe</a:t>
-            </a:r>
-            <a:r>
-              <a:rPr lang="de-DE" dirty="0"/>
-              <a:t> macht ist parameter-gesteuert:</a:t>
-            </a:r>
-          </a:p>
-          <a:p>
-            <a:pPr marL="0" marR="0" lvl="0" indent="0" algn="l" defTabSz="914400" rtl="0" eaLnBrk="1" fontAlgn="auto" latinLnBrk="0" hangingPunct="1">
-              <a:lnSpc>
-                <a:spcPct val="100000"/>
-              </a:lnSpc>
-              <a:spcBef>
-                <a:spcPts val="0"/>
-              </a:spcBef>
-              <a:spcAft>
-                <a:spcPts val="0"/>
-              </a:spcAft>
-              <a:buClrTx/>
-              <a:buSzTx/>
-              <a:buFontTx/>
-              <a:buNone/>
-              <a:tabLst/>
-              <a:defRPr/>
-            </a:pPr>
-            <a:r>
-              <a:rPr lang="de-DE" dirty="0"/>
-              <a:t>-</a:t>
-            </a:r>
-            <a:r>
-              <a:rPr lang="de-DE" dirty="0" err="1"/>
-              <a:t>install</a:t>
-            </a:r>
-            <a:endParaRPr lang="de-DE" dirty="0"/>
-          </a:p>
-          <a:p>
-            <a:pPr marL="0" marR="0" lvl="0" indent="0" algn="l" defTabSz="914400" rtl="0" eaLnBrk="1" fontAlgn="auto" latinLnBrk="0" hangingPunct="1">
-              <a:lnSpc>
-                <a:spcPct val="100000"/>
-              </a:lnSpc>
-              <a:spcBef>
-                <a:spcPts val="0"/>
-              </a:spcBef>
-              <a:spcAft>
-                <a:spcPts val="0"/>
-              </a:spcAft>
-              <a:buClrTx/>
-              <a:buSzTx/>
-              <a:buFontTx/>
-              <a:buNone/>
-              <a:tabLst/>
-              <a:defRPr/>
-            </a:pPr>
-            <a:r>
-              <a:rPr lang="de-DE" dirty="0"/>
-              <a:t>-</a:t>
-            </a:r>
-            <a:r>
-              <a:rPr lang="de-DE" dirty="0" err="1"/>
-              <a:t>uninstall</a:t>
-            </a:r>
-            <a:endParaRPr lang="de-DE" dirty="0"/>
-          </a:p>
-          <a:p>
-            <a:pPr marL="0" marR="0" lvl="0" indent="0" algn="l" defTabSz="914400" rtl="0" eaLnBrk="1" fontAlgn="auto" latinLnBrk="0" hangingPunct="1">
-              <a:lnSpc>
-                <a:spcPct val="100000"/>
-              </a:lnSpc>
-              <a:spcBef>
-                <a:spcPts val="0"/>
-              </a:spcBef>
-              <a:spcAft>
-                <a:spcPts val="0"/>
-              </a:spcAft>
-              <a:buClrTx/>
-              <a:buSzTx/>
-              <a:buFontTx/>
-              <a:buNone/>
-              <a:tabLst/>
-              <a:defRPr/>
-            </a:pPr>
-            <a:r>
-              <a:rPr lang="de-DE" dirty="0"/>
-              <a:t>-test</a:t>
+              <a:t>Diese Schritte sind bei einem manuellen Anlegen über das Portal vorzunehmen um eine Cashbox zusammen zu stellen.</a:t>
             </a:r>
           </a:p>
         </p:txBody>
@@ -12882,7 +12664,7 @@
     </p:spTree>
     <p:extLst>
       <p:ext uri="{BB962C8B-B14F-4D97-AF65-F5344CB8AC3E}">
-        <p14:creationId xmlns:p14="http://schemas.microsoft.com/office/powerpoint/2010/main" val="3197874612"/>
+        <p14:creationId xmlns:p14="http://schemas.microsoft.com/office/powerpoint/2010/main" val="748330949"/>
       </p:ext>
     </p:extLst>
   </p:cSld>
@@ -12938,68 +12720,466 @@
           <a:p>
             <a:r>
               <a:rPr lang="de-DE" dirty="0"/>
-              <a:t>Für Massenrollouts bietet fiskaltrust diverse Automatisierungsoptionen. Wir werden im Folgenden die aufgelisteten Punkte vorstellen.</a:t>
+              <a:t>Die fiskaltrust.Middleware wird lokal mit Hilfe eines Launcher gestartet. </a:t>
             </a:r>
           </a:p>
           <a:p>
             <a:endParaRPr lang="de-DE" dirty="0"/>
           </a:p>
           <a:p>
+            <a:pPr marL="0" marR="0" lvl="0" indent="0" algn="l" defTabSz="914400" rtl="0" eaLnBrk="1" fontAlgn="auto" latinLnBrk="0" hangingPunct="1">
+              <a:lnSpc>
+                <a:spcPct val="100000"/>
+              </a:lnSpc>
+              <a:spcBef>
+                <a:spcPts val="0"/>
+              </a:spcBef>
+              <a:spcAft>
+                <a:spcPts val="0"/>
+              </a:spcAft>
+              <a:buClrTx/>
+              <a:buSzTx/>
+              <a:buFontTx/>
+              <a:buNone/>
+              <a:tabLst/>
+              <a:defRPr/>
+            </a:pPr>
             <a:r>
               <a:rPr lang="de-DE" dirty="0"/>
-              <a:t>Für die weiteren Inhalte zur Präsentation der Automatisierung wird als Vorlage folgende Dokumentation verwendet:</a:t>
-            </a:r>
-          </a:p>
-          <a:p>
+              <a:t>Vor dem Download des Launcher sollte die Cashbox neu zusammengebaut werden („</a:t>
+            </a:r>
+            <a:r>
+              <a:rPr lang="de-DE" dirty="0" err="1"/>
+              <a:t>Rebuild</a:t>
+            </a:r>
             <a:r>
               <a:rPr lang="de-DE" dirty="0"/>
-              <a:t>https://</a:t>
+              <a:t> </a:t>
             </a:r>
             <a:r>
               <a:rPr lang="de-DE" dirty="0" err="1"/>
-              <a:t>docs.fiskaltrust.cloud</a:t>
+              <a:t>configuration</a:t>
             </a:r>
             <a:r>
               <a:rPr lang="de-DE" dirty="0"/>
-              <a:t>/</a:t>
+              <a:t>“ – Button) um sicher zu sein, dass zwischenzeitlich vorgenommene Änderungen an den einzelnen Konfigurationen (Queue, SCU) auch angewendet werden. Die „</a:t>
             </a:r>
             <a:r>
               <a:rPr lang="de-DE" dirty="0" err="1"/>
-              <a:t>doc</a:t>
+              <a:t>Rebuild</a:t>
             </a:r>
             <a:r>
               <a:rPr lang="de-DE" dirty="0"/>
-              <a:t>/</a:t>
+              <a:t> </a:t>
             </a:r>
             <a:r>
               <a:rPr lang="de-DE" dirty="0" err="1"/>
-              <a:t>productdescription</a:t>
+              <a:t>Configuration</a:t>
             </a:r>
             <a:r>
               <a:rPr lang="de-DE" dirty="0"/>
-              <a:t>-de-</a:t>
+              <a:t>“ Funktionalität wird auch zum Aktualisieren einer bereits ausgelieferten </a:t>
             </a:r>
             <a:r>
               <a:rPr lang="de-DE" dirty="0" err="1"/>
-              <a:t>doc</a:t>
+              <a:t>fiskaltrust.Middlware</a:t>
             </a:r>
             <a:r>
               <a:rPr lang="de-DE" dirty="0"/>
-              <a:t>/</a:t>
+              <a:t> Instanz verwendet. Wird die Cashbox aktualisiert, der „</a:t>
             </a:r>
             <a:r>
               <a:rPr lang="de-DE" dirty="0" err="1"/>
-              <a:t>for-posdealers</a:t>
+              <a:t>Rebuild</a:t>
             </a:r>
             <a:r>
               <a:rPr lang="de-DE" dirty="0"/>
-              <a:t>/02-pre-sales/automatisierter-</a:t>
+              <a:t> </a:t>
             </a:r>
             <a:r>
               <a:rPr lang="de-DE" dirty="0" err="1"/>
-              <a:t>rollout.html</a:t>
-            </a:r>
+              <a:t>Configuration</a:t>
+            </a:r>
+            <a:r>
+              <a:rPr lang="de-DE" dirty="0"/>
+              <a:t>“  Button gedrückt und der Online-Launcher neu gestartet, so lädt sich dieser automatisch die neue Konfiguration herunter und wendet diese an.</a:t>
+            </a:r>
+          </a:p>
+          <a:p>
+            <a:pPr marL="0" marR="0" lvl="0" indent="0" algn="l" defTabSz="914400" rtl="0" eaLnBrk="1" fontAlgn="auto" latinLnBrk="0" hangingPunct="1">
+              <a:lnSpc>
+                <a:spcPct val="100000"/>
+              </a:lnSpc>
+              <a:spcBef>
+                <a:spcPts val="0"/>
+              </a:spcBef>
+              <a:spcAft>
+                <a:spcPts val="0"/>
+              </a:spcAft>
+              <a:buClrTx/>
+              <a:buSzTx/>
+              <a:buFontTx/>
+              <a:buNone/>
+              <a:tabLst/>
+              <a:defRPr/>
+            </a:pPr>
             <a:endParaRPr lang="de-DE" dirty="0"/>
+          </a:p>
+          <a:p>
+            <a:pPr marL="0" marR="0" lvl="0" indent="0" algn="l" defTabSz="914400" rtl="0" eaLnBrk="1" fontAlgn="auto" latinLnBrk="0" hangingPunct="1">
+              <a:lnSpc>
+                <a:spcPct val="100000"/>
+              </a:lnSpc>
+              <a:spcBef>
+                <a:spcPts val="0"/>
+              </a:spcBef>
+              <a:spcAft>
+                <a:spcPts val="0"/>
+              </a:spcAft>
+              <a:buClrTx/>
+              <a:buSzTx/>
+              <a:buFontTx/>
+              <a:buNone/>
+              <a:tabLst/>
+              <a:defRPr/>
+            </a:pPr>
+            <a:r>
+              <a:rPr lang="de-DE" dirty="0"/>
+              <a:t>Download des Launcher aus dem Portal nach „</a:t>
+            </a:r>
+            <a:r>
+              <a:rPr lang="de-DE" dirty="0" err="1"/>
+              <a:t>Rebuild</a:t>
+            </a:r>
+            <a:r>
+              <a:rPr lang="de-DE" dirty="0"/>
+              <a:t> </a:t>
+            </a:r>
+            <a:r>
+              <a:rPr lang="de-DE" dirty="0" err="1"/>
+              <a:t>configuration</a:t>
+            </a:r>
+            <a:r>
+              <a:rPr lang="de-DE" dirty="0"/>
+              <a:t>“</a:t>
+            </a:r>
+          </a:p>
+          <a:p>
+            <a:pPr marL="0" marR="0" lvl="0" indent="0" algn="l" defTabSz="914400" rtl="0" eaLnBrk="1" fontAlgn="auto" latinLnBrk="0" hangingPunct="1">
+              <a:lnSpc>
+                <a:spcPct val="100000"/>
+              </a:lnSpc>
+              <a:spcBef>
+                <a:spcPts val="0"/>
+              </a:spcBef>
+              <a:spcAft>
+                <a:spcPts val="0"/>
+              </a:spcAft>
+              <a:buClrTx/>
+              <a:buSzTx/>
+              <a:buFontTx/>
+              <a:buNone/>
+              <a:tabLst/>
+              <a:defRPr/>
+            </a:pPr>
+            <a:r>
+              <a:rPr lang="de-DE" dirty="0"/>
+              <a:t>Verschiedenen typen des Launcher werden durch die </a:t>
+            </a:r>
+            <a:r>
+              <a:rPr lang="de-DE" dirty="0" err="1"/>
+              <a:t>Platform</a:t>
+            </a:r>
+            <a:r>
+              <a:rPr lang="de-DE" dirty="0"/>
+              <a:t> definiert:</a:t>
+            </a:r>
+          </a:p>
+          <a:p>
+            <a:pPr marL="0" marR="0" lvl="0" indent="0" algn="l" defTabSz="914400" rtl="0" eaLnBrk="1" fontAlgn="auto" latinLnBrk="0" hangingPunct="1">
+              <a:lnSpc>
+                <a:spcPct val="100000"/>
+              </a:lnSpc>
+              <a:spcBef>
+                <a:spcPts val="0"/>
+              </a:spcBef>
+              <a:spcAft>
+                <a:spcPts val="0"/>
+              </a:spcAft>
+              <a:buClrTx/>
+              <a:buSzTx/>
+              <a:buFontTx/>
+              <a:buNone/>
+              <a:tabLst/>
+              <a:defRPr/>
+            </a:pPr>
+            <a:r>
+              <a:rPr lang="de-DE" dirty="0"/>
+              <a:t>- .net 4.6/4.8</a:t>
+            </a:r>
+          </a:p>
+          <a:p>
+            <a:pPr marL="0" marR="0" lvl="0" indent="0" algn="l" defTabSz="914400" rtl="0" eaLnBrk="1" fontAlgn="auto" latinLnBrk="0" hangingPunct="1">
+              <a:lnSpc>
+                <a:spcPct val="100000"/>
+              </a:lnSpc>
+              <a:spcBef>
+                <a:spcPts val="0"/>
+              </a:spcBef>
+              <a:spcAft>
+                <a:spcPts val="0"/>
+              </a:spcAft>
+              <a:buClrTx/>
+              <a:buSzTx/>
+              <a:buFontTx/>
+              <a:buNone/>
+              <a:tabLst/>
+              <a:defRPr/>
+            </a:pPr>
+            <a:r>
+              <a:rPr lang="de-DE" dirty="0"/>
+              <a:t>- mono</a:t>
+            </a:r>
+          </a:p>
+          <a:p>
+            <a:pPr marL="0" marR="0" lvl="0" indent="0" algn="l" defTabSz="914400" rtl="0" eaLnBrk="1" fontAlgn="auto" latinLnBrk="0" hangingPunct="1">
+              <a:lnSpc>
+                <a:spcPct val="100000"/>
+              </a:lnSpc>
+              <a:spcBef>
+                <a:spcPts val="0"/>
+              </a:spcBef>
+              <a:spcAft>
+                <a:spcPts val="0"/>
+              </a:spcAft>
+              <a:buClrTx/>
+              <a:buSzTx/>
+              <a:buFontTx/>
+              <a:buNone/>
+              <a:tabLst/>
+              <a:defRPr/>
+            </a:pPr>
+            <a:r>
+              <a:rPr lang="de-DE" dirty="0"/>
+              <a:t>- </a:t>
+            </a:r>
+            <a:r>
+              <a:rPr lang="de-DE" dirty="0" err="1"/>
+              <a:t>android</a:t>
+            </a:r>
+            <a:endParaRPr lang="de-DE" dirty="0"/>
+          </a:p>
+          <a:p>
+            <a:pPr marL="0" marR="0" lvl="0" indent="0" algn="l" defTabSz="914400" rtl="0" eaLnBrk="1" fontAlgn="auto" latinLnBrk="0" hangingPunct="1">
+              <a:lnSpc>
+                <a:spcPct val="100000"/>
+              </a:lnSpc>
+              <a:spcBef>
+                <a:spcPts val="0"/>
+              </a:spcBef>
+              <a:spcAft>
+                <a:spcPts val="0"/>
+              </a:spcAft>
+              <a:buClrTx/>
+              <a:buSzTx/>
+              <a:buFontTx/>
+              <a:buNone/>
+              <a:tabLst/>
+              <a:defRPr/>
+            </a:pPr>
+            <a:r>
+              <a:rPr lang="de-DE" dirty="0"/>
+              <a:t>- </a:t>
+            </a:r>
+            <a:r>
+              <a:rPr lang="de-DE" dirty="0" err="1"/>
+              <a:t>cloudservice</a:t>
+            </a:r>
+            <a:r>
+              <a:rPr lang="de-DE" dirty="0"/>
+              <a:t> (</a:t>
+            </a:r>
+            <a:r>
+              <a:rPr lang="de-DE" dirty="0" err="1"/>
+              <a:t>österreich</a:t>
+            </a:r>
+            <a:r>
+              <a:rPr lang="de-DE" dirty="0"/>
+              <a:t>, </a:t>
+            </a:r>
+            <a:r>
+              <a:rPr lang="de-DE" dirty="0" err="1"/>
+              <a:t>frankreich</a:t>
+            </a:r>
+            <a:r>
+              <a:rPr lang="de-DE" dirty="0"/>
+              <a:t>)</a:t>
+            </a:r>
+          </a:p>
+          <a:p>
+            <a:pPr marL="171450" marR="0" lvl="0" indent="-171450" algn="l" defTabSz="914400" rtl="0" eaLnBrk="1" fontAlgn="auto" latinLnBrk="0" hangingPunct="1">
+              <a:lnSpc>
+                <a:spcPct val="100000"/>
+              </a:lnSpc>
+              <a:spcBef>
+                <a:spcPts val="0"/>
+              </a:spcBef>
+              <a:spcAft>
+                <a:spcPts val="0"/>
+              </a:spcAft>
+              <a:buClrTx/>
+              <a:buSzTx/>
+              <a:buFontTx/>
+              <a:buChar char="-"/>
+              <a:tabLst/>
+              <a:defRPr/>
+            </a:pPr>
+            <a:r>
+              <a:rPr lang="de-DE" dirty="0" err="1"/>
+              <a:t>container</a:t>
+            </a:r>
+            <a:r>
+              <a:rPr lang="de-DE" dirty="0"/>
+              <a:t> (</a:t>
+            </a:r>
+            <a:r>
+              <a:rPr lang="de-DE" dirty="0" err="1"/>
+              <a:t>deutschland</a:t>
+            </a:r>
+            <a:r>
+              <a:rPr lang="de-DE" dirty="0"/>
+              <a:t>)</a:t>
+            </a:r>
+          </a:p>
+          <a:p>
+            <a:pPr marL="171450" marR="0" lvl="0" indent="-171450" algn="l" defTabSz="914400" rtl="0" eaLnBrk="1" fontAlgn="auto" latinLnBrk="0" hangingPunct="1">
+              <a:lnSpc>
+                <a:spcPct val="100000"/>
+              </a:lnSpc>
+              <a:spcBef>
+                <a:spcPts val="0"/>
+              </a:spcBef>
+              <a:spcAft>
+                <a:spcPts val="0"/>
+              </a:spcAft>
+              <a:buClrTx/>
+              <a:buSzTx/>
+              <a:buFontTx/>
+              <a:buChar char="-"/>
+              <a:tabLst/>
+              <a:defRPr/>
+            </a:pPr>
+            <a:endParaRPr lang="de-DE" dirty="0"/>
+          </a:p>
+          <a:p>
+            <a:pPr marL="0" marR="0" lvl="0" indent="0" algn="l" defTabSz="914400" rtl="0" eaLnBrk="1" fontAlgn="auto" latinLnBrk="0" hangingPunct="1">
+              <a:lnSpc>
+                <a:spcPct val="100000"/>
+              </a:lnSpc>
+              <a:spcBef>
+                <a:spcPts val="0"/>
+              </a:spcBef>
+              <a:spcAft>
+                <a:spcPts val="0"/>
+              </a:spcAft>
+              <a:buClrTx/>
+              <a:buSzTx/>
+              <a:buFontTx/>
+              <a:buNone/>
+              <a:tabLst/>
+              <a:defRPr/>
+            </a:pPr>
+            <a:r>
+              <a:rPr lang="de-DE" dirty="0"/>
+              <a:t>was </a:t>
+            </a:r>
+            <a:r>
+              <a:rPr lang="de-DE" dirty="0" err="1"/>
+              <a:t>fiskaltrust.exe</a:t>
+            </a:r>
+            <a:r>
+              <a:rPr lang="de-DE" dirty="0"/>
+              <a:t> macht ist parameter-gesteuert:</a:t>
+            </a:r>
+          </a:p>
+          <a:p>
+            <a:pPr marL="0" marR="0" lvl="0" indent="0" algn="l" defTabSz="914400" rtl="0" eaLnBrk="1" fontAlgn="auto" latinLnBrk="0" hangingPunct="1">
+              <a:lnSpc>
+                <a:spcPct val="100000"/>
+              </a:lnSpc>
+              <a:spcBef>
+                <a:spcPts val="0"/>
+              </a:spcBef>
+              <a:spcAft>
+                <a:spcPts val="0"/>
+              </a:spcAft>
+              <a:buClrTx/>
+              <a:buSzTx/>
+              <a:buFontTx/>
+              <a:buNone/>
+              <a:tabLst/>
+              <a:defRPr/>
+            </a:pPr>
+            <a:r>
+              <a:rPr lang="de-DE" dirty="0"/>
+              <a:t>-</a:t>
+            </a:r>
+            <a:r>
+              <a:rPr lang="de-DE" dirty="0" err="1"/>
+              <a:t>install</a:t>
+            </a:r>
+            <a:endParaRPr lang="de-DE" dirty="0"/>
+          </a:p>
+          <a:p>
+            <a:pPr marL="0" marR="0" lvl="0" indent="0" algn="l" defTabSz="914400" rtl="0" eaLnBrk="1" fontAlgn="auto" latinLnBrk="0" hangingPunct="1">
+              <a:lnSpc>
+                <a:spcPct val="100000"/>
+              </a:lnSpc>
+              <a:spcBef>
+                <a:spcPts val="0"/>
+              </a:spcBef>
+              <a:spcAft>
+                <a:spcPts val="0"/>
+              </a:spcAft>
+              <a:buClrTx/>
+              <a:buSzTx/>
+              <a:buFontTx/>
+              <a:buNone/>
+              <a:tabLst/>
+              <a:defRPr/>
+            </a:pPr>
+            <a:r>
+              <a:rPr lang="de-DE" dirty="0"/>
+              <a:t>-</a:t>
+            </a:r>
+            <a:r>
+              <a:rPr lang="de-DE" dirty="0" err="1"/>
+              <a:t>uninstall</a:t>
+            </a:r>
+            <a:endParaRPr lang="de-DE" dirty="0"/>
+          </a:p>
+          <a:p>
+            <a:pPr marL="0" marR="0" lvl="0" indent="0" algn="l" defTabSz="914400" rtl="0" eaLnBrk="1" fontAlgn="auto" latinLnBrk="0" hangingPunct="1">
+              <a:lnSpc>
+                <a:spcPct val="100000"/>
+              </a:lnSpc>
+              <a:spcBef>
+                <a:spcPts val="0"/>
+              </a:spcBef>
+              <a:spcAft>
+                <a:spcPts val="0"/>
+              </a:spcAft>
+              <a:buClrTx/>
+              <a:buSzTx/>
+              <a:buFontTx/>
+              <a:buNone/>
+              <a:tabLst/>
+              <a:defRPr/>
+            </a:pPr>
+            <a:r>
+              <a:rPr lang="de-DE" dirty="0"/>
+              <a:t>-test</a:t>
+            </a:r>
           </a:p>
         </p:txBody>
       </p:sp>
@@ -13029,7 +13209,7 @@
     </p:spTree>
     <p:extLst>
       <p:ext uri="{BB962C8B-B14F-4D97-AF65-F5344CB8AC3E}">
-        <p14:creationId xmlns:p14="http://schemas.microsoft.com/office/powerpoint/2010/main" val="4271929920"/>
+        <p14:creationId xmlns:p14="http://schemas.microsoft.com/office/powerpoint/2010/main" val="3197874612"/>
       </p:ext>
     </p:extLst>
   </p:cSld>
@@ -13085,24 +13265,68 @@
           <a:p>
             <a:r>
               <a:rPr lang="de-DE" dirty="0"/>
-              <a:t>Update des SQL Package auf Version 1.3.5 für aller Cashboxen die aktuell mit der Version 1.3.3 konfiguriert sind + </a:t>
+              <a:t>Für Massenrollouts bietet fiskaltrust diverse Automatisierungsoptionen. Wir werden im Folgenden die aufgelisteten Punkte vorstellen.</a:t>
+            </a:r>
+          </a:p>
+          <a:p>
+            <a:endParaRPr lang="de-DE" dirty="0"/>
+          </a:p>
+          <a:p>
+            <a:r>
+              <a:rPr lang="de-DE" dirty="0"/>
+              <a:t>Für die weiteren Inhalte zur Präsentation der Automatisierung wird als Vorlage folgende Dokumentation verwendet:</a:t>
+            </a:r>
+          </a:p>
+          <a:p>
+            <a:r>
+              <a:rPr lang="de-DE" dirty="0"/>
+              <a:t>https://</a:t>
             </a:r>
             <a:r>
               <a:rPr lang="de-DE" dirty="0" err="1"/>
-              <a:t>Rebuild</a:t>
+              <a:t>docs.fiskaltrust.cloud</a:t>
             </a:r>
             <a:r>
               <a:rPr lang="de-DE" dirty="0"/>
-              <a:t> </a:t>
+              <a:t>/</a:t>
             </a:r>
             <a:r>
               <a:rPr lang="de-DE" dirty="0" err="1"/>
-              <a:t>Configuration</a:t>
+              <a:t>doc</a:t>
             </a:r>
             <a:r>
               <a:rPr lang="de-DE" dirty="0"/>
-              <a:t> </a:t>
-            </a:r>
+              <a:t>/</a:t>
+            </a:r>
+            <a:r>
+              <a:rPr lang="de-DE" dirty="0" err="1"/>
+              <a:t>productdescription</a:t>
+            </a:r>
+            <a:r>
+              <a:rPr lang="de-DE" dirty="0"/>
+              <a:t>-de-</a:t>
+            </a:r>
+            <a:r>
+              <a:rPr lang="de-DE" dirty="0" err="1"/>
+              <a:t>doc</a:t>
+            </a:r>
+            <a:r>
+              <a:rPr lang="de-DE" dirty="0"/>
+              <a:t>/</a:t>
+            </a:r>
+            <a:r>
+              <a:rPr lang="de-DE" dirty="0" err="1"/>
+              <a:t>for-posdealers</a:t>
+            </a:r>
+            <a:r>
+              <a:rPr lang="de-DE" dirty="0"/>
+              <a:t>/02-pre-sales/automatisierter-</a:t>
+            </a:r>
+            <a:r>
+              <a:rPr lang="de-DE" dirty="0" err="1"/>
+              <a:t>rollout.html</a:t>
+            </a:r>
+            <a:endParaRPr lang="de-DE" dirty="0"/>
           </a:p>
         </p:txBody>
       </p:sp>
@@ -13132,7 +13356,7 @@
     </p:spTree>
     <p:extLst>
       <p:ext uri="{BB962C8B-B14F-4D97-AF65-F5344CB8AC3E}">
-        <p14:creationId xmlns:p14="http://schemas.microsoft.com/office/powerpoint/2010/main" val="3864017454"/>
+        <p14:creationId xmlns:p14="http://schemas.microsoft.com/office/powerpoint/2010/main" val="4271929920"/>
       </p:ext>
     </p:extLst>
   </p:cSld>
@@ -13479,7 +13703,7 @@
             <a:fld id="{F9CF9B13-D011-40B4-B116-4AFF51B22AA5}" type="datetime1">
               <a:rPr lang="de-DE" smtClean="0"/>
               <a:pPr/>
-              <a:t>24.09.20</a:t>
+              <a:t>08.10.20</a:t>
             </a:fld>
             <a:r>
               <a:rPr lang="de-DE"/>
@@ -13839,7 +14063,7 @@
             <a:fld id="{F9CF9B13-D011-40B4-B116-4AFF51B22AA5}" type="datetime1">
               <a:rPr lang="de-DE" smtClean="0"/>
               <a:pPr/>
-              <a:t>24.09.20</a:t>
+              <a:t>08.10.20</a:t>
             </a:fld>
             <a:r>
               <a:rPr lang="de-DE"/>
@@ -14061,7 +14285,7 @@
             <a:fld id="{EDCB950E-FDB1-4BA4-AE2E-92802DA17835}" type="datetime1">
               <a:rPr lang="de-DE" smtClean="0"/>
               <a:pPr/>
-              <a:t>24.09.20</a:t>
+              <a:t>08.10.20</a:t>
             </a:fld>
             <a:endParaRPr lang="de-DE"/>
           </a:p>
@@ -14519,7 +14743,7 @@
           <a:p>
             <a:fld id="{EA38D6C4-32A5-4B1B-BEC5-546FAB3E61DF}" type="datetime1">
               <a:rPr lang="de-DE" smtClean="0"/>
-              <a:t>24.09.20</a:t>
+              <a:t>08.10.20</a:t>
             </a:fld>
             <a:endParaRPr lang="de-DE"/>
           </a:p>
@@ -15032,7 +15256,7 @@
             <a:fld id="{F9CF9B13-D011-40B4-B116-4AFF51B22AA5}" type="datetime1">
               <a:rPr lang="de-DE"/>
               <a:pPr/>
-              <a:t>24.09.20</a:t>
+              <a:t>08.10.20</a:t>
             </a:fld>
             <a:r>
               <a:rPr lang="de-DE"/>
@@ -15107,75 +15331,11 @@
               <a:rPr lang="de-DE" dirty="0">
                 <a:latin typeface="Klavika" panose="02000803050000020004" pitchFamily="2" charset="0"/>
               </a:rPr>
-              <a:t>Templating zum Erstellen von Cashboxen</a:t>
+              <a:t>Massenupdate der Cashboxen</a:t>
             </a:r>
             <a:endParaRPr lang="de-AT" dirty="0">
               <a:latin typeface="Klavika" panose="02000803050000020004" pitchFamily="2" charset="0"/>
             </a:endParaRPr>
-          </a:p>
-        </p:txBody>
-      </p:sp>
-      <p:sp>
-        <p:nvSpPr>
-          <p:cNvPr id="6" name="Inhaltsplatzhalter 5">
-            <a:extLst>
-              <a:ext uri="{FF2B5EF4-FFF2-40B4-BE49-F238E27FC236}">
-                <a16:creationId xmlns:a16="http://schemas.microsoft.com/office/drawing/2014/main" id="{902B4942-6079-4325-B9EF-8765C0505437}"/>
-              </a:ext>
-            </a:extLst>
-          </p:cNvPr>
-          <p:cNvSpPr>
-            <a:spLocks noGrp="1"/>
-          </p:cNvSpPr>
-          <p:nvPr>
-            <p:ph idx="1"/>
-          </p:nvPr>
-        </p:nvSpPr>
-        <p:spPr/>
-        <p:txBody>
-          <a:bodyPr/>
-          <a:lstStyle/>
-          <a:p>
-            <a:endParaRPr lang="de-AT" dirty="0">
-              <a:latin typeface="Roboto" panose="02000000000000000000" pitchFamily="2" charset="0"/>
-              <a:ea typeface="Roboto" panose="02000000000000000000" pitchFamily="2" charset="0"/>
-            </a:endParaRPr>
-          </a:p>
-          <a:p>
-            <a:pPr marL="0" indent="0">
-              <a:buNone/>
-            </a:pPr>
-            <a:endParaRPr lang="de-AT" dirty="0">
-              <a:latin typeface="Roboto" panose="02000000000000000000" pitchFamily="2" charset="0"/>
-              <a:ea typeface="Roboto" panose="02000000000000000000" pitchFamily="2" charset="0"/>
-            </a:endParaRPr>
-          </a:p>
-          <a:p>
-            <a:r>
-              <a:rPr lang="de-AT" dirty="0">
-                <a:latin typeface="Roboto" panose="02000000000000000000" pitchFamily="2" charset="0"/>
-                <a:ea typeface="Roboto" panose="02000000000000000000" pitchFamily="2" charset="0"/>
-              </a:rPr>
-              <a:t>Aufbau und Funktionsweise</a:t>
-            </a:r>
-          </a:p>
-          <a:p>
-            <a:r>
-              <a:rPr lang="de-AT" dirty="0">
-                <a:latin typeface="Roboto" panose="02000000000000000000" pitchFamily="2" charset="0"/>
-                <a:ea typeface="Roboto" panose="02000000000000000000" pitchFamily="2" charset="0"/>
-              </a:rPr>
-              <a:t>Manuelles Anlegen und Ausführen über das Portal </a:t>
-            </a:r>
-          </a:p>
-          <a:p>
-            <a:r>
-              <a:rPr lang="de-AT" dirty="0">
-                <a:latin typeface="Roboto" panose="02000000000000000000" pitchFamily="2" charset="0"/>
-                <a:ea typeface="Roboto" panose="02000000000000000000" pitchFamily="2" charset="0"/>
-              </a:rPr>
-              <a:t>Automatisiertes Ausführen über API</a:t>
-            </a:r>
           </a:p>
         </p:txBody>
       </p:sp>
@@ -15207,7 +15367,7 @@
             <a:fld id="{F9CF9B13-D011-40B4-B116-4AFF51B22AA5}" type="datetime1">
               <a:rPr lang="de-DE" smtClean="0"/>
               <a:pPr/>
-              <a:t>24.09.20</a:t>
+              <a:t>08.10.20</a:t>
             </a:fld>
             <a:r>
               <a:rPr lang="de-DE"/>
@@ -15222,10 +15382,46 @@
           </a:p>
         </p:txBody>
       </p:sp>
+      <p:pic>
+        <p:nvPicPr>
+          <p:cNvPr id="7" name="Picture 6" descr="A screenshot of a cell phone&#10;&#10;Description automatically generated">
+            <a:extLst>
+              <a:ext uri="{FF2B5EF4-FFF2-40B4-BE49-F238E27FC236}">
+                <a16:creationId xmlns:a16="http://schemas.microsoft.com/office/drawing/2014/main" id="{C717F9DD-0039-3B41-A54F-6F6F75DF069E}"/>
+              </a:ext>
+            </a:extLst>
+          </p:cNvPr>
+          <p:cNvPicPr>
+            <a:picLocks noChangeAspect="1"/>
+          </p:cNvPicPr>
+          <p:nvPr/>
+        </p:nvPicPr>
+        <p:blipFill>
+          <a:blip r:embed="rId3">
+            <a:extLst>
+              <a:ext uri="{28A0092B-C50C-407E-A947-70E740481C1C}">
+                <a14:useLocalDpi xmlns:a14="http://schemas.microsoft.com/office/drawing/2010/main" val="0"/>
+              </a:ext>
+            </a:extLst>
+          </a:blip>
+          <a:stretch>
+            <a:fillRect/>
+          </a:stretch>
+        </p:blipFill>
+        <p:spPr>
+          <a:xfrm>
+            <a:off x="0" y="1503554"/>
+            <a:ext cx="12192000" cy="4402327"/>
+          </a:xfrm>
+          <a:prstGeom prst="rect">
+            <a:avLst/>
+          </a:prstGeom>
+        </p:spPr>
+      </p:pic>
     </p:spTree>
     <p:extLst>
       <p:ext uri="{BB962C8B-B14F-4D97-AF65-F5344CB8AC3E}">
-        <p14:creationId xmlns:p14="http://schemas.microsoft.com/office/powerpoint/2010/main" val="3930300498"/>
+        <p14:creationId xmlns:p14="http://schemas.microsoft.com/office/powerpoint/2010/main" val="1502827581"/>
       </p:ext>
     </p:extLst>
   </p:cSld>
@@ -15308,17 +15504,30 @@
         </p:nvSpPr>
         <p:spPr/>
         <p:txBody>
-          <a:bodyPr>
-            <a:normAutofit/>
-          </a:bodyPr>
+          <a:bodyPr/>
           <a:lstStyle/>
+          <a:p>
+            <a:endParaRPr lang="de-AT" dirty="0">
+              <a:latin typeface="Roboto" panose="02000000000000000000" pitchFamily="2" charset="0"/>
+              <a:ea typeface="Roboto" panose="02000000000000000000" pitchFamily="2" charset="0"/>
+            </a:endParaRPr>
+          </a:p>
+          <a:p>
+            <a:pPr marL="0" indent="0">
+              <a:buNone/>
+            </a:pPr>
+            <a:endParaRPr lang="de-AT" dirty="0">
+              <a:latin typeface="Roboto" panose="02000000000000000000" pitchFamily="2" charset="0"/>
+              <a:ea typeface="Roboto" panose="02000000000000000000" pitchFamily="2" charset="0"/>
+            </a:endParaRPr>
+          </a:p>
           <a:p>
             <a:r>
               <a:rPr lang="de-AT" dirty="0">
                 <a:latin typeface="Roboto" panose="02000000000000000000" pitchFamily="2" charset="0"/>
                 <a:ea typeface="Roboto" panose="02000000000000000000" pitchFamily="2" charset="0"/>
               </a:rPr>
-              <a:t>Parametrisierbare Variante der Cashbox</a:t>
+              <a:t>Aufbau und Funktionsweise</a:t>
             </a:r>
           </a:p>
           <a:p>
@@ -15327,7 +15536,7 @@
                 <a:latin typeface="Roboto" panose="02000000000000000000" pitchFamily="2" charset="0"/>
                 <a:ea typeface="Roboto" panose="02000000000000000000" pitchFamily="2" charset="0"/>
               </a:rPr>
-              <a:t>Definiert die Struktur (z.B. zwei Queues und eine SCU)</a:t>
+              <a:t>Manuelles Anlegen und Ausführen über das Portal </a:t>
             </a:r>
           </a:p>
           <a:p>
@@ -15336,34 +15545,7 @@
                 <a:latin typeface="Roboto" panose="02000000000000000000" pitchFamily="2" charset="0"/>
                 <a:ea typeface="Roboto" panose="02000000000000000000" pitchFamily="2" charset="0"/>
               </a:rPr>
-              <a:t>Verwendet Variablen als Platzhalter (Systemvariablen und eigene)</a:t>
-            </a:r>
-          </a:p>
-          <a:p>
-            <a:r>
-              <a:rPr lang="de-AT" dirty="0">
-                <a:latin typeface="Roboto" panose="02000000000000000000" pitchFamily="2" charset="0"/>
-                <a:ea typeface="Roboto" panose="02000000000000000000" pitchFamily="2" charset="0"/>
-              </a:rPr>
-              <a:t>Kann im Portal hinterlegt werden oder per API direkt ausgeführt werden</a:t>
-            </a:r>
-          </a:p>
-          <a:p>
-            <a:r>
-              <a:rPr lang="de-AT" dirty="0">
-                <a:latin typeface="Roboto" panose="02000000000000000000" pitchFamily="2" charset="0"/>
-                <a:ea typeface="Roboto" panose="02000000000000000000" pitchFamily="2" charset="0"/>
-              </a:rPr>
-              <a:t>Branding über Portal möglich, sichtbar im ft.Shop</a:t>
-            </a:r>
-          </a:p>
-          <a:p>
-            <a:r>
-              <a:rPr lang="de-AT" dirty="0">
-                <a:latin typeface="Roboto" panose="02000000000000000000" pitchFamily="2" charset="0"/>
-                <a:ea typeface="Roboto" panose="02000000000000000000" pitchFamily="2" charset="0"/>
-              </a:rPr>
-              <a:t>Generiert eine Cashbox beim Ausführen</a:t>
+              <a:t>Automatisiertes Ausführen über API</a:t>
             </a:r>
           </a:p>
         </p:txBody>
@@ -15396,7 +15578,7 @@
             <a:fld id="{F9CF9B13-D011-40B4-B116-4AFF51B22AA5}" type="datetime1">
               <a:rPr lang="de-DE" smtClean="0"/>
               <a:pPr/>
-              <a:t>24.09.20</a:t>
+              <a:t>08.10.20</a:t>
             </a:fld>
             <a:r>
               <a:rPr lang="de-DE"/>
@@ -15406,6 +15588,195 @@
               <a:rPr lang="de-DE" smtClean="0"/>
               <a:pPr/>
               <a:t>11</a:t>
+            </a:fld>
+            <a:endParaRPr lang="de-DE"/>
+          </a:p>
+        </p:txBody>
+      </p:sp>
+    </p:spTree>
+    <p:extLst>
+      <p:ext uri="{BB962C8B-B14F-4D97-AF65-F5344CB8AC3E}">
+        <p14:creationId xmlns:p14="http://schemas.microsoft.com/office/powerpoint/2010/main" val="3930300498"/>
+      </p:ext>
+    </p:extLst>
+  </p:cSld>
+  <p:clrMapOvr>
+    <a:masterClrMapping/>
+  </p:clrMapOvr>
+</p:sld>
+</file>
+
+<file path=ppt/slides/slide12.xml><?xml version="1.0" encoding="utf-8"?>
+<p:sld xmlns:a="http://schemas.openxmlformats.org/drawingml/2006/main" xmlns:r="http://schemas.openxmlformats.org/officeDocument/2006/relationships" xmlns:p="http://schemas.openxmlformats.org/presentationml/2006/main">
+  <p:cSld>
+    <p:spTree>
+      <p:nvGrpSpPr>
+        <p:cNvPr id="1" name=""/>
+        <p:cNvGrpSpPr/>
+        <p:nvPr/>
+      </p:nvGrpSpPr>
+      <p:grpSpPr>
+        <a:xfrm>
+          <a:off x="0" y="0"/>
+          <a:ext cx="0" cy="0"/>
+          <a:chOff x="0" y="0"/>
+          <a:chExt cx="0" cy="0"/>
+        </a:xfrm>
+      </p:grpSpPr>
+      <p:sp>
+        <p:nvSpPr>
+          <p:cNvPr id="5" name="Titel 4">
+            <a:extLst>
+              <a:ext uri="{FF2B5EF4-FFF2-40B4-BE49-F238E27FC236}">
+                <a16:creationId xmlns:a16="http://schemas.microsoft.com/office/drawing/2014/main" id="{3BDAB914-87D3-4CE0-B5F7-BB66EC2ADF64}"/>
+              </a:ext>
+            </a:extLst>
+          </p:cNvPr>
+          <p:cNvSpPr>
+            <a:spLocks noGrp="1"/>
+          </p:cNvSpPr>
+          <p:nvPr>
+            <p:ph type="title"/>
+          </p:nvPr>
+        </p:nvSpPr>
+        <p:spPr>
+          <a:xfrm>
+            <a:off x="304977" y="187890"/>
+            <a:ext cx="9856790" cy="530326"/>
+          </a:xfrm>
+        </p:spPr>
+        <p:txBody>
+          <a:bodyPr/>
+          <a:lstStyle/>
+          <a:p>
+            <a:r>
+              <a:rPr lang="de-DE" dirty="0">
+                <a:latin typeface="Klavika" panose="02000803050000020004" pitchFamily="2" charset="0"/>
+              </a:rPr>
+              <a:t>Templating zum Erstellen von Cashboxen</a:t>
+            </a:r>
+            <a:endParaRPr lang="de-AT" dirty="0">
+              <a:latin typeface="Klavika" panose="02000803050000020004" pitchFamily="2" charset="0"/>
+            </a:endParaRPr>
+          </a:p>
+        </p:txBody>
+      </p:sp>
+      <p:sp>
+        <p:nvSpPr>
+          <p:cNvPr id="6" name="Inhaltsplatzhalter 5">
+            <a:extLst>
+              <a:ext uri="{FF2B5EF4-FFF2-40B4-BE49-F238E27FC236}">
+                <a16:creationId xmlns:a16="http://schemas.microsoft.com/office/drawing/2014/main" id="{902B4942-6079-4325-B9EF-8765C0505437}"/>
+              </a:ext>
+            </a:extLst>
+          </p:cNvPr>
+          <p:cNvSpPr>
+            <a:spLocks noGrp="1"/>
+          </p:cNvSpPr>
+          <p:nvPr>
+            <p:ph idx="1"/>
+          </p:nvPr>
+        </p:nvSpPr>
+        <p:spPr/>
+        <p:txBody>
+          <a:bodyPr>
+            <a:normAutofit/>
+          </a:bodyPr>
+          <a:lstStyle/>
+          <a:p>
+            <a:r>
+              <a:rPr lang="de-AT" dirty="0">
+                <a:latin typeface="Roboto" panose="02000000000000000000" pitchFamily="2" charset="0"/>
+                <a:ea typeface="Roboto" panose="02000000000000000000" pitchFamily="2" charset="0"/>
+              </a:rPr>
+              <a:t>Parametrisierbare Variante der Cashbox</a:t>
+            </a:r>
+          </a:p>
+          <a:p>
+            <a:r>
+              <a:rPr lang="de-AT" dirty="0">
+                <a:latin typeface="Roboto" panose="02000000000000000000" pitchFamily="2" charset="0"/>
+                <a:ea typeface="Roboto" panose="02000000000000000000" pitchFamily="2" charset="0"/>
+              </a:rPr>
+              <a:t>Definiert die Struktur (z.B. zwei Queues und eine SCU)</a:t>
+            </a:r>
+          </a:p>
+          <a:p>
+            <a:r>
+              <a:rPr lang="de-AT" dirty="0">
+                <a:latin typeface="Roboto" panose="02000000000000000000" pitchFamily="2" charset="0"/>
+                <a:ea typeface="Roboto" panose="02000000000000000000" pitchFamily="2" charset="0"/>
+              </a:rPr>
+              <a:t>Verwendet Variablen als Platzhalter (Systemvariablen und eigene)</a:t>
+            </a:r>
+          </a:p>
+          <a:p>
+            <a:r>
+              <a:rPr lang="de-AT" dirty="0">
+                <a:latin typeface="Roboto" panose="02000000000000000000" pitchFamily="2" charset="0"/>
+                <a:ea typeface="Roboto" panose="02000000000000000000" pitchFamily="2" charset="0"/>
+              </a:rPr>
+              <a:t>Kann im Portal hinterlegt werden oder per API direkt ausgeführt werden</a:t>
+            </a:r>
+          </a:p>
+          <a:p>
+            <a:r>
+              <a:rPr lang="de-AT" dirty="0">
+                <a:latin typeface="Roboto" panose="02000000000000000000" pitchFamily="2" charset="0"/>
+                <a:ea typeface="Roboto" panose="02000000000000000000" pitchFamily="2" charset="0"/>
+              </a:rPr>
+              <a:t>Branding über Portal möglich, sichtbar im ft.Shop</a:t>
+            </a:r>
+          </a:p>
+          <a:p>
+            <a:r>
+              <a:rPr lang="de-AT" dirty="0">
+                <a:latin typeface="Roboto" panose="02000000000000000000" pitchFamily="2" charset="0"/>
+                <a:ea typeface="Roboto" panose="02000000000000000000" pitchFamily="2" charset="0"/>
+              </a:rPr>
+              <a:t>Generiert eine Cashbox beim Ausführen</a:t>
+            </a:r>
+          </a:p>
+        </p:txBody>
+      </p:sp>
+      <p:sp>
+        <p:nvSpPr>
+          <p:cNvPr id="4" name="Datumsplatzhalter 3">
+            <a:extLst>
+              <a:ext uri="{FF2B5EF4-FFF2-40B4-BE49-F238E27FC236}">
+                <a16:creationId xmlns:a16="http://schemas.microsoft.com/office/drawing/2014/main" id="{C5C0CF94-8E0E-4767-B789-B0FE06643950}"/>
+              </a:ext>
+            </a:extLst>
+          </p:cNvPr>
+          <p:cNvSpPr>
+            <a:spLocks noGrp="1"/>
+          </p:cNvSpPr>
+          <p:nvPr>
+            <p:ph type="dt" sz="half" idx="10"/>
+          </p:nvPr>
+        </p:nvSpPr>
+        <p:spPr/>
+        <p:txBody>
+          <a:bodyPr/>
+          <a:lstStyle/>
+          <a:p>
+            <a:r>
+              <a:rPr lang="de-DE"/>
+              <a:t>fiskaltrust gmbh - </a:t>
+            </a:r>
+            <a:fld id="{F9CF9B13-D011-40B4-B116-4AFF51B22AA5}" type="datetime1">
+              <a:rPr lang="de-DE" smtClean="0"/>
+              <a:pPr/>
+              <a:t>08.10.20</a:t>
+            </a:fld>
+            <a:r>
+              <a:rPr lang="de-DE"/>
+              <a:t> - Folie </a:t>
+            </a:r>
+            <a:fld id="{4D3E4D3B-16BA-4843-8361-4E45D113E984}" type="slidenum">
+              <a:rPr lang="de-DE" smtClean="0"/>
+              <a:pPr/>
+              <a:t>12</a:t>
             </a:fld>
             <a:endParaRPr lang="de-DE"/>
           </a:p>
@@ -15751,190 +16122,6 @@
 </p:sld>
 </file>
 
-<file path=ppt/slides/slide12.xml><?xml version="1.0" encoding="utf-8"?>
-<p:sld xmlns:a="http://schemas.openxmlformats.org/drawingml/2006/main" xmlns:r="http://schemas.openxmlformats.org/officeDocument/2006/relationships" xmlns:p="http://schemas.openxmlformats.org/presentationml/2006/main">
-  <p:cSld>
-    <p:spTree>
-      <p:nvGrpSpPr>
-        <p:cNvPr id="1" name=""/>
-        <p:cNvGrpSpPr/>
-        <p:nvPr/>
-      </p:nvGrpSpPr>
-      <p:grpSpPr>
-        <a:xfrm>
-          <a:off x="0" y="0"/>
-          <a:ext cx="0" cy="0"/>
-          <a:chOff x="0" y="0"/>
-          <a:chExt cx="0" cy="0"/>
-        </a:xfrm>
-      </p:grpSpPr>
-      <p:sp>
-        <p:nvSpPr>
-          <p:cNvPr id="5" name="Titel 4">
-            <a:extLst>
-              <a:ext uri="{FF2B5EF4-FFF2-40B4-BE49-F238E27FC236}">
-                <a16:creationId xmlns:a16="http://schemas.microsoft.com/office/drawing/2014/main" id="{3BDAB914-87D3-4CE0-B5F7-BB66EC2ADF64}"/>
-              </a:ext>
-            </a:extLst>
-          </p:cNvPr>
-          <p:cNvSpPr>
-            <a:spLocks noGrp="1"/>
-          </p:cNvSpPr>
-          <p:nvPr>
-            <p:ph type="title"/>
-          </p:nvPr>
-        </p:nvSpPr>
-        <p:spPr>
-          <a:xfrm>
-            <a:off x="304977" y="187890"/>
-            <a:ext cx="9856790" cy="530326"/>
-          </a:xfrm>
-        </p:spPr>
-        <p:txBody>
-          <a:bodyPr/>
-          <a:lstStyle/>
-          <a:p>
-            <a:r>
-              <a:rPr lang="de-DE" dirty="0">
-                <a:latin typeface="Klavika" panose="02000803050000020004" pitchFamily="2" charset="0"/>
-              </a:rPr>
-              <a:t>Manuelles Anlegen von Templates</a:t>
-            </a:r>
-            <a:endParaRPr lang="de-AT" dirty="0">
-              <a:latin typeface="Klavika" panose="02000803050000020004" pitchFamily="2" charset="0"/>
-            </a:endParaRPr>
-          </a:p>
-        </p:txBody>
-      </p:sp>
-      <p:sp>
-        <p:nvSpPr>
-          <p:cNvPr id="6" name="Inhaltsplatzhalter 5">
-            <a:extLst>
-              <a:ext uri="{FF2B5EF4-FFF2-40B4-BE49-F238E27FC236}">
-                <a16:creationId xmlns:a16="http://schemas.microsoft.com/office/drawing/2014/main" id="{902B4942-6079-4325-B9EF-8765C0505437}"/>
-              </a:ext>
-            </a:extLst>
-          </p:cNvPr>
-          <p:cNvSpPr>
-            <a:spLocks noGrp="1"/>
-          </p:cNvSpPr>
-          <p:nvPr>
-            <p:ph idx="1"/>
-          </p:nvPr>
-        </p:nvSpPr>
-        <p:spPr/>
-        <p:txBody>
-          <a:bodyPr/>
-          <a:lstStyle/>
-          <a:p>
-            <a:endParaRPr lang="de-AT" dirty="0">
-              <a:latin typeface="Roboto" panose="02000000000000000000" pitchFamily="2" charset="0"/>
-              <a:ea typeface="Roboto" panose="02000000000000000000" pitchFamily="2" charset="0"/>
-            </a:endParaRPr>
-          </a:p>
-          <a:p>
-            <a:pPr marL="0" indent="0">
-              <a:buNone/>
-            </a:pPr>
-            <a:endParaRPr lang="de-AT" dirty="0">
-              <a:latin typeface="Roboto" panose="02000000000000000000" pitchFamily="2" charset="0"/>
-              <a:ea typeface="Roboto" panose="02000000000000000000" pitchFamily="2" charset="0"/>
-            </a:endParaRPr>
-          </a:p>
-          <a:p>
-            <a:r>
-              <a:rPr lang="de-AT" dirty="0">
-                <a:latin typeface="Roboto" panose="02000000000000000000" pitchFamily="2" charset="0"/>
-                <a:ea typeface="Roboto" panose="02000000000000000000" pitchFamily="2" charset="0"/>
-              </a:rPr>
-              <a:t>Portal -&gt; Konfiguration -&gt; Templates</a:t>
-            </a:r>
-          </a:p>
-          <a:p>
-            <a:r>
-              <a:rPr lang="de-AT" dirty="0">
-                <a:latin typeface="Roboto" panose="02000000000000000000" pitchFamily="2" charset="0"/>
-                <a:ea typeface="Roboto" panose="02000000000000000000" pitchFamily="2" charset="0"/>
-              </a:rPr>
-              <a:t>Template-Content</a:t>
-            </a:r>
-          </a:p>
-          <a:p>
-            <a:r>
-              <a:rPr lang="de-AT" dirty="0">
-                <a:latin typeface="Roboto" panose="02000000000000000000" pitchFamily="2" charset="0"/>
-                <a:ea typeface="Roboto" panose="02000000000000000000" pitchFamily="2" charset="0"/>
-              </a:rPr>
-              <a:t>Freigabeoptionen</a:t>
-            </a:r>
-          </a:p>
-          <a:p>
-            <a:r>
-              <a:rPr lang="de-AT" dirty="0">
-                <a:latin typeface="Roboto" panose="02000000000000000000" pitchFamily="2" charset="0"/>
-                <a:ea typeface="Roboto" panose="02000000000000000000" pitchFamily="2" charset="0"/>
-              </a:rPr>
-              <a:t>Branding für den ft.Shop</a:t>
-            </a:r>
-          </a:p>
-        </p:txBody>
-      </p:sp>
-      <p:sp>
-        <p:nvSpPr>
-          <p:cNvPr id="4" name="Datumsplatzhalter 3">
-            <a:extLst>
-              <a:ext uri="{FF2B5EF4-FFF2-40B4-BE49-F238E27FC236}">
-                <a16:creationId xmlns:a16="http://schemas.microsoft.com/office/drawing/2014/main" id="{C5C0CF94-8E0E-4767-B789-B0FE06643950}"/>
-              </a:ext>
-            </a:extLst>
-          </p:cNvPr>
-          <p:cNvSpPr>
-            <a:spLocks noGrp="1"/>
-          </p:cNvSpPr>
-          <p:nvPr>
-            <p:ph type="dt" sz="half" idx="10"/>
-          </p:nvPr>
-        </p:nvSpPr>
-        <p:spPr/>
-        <p:txBody>
-          <a:bodyPr/>
-          <a:lstStyle/>
-          <a:p>
-            <a:r>
-              <a:rPr lang="de-DE"/>
-              <a:t>fiskaltrust gmbh - </a:t>
-            </a:r>
-            <a:fld id="{F9CF9B13-D011-40B4-B116-4AFF51B22AA5}" type="datetime1">
-              <a:rPr lang="de-DE" smtClean="0"/>
-              <a:pPr/>
-              <a:t>24.09.20</a:t>
-            </a:fld>
-            <a:r>
-              <a:rPr lang="de-DE"/>
-              <a:t> - Folie </a:t>
-            </a:r>
-            <a:fld id="{4D3E4D3B-16BA-4843-8361-4E45D113E984}" type="slidenum">
-              <a:rPr lang="de-DE" smtClean="0"/>
-              <a:pPr/>
-              <a:t>12</a:t>
-            </a:fld>
-            <a:endParaRPr lang="de-DE"/>
-          </a:p>
-        </p:txBody>
-      </p:sp>
-    </p:spTree>
-    <p:extLst>
-      <p:ext uri="{BB962C8B-B14F-4D97-AF65-F5344CB8AC3E}">
-        <p14:creationId xmlns:p14="http://schemas.microsoft.com/office/powerpoint/2010/main" val="4279616673"/>
-      </p:ext>
-    </p:extLst>
-  </p:cSld>
-  <p:clrMapOvr>
-    <a:masterClrMapping/>
-  </p:clrMapOvr>
-</p:sld>
-</file>
-
 <file path=ppt/slides/slide13.xml><?xml version="1.0" encoding="utf-8"?>
 <p:sld xmlns:a="http://schemas.openxmlformats.org/drawingml/2006/main" xmlns:r="http://schemas.openxmlformats.org/officeDocument/2006/relationships" xmlns:p="http://schemas.openxmlformats.org/presentationml/2006/main">
   <p:cSld>
@@ -16031,7 +16218,7 @@
                 <a:latin typeface="Roboto" panose="02000000000000000000" pitchFamily="2" charset="0"/>
                 <a:ea typeface="Roboto" panose="02000000000000000000" pitchFamily="2" charset="0"/>
               </a:rPr>
-              <a:t>Betreiber: Portal -&gt; Shop -&gt; Auschecken -&gt; Cashbox</a:t>
+              <a:t>Portal -&gt; Konfiguration -&gt; Templates</a:t>
             </a:r>
           </a:p>
           <a:p>
@@ -16040,7 +16227,25 @@
                 <a:latin typeface="Roboto" panose="02000000000000000000" pitchFamily="2" charset="0"/>
                 <a:ea typeface="Roboto" panose="02000000000000000000" pitchFamily="2" charset="0"/>
               </a:rPr>
-              <a:t>Surrogation</a:t>
+              <a:t>Template-Content</a:t>
+            </a:r>
+          </a:p>
+          <a:p>
+            <a:r>
+              <a:rPr lang="de-AT" dirty="0">
+                <a:latin typeface="Roboto" panose="02000000000000000000" pitchFamily="2" charset="0"/>
+                <a:ea typeface="Roboto" panose="02000000000000000000" pitchFamily="2" charset="0"/>
+              </a:rPr>
+              <a:t>Freigabeoptionen</a:t>
+            </a:r>
+          </a:p>
+          <a:p>
+            <a:r>
+              <a:rPr lang="de-AT" dirty="0">
+                <a:latin typeface="Roboto" panose="02000000000000000000" pitchFamily="2" charset="0"/>
+                <a:ea typeface="Roboto" panose="02000000000000000000" pitchFamily="2" charset="0"/>
+              </a:rPr>
+              <a:t>Branding für den ft.Shop</a:t>
             </a:r>
           </a:p>
         </p:txBody>
@@ -16073,7 +16278,7 @@
             <a:fld id="{F9CF9B13-D011-40B4-B116-4AFF51B22AA5}" type="datetime1">
               <a:rPr lang="de-DE" smtClean="0"/>
               <a:pPr/>
-              <a:t>24.09.20</a:t>
+              <a:t>08.10.20</a:t>
             </a:fld>
             <a:r>
               <a:rPr lang="de-DE"/>
@@ -16091,7 +16296,7 @@
     </p:spTree>
     <p:extLst>
       <p:ext uri="{BB962C8B-B14F-4D97-AF65-F5344CB8AC3E}">
-        <p14:creationId xmlns:p14="http://schemas.microsoft.com/office/powerpoint/2010/main" val="757317817"/>
+        <p14:creationId xmlns:p14="http://schemas.microsoft.com/office/powerpoint/2010/main" val="4279616673"/>
       </p:ext>
     </p:extLst>
   </p:cSld>
@@ -16148,7 +16353,7 @@
               <a:rPr lang="de-DE" dirty="0">
                 <a:latin typeface="Klavika" panose="02000803050000020004" pitchFamily="2" charset="0"/>
               </a:rPr>
-              <a:t>Automatisiertes Ausführen von Templates</a:t>
+              <a:t>Manuelles Anlegen von Templates</a:t>
             </a:r>
             <a:endParaRPr lang="de-AT" dirty="0">
               <a:latin typeface="Klavika" panose="02000803050000020004" pitchFamily="2" charset="0"/>
@@ -16177,6 +16382,12 @@
           <a:bodyPr/>
           <a:lstStyle/>
           <a:p>
+            <a:endParaRPr lang="de-AT" dirty="0">
+              <a:latin typeface="Roboto" panose="02000000000000000000" pitchFamily="2" charset="0"/>
+              <a:ea typeface="Roboto" panose="02000000000000000000" pitchFamily="2" charset="0"/>
+            </a:endParaRPr>
+          </a:p>
+          <a:p>
             <a:pPr marL="0" indent="0">
               <a:buNone/>
             </a:pPr>
@@ -16191,163 +16402,17 @@
                 <a:latin typeface="Roboto" panose="02000000000000000000" pitchFamily="2" charset="0"/>
                 <a:ea typeface="Roboto" panose="02000000000000000000" pitchFamily="2" charset="0"/>
               </a:rPr>
-              <a:t>Aufruf HTTP-API</a:t>
-            </a:r>
-          </a:p>
-          <a:p>
-            <a:pPr lvl="1"/>
+              <a:t>Betreiber: Portal -&gt; Shop -&gt; Auschecken -&gt; Cashbox</a:t>
+            </a:r>
+          </a:p>
+          <a:p>
             <a:r>
               <a:rPr lang="de-AT" dirty="0">
                 <a:latin typeface="Roboto" panose="02000000000000000000" pitchFamily="2" charset="0"/>
                 <a:ea typeface="Roboto" panose="02000000000000000000" pitchFamily="2" charset="0"/>
               </a:rPr>
-              <a:t>Headers: </a:t>
-            </a:r>
-            <a:r>
-              <a:rPr lang="de-AT" dirty="0" err="1">
-                <a:latin typeface="Roboto" panose="02000000000000000000" pitchFamily="2" charset="0"/>
-                <a:ea typeface="Roboto" panose="02000000000000000000" pitchFamily="2" charset="0"/>
-              </a:rPr>
-              <a:t>accountid</a:t>
-            </a:r>
-            <a:r>
-              <a:rPr lang="de-AT" dirty="0">
-                <a:latin typeface="Roboto" panose="02000000000000000000" pitchFamily="2" charset="0"/>
-                <a:ea typeface="Roboto" panose="02000000000000000000" pitchFamily="2" charset="0"/>
-              </a:rPr>
-              <a:t>, </a:t>
-            </a:r>
-            <a:r>
-              <a:rPr lang="de-AT" dirty="0" err="1">
-                <a:latin typeface="Roboto" panose="02000000000000000000" pitchFamily="2" charset="0"/>
-                <a:ea typeface="Roboto" panose="02000000000000000000" pitchFamily="2" charset="0"/>
-              </a:rPr>
-              <a:t>accesstoken</a:t>
-            </a:r>
-            <a:endParaRPr lang="de-AT" dirty="0">
-              <a:latin typeface="Roboto" panose="02000000000000000000" pitchFamily="2" charset="0"/>
-              <a:ea typeface="Roboto" panose="02000000000000000000" pitchFamily="2" charset="0"/>
-            </a:endParaRPr>
-          </a:p>
-          <a:p>
-            <a:pPr lvl="1"/>
-            <a:r>
-              <a:rPr lang="de-AT" dirty="0">
-                <a:latin typeface="Roboto" panose="02000000000000000000" pitchFamily="2" charset="0"/>
-                <a:ea typeface="Roboto" panose="02000000000000000000" pitchFamily="2" charset="0"/>
-              </a:rPr>
-              <a:t>Body: Template (</a:t>
-            </a:r>
-            <a:r>
-              <a:rPr lang="de-AT" dirty="0" err="1">
-                <a:latin typeface="Roboto" panose="02000000000000000000" pitchFamily="2" charset="0"/>
-                <a:ea typeface="Roboto" panose="02000000000000000000" pitchFamily="2" charset="0"/>
-              </a:rPr>
-              <a:t>escaped</a:t>
-            </a:r>
-            <a:r>
-              <a:rPr lang="de-AT" dirty="0">
-                <a:latin typeface="Roboto" panose="02000000000000000000" pitchFamily="2" charset="0"/>
-                <a:ea typeface="Roboto" panose="02000000000000000000" pitchFamily="2" charset="0"/>
-              </a:rPr>
-              <a:t> JSON String)</a:t>
-            </a:r>
-          </a:p>
-          <a:p>
-            <a:pPr lvl="1"/>
-            <a:r>
-              <a:rPr lang="de-AT" dirty="0">
-                <a:latin typeface="Roboto" panose="02000000000000000000" pitchFamily="2" charset="0"/>
-                <a:ea typeface="Roboto" panose="02000000000000000000" pitchFamily="2" charset="0"/>
-              </a:rPr>
-              <a:t>Vordefinierte Parameter über </a:t>
-            </a:r>
-            <a:r>
-              <a:rPr lang="de-AT" dirty="0" err="1">
-                <a:latin typeface="Roboto" panose="02000000000000000000" pitchFamily="2" charset="0"/>
-                <a:ea typeface="Roboto" panose="02000000000000000000" pitchFamily="2" charset="0"/>
-              </a:rPr>
-              <a:t>QueryString</a:t>
-            </a:r>
-            <a:endParaRPr lang="de-AT" dirty="0">
-              <a:latin typeface="Roboto" panose="02000000000000000000" pitchFamily="2" charset="0"/>
-              <a:ea typeface="Roboto" panose="02000000000000000000" pitchFamily="2" charset="0"/>
-            </a:endParaRPr>
-          </a:p>
-          <a:p>
-            <a:pPr lvl="1"/>
-            <a:r>
-              <a:rPr lang="de-AT" dirty="0">
-                <a:latin typeface="Roboto" panose="02000000000000000000" pitchFamily="2" charset="0"/>
-                <a:ea typeface="Roboto" panose="02000000000000000000" pitchFamily="2" charset="0"/>
-              </a:rPr>
-              <a:t>Werte von Variablen über </a:t>
-            </a:r>
-            <a:r>
-              <a:rPr lang="de-AT" dirty="0" err="1">
-                <a:latin typeface="Roboto" panose="02000000000000000000" pitchFamily="2" charset="0"/>
-                <a:ea typeface="Roboto" panose="02000000000000000000" pitchFamily="2" charset="0"/>
-              </a:rPr>
-              <a:t>QueryString</a:t>
-            </a:r>
-            <a:endParaRPr lang="de-AT" dirty="0">
-              <a:latin typeface="Roboto" panose="02000000000000000000" pitchFamily="2" charset="0"/>
-              <a:ea typeface="Roboto" panose="02000000000000000000" pitchFamily="2" charset="0"/>
-            </a:endParaRPr>
-          </a:p>
-          <a:p>
-            <a:endParaRPr lang="de-AT" dirty="0">
-              <a:latin typeface="Roboto" panose="02000000000000000000" pitchFamily="2" charset="0"/>
-              <a:ea typeface="Roboto" panose="02000000000000000000" pitchFamily="2" charset="0"/>
-            </a:endParaRPr>
-          </a:p>
-          <a:p>
-            <a:r>
-              <a:rPr lang="de-AT" dirty="0">
-                <a:latin typeface="Roboto" panose="02000000000000000000" pitchFamily="2" charset="0"/>
-                <a:ea typeface="Roboto" panose="02000000000000000000" pitchFamily="2" charset="0"/>
-              </a:rPr>
-              <a:t>Rückgabe: </a:t>
-            </a:r>
-            <a:r>
-              <a:rPr lang="de-AT" dirty="0" err="1">
-                <a:latin typeface="Roboto" panose="02000000000000000000" pitchFamily="2" charset="0"/>
-                <a:ea typeface="Roboto" panose="02000000000000000000" pitchFamily="2" charset="0"/>
-              </a:rPr>
-              <a:t>cashboxid</a:t>
-            </a:r>
-            <a:r>
-              <a:rPr lang="de-AT" dirty="0">
-                <a:latin typeface="Roboto" panose="02000000000000000000" pitchFamily="2" charset="0"/>
-                <a:ea typeface="Roboto" panose="02000000000000000000" pitchFamily="2" charset="0"/>
-              </a:rPr>
-              <a:t>, </a:t>
-            </a:r>
-            <a:r>
-              <a:rPr lang="de-AT" dirty="0" err="1">
-                <a:latin typeface="Roboto" panose="02000000000000000000" pitchFamily="2" charset="0"/>
-                <a:ea typeface="Roboto" panose="02000000000000000000" pitchFamily="2" charset="0"/>
-              </a:rPr>
-              <a:t>accesstoken</a:t>
-            </a:r>
-            <a:r>
-              <a:rPr lang="de-AT" dirty="0">
-                <a:latin typeface="Roboto" panose="02000000000000000000" pitchFamily="2" charset="0"/>
-                <a:ea typeface="Roboto" panose="02000000000000000000" pitchFamily="2" charset="0"/>
-              </a:rPr>
-              <a:t>, </a:t>
-            </a:r>
-            <a:r>
-              <a:rPr lang="de-AT" dirty="0" err="1">
-                <a:latin typeface="Roboto" panose="02000000000000000000" pitchFamily="2" charset="0"/>
-                <a:ea typeface="Roboto" panose="02000000000000000000" pitchFamily="2" charset="0"/>
-              </a:rPr>
-              <a:t>template</a:t>
-            </a:r>
-            <a:endParaRPr lang="de-AT" dirty="0">
-              <a:latin typeface="Roboto" panose="02000000000000000000" pitchFamily="2" charset="0"/>
-              <a:ea typeface="Roboto" panose="02000000000000000000" pitchFamily="2" charset="0"/>
-            </a:endParaRPr>
+              <a:t>Surrogation</a:t>
+            </a:r>
           </a:p>
         </p:txBody>
       </p:sp>
@@ -16379,7 +16444,7 @@
             <a:fld id="{F9CF9B13-D011-40B4-B116-4AFF51B22AA5}" type="datetime1">
               <a:rPr lang="de-DE" smtClean="0"/>
               <a:pPr/>
-              <a:t>24.09.20</a:t>
+              <a:t>08.10.20</a:t>
             </a:fld>
             <a:r>
               <a:rPr lang="de-DE"/>
@@ -16397,7 +16462,7 @@
     </p:spTree>
     <p:extLst>
       <p:ext uri="{BB962C8B-B14F-4D97-AF65-F5344CB8AC3E}">
-        <p14:creationId xmlns:p14="http://schemas.microsoft.com/office/powerpoint/2010/main" val="3614386753"/>
+        <p14:creationId xmlns:p14="http://schemas.microsoft.com/office/powerpoint/2010/main" val="757317817"/>
       </p:ext>
     </p:extLst>
   </p:cSld>
@@ -16483,32 +16548,6 @@
           <a:bodyPr/>
           <a:lstStyle/>
           <a:p>
-            <a:endParaRPr lang="de-AT" dirty="0">
-              <a:latin typeface="Roboto" panose="02000000000000000000" pitchFamily="2" charset="0"/>
-              <a:ea typeface="Roboto" panose="02000000000000000000" pitchFamily="2" charset="0"/>
-            </a:endParaRPr>
-          </a:p>
-          <a:p>
-            <a:r>
-              <a:rPr lang="de-AT" dirty="0">
-                <a:latin typeface="Roboto" panose="02000000000000000000" pitchFamily="2" charset="0"/>
-                <a:ea typeface="Roboto" panose="02000000000000000000" pitchFamily="2" charset="0"/>
-              </a:rPr>
-              <a:t>Beispiel mit </a:t>
-            </a:r>
-            <a:r>
-              <a:rPr lang="de-AT" dirty="0" err="1">
-                <a:latin typeface="Roboto" panose="02000000000000000000" pitchFamily="2" charset="0"/>
-                <a:ea typeface="Roboto" panose="02000000000000000000" pitchFamily="2" charset="0"/>
-              </a:rPr>
-              <a:t>PowerShell</a:t>
-            </a:r>
-            <a:endParaRPr lang="de-AT" dirty="0">
-              <a:latin typeface="Roboto" panose="02000000000000000000" pitchFamily="2" charset="0"/>
-              <a:ea typeface="Roboto" panose="02000000000000000000" pitchFamily="2" charset="0"/>
-            </a:endParaRPr>
-          </a:p>
-          <a:p>
             <a:pPr marL="0" indent="0">
               <a:buNone/>
             </a:pPr>
@@ -16518,9 +16557,164 @@
             </a:endParaRPr>
           </a:p>
           <a:p>
-            <a:pPr marL="0" indent="0">
-              <a:buNone/>
-            </a:pPr>
+            <a:r>
+              <a:rPr lang="de-AT" dirty="0">
+                <a:latin typeface="Roboto" panose="02000000000000000000" pitchFamily="2" charset="0"/>
+                <a:ea typeface="Roboto" panose="02000000000000000000" pitchFamily="2" charset="0"/>
+              </a:rPr>
+              <a:t>Aufruf HTTP-API</a:t>
+            </a:r>
+          </a:p>
+          <a:p>
+            <a:pPr lvl="1"/>
+            <a:r>
+              <a:rPr lang="de-AT" dirty="0">
+                <a:latin typeface="Roboto" panose="02000000000000000000" pitchFamily="2" charset="0"/>
+                <a:ea typeface="Roboto" panose="02000000000000000000" pitchFamily="2" charset="0"/>
+              </a:rPr>
+              <a:t>Headers: </a:t>
+            </a:r>
+            <a:r>
+              <a:rPr lang="de-AT" dirty="0" err="1">
+                <a:latin typeface="Roboto" panose="02000000000000000000" pitchFamily="2" charset="0"/>
+                <a:ea typeface="Roboto" panose="02000000000000000000" pitchFamily="2" charset="0"/>
+              </a:rPr>
+              <a:t>accountid</a:t>
+            </a:r>
+            <a:r>
+              <a:rPr lang="de-AT" dirty="0">
+                <a:latin typeface="Roboto" panose="02000000000000000000" pitchFamily="2" charset="0"/>
+                <a:ea typeface="Roboto" panose="02000000000000000000" pitchFamily="2" charset="0"/>
+              </a:rPr>
+              <a:t>, </a:t>
+            </a:r>
+            <a:r>
+              <a:rPr lang="de-AT" dirty="0" err="1">
+                <a:latin typeface="Roboto" panose="02000000000000000000" pitchFamily="2" charset="0"/>
+                <a:ea typeface="Roboto" panose="02000000000000000000" pitchFamily="2" charset="0"/>
+              </a:rPr>
+              <a:t>accesstoken</a:t>
+            </a:r>
+            <a:endParaRPr lang="de-AT" dirty="0">
+              <a:latin typeface="Roboto" panose="02000000000000000000" pitchFamily="2" charset="0"/>
+              <a:ea typeface="Roboto" panose="02000000000000000000" pitchFamily="2" charset="0"/>
+            </a:endParaRPr>
+          </a:p>
+          <a:p>
+            <a:pPr lvl="1"/>
+            <a:r>
+              <a:rPr lang="de-AT" dirty="0">
+                <a:latin typeface="Roboto" panose="02000000000000000000" pitchFamily="2" charset="0"/>
+                <a:ea typeface="Roboto" panose="02000000000000000000" pitchFamily="2" charset="0"/>
+              </a:rPr>
+              <a:t>Body: Template (</a:t>
+            </a:r>
+            <a:r>
+              <a:rPr lang="de-AT" dirty="0" err="1">
+                <a:latin typeface="Roboto" panose="02000000000000000000" pitchFamily="2" charset="0"/>
+                <a:ea typeface="Roboto" panose="02000000000000000000" pitchFamily="2" charset="0"/>
+              </a:rPr>
+              <a:t>escaped</a:t>
+            </a:r>
+            <a:r>
+              <a:rPr lang="de-AT" dirty="0">
+                <a:latin typeface="Roboto" panose="02000000000000000000" pitchFamily="2" charset="0"/>
+                <a:ea typeface="Roboto" panose="02000000000000000000" pitchFamily="2" charset="0"/>
+              </a:rPr>
+              <a:t> JSON String)</a:t>
+            </a:r>
+          </a:p>
+          <a:p>
+            <a:pPr lvl="1"/>
+            <a:r>
+              <a:rPr lang="de-AT" dirty="0">
+                <a:latin typeface="Roboto" panose="02000000000000000000" pitchFamily="2" charset="0"/>
+                <a:ea typeface="Roboto" panose="02000000000000000000" pitchFamily="2" charset="0"/>
+              </a:rPr>
+              <a:t>Vordefinierte Parameter über </a:t>
+            </a:r>
+            <a:r>
+              <a:rPr lang="de-AT" dirty="0" err="1">
+                <a:latin typeface="Roboto" panose="02000000000000000000" pitchFamily="2" charset="0"/>
+                <a:ea typeface="Roboto" panose="02000000000000000000" pitchFamily="2" charset="0"/>
+              </a:rPr>
+              <a:t>QueryString</a:t>
+            </a:r>
+            <a:endParaRPr lang="de-AT" dirty="0">
+              <a:latin typeface="Roboto" panose="02000000000000000000" pitchFamily="2" charset="0"/>
+              <a:ea typeface="Roboto" panose="02000000000000000000" pitchFamily="2" charset="0"/>
+            </a:endParaRPr>
+          </a:p>
+          <a:p>
+            <a:pPr lvl="1"/>
+            <a:r>
+              <a:rPr lang="de-AT" dirty="0">
+                <a:latin typeface="Roboto" panose="02000000000000000000" pitchFamily="2" charset="0"/>
+                <a:ea typeface="Roboto" panose="02000000000000000000" pitchFamily="2" charset="0"/>
+              </a:rPr>
+              <a:t>Werte von Variablen über </a:t>
+            </a:r>
+            <a:r>
+              <a:rPr lang="de-AT" dirty="0" err="1">
+                <a:latin typeface="Roboto" panose="02000000000000000000" pitchFamily="2" charset="0"/>
+                <a:ea typeface="Roboto" panose="02000000000000000000" pitchFamily="2" charset="0"/>
+              </a:rPr>
+              <a:t>QueryString</a:t>
+            </a:r>
+            <a:endParaRPr lang="de-AT" dirty="0">
+              <a:latin typeface="Roboto" panose="02000000000000000000" pitchFamily="2" charset="0"/>
+              <a:ea typeface="Roboto" panose="02000000000000000000" pitchFamily="2" charset="0"/>
+            </a:endParaRPr>
+          </a:p>
+          <a:p>
+            <a:endParaRPr lang="de-AT" dirty="0">
+              <a:latin typeface="Roboto" panose="02000000000000000000" pitchFamily="2" charset="0"/>
+              <a:ea typeface="Roboto" panose="02000000000000000000" pitchFamily="2" charset="0"/>
+            </a:endParaRPr>
+          </a:p>
+          <a:p>
+            <a:r>
+              <a:rPr lang="de-AT" dirty="0">
+                <a:latin typeface="Roboto" panose="02000000000000000000" pitchFamily="2" charset="0"/>
+                <a:ea typeface="Roboto" panose="02000000000000000000" pitchFamily="2" charset="0"/>
+              </a:rPr>
+              <a:t>Rückgabe: </a:t>
+            </a:r>
+            <a:r>
+              <a:rPr lang="de-AT" dirty="0" err="1">
+                <a:latin typeface="Roboto" panose="02000000000000000000" pitchFamily="2" charset="0"/>
+                <a:ea typeface="Roboto" panose="02000000000000000000" pitchFamily="2" charset="0"/>
+              </a:rPr>
+              <a:t>cashboxid</a:t>
+            </a:r>
+            <a:r>
+              <a:rPr lang="de-AT" dirty="0">
+                <a:latin typeface="Roboto" panose="02000000000000000000" pitchFamily="2" charset="0"/>
+                <a:ea typeface="Roboto" panose="02000000000000000000" pitchFamily="2" charset="0"/>
+              </a:rPr>
+              <a:t>, </a:t>
+            </a:r>
+            <a:r>
+              <a:rPr lang="de-AT" dirty="0" err="1">
+                <a:latin typeface="Roboto" panose="02000000000000000000" pitchFamily="2" charset="0"/>
+                <a:ea typeface="Roboto" panose="02000000000000000000" pitchFamily="2" charset="0"/>
+              </a:rPr>
+              <a:t>accesstoken</a:t>
+            </a:r>
+            <a:r>
+              <a:rPr lang="de-AT" dirty="0">
+                <a:latin typeface="Roboto" panose="02000000000000000000" pitchFamily="2" charset="0"/>
+                <a:ea typeface="Roboto" panose="02000000000000000000" pitchFamily="2" charset="0"/>
+              </a:rPr>
+              <a:t>, </a:t>
+            </a:r>
+            <a:r>
+              <a:rPr lang="de-AT" dirty="0" err="1">
+                <a:latin typeface="Roboto" panose="02000000000000000000" pitchFamily="2" charset="0"/>
+                <a:ea typeface="Roboto" panose="02000000000000000000" pitchFamily="2" charset="0"/>
+              </a:rPr>
+              <a:t>template</a:t>
+            </a:r>
             <a:endParaRPr lang="de-AT" dirty="0">
               <a:latin typeface="Roboto" panose="02000000000000000000" pitchFamily="2" charset="0"/>
               <a:ea typeface="Roboto" panose="02000000000000000000" pitchFamily="2" charset="0"/>
@@ -16556,7 +16750,7 @@
             <a:fld id="{F9CF9B13-D011-40B4-B116-4AFF51B22AA5}" type="datetime1">
               <a:rPr lang="de-DE" smtClean="0"/>
               <a:pPr/>
-              <a:t>24.09.20</a:t>
+              <a:t>08.10.20</a:t>
             </a:fld>
             <a:r>
               <a:rPr lang="de-DE"/>
@@ -16566,6 +16760,183 @@
               <a:rPr lang="de-DE" smtClean="0"/>
               <a:pPr/>
               <a:t>15</a:t>
+            </a:fld>
+            <a:endParaRPr lang="de-DE"/>
+          </a:p>
+        </p:txBody>
+      </p:sp>
+    </p:spTree>
+    <p:extLst>
+      <p:ext uri="{BB962C8B-B14F-4D97-AF65-F5344CB8AC3E}">
+        <p14:creationId xmlns:p14="http://schemas.microsoft.com/office/powerpoint/2010/main" val="3614386753"/>
+      </p:ext>
+    </p:extLst>
+  </p:cSld>
+  <p:clrMapOvr>
+    <a:masterClrMapping/>
+  </p:clrMapOvr>
+</p:sld>
+</file>
+
+<file path=ppt/slides/slide16.xml><?xml version="1.0" encoding="utf-8"?>
+<p:sld xmlns:a="http://schemas.openxmlformats.org/drawingml/2006/main" xmlns:r="http://schemas.openxmlformats.org/officeDocument/2006/relationships" xmlns:p="http://schemas.openxmlformats.org/presentationml/2006/main">
+  <p:cSld>
+    <p:spTree>
+      <p:nvGrpSpPr>
+        <p:cNvPr id="1" name=""/>
+        <p:cNvGrpSpPr/>
+        <p:nvPr/>
+      </p:nvGrpSpPr>
+      <p:grpSpPr>
+        <a:xfrm>
+          <a:off x="0" y="0"/>
+          <a:ext cx="0" cy="0"/>
+          <a:chOff x="0" y="0"/>
+          <a:chExt cx="0" cy="0"/>
+        </a:xfrm>
+      </p:grpSpPr>
+      <p:sp>
+        <p:nvSpPr>
+          <p:cNvPr id="5" name="Titel 4">
+            <a:extLst>
+              <a:ext uri="{FF2B5EF4-FFF2-40B4-BE49-F238E27FC236}">
+                <a16:creationId xmlns:a16="http://schemas.microsoft.com/office/drawing/2014/main" id="{3BDAB914-87D3-4CE0-B5F7-BB66EC2ADF64}"/>
+              </a:ext>
+            </a:extLst>
+          </p:cNvPr>
+          <p:cNvSpPr>
+            <a:spLocks noGrp="1"/>
+          </p:cNvSpPr>
+          <p:nvPr>
+            <p:ph type="title"/>
+          </p:nvPr>
+        </p:nvSpPr>
+        <p:spPr>
+          <a:xfrm>
+            <a:off x="304977" y="187890"/>
+            <a:ext cx="9856790" cy="530326"/>
+          </a:xfrm>
+        </p:spPr>
+        <p:txBody>
+          <a:bodyPr/>
+          <a:lstStyle/>
+          <a:p>
+            <a:r>
+              <a:rPr lang="de-DE" dirty="0">
+                <a:latin typeface="Klavika" panose="02000803050000020004" pitchFamily="2" charset="0"/>
+              </a:rPr>
+              <a:t>Automatisiertes Ausführen von Templates</a:t>
+            </a:r>
+            <a:endParaRPr lang="de-AT" dirty="0">
+              <a:latin typeface="Klavika" panose="02000803050000020004" pitchFamily="2" charset="0"/>
+            </a:endParaRPr>
+          </a:p>
+        </p:txBody>
+      </p:sp>
+      <p:sp>
+        <p:nvSpPr>
+          <p:cNvPr id="6" name="Inhaltsplatzhalter 5">
+            <a:extLst>
+              <a:ext uri="{FF2B5EF4-FFF2-40B4-BE49-F238E27FC236}">
+                <a16:creationId xmlns:a16="http://schemas.microsoft.com/office/drawing/2014/main" id="{902B4942-6079-4325-B9EF-8765C0505437}"/>
+              </a:ext>
+            </a:extLst>
+          </p:cNvPr>
+          <p:cNvSpPr>
+            <a:spLocks noGrp="1"/>
+          </p:cNvSpPr>
+          <p:nvPr>
+            <p:ph idx="1"/>
+          </p:nvPr>
+        </p:nvSpPr>
+        <p:spPr/>
+        <p:txBody>
+          <a:bodyPr/>
+          <a:lstStyle/>
+          <a:p>
+            <a:endParaRPr lang="de-AT" dirty="0">
+              <a:latin typeface="Roboto" panose="02000000000000000000" pitchFamily="2" charset="0"/>
+              <a:ea typeface="Roboto" panose="02000000000000000000" pitchFamily="2" charset="0"/>
+            </a:endParaRPr>
+          </a:p>
+          <a:p>
+            <a:r>
+              <a:rPr lang="de-AT" dirty="0">
+                <a:latin typeface="Roboto" panose="02000000000000000000" pitchFamily="2" charset="0"/>
+                <a:ea typeface="Roboto" panose="02000000000000000000" pitchFamily="2" charset="0"/>
+              </a:rPr>
+              <a:t>Beispiel mit </a:t>
+            </a:r>
+            <a:r>
+              <a:rPr lang="de-AT" dirty="0" err="1">
+                <a:latin typeface="Roboto" panose="02000000000000000000" pitchFamily="2" charset="0"/>
+                <a:ea typeface="Roboto" panose="02000000000000000000" pitchFamily="2" charset="0"/>
+              </a:rPr>
+              <a:t>PowerShell</a:t>
+            </a:r>
+            <a:endParaRPr lang="de-AT" dirty="0">
+              <a:latin typeface="Roboto" panose="02000000000000000000" pitchFamily="2" charset="0"/>
+              <a:ea typeface="Roboto" panose="02000000000000000000" pitchFamily="2" charset="0"/>
+            </a:endParaRPr>
+          </a:p>
+          <a:p>
+            <a:pPr marL="0" indent="0">
+              <a:buNone/>
+            </a:pPr>
+            <a:endParaRPr lang="de-AT" dirty="0">
+              <a:latin typeface="Roboto" panose="02000000000000000000" pitchFamily="2" charset="0"/>
+              <a:ea typeface="Roboto" panose="02000000000000000000" pitchFamily="2" charset="0"/>
+            </a:endParaRPr>
+          </a:p>
+          <a:p>
+            <a:pPr marL="0" indent="0">
+              <a:buNone/>
+            </a:pPr>
+            <a:endParaRPr lang="de-AT" dirty="0">
+              <a:latin typeface="Roboto" panose="02000000000000000000" pitchFamily="2" charset="0"/>
+              <a:ea typeface="Roboto" panose="02000000000000000000" pitchFamily="2" charset="0"/>
+            </a:endParaRPr>
+          </a:p>
+        </p:txBody>
+      </p:sp>
+      <p:sp>
+        <p:nvSpPr>
+          <p:cNvPr id="4" name="Datumsplatzhalter 3">
+            <a:extLst>
+              <a:ext uri="{FF2B5EF4-FFF2-40B4-BE49-F238E27FC236}">
+                <a16:creationId xmlns:a16="http://schemas.microsoft.com/office/drawing/2014/main" id="{C5C0CF94-8E0E-4767-B789-B0FE06643950}"/>
+              </a:ext>
+            </a:extLst>
+          </p:cNvPr>
+          <p:cNvSpPr>
+            <a:spLocks noGrp="1"/>
+          </p:cNvSpPr>
+          <p:nvPr>
+            <p:ph type="dt" sz="half" idx="10"/>
+          </p:nvPr>
+        </p:nvSpPr>
+        <p:spPr/>
+        <p:txBody>
+          <a:bodyPr/>
+          <a:lstStyle/>
+          <a:p>
+            <a:r>
+              <a:rPr lang="de-DE"/>
+              <a:t>fiskaltrust gmbh - </a:t>
+            </a:r>
+            <a:fld id="{F9CF9B13-D011-40B4-B116-4AFF51B22AA5}" type="datetime1">
+              <a:rPr lang="de-DE" smtClean="0"/>
+              <a:pPr/>
+              <a:t>08.10.20</a:t>
+            </a:fld>
+            <a:r>
+              <a:rPr lang="de-DE"/>
+              <a:t> - Folie </a:t>
+            </a:r>
+            <a:fld id="{4D3E4D3B-16BA-4843-8361-4E45D113E984}" type="slidenum">
+              <a:rPr lang="de-DE" smtClean="0"/>
+              <a:pPr/>
+              <a:t>16</a:t>
             </a:fld>
             <a:endParaRPr lang="de-DE"/>
           </a:p>
@@ -16620,175 +16991,6 @@
 </p:sld>
 </file>
 
-<file path=ppt/slides/slide16.xml><?xml version="1.0" encoding="utf-8"?>
-<p:sld xmlns:a="http://schemas.openxmlformats.org/drawingml/2006/main" xmlns:r="http://schemas.openxmlformats.org/officeDocument/2006/relationships" xmlns:p="http://schemas.openxmlformats.org/presentationml/2006/main">
-  <p:cSld>
-    <p:spTree>
-      <p:nvGrpSpPr>
-        <p:cNvPr id="1" name=""/>
-        <p:cNvGrpSpPr/>
-        <p:nvPr/>
-      </p:nvGrpSpPr>
-      <p:grpSpPr>
-        <a:xfrm>
-          <a:off x="0" y="0"/>
-          <a:ext cx="0" cy="0"/>
-          <a:chOff x="0" y="0"/>
-          <a:chExt cx="0" cy="0"/>
-        </a:xfrm>
-      </p:grpSpPr>
-      <p:sp>
-        <p:nvSpPr>
-          <p:cNvPr id="5" name="Titel 4">
-            <a:extLst>
-              <a:ext uri="{FF2B5EF4-FFF2-40B4-BE49-F238E27FC236}">
-                <a16:creationId xmlns:a16="http://schemas.microsoft.com/office/drawing/2014/main" id="{3BDAB914-87D3-4CE0-B5F7-BB66EC2ADF64}"/>
-              </a:ext>
-            </a:extLst>
-          </p:cNvPr>
-          <p:cNvSpPr>
-            <a:spLocks noGrp="1"/>
-          </p:cNvSpPr>
-          <p:nvPr>
-            <p:ph type="title"/>
-          </p:nvPr>
-        </p:nvSpPr>
-        <p:spPr>
-          <a:xfrm>
-            <a:off x="304977" y="187890"/>
-            <a:ext cx="9856790" cy="530326"/>
-          </a:xfrm>
-        </p:spPr>
-        <p:txBody>
-          <a:bodyPr/>
-          <a:lstStyle/>
-          <a:p>
-            <a:r>
-              <a:rPr lang="de-DE" dirty="0">
-                <a:latin typeface="Klavika" panose="02000803050000020004" pitchFamily="2" charset="0"/>
-              </a:rPr>
-              <a:t>Outlets im Portal anlegen</a:t>
-            </a:r>
-            <a:endParaRPr lang="de-AT" dirty="0">
-              <a:latin typeface="Klavika" panose="02000803050000020004" pitchFamily="2" charset="0"/>
-            </a:endParaRPr>
-          </a:p>
-        </p:txBody>
-      </p:sp>
-      <p:sp>
-        <p:nvSpPr>
-          <p:cNvPr id="6" name="Inhaltsplatzhalter 5">
-            <a:extLst>
-              <a:ext uri="{FF2B5EF4-FFF2-40B4-BE49-F238E27FC236}">
-                <a16:creationId xmlns:a16="http://schemas.microsoft.com/office/drawing/2014/main" id="{902B4942-6079-4325-B9EF-8765C0505437}"/>
-              </a:ext>
-            </a:extLst>
-          </p:cNvPr>
-          <p:cNvSpPr>
-            <a:spLocks noGrp="1"/>
-          </p:cNvSpPr>
-          <p:nvPr>
-            <p:ph idx="1"/>
-          </p:nvPr>
-        </p:nvSpPr>
-        <p:spPr/>
-        <p:txBody>
-          <a:bodyPr/>
-          <a:lstStyle/>
-          <a:p>
-            <a:pPr marL="0" indent="0">
-              <a:buNone/>
-            </a:pPr>
-            <a:endParaRPr lang="de-AT" dirty="0">
-              <a:latin typeface="Roboto" panose="02000000000000000000" pitchFamily="2" charset="0"/>
-              <a:ea typeface="Roboto" panose="02000000000000000000" pitchFamily="2" charset="0"/>
-            </a:endParaRPr>
-          </a:p>
-          <a:p>
-            <a:r>
-              <a:rPr lang="de-AT" dirty="0">
-                <a:latin typeface="Roboto" panose="02000000000000000000" pitchFamily="2" charset="0"/>
-                <a:ea typeface="Roboto" panose="02000000000000000000" pitchFamily="2" charset="0"/>
-              </a:rPr>
-              <a:t>Manuell</a:t>
-            </a:r>
-          </a:p>
-          <a:p>
-            <a:r>
-              <a:rPr lang="de-AT" dirty="0">
-                <a:latin typeface="Roboto" panose="02000000000000000000" pitchFamily="2" charset="0"/>
-                <a:ea typeface="Roboto" panose="02000000000000000000" pitchFamily="2" charset="0"/>
-              </a:rPr>
-              <a:t>Automatisiert über Bulk-Import (CSV Datei)</a:t>
-            </a:r>
-          </a:p>
-          <a:p>
-            <a:r>
-              <a:rPr lang="de-AT" dirty="0">
-                <a:latin typeface="Roboto" panose="02000000000000000000" pitchFamily="2" charset="0"/>
-                <a:ea typeface="Roboto" panose="02000000000000000000" pitchFamily="2" charset="0"/>
-              </a:rPr>
-              <a:t>Outlet-Nummer</a:t>
-            </a:r>
-          </a:p>
-        </p:txBody>
-      </p:sp>
-      <p:sp>
-        <p:nvSpPr>
-          <p:cNvPr id="4" name="Datumsplatzhalter 3">
-            <a:extLst>
-              <a:ext uri="{FF2B5EF4-FFF2-40B4-BE49-F238E27FC236}">
-                <a16:creationId xmlns:a16="http://schemas.microsoft.com/office/drawing/2014/main" id="{C5C0CF94-8E0E-4767-B789-B0FE06643950}"/>
-              </a:ext>
-            </a:extLst>
-          </p:cNvPr>
-          <p:cNvSpPr>
-            <a:spLocks noGrp="1"/>
-          </p:cNvSpPr>
-          <p:nvPr>
-            <p:ph type="dt" sz="half" idx="10"/>
-          </p:nvPr>
-        </p:nvSpPr>
-        <p:spPr/>
-        <p:txBody>
-          <a:bodyPr/>
-          <a:lstStyle/>
-          <a:p>
-            <a:r>
-              <a:rPr lang="de-DE"/>
-              <a:t>fiskaltrust gmbh - </a:t>
-            </a:r>
-            <a:fld id="{F9CF9B13-D011-40B4-B116-4AFF51B22AA5}" type="datetime1">
-              <a:rPr lang="de-DE" smtClean="0"/>
-              <a:pPr/>
-              <a:t>24.09.20</a:t>
-            </a:fld>
-            <a:r>
-              <a:rPr lang="de-DE"/>
-              <a:t> - Folie </a:t>
-            </a:r>
-            <a:fld id="{4D3E4D3B-16BA-4843-8361-4E45D113E984}" type="slidenum">
-              <a:rPr lang="de-DE" smtClean="0"/>
-              <a:pPr/>
-              <a:t>16</a:t>
-            </a:fld>
-            <a:endParaRPr lang="de-DE"/>
-          </a:p>
-        </p:txBody>
-      </p:sp>
-    </p:spTree>
-    <p:extLst>
-      <p:ext uri="{BB962C8B-B14F-4D97-AF65-F5344CB8AC3E}">
-        <p14:creationId xmlns:p14="http://schemas.microsoft.com/office/powerpoint/2010/main" val="615248831"/>
-      </p:ext>
-    </p:extLst>
-  </p:cSld>
-  <p:clrMapOvr>
-    <a:masterClrMapping/>
-  </p:clrMapOvr>
-</p:sld>
-</file>
-
 <file path=ppt/slides/slide17.xml><?xml version="1.0" encoding="utf-8"?>
 <p:sld xmlns:a="http://schemas.openxmlformats.org/drawingml/2006/main" xmlns:r="http://schemas.openxmlformats.org/officeDocument/2006/relationships" xmlns:p="http://schemas.openxmlformats.org/presentationml/2006/main">
   <p:cSld>
@@ -16836,7 +17038,7 @@
               <a:rPr lang="de-DE" dirty="0">
                 <a:latin typeface="Klavika" panose="02000803050000020004" pitchFamily="2" charset="0"/>
               </a:rPr>
-              <a:t>Ausführen von Templates je Outlet</a:t>
+              <a:t>Outlets im Portal anlegen</a:t>
             </a:r>
             <a:endParaRPr lang="de-AT" dirty="0">
               <a:latin typeface="Klavika" panose="02000803050000020004" pitchFamily="2" charset="0"/>
@@ -16865,27 +17067,6 @@
           <a:bodyPr/>
           <a:lstStyle/>
           <a:p>
-            <a:endParaRPr lang="de-AT" dirty="0">
-              <a:latin typeface="Roboto" panose="02000000000000000000" pitchFamily="2" charset="0"/>
-              <a:ea typeface="Roboto" panose="02000000000000000000" pitchFamily="2" charset="0"/>
-            </a:endParaRPr>
-          </a:p>
-          <a:p>
-            <a:r>
-              <a:rPr lang="de-DE" dirty="0">
-                <a:latin typeface="Roboto" panose="02000000000000000000" pitchFamily="2" charset="0"/>
-                <a:ea typeface="Roboto" panose="02000000000000000000" pitchFamily="2" charset="0"/>
-              </a:rPr>
-              <a:t>CSV Datei (Bulk-Import + Vorlage für API Aufruf)</a:t>
-            </a:r>
-          </a:p>
-          <a:p>
-            <a:endParaRPr lang="de-AT" dirty="0">
-              <a:latin typeface="Roboto" panose="02000000000000000000" pitchFamily="2" charset="0"/>
-              <a:ea typeface="Roboto" panose="02000000000000000000" pitchFamily="2" charset="0"/>
-            </a:endParaRPr>
-          </a:p>
-          <a:p>
             <a:pPr marL="0" indent="0">
               <a:buNone/>
             </a:pPr>
@@ -16895,13 +17076,31 @@
             </a:endParaRPr>
           </a:p>
           <a:p>
-            <a:pPr marL="0" indent="0">
-              <a:buNone/>
-            </a:pPr>
-            <a:endParaRPr lang="de-AT" dirty="0">
-              <a:latin typeface="Roboto" panose="02000000000000000000" pitchFamily="2" charset="0"/>
-              <a:ea typeface="Roboto" panose="02000000000000000000" pitchFamily="2" charset="0"/>
-            </a:endParaRPr>
+            <a:r>
+              <a:rPr lang="de-AT" dirty="0">
+                <a:latin typeface="Roboto" panose="02000000000000000000" pitchFamily="2" charset="0"/>
+                <a:ea typeface="Roboto" panose="02000000000000000000" pitchFamily="2" charset="0"/>
+              </a:rPr>
+              <a:t>Manuell</a:t>
+            </a:r>
+          </a:p>
+          <a:p>
+            <a:r>
+              <a:rPr lang="de-AT" dirty="0">
+                <a:latin typeface="Roboto" panose="02000000000000000000" pitchFamily="2" charset="0"/>
+                <a:ea typeface="Roboto" panose="02000000000000000000" pitchFamily="2" charset="0"/>
+              </a:rPr>
+              <a:t>Automatisiert über Bulk-Import (CSV Datei)</a:t>
+            </a:r>
+          </a:p>
+          <a:p>
+            <a:r>
+              <a:rPr lang="de-AT" dirty="0">
+                <a:latin typeface="Roboto" panose="02000000000000000000" pitchFamily="2" charset="0"/>
+                <a:ea typeface="Roboto" panose="02000000000000000000" pitchFamily="2" charset="0"/>
+              </a:rPr>
+              <a:t>Outlet-Nummer</a:t>
+            </a:r>
           </a:p>
         </p:txBody>
       </p:sp>
@@ -16933,7 +17132,7 @@
             <a:fld id="{F9CF9B13-D011-40B4-B116-4AFF51B22AA5}" type="datetime1">
               <a:rPr lang="de-DE" smtClean="0"/>
               <a:pPr/>
-              <a:t>24.09.20</a:t>
+              <a:t>08.10.20</a:t>
             </a:fld>
             <a:r>
               <a:rPr lang="de-DE"/>
@@ -16943,6 +17142,178 @@
               <a:rPr lang="de-DE" smtClean="0"/>
               <a:pPr/>
               <a:t>17</a:t>
+            </a:fld>
+            <a:endParaRPr lang="de-DE"/>
+          </a:p>
+        </p:txBody>
+      </p:sp>
+    </p:spTree>
+    <p:extLst>
+      <p:ext uri="{BB962C8B-B14F-4D97-AF65-F5344CB8AC3E}">
+        <p14:creationId xmlns:p14="http://schemas.microsoft.com/office/powerpoint/2010/main" val="615248831"/>
+      </p:ext>
+    </p:extLst>
+  </p:cSld>
+  <p:clrMapOvr>
+    <a:masterClrMapping/>
+  </p:clrMapOvr>
+</p:sld>
+</file>
+
+<file path=ppt/slides/slide18.xml><?xml version="1.0" encoding="utf-8"?>
+<p:sld xmlns:a="http://schemas.openxmlformats.org/drawingml/2006/main" xmlns:r="http://schemas.openxmlformats.org/officeDocument/2006/relationships" xmlns:p="http://schemas.openxmlformats.org/presentationml/2006/main">
+  <p:cSld>
+    <p:spTree>
+      <p:nvGrpSpPr>
+        <p:cNvPr id="1" name=""/>
+        <p:cNvGrpSpPr/>
+        <p:nvPr/>
+      </p:nvGrpSpPr>
+      <p:grpSpPr>
+        <a:xfrm>
+          <a:off x="0" y="0"/>
+          <a:ext cx="0" cy="0"/>
+          <a:chOff x="0" y="0"/>
+          <a:chExt cx="0" cy="0"/>
+        </a:xfrm>
+      </p:grpSpPr>
+      <p:sp>
+        <p:nvSpPr>
+          <p:cNvPr id="5" name="Titel 4">
+            <a:extLst>
+              <a:ext uri="{FF2B5EF4-FFF2-40B4-BE49-F238E27FC236}">
+                <a16:creationId xmlns:a16="http://schemas.microsoft.com/office/drawing/2014/main" id="{3BDAB914-87D3-4CE0-B5F7-BB66EC2ADF64}"/>
+              </a:ext>
+            </a:extLst>
+          </p:cNvPr>
+          <p:cNvSpPr>
+            <a:spLocks noGrp="1"/>
+          </p:cNvSpPr>
+          <p:nvPr>
+            <p:ph type="title"/>
+          </p:nvPr>
+        </p:nvSpPr>
+        <p:spPr>
+          <a:xfrm>
+            <a:off x="304977" y="187890"/>
+            <a:ext cx="9856790" cy="530326"/>
+          </a:xfrm>
+        </p:spPr>
+        <p:txBody>
+          <a:bodyPr/>
+          <a:lstStyle/>
+          <a:p>
+            <a:r>
+              <a:rPr lang="de-DE" dirty="0">
+                <a:latin typeface="Klavika" panose="02000803050000020004" pitchFamily="2" charset="0"/>
+              </a:rPr>
+              <a:t>Ausführen von Templates je Outlet</a:t>
+            </a:r>
+            <a:endParaRPr lang="de-AT" dirty="0">
+              <a:latin typeface="Klavika" panose="02000803050000020004" pitchFamily="2" charset="0"/>
+            </a:endParaRPr>
+          </a:p>
+        </p:txBody>
+      </p:sp>
+      <p:sp>
+        <p:nvSpPr>
+          <p:cNvPr id="6" name="Inhaltsplatzhalter 5">
+            <a:extLst>
+              <a:ext uri="{FF2B5EF4-FFF2-40B4-BE49-F238E27FC236}">
+                <a16:creationId xmlns:a16="http://schemas.microsoft.com/office/drawing/2014/main" id="{902B4942-6079-4325-B9EF-8765C0505437}"/>
+              </a:ext>
+            </a:extLst>
+          </p:cNvPr>
+          <p:cNvSpPr>
+            <a:spLocks noGrp="1"/>
+          </p:cNvSpPr>
+          <p:nvPr>
+            <p:ph idx="1"/>
+          </p:nvPr>
+        </p:nvSpPr>
+        <p:spPr/>
+        <p:txBody>
+          <a:bodyPr/>
+          <a:lstStyle/>
+          <a:p>
+            <a:endParaRPr lang="de-AT" dirty="0">
+              <a:latin typeface="Roboto" panose="02000000000000000000" pitchFamily="2" charset="0"/>
+              <a:ea typeface="Roboto" panose="02000000000000000000" pitchFamily="2" charset="0"/>
+            </a:endParaRPr>
+          </a:p>
+          <a:p>
+            <a:r>
+              <a:rPr lang="de-DE" dirty="0">
+                <a:latin typeface="Roboto" panose="02000000000000000000" pitchFamily="2" charset="0"/>
+                <a:ea typeface="Roboto" panose="02000000000000000000" pitchFamily="2" charset="0"/>
+              </a:rPr>
+              <a:t>CSV Datei (Bulk-Import + Vorlage für API Aufruf)</a:t>
+            </a:r>
+          </a:p>
+          <a:p>
+            <a:endParaRPr lang="de-AT" dirty="0">
+              <a:latin typeface="Roboto" panose="02000000000000000000" pitchFamily="2" charset="0"/>
+              <a:ea typeface="Roboto" panose="02000000000000000000" pitchFamily="2" charset="0"/>
+            </a:endParaRPr>
+          </a:p>
+          <a:p>
+            <a:pPr marL="0" indent="0">
+              <a:buNone/>
+            </a:pPr>
+            <a:endParaRPr lang="de-AT" dirty="0">
+              <a:latin typeface="Roboto" panose="02000000000000000000" pitchFamily="2" charset="0"/>
+              <a:ea typeface="Roboto" panose="02000000000000000000" pitchFamily="2" charset="0"/>
+            </a:endParaRPr>
+          </a:p>
+          <a:p>
+            <a:pPr marL="0" indent="0">
+              <a:buNone/>
+            </a:pPr>
+            <a:endParaRPr lang="de-AT" dirty="0">
+              <a:latin typeface="Roboto" panose="02000000000000000000" pitchFamily="2" charset="0"/>
+              <a:ea typeface="Roboto" panose="02000000000000000000" pitchFamily="2" charset="0"/>
+            </a:endParaRPr>
+          </a:p>
+        </p:txBody>
+      </p:sp>
+      <p:sp>
+        <p:nvSpPr>
+          <p:cNvPr id="4" name="Datumsplatzhalter 3">
+            <a:extLst>
+              <a:ext uri="{FF2B5EF4-FFF2-40B4-BE49-F238E27FC236}">
+                <a16:creationId xmlns:a16="http://schemas.microsoft.com/office/drawing/2014/main" id="{C5C0CF94-8E0E-4767-B789-B0FE06643950}"/>
+              </a:ext>
+            </a:extLst>
+          </p:cNvPr>
+          <p:cNvSpPr>
+            <a:spLocks noGrp="1"/>
+          </p:cNvSpPr>
+          <p:nvPr>
+            <p:ph type="dt" sz="half" idx="10"/>
+          </p:nvPr>
+        </p:nvSpPr>
+        <p:spPr/>
+        <p:txBody>
+          <a:bodyPr/>
+          <a:lstStyle/>
+          <a:p>
+            <a:r>
+              <a:rPr lang="de-DE"/>
+              <a:t>fiskaltrust gmbh - </a:t>
+            </a:r>
+            <a:fld id="{F9CF9B13-D011-40B4-B116-4AFF51B22AA5}" type="datetime1">
+              <a:rPr lang="de-DE" smtClean="0"/>
+              <a:pPr/>
+              <a:t>08.10.20</a:t>
+            </a:fld>
+            <a:r>
+              <a:rPr lang="de-DE"/>
+              <a:t> - Folie </a:t>
+            </a:r>
+            <a:fld id="{4D3E4D3B-16BA-4843-8361-4E45D113E984}" type="slidenum">
+              <a:rPr lang="de-DE" smtClean="0"/>
+              <a:pPr/>
+              <a:t>18</a:t>
             </a:fld>
             <a:endParaRPr lang="de-DE"/>
           </a:p>
@@ -16997,201 +17368,6 @@
 </p:sld>
 </file>
 
-<file path=ppt/slides/slide18.xml><?xml version="1.0" encoding="utf-8"?>
-<p:sld xmlns:a="http://schemas.openxmlformats.org/drawingml/2006/main" xmlns:r="http://schemas.openxmlformats.org/officeDocument/2006/relationships" xmlns:p="http://schemas.openxmlformats.org/presentationml/2006/main">
-  <p:cSld>
-    <p:spTree>
-      <p:nvGrpSpPr>
-        <p:cNvPr id="1" name=""/>
-        <p:cNvGrpSpPr/>
-        <p:nvPr/>
-      </p:nvGrpSpPr>
-      <p:grpSpPr>
-        <a:xfrm>
-          <a:off x="0" y="0"/>
-          <a:ext cx="0" cy="0"/>
-          <a:chOff x="0" y="0"/>
-          <a:chExt cx="0" cy="0"/>
-        </a:xfrm>
-      </p:grpSpPr>
-      <p:sp>
-        <p:nvSpPr>
-          <p:cNvPr id="5" name="Titel 4">
-            <a:extLst>
-              <a:ext uri="{FF2B5EF4-FFF2-40B4-BE49-F238E27FC236}">
-                <a16:creationId xmlns:a16="http://schemas.microsoft.com/office/drawing/2014/main" id="{3BDAB914-87D3-4CE0-B5F7-BB66EC2ADF64}"/>
-              </a:ext>
-            </a:extLst>
-          </p:cNvPr>
-          <p:cNvSpPr>
-            <a:spLocks noGrp="1"/>
-          </p:cNvSpPr>
-          <p:nvPr>
-            <p:ph type="title"/>
-          </p:nvPr>
-        </p:nvSpPr>
-        <p:spPr>
-          <a:xfrm>
-            <a:off x="304977" y="187890"/>
-            <a:ext cx="9856790" cy="530326"/>
-          </a:xfrm>
-        </p:spPr>
-        <p:txBody>
-          <a:bodyPr/>
-          <a:lstStyle/>
-          <a:p>
-            <a:r>
-              <a:rPr lang="de-DE" dirty="0">
-                <a:latin typeface="Klavika" panose="02000803050000020004" pitchFamily="2" charset="0"/>
-              </a:rPr>
-              <a:t>Ausführen von Templates je Outlet</a:t>
-            </a:r>
-            <a:endParaRPr lang="de-AT" dirty="0">
-              <a:latin typeface="Klavika" panose="02000803050000020004" pitchFamily="2" charset="0"/>
-            </a:endParaRPr>
-          </a:p>
-        </p:txBody>
-      </p:sp>
-      <p:sp>
-        <p:nvSpPr>
-          <p:cNvPr id="6" name="Inhaltsplatzhalter 5">
-            <a:extLst>
-              <a:ext uri="{FF2B5EF4-FFF2-40B4-BE49-F238E27FC236}">
-                <a16:creationId xmlns:a16="http://schemas.microsoft.com/office/drawing/2014/main" id="{902B4942-6079-4325-B9EF-8765C0505437}"/>
-              </a:ext>
-            </a:extLst>
-          </p:cNvPr>
-          <p:cNvSpPr>
-            <a:spLocks noGrp="1"/>
-          </p:cNvSpPr>
-          <p:nvPr>
-            <p:ph idx="1"/>
-          </p:nvPr>
-        </p:nvSpPr>
-        <p:spPr/>
-        <p:txBody>
-          <a:bodyPr/>
-          <a:lstStyle/>
-          <a:p>
-            <a:pPr marL="0" indent="0">
-              <a:buNone/>
-            </a:pPr>
-            <a:endParaRPr lang="de-AT" dirty="0">
-              <a:latin typeface="Roboto" panose="02000000000000000000" pitchFamily="2" charset="0"/>
-              <a:ea typeface="Roboto" panose="02000000000000000000" pitchFamily="2" charset="0"/>
-            </a:endParaRPr>
-          </a:p>
-          <a:p>
-            <a:pPr marL="0" indent="0">
-              <a:buNone/>
-            </a:pPr>
-            <a:endParaRPr lang="de-AT" dirty="0">
-              <a:latin typeface="Roboto" panose="02000000000000000000" pitchFamily="2" charset="0"/>
-              <a:ea typeface="Roboto" panose="02000000000000000000" pitchFamily="2" charset="0"/>
-            </a:endParaRPr>
-          </a:p>
-          <a:p>
-            <a:pPr marL="0" indent="0">
-              <a:buNone/>
-            </a:pPr>
-            <a:endParaRPr lang="de-AT" dirty="0">
-              <a:latin typeface="Roboto" panose="02000000000000000000" pitchFamily="2" charset="0"/>
-              <a:ea typeface="Roboto" panose="02000000000000000000" pitchFamily="2" charset="0"/>
-            </a:endParaRPr>
-          </a:p>
-        </p:txBody>
-      </p:sp>
-      <p:sp>
-        <p:nvSpPr>
-          <p:cNvPr id="4" name="Datumsplatzhalter 3">
-            <a:extLst>
-              <a:ext uri="{FF2B5EF4-FFF2-40B4-BE49-F238E27FC236}">
-                <a16:creationId xmlns:a16="http://schemas.microsoft.com/office/drawing/2014/main" id="{C5C0CF94-8E0E-4767-B789-B0FE06643950}"/>
-              </a:ext>
-            </a:extLst>
-          </p:cNvPr>
-          <p:cNvSpPr>
-            <a:spLocks noGrp="1"/>
-          </p:cNvSpPr>
-          <p:nvPr>
-            <p:ph type="dt" sz="half" idx="10"/>
-          </p:nvPr>
-        </p:nvSpPr>
-        <p:spPr/>
-        <p:txBody>
-          <a:bodyPr/>
-          <a:lstStyle/>
-          <a:p>
-            <a:r>
-              <a:rPr lang="de-DE"/>
-              <a:t>fiskaltrust gmbh - </a:t>
-            </a:r>
-            <a:fld id="{F9CF9B13-D011-40B4-B116-4AFF51B22AA5}" type="datetime1">
-              <a:rPr lang="de-DE" smtClean="0"/>
-              <a:pPr/>
-              <a:t>24.09.20</a:t>
-            </a:fld>
-            <a:r>
-              <a:rPr lang="de-DE"/>
-              <a:t> - Folie </a:t>
-            </a:r>
-            <a:fld id="{4D3E4D3B-16BA-4843-8361-4E45D113E984}" type="slidenum">
-              <a:rPr lang="de-DE" smtClean="0"/>
-              <a:pPr/>
-              <a:t>18</a:t>
-            </a:fld>
-            <a:endParaRPr lang="de-DE"/>
-          </a:p>
-        </p:txBody>
-      </p:sp>
-      <p:pic>
-        <p:nvPicPr>
-          <p:cNvPr id="7" name="Picture 6">
-            <a:extLst>
-              <a:ext uri="{FF2B5EF4-FFF2-40B4-BE49-F238E27FC236}">
-                <a16:creationId xmlns:a16="http://schemas.microsoft.com/office/drawing/2014/main" id="{DD7D4424-5856-8D42-9C2C-635899767858}"/>
-              </a:ext>
-            </a:extLst>
-          </p:cNvPr>
-          <p:cNvPicPr>
-            <a:picLocks noChangeAspect="1"/>
-          </p:cNvPicPr>
-          <p:nvPr/>
-        </p:nvPicPr>
-        <p:blipFill>
-          <a:blip r:embed="rId3">
-            <a:extLst>
-              <a:ext uri="{28A0092B-C50C-407E-A947-70E740481C1C}">
-                <a14:useLocalDpi xmlns:a14="http://schemas.microsoft.com/office/drawing/2010/main" val="0"/>
-              </a:ext>
-            </a:extLst>
-          </a:blip>
-          <a:srcRect/>
-          <a:stretch/>
-        </p:blipFill>
-        <p:spPr>
-          <a:xfrm>
-            <a:off x="371564" y="1040818"/>
-            <a:ext cx="11274785" cy="5817182"/>
-          </a:xfrm>
-          <a:prstGeom prst="rect">
-            <a:avLst/>
-          </a:prstGeom>
-        </p:spPr>
-      </p:pic>
-    </p:spTree>
-    <p:extLst>
-      <p:ext uri="{BB962C8B-B14F-4D97-AF65-F5344CB8AC3E}">
-        <p14:creationId xmlns:p14="http://schemas.microsoft.com/office/powerpoint/2010/main" val="266032705"/>
-      </p:ext>
-    </p:extLst>
-  </p:cSld>
-  <p:clrMapOvr>
-    <a:masterClrMapping/>
-  </p:clrMapOvr>
-</p:sld>
-</file>
-
 <file path=ppt/slides/slide19.xml><?xml version="1.0" encoding="utf-8"?>
 <p:sld xmlns:a="http://schemas.openxmlformats.org/drawingml/2006/main" xmlns:r="http://schemas.openxmlformats.org/officeDocument/2006/relationships" xmlns:p="http://schemas.openxmlformats.org/presentationml/2006/main">
   <p:cSld>
@@ -17268,59 +17444,9 @@
           <a:bodyPr/>
           <a:lstStyle/>
           <a:p>
-            <a:r>
-              <a:rPr lang="de-DE" dirty="0">
-                <a:latin typeface="Roboto" panose="02000000000000000000" pitchFamily="2" charset="0"/>
-                <a:ea typeface="Roboto" panose="02000000000000000000" pitchFamily="2" charset="0"/>
-              </a:rPr>
-              <a:t>Launcher als Nugget-Package</a:t>
-            </a:r>
-          </a:p>
-          <a:p>
-            <a:r>
-              <a:rPr lang="de-DE" dirty="0">
-                <a:latin typeface="Roboto" panose="02000000000000000000" pitchFamily="2" charset="0"/>
-                <a:ea typeface="Roboto" panose="02000000000000000000" pitchFamily="2" charset="0"/>
-              </a:rPr>
-              <a:t>Konfiguration anpassen (</a:t>
-            </a:r>
-            <a:r>
-              <a:rPr lang="de-DE" dirty="0" err="1">
-                <a:latin typeface="Roboto" panose="02000000000000000000" pitchFamily="2" charset="0"/>
-                <a:ea typeface="Roboto" panose="02000000000000000000" pitchFamily="2" charset="0"/>
-              </a:rPr>
-              <a:t>cashboxid</a:t>
-            </a:r>
-            <a:r>
-              <a:rPr lang="de-DE" dirty="0">
-                <a:latin typeface="Roboto" panose="02000000000000000000" pitchFamily="2" charset="0"/>
-                <a:ea typeface="Roboto" panose="02000000000000000000" pitchFamily="2" charset="0"/>
-              </a:rPr>
-              <a:t>, </a:t>
-            </a:r>
-            <a:r>
-              <a:rPr lang="de-DE" dirty="0" err="1">
-                <a:latin typeface="Roboto" panose="02000000000000000000" pitchFamily="2" charset="0"/>
-                <a:ea typeface="Roboto" panose="02000000000000000000" pitchFamily="2" charset="0"/>
-              </a:rPr>
-              <a:t>accesstoken</a:t>
-            </a:r>
-            <a:r>
-              <a:rPr lang="de-DE" dirty="0">
-                <a:latin typeface="Roboto" panose="02000000000000000000" pitchFamily="2" charset="0"/>
-                <a:ea typeface="Roboto" panose="02000000000000000000" pitchFamily="2" charset="0"/>
-              </a:rPr>
-              <a:t>)</a:t>
-            </a:r>
-          </a:p>
-          <a:p>
-            <a:r>
-              <a:rPr lang="de-DE" dirty="0">
-                <a:latin typeface="Roboto" panose="02000000000000000000" pitchFamily="2" charset="0"/>
-                <a:ea typeface="Roboto" panose="02000000000000000000" pitchFamily="2" charset="0"/>
-              </a:rPr>
-              <a:t>Ausliefern und Starten</a:t>
-            </a:r>
+            <a:pPr marL="0" indent="0">
+              <a:buNone/>
+            </a:pPr>
             <a:endParaRPr lang="de-AT" dirty="0">
               <a:latin typeface="Roboto" panose="02000000000000000000" pitchFamily="2" charset="0"/>
               <a:ea typeface="Roboto" panose="02000000000000000000" pitchFamily="2" charset="0"/>
@@ -17374,7 +17500,7 @@
             <a:fld id="{F9CF9B13-D011-40B4-B116-4AFF51B22AA5}" type="datetime1">
               <a:rPr lang="de-DE" smtClean="0"/>
               <a:pPr/>
-              <a:t>24.09.20</a:t>
+              <a:t>08.10.20</a:t>
             </a:fld>
             <a:r>
               <a:rPr lang="de-DE"/>
@@ -17394,7 +17520,7 @@
           <p:cNvPr id="7" name="Picture 6">
             <a:extLst>
               <a:ext uri="{FF2B5EF4-FFF2-40B4-BE49-F238E27FC236}">
-                <a16:creationId xmlns:a16="http://schemas.microsoft.com/office/drawing/2014/main" id="{1F422E22-0860-E449-B8CB-699930E92998}"/>
+                <a16:creationId xmlns:a16="http://schemas.microsoft.com/office/drawing/2014/main" id="{DD7D4424-5856-8D42-9C2C-635899767858}"/>
               </a:ext>
             </a:extLst>
           </p:cNvPr>
@@ -17416,8 +17542,8 @@
         </p:blipFill>
         <p:spPr>
           <a:xfrm>
-            <a:off x="304976" y="3514331"/>
-            <a:ext cx="7638969" cy="2510358"/>
+            <a:off x="371564" y="1040818"/>
+            <a:ext cx="11274785" cy="5817182"/>
           </a:xfrm>
           <a:prstGeom prst="rect">
             <a:avLst/>
@@ -17427,7 +17553,7 @@
     </p:spTree>
     <p:extLst>
       <p:ext uri="{BB962C8B-B14F-4D97-AF65-F5344CB8AC3E}">
-        <p14:creationId xmlns:p14="http://schemas.microsoft.com/office/powerpoint/2010/main" val="944677562"/>
+        <p14:creationId xmlns:p14="http://schemas.microsoft.com/office/powerpoint/2010/main" val="266032705"/>
       </p:ext>
     </p:extLst>
   </p:cSld>
@@ -17587,7 +17713,7 @@
             <a:fld id="{F9CF9B13-D011-40B4-B116-4AFF51B22AA5}" type="datetime1">
               <a:rPr lang="de-DE" smtClean="0"/>
               <a:pPr/>
-              <a:t>24.09.20</a:t>
+              <a:t>08.10.20</a:t>
             </a:fld>
             <a:r>
               <a:rPr lang="de-DE"/>
@@ -17662,7 +17788,7 @@
               <a:rPr lang="de-DE" dirty="0">
                 <a:latin typeface="Klavika" panose="02000803050000020004" pitchFamily="2" charset="0"/>
               </a:rPr>
-              <a:t>Hoher Automatisierungsgrad</a:t>
+              <a:t>Ausführen von Templates je Outlet</a:t>
             </a:r>
             <a:endParaRPr lang="de-AT" dirty="0">
               <a:latin typeface="Klavika" panose="02000803050000020004" pitchFamily="2" charset="0"/>
@@ -17691,6 +17817,65 @@
           <a:bodyPr/>
           <a:lstStyle/>
           <a:p>
+            <a:r>
+              <a:rPr lang="de-DE" dirty="0">
+                <a:latin typeface="Roboto" panose="02000000000000000000" pitchFamily="2" charset="0"/>
+                <a:ea typeface="Roboto" panose="02000000000000000000" pitchFamily="2" charset="0"/>
+              </a:rPr>
+              <a:t>Launcher als Nugget-Package</a:t>
+            </a:r>
+          </a:p>
+          <a:p>
+            <a:r>
+              <a:rPr lang="de-DE" dirty="0">
+                <a:latin typeface="Roboto" panose="02000000000000000000" pitchFamily="2" charset="0"/>
+                <a:ea typeface="Roboto" panose="02000000000000000000" pitchFamily="2" charset="0"/>
+              </a:rPr>
+              <a:t>Konfiguration anpassen (</a:t>
+            </a:r>
+            <a:r>
+              <a:rPr lang="de-DE" dirty="0" err="1">
+                <a:latin typeface="Roboto" panose="02000000000000000000" pitchFamily="2" charset="0"/>
+                <a:ea typeface="Roboto" panose="02000000000000000000" pitchFamily="2" charset="0"/>
+              </a:rPr>
+              <a:t>cashboxid</a:t>
+            </a:r>
+            <a:r>
+              <a:rPr lang="de-DE" dirty="0">
+                <a:latin typeface="Roboto" panose="02000000000000000000" pitchFamily="2" charset="0"/>
+                <a:ea typeface="Roboto" panose="02000000000000000000" pitchFamily="2" charset="0"/>
+              </a:rPr>
+              <a:t>, </a:t>
+            </a:r>
+            <a:r>
+              <a:rPr lang="de-DE" dirty="0" err="1">
+                <a:latin typeface="Roboto" panose="02000000000000000000" pitchFamily="2" charset="0"/>
+                <a:ea typeface="Roboto" panose="02000000000000000000" pitchFamily="2" charset="0"/>
+              </a:rPr>
+              <a:t>accesstoken</a:t>
+            </a:r>
+            <a:r>
+              <a:rPr lang="de-DE" dirty="0">
+                <a:latin typeface="Roboto" panose="02000000000000000000" pitchFamily="2" charset="0"/>
+                <a:ea typeface="Roboto" panose="02000000000000000000" pitchFamily="2" charset="0"/>
+              </a:rPr>
+              <a:t>)</a:t>
+            </a:r>
+          </a:p>
+          <a:p>
+            <a:r>
+              <a:rPr lang="de-DE" dirty="0">
+                <a:latin typeface="Roboto" panose="02000000000000000000" pitchFamily="2" charset="0"/>
+                <a:ea typeface="Roboto" panose="02000000000000000000" pitchFamily="2" charset="0"/>
+              </a:rPr>
+              <a:t>Ausliefern und Starten</a:t>
+            </a:r>
+            <a:endParaRPr lang="de-AT" dirty="0">
+              <a:latin typeface="Roboto" panose="02000000000000000000" pitchFamily="2" charset="0"/>
+              <a:ea typeface="Roboto" panose="02000000000000000000" pitchFamily="2" charset="0"/>
+            </a:endParaRPr>
+          </a:p>
+          <a:p>
             <a:pPr marL="0" indent="0">
               <a:buNone/>
             </a:pPr>
@@ -17700,31 +17885,13 @@
             </a:endParaRPr>
           </a:p>
           <a:p>
-            <a:r>
-              <a:rPr lang="de-AT" dirty="0">
-                <a:latin typeface="Roboto" panose="02000000000000000000" pitchFamily="2" charset="0"/>
-                <a:ea typeface="Roboto" panose="02000000000000000000" pitchFamily="2" charset="0"/>
-              </a:rPr>
-              <a:t>Bulk-Import der Outlets</a:t>
-            </a:r>
-          </a:p>
-          <a:p>
-            <a:r>
-              <a:rPr lang="de-AT" dirty="0">
-                <a:latin typeface="Roboto" panose="02000000000000000000" pitchFamily="2" charset="0"/>
-                <a:ea typeface="Roboto" panose="02000000000000000000" pitchFamily="2" charset="0"/>
-              </a:rPr>
-              <a:t>Automatisches Ausführen von Templates</a:t>
-            </a:r>
-          </a:p>
-          <a:p>
-            <a:r>
-              <a:rPr lang="de-AT" dirty="0">
-                <a:latin typeface="Roboto" panose="02000000000000000000" pitchFamily="2" charset="0"/>
-                <a:ea typeface="Roboto" panose="02000000000000000000" pitchFamily="2" charset="0"/>
-              </a:rPr>
-              <a:t>Automatisches Ausliefern des Launcher</a:t>
-            </a:r>
+            <a:pPr marL="0" indent="0">
+              <a:buNone/>
+            </a:pPr>
+            <a:endParaRPr lang="de-AT" dirty="0">
+              <a:latin typeface="Roboto" panose="02000000000000000000" pitchFamily="2" charset="0"/>
+              <a:ea typeface="Roboto" panose="02000000000000000000" pitchFamily="2" charset="0"/>
+            </a:endParaRPr>
           </a:p>
         </p:txBody>
       </p:sp>
@@ -17756,7 +17923,7 @@
             <a:fld id="{F9CF9B13-D011-40B4-B116-4AFF51B22AA5}" type="datetime1">
               <a:rPr lang="de-DE" smtClean="0"/>
               <a:pPr/>
-              <a:t>24.09.20</a:t>
+              <a:t>08.10.20</a:t>
             </a:fld>
             <a:r>
               <a:rPr lang="de-DE"/>
@@ -17771,10 +17938,45 @@
           </a:p>
         </p:txBody>
       </p:sp>
+      <p:pic>
+        <p:nvPicPr>
+          <p:cNvPr id="7" name="Picture 6">
+            <a:extLst>
+              <a:ext uri="{FF2B5EF4-FFF2-40B4-BE49-F238E27FC236}">
+                <a16:creationId xmlns:a16="http://schemas.microsoft.com/office/drawing/2014/main" id="{1F422E22-0860-E449-B8CB-699930E92998}"/>
+              </a:ext>
+            </a:extLst>
+          </p:cNvPr>
+          <p:cNvPicPr>
+            <a:picLocks noChangeAspect="1"/>
+          </p:cNvPicPr>
+          <p:nvPr/>
+        </p:nvPicPr>
+        <p:blipFill>
+          <a:blip r:embed="rId3">
+            <a:extLst>
+              <a:ext uri="{28A0092B-C50C-407E-A947-70E740481C1C}">
+                <a14:useLocalDpi xmlns:a14="http://schemas.microsoft.com/office/drawing/2010/main" val="0"/>
+              </a:ext>
+            </a:extLst>
+          </a:blip>
+          <a:srcRect/>
+          <a:stretch/>
+        </p:blipFill>
+        <p:spPr>
+          <a:xfrm>
+            <a:off x="304976" y="3514331"/>
+            <a:ext cx="7638969" cy="2510358"/>
+          </a:xfrm>
+          <a:prstGeom prst="rect">
+            <a:avLst/>
+          </a:prstGeom>
+        </p:spPr>
+      </p:pic>
     </p:spTree>
     <p:extLst>
       <p:ext uri="{BB962C8B-B14F-4D97-AF65-F5344CB8AC3E}">
-        <p14:creationId xmlns:p14="http://schemas.microsoft.com/office/powerpoint/2010/main" val="2037192287"/>
+        <p14:creationId xmlns:p14="http://schemas.microsoft.com/office/powerpoint/2010/main" val="944677562"/>
       </p:ext>
     </p:extLst>
   </p:cSld>
@@ -17831,7 +18033,7 @@
               <a:rPr lang="de-DE" dirty="0">
                 <a:latin typeface="Klavika" panose="02000803050000020004" pitchFamily="2" charset="0"/>
               </a:rPr>
-              <a:t>Rollout Szenarien</a:t>
+              <a:t>Hoher Automatisierungsgrad</a:t>
             </a:r>
             <a:endParaRPr lang="de-AT" dirty="0">
               <a:latin typeface="Klavika" panose="02000803050000020004" pitchFamily="2" charset="0"/>
@@ -17870,17 +18072,30 @@
           </a:p>
           <a:p>
             <a:r>
-              <a:rPr lang="de-DE" dirty="0">
+              <a:rPr lang="de-AT" dirty="0">
                 <a:latin typeface="Roboto" panose="02000000000000000000" pitchFamily="2" charset="0"/>
                 <a:ea typeface="Roboto" panose="02000000000000000000" pitchFamily="2" charset="0"/>
-                <a:hlinkClick r:id="rId3"/>
               </a:rPr>
-              <a:t>Vorführung anhand der Dokumentation</a:t>
-            </a:r>
-            <a:endParaRPr lang="de-DE" dirty="0">
-              <a:latin typeface="Roboto" panose="02000000000000000000" pitchFamily="2" charset="0"/>
-              <a:ea typeface="Roboto" panose="02000000000000000000" pitchFamily="2" charset="0"/>
-            </a:endParaRPr>
+              <a:t>Bulk-Import der Outlets</a:t>
+            </a:r>
+          </a:p>
+          <a:p>
+            <a:r>
+              <a:rPr lang="de-AT" dirty="0">
+                <a:latin typeface="Roboto" panose="02000000000000000000" pitchFamily="2" charset="0"/>
+                <a:ea typeface="Roboto" panose="02000000000000000000" pitchFamily="2" charset="0"/>
+              </a:rPr>
+              <a:t>Automatisches Ausführen von Templates</a:t>
+            </a:r>
+          </a:p>
+          <a:p>
+            <a:r>
+              <a:rPr lang="de-AT" dirty="0">
+                <a:latin typeface="Roboto" panose="02000000000000000000" pitchFamily="2" charset="0"/>
+                <a:ea typeface="Roboto" panose="02000000000000000000" pitchFamily="2" charset="0"/>
+              </a:rPr>
+              <a:t>Automatisches Ausliefern des Launcher</a:t>
+            </a:r>
           </a:p>
         </p:txBody>
       </p:sp>
@@ -17912,7 +18127,7 @@
             <a:fld id="{F9CF9B13-D011-40B4-B116-4AFF51B22AA5}" type="datetime1">
               <a:rPr lang="de-DE" smtClean="0"/>
               <a:pPr/>
-              <a:t>24.09.20</a:t>
+              <a:t>08.10.20</a:t>
             </a:fld>
             <a:r>
               <a:rPr lang="de-DE"/>
@@ -17930,7 +18145,7 @@
     </p:spTree>
     <p:extLst>
       <p:ext uri="{BB962C8B-B14F-4D97-AF65-F5344CB8AC3E}">
-        <p14:creationId xmlns:p14="http://schemas.microsoft.com/office/powerpoint/2010/main" val="2170437401"/>
+        <p14:creationId xmlns:p14="http://schemas.microsoft.com/office/powerpoint/2010/main" val="2037192287"/>
       </p:ext>
     </p:extLst>
   </p:cSld>
@@ -17987,7 +18202,7 @@
               <a:rPr lang="de-DE" dirty="0">
                 <a:latin typeface="Klavika" panose="02000803050000020004" pitchFamily="2" charset="0"/>
               </a:rPr>
-              <a:t>Nächste Schritte</a:t>
+              <a:t>Rollout Szenarien</a:t>
             </a:r>
             <a:endParaRPr lang="de-AT" dirty="0">
               <a:latin typeface="Klavika" panose="02000803050000020004" pitchFamily="2" charset="0"/>
@@ -18027,9 +18242,11 @@
           <a:p>
             <a:r>
               <a:rPr lang="de-DE" dirty="0">
+                <a:latin typeface="Roboto" panose="02000000000000000000" pitchFamily="2" charset="0"/>
+                <a:ea typeface="Roboto" panose="02000000000000000000" pitchFamily="2" charset="0"/>
                 <a:hlinkClick r:id="rId3"/>
               </a:rPr>
-              <a:t>Getting Started für Kassenhändler</a:t>
+              <a:t>Vorführung anhand der Dokumentation</a:t>
             </a:r>
             <a:endParaRPr lang="de-DE" dirty="0">
               <a:latin typeface="Roboto" panose="02000000000000000000" pitchFamily="2" charset="0"/>
@@ -18066,7 +18283,7 @@
             <a:fld id="{F9CF9B13-D011-40B4-B116-4AFF51B22AA5}" type="datetime1">
               <a:rPr lang="de-DE" smtClean="0"/>
               <a:pPr/>
-              <a:t>24.09.20</a:t>
+              <a:t>08.10.20</a:t>
             </a:fld>
             <a:r>
               <a:rPr lang="de-DE"/>
@@ -18076,6 +18293,160 @@
               <a:rPr lang="de-DE" smtClean="0"/>
               <a:pPr/>
               <a:t>22</a:t>
+            </a:fld>
+            <a:endParaRPr lang="de-DE"/>
+          </a:p>
+        </p:txBody>
+      </p:sp>
+    </p:spTree>
+    <p:extLst>
+      <p:ext uri="{BB962C8B-B14F-4D97-AF65-F5344CB8AC3E}">
+        <p14:creationId xmlns:p14="http://schemas.microsoft.com/office/powerpoint/2010/main" val="2170437401"/>
+      </p:ext>
+    </p:extLst>
+  </p:cSld>
+  <p:clrMapOvr>
+    <a:masterClrMapping/>
+  </p:clrMapOvr>
+</p:sld>
+</file>
+
+<file path=ppt/slides/slide23.xml><?xml version="1.0" encoding="utf-8"?>
+<p:sld xmlns:a="http://schemas.openxmlformats.org/drawingml/2006/main" xmlns:r="http://schemas.openxmlformats.org/officeDocument/2006/relationships" xmlns:p="http://schemas.openxmlformats.org/presentationml/2006/main">
+  <p:cSld>
+    <p:spTree>
+      <p:nvGrpSpPr>
+        <p:cNvPr id="1" name=""/>
+        <p:cNvGrpSpPr/>
+        <p:nvPr/>
+      </p:nvGrpSpPr>
+      <p:grpSpPr>
+        <a:xfrm>
+          <a:off x="0" y="0"/>
+          <a:ext cx="0" cy="0"/>
+          <a:chOff x="0" y="0"/>
+          <a:chExt cx="0" cy="0"/>
+        </a:xfrm>
+      </p:grpSpPr>
+      <p:sp>
+        <p:nvSpPr>
+          <p:cNvPr id="5" name="Titel 4">
+            <a:extLst>
+              <a:ext uri="{FF2B5EF4-FFF2-40B4-BE49-F238E27FC236}">
+                <a16:creationId xmlns:a16="http://schemas.microsoft.com/office/drawing/2014/main" id="{3BDAB914-87D3-4CE0-B5F7-BB66EC2ADF64}"/>
+              </a:ext>
+            </a:extLst>
+          </p:cNvPr>
+          <p:cNvSpPr>
+            <a:spLocks noGrp="1"/>
+          </p:cNvSpPr>
+          <p:nvPr>
+            <p:ph type="title"/>
+          </p:nvPr>
+        </p:nvSpPr>
+        <p:spPr>
+          <a:xfrm>
+            <a:off x="304977" y="187890"/>
+            <a:ext cx="9856790" cy="530326"/>
+          </a:xfrm>
+        </p:spPr>
+        <p:txBody>
+          <a:bodyPr/>
+          <a:lstStyle/>
+          <a:p>
+            <a:r>
+              <a:rPr lang="de-DE" dirty="0">
+                <a:latin typeface="Klavika" panose="02000803050000020004" pitchFamily="2" charset="0"/>
+              </a:rPr>
+              <a:t>Nächste Schritte</a:t>
+            </a:r>
+            <a:endParaRPr lang="de-AT" dirty="0">
+              <a:latin typeface="Klavika" panose="02000803050000020004" pitchFamily="2" charset="0"/>
+            </a:endParaRPr>
+          </a:p>
+        </p:txBody>
+      </p:sp>
+      <p:sp>
+        <p:nvSpPr>
+          <p:cNvPr id="6" name="Inhaltsplatzhalter 5">
+            <a:extLst>
+              <a:ext uri="{FF2B5EF4-FFF2-40B4-BE49-F238E27FC236}">
+                <a16:creationId xmlns:a16="http://schemas.microsoft.com/office/drawing/2014/main" id="{902B4942-6079-4325-B9EF-8765C0505437}"/>
+              </a:ext>
+            </a:extLst>
+          </p:cNvPr>
+          <p:cNvSpPr>
+            <a:spLocks noGrp="1"/>
+          </p:cNvSpPr>
+          <p:nvPr>
+            <p:ph idx="1"/>
+          </p:nvPr>
+        </p:nvSpPr>
+        <p:spPr/>
+        <p:txBody>
+          <a:bodyPr/>
+          <a:lstStyle/>
+          <a:p>
+            <a:pPr marL="0" indent="0">
+              <a:buNone/>
+            </a:pPr>
+            <a:endParaRPr lang="de-AT" dirty="0">
+              <a:latin typeface="Roboto" panose="02000000000000000000" pitchFamily="2" charset="0"/>
+              <a:ea typeface="Roboto" panose="02000000000000000000" pitchFamily="2" charset="0"/>
+            </a:endParaRPr>
+          </a:p>
+          <a:p>
+            <a:r>
+              <a:rPr lang="de-DE" dirty="0">
+                <a:hlinkClick r:id="rId3"/>
+              </a:rPr>
+              <a:t>Getting Started für Kassenhändler</a:t>
+            </a:r>
+            <a:endParaRPr lang="de-DE" dirty="0">
+              <a:latin typeface="Roboto" panose="02000000000000000000" pitchFamily="2" charset="0"/>
+              <a:ea typeface="Roboto" panose="02000000000000000000" pitchFamily="2" charset="0"/>
+            </a:endParaRPr>
+          </a:p>
+        </p:txBody>
+      </p:sp>
+      <p:sp>
+        <p:nvSpPr>
+          <p:cNvPr id="4" name="Datumsplatzhalter 3">
+            <a:extLst>
+              <a:ext uri="{FF2B5EF4-FFF2-40B4-BE49-F238E27FC236}">
+                <a16:creationId xmlns:a16="http://schemas.microsoft.com/office/drawing/2014/main" id="{C5C0CF94-8E0E-4767-B789-B0FE06643950}"/>
+              </a:ext>
+            </a:extLst>
+          </p:cNvPr>
+          <p:cNvSpPr>
+            <a:spLocks noGrp="1"/>
+          </p:cNvSpPr>
+          <p:nvPr>
+            <p:ph type="dt" sz="half" idx="10"/>
+          </p:nvPr>
+        </p:nvSpPr>
+        <p:spPr/>
+        <p:txBody>
+          <a:bodyPr/>
+          <a:lstStyle/>
+          <a:p>
+            <a:r>
+              <a:rPr lang="de-DE"/>
+              <a:t>fiskaltrust gmbh - </a:t>
+            </a:r>
+            <a:fld id="{F9CF9B13-D011-40B4-B116-4AFF51B22AA5}" type="datetime1">
+              <a:rPr lang="de-DE" smtClean="0"/>
+              <a:pPr/>
+              <a:t>08.10.20</a:t>
+            </a:fld>
+            <a:r>
+              <a:rPr lang="de-DE"/>
+              <a:t> - Folie </a:t>
+            </a:r>
+            <a:fld id="{4D3E4D3B-16BA-4843-8361-4E45D113E984}" type="slidenum">
+              <a:rPr lang="de-DE" smtClean="0"/>
+              <a:pPr/>
+              <a:t>23</a:t>
             </a:fld>
             <a:endParaRPr lang="de-DE"/>
           </a:p>
@@ -18094,7 +18465,7 @@
 </p:sld>
 </file>
 
-<file path=ppt/slides/slide23.xml><?xml version="1.0" encoding="utf-8"?>
+<file path=ppt/slides/slide24.xml><?xml version="1.0" encoding="utf-8"?>
 <p:sld xmlns:a="http://schemas.openxmlformats.org/drawingml/2006/main" xmlns:r="http://schemas.openxmlformats.org/officeDocument/2006/relationships" xmlns:p="http://schemas.openxmlformats.org/presentationml/2006/main">
   <p:cSld>
     <p:spTree>
@@ -18168,7 +18539,7 @@
             <a:fld id="{F9CF9B13-D011-40B4-B116-4AFF51B22AA5}" type="datetime1">
               <a:rPr lang="de-DE" smtClean="0"/>
               <a:pPr/>
-              <a:t>24.09.20</a:t>
+              <a:t>08.10.20</a:t>
             </a:fld>
             <a:r>
               <a:rPr lang="de-DE"/>
@@ -18177,7 +18548,7 @@
             <a:fld id="{4D3E4D3B-16BA-4843-8361-4E45D113E984}" type="slidenum">
               <a:rPr lang="de-DE" smtClean="0"/>
               <a:pPr/>
-              <a:t>23</a:t>
+              <a:t>24</a:t>
             </a:fld>
             <a:endParaRPr lang="de-DE"/>
           </a:p>
@@ -20793,7 +21164,7 @@
             <a:fld id="{F9CF9B13-D011-40B4-B116-4AFF51B22AA5}" type="datetime1">
               <a:rPr lang="de-DE" smtClean="0"/>
               <a:pPr/>
-              <a:t>24.09.20</a:t>
+              <a:t>08.10.20</a:t>
             </a:fld>
             <a:r>
               <a:rPr lang="de-DE"/>
@@ -20904,7 +21275,7 @@
             <a:fld id="{F9CF9B13-D011-40B4-B116-4AFF51B22AA5}" type="datetime1">
               <a:rPr lang="de-DE" smtClean="0"/>
               <a:pPr/>
-              <a:t>24.09.20</a:t>
+              <a:t>08.10.20</a:t>
             </a:fld>
             <a:r>
               <a:rPr lang="de-DE"/>
@@ -21009,7 +21380,7 @@
               <a:rPr lang="de-DE" dirty="0">
                 <a:latin typeface="Klavika" panose="02000803050000020004" pitchFamily="2" charset="0"/>
               </a:rPr>
-              <a:t>Vorbereitung der Konfiguration (Cashbox)</a:t>
+              <a:t>fiskaltrust Middleware</a:t>
             </a:r>
             <a:endParaRPr lang="de-AT" dirty="0">
               <a:latin typeface="Klavika" panose="02000803050000020004" pitchFamily="2" charset="0"/>
@@ -21045,7 +21416,7 @@
             <a:fld id="{F9CF9B13-D011-40B4-B116-4AFF51B22AA5}" type="datetime1">
               <a:rPr lang="de-DE" smtClean="0"/>
               <a:pPr/>
-              <a:t>24.09.20</a:t>
+              <a:t>12.10.20</a:t>
             </a:fld>
             <a:r>
               <a:rPr lang="de-DE"/>
@@ -21062,10 +21433,10 @@
       </p:sp>
       <p:pic>
         <p:nvPicPr>
-          <p:cNvPr id="10" name="Picture 9" descr="A screenshot of a cell phone&#10;&#10;Description automatically generated">
+          <p:cNvPr id="3" name="Picture 2" descr="Diagram&#10;&#10;Description automatically generated">
             <a:extLst>
               <a:ext uri="{FF2B5EF4-FFF2-40B4-BE49-F238E27FC236}">
-                <a16:creationId xmlns:a16="http://schemas.microsoft.com/office/drawing/2014/main" id="{BF5D6A97-8909-2144-AD64-A00807299F99}"/>
+                <a16:creationId xmlns:a16="http://schemas.microsoft.com/office/drawing/2014/main" id="{3741FFC4-ABF4-2849-B267-484B749D57C2}"/>
               </a:ext>
             </a:extLst>
           </p:cNvPr>
@@ -21088,8 +21459,8 @@
         </p:blipFill>
         <p:spPr>
           <a:xfrm>
-            <a:off x="850900" y="2120900"/>
-            <a:ext cx="10490200" cy="3530600"/>
+            <a:off x="670287" y="1718603"/>
+            <a:ext cx="11025449" cy="3780154"/>
           </a:xfrm>
           <a:prstGeom prst="rect">
             <a:avLst/>
@@ -21166,76 +21537,6 @@
       </p:sp>
       <p:sp>
         <p:nvSpPr>
-          <p:cNvPr id="6" name="Inhaltsplatzhalter 5">
-            <a:extLst>
-              <a:ext uri="{FF2B5EF4-FFF2-40B4-BE49-F238E27FC236}">
-                <a16:creationId xmlns:a16="http://schemas.microsoft.com/office/drawing/2014/main" id="{902B4942-6079-4325-B9EF-8765C0505437}"/>
-              </a:ext>
-            </a:extLst>
-          </p:cNvPr>
-          <p:cNvSpPr>
-            <a:spLocks noGrp="1"/>
-          </p:cNvSpPr>
-          <p:nvPr>
-            <p:ph idx="1"/>
-          </p:nvPr>
-        </p:nvSpPr>
-        <p:spPr/>
-        <p:txBody>
-          <a:bodyPr/>
-          <a:lstStyle/>
-          <a:p>
-            <a:endParaRPr lang="de-AT" dirty="0">
-              <a:latin typeface="Roboto" panose="02000000000000000000" pitchFamily="2" charset="0"/>
-              <a:ea typeface="Roboto" panose="02000000000000000000" pitchFamily="2" charset="0"/>
-            </a:endParaRPr>
-          </a:p>
-          <a:p>
-            <a:endParaRPr lang="de-AT" dirty="0">
-              <a:latin typeface="Roboto" panose="02000000000000000000" pitchFamily="2" charset="0"/>
-              <a:ea typeface="Roboto" panose="02000000000000000000" pitchFamily="2" charset="0"/>
-            </a:endParaRPr>
-          </a:p>
-          <a:p>
-            <a:r>
-              <a:rPr lang="de-AT" dirty="0">
-                <a:latin typeface="Roboto" panose="02000000000000000000" pitchFamily="2" charset="0"/>
-                <a:ea typeface="Roboto" panose="02000000000000000000" pitchFamily="2" charset="0"/>
-              </a:rPr>
-              <a:t>Anlegen und konfigurieren der Queue</a:t>
-            </a:r>
-          </a:p>
-          <a:p>
-            <a:r>
-              <a:rPr lang="de-AT" dirty="0">
-                <a:latin typeface="Roboto" panose="02000000000000000000" pitchFamily="2" charset="0"/>
-                <a:ea typeface="Roboto" panose="02000000000000000000" pitchFamily="2" charset="0"/>
-              </a:rPr>
-              <a:t>Anlegen und konfigurieren der SCU</a:t>
-            </a:r>
-          </a:p>
-          <a:p>
-            <a:r>
-              <a:rPr lang="de-AT" dirty="0">
-                <a:latin typeface="Roboto" panose="02000000000000000000" pitchFamily="2" charset="0"/>
-                <a:ea typeface="Roboto" panose="02000000000000000000" pitchFamily="2" charset="0"/>
-              </a:rPr>
-              <a:t>Verknüpfen der Queue mit der SCU</a:t>
-            </a:r>
-          </a:p>
-          <a:p>
-            <a:r>
-              <a:rPr lang="de-AT" dirty="0">
-                <a:latin typeface="Roboto" panose="02000000000000000000" pitchFamily="2" charset="0"/>
-                <a:ea typeface="Roboto" panose="02000000000000000000" pitchFamily="2" charset="0"/>
-              </a:rPr>
-              <a:t>Erstellen und konfigurieren der Cashbox</a:t>
-            </a:r>
-          </a:p>
-        </p:txBody>
-      </p:sp>
-      <p:sp>
-        <p:nvSpPr>
           <p:cNvPr id="4" name="Datumsplatzhalter 3">
             <a:extLst>
               <a:ext uri="{FF2B5EF4-FFF2-40B4-BE49-F238E27FC236}">
@@ -21262,7 +21563,7 @@
             <a:fld id="{F9CF9B13-D011-40B4-B116-4AFF51B22AA5}" type="datetime1">
               <a:rPr lang="de-DE" smtClean="0"/>
               <a:pPr/>
-              <a:t>24.09.20</a:t>
+              <a:t>12.10.20</a:t>
             </a:fld>
             <a:r>
               <a:rPr lang="de-DE"/>
@@ -21277,10 +21578,46 @@
           </a:p>
         </p:txBody>
       </p:sp>
+      <p:pic>
+        <p:nvPicPr>
+          <p:cNvPr id="10" name="Picture 9" descr="A screenshot of a cell phone&#10;&#10;Description automatically generated">
+            <a:extLst>
+              <a:ext uri="{FF2B5EF4-FFF2-40B4-BE49-F238E27FC236}">
+                <a16:creationId xmlns:a16="http://schemas.microsoft.com/office/drawing/2014/main" id="{BF5D6A97-8909-2144-AD64-A00807299F99}"/>
+              </a:ext>
+            </a:extLst>
+          </p:cNvPr>
+          <p:cNvPicPr>
+            <a:picLocks noChangeAspect="1"/>
+          </p:cNvPicPr>
+          <p:nvPr/>
+        </p:nvPicPr>
+        <p:blipFill>
+          <a:blip r:embed="rId3">
+            <a:extLst>
+              <a:ext uri="{28A0092B-C50C-407E-A947-70E740481C1C}">
+                <a14:useLocalDpi xmlns:a14="http://schemas.microsoft.com/office/drawing/2010/main" val="0"/>
+              </a:ext>
+            </a:extLst>
+          </a:blip>
+          <a:stretch>
+            <a:fillRect/>
+          </a:stretch>
+        </p:blipFill>
+        <p:spPr>
+          <a:xfrm>
+            <a:off x="850900" y="2120900"/>
+            <a:ext cx="10490200" cy="3530600"/>
+          </a:xfrm>
+          <a:prstGeom prst="rect">
+            <a:avLst/>
+          </a:prstGeom>
+        </p:spPr>
+      </p:pic>
     </p:spTree>
     <p:extLst>
       <p:ext uri="{BB962C8B-B14F-4D97-AF65-F5344CB8AC3E}">
-        <p14:creationId xmlns:p14="http://schemas.microsoft.com/office/powerpoint/2010/main" val="1981613929"/>
+        <p14:creationId xmlns:p14="http://schemas.microsoft.com/office/powerpoint/2010/main" val="2315233438"/>
       </p:ext>
     </p:extLst>
   </p:cSld>
@@ -21337,7 +21674,7 @@
               <a:rPr lang="de-DE" dirty="0">
                 <a:latin typeface="Klavika" panose="02000803050000020004" pitchFamily="2" charset="0"/>
               </a:rPr>
-              <a:t>Download der ft.Middleware (Launcher)</a:t>
+              <a:t>Vorbereitung der Konfiguration (Cashbox)</a:t>
             </a:r>
             <a:endParaRPr lang="de-AT" dirty="0">
               <a:latin typeface="Klavika" panose="02000803050000020004" pitchFamily="2" charset="0"/>
@@ -21372,9 +21709,6 @@
             </a:endParaRPr>
           </a:p>
           <a:p>
-            <a:pPr marL="0" indent="0">
-              <a:buNone/>
-            </a:pPr>
             <a:endParaRPr lang="de-AT" dirty="0">
               <a:latin typeface="Roboto" panose="02000000000000000000" pitchFamily="2" charset="0"/>
               <a:ea typeface="Roboto" panose="02000000000000000000" pitchFamily="2" charset="0"/>
@@ -21386,7 +21720,7 @@
                 <a:latin typeface="Roboto" panose="02000000000000000000" pitchFamily="2" charset="0"/>
                 <a:ea typeface="Roboto" panose="02000000000000000000" pitchFamily="2" charset="0"/>
               </a:rPr>
-              <a:t>„Rebuild configuration“</a:t>
+              <a:t>Anlegen und konfigurieren der Queue</a:t>
             </a:r>
           </a:p>
           <a:p>
@@ -21395,7 +21729,7 @@
                 <a:latin typeface="Roboto" panose="02000000000000000000" pitchFamily="2" charset="0"/>
                 <a:ea typeface="Roboto" panose="02000000000000000000" pitchFamily="2" charset="0"/>
               </a:rPr>
-              <a:t>Download des Launcher</a:t>
+              <a:t>Anlegen und konfigurieren der SCU</a:t>
             </a:r>
           </a:p>
           <a:p>
@@ -21404,7 +21738,16 @@
                 <a:latin typeface="Roboto" panose="02000000000000000000" pitchFamily="2" charset="0"/>
                 <a:ea typeface="Roboto" panose="02000000000000000000" pitchFamily="2" charset="0"/>
               </a:rPr>
-              <a:t>Installation und Starten des Service</a:t>
+              <a:t>Verknüpfen der Queue mit der SCU</a:t>
+            </a:r>
+          </a:p>
+          <a:p>
+            <a:r>
+              <a:rPr lang="de-AT" dirty="0">
+                <a:latin typeface="Roboto" panose="02000000000000000000" pitchFamily="2" charset="0"/>
+                <a:ea typeface="Roboto" panose="02000000000000000000" pitchFamily="2" charset="0"/>
+              </a:rPr>
+              <a:t>Erstellen und konfigurieren der Cashbox</a:t>
             </a:r>
           </a:p>
         </p:txBody>
@@ -21437,7 +21780,7 @@
             <a:fld id="{F9CF9B13-D011-40B4-B116-4AFF51B22AA5}" type="datetime1">
               <a:rPr lang="de-DE" smtClean="0"/>
               <a:pPr/>
-              <a:t>24.09.20</a:t>
+              <a:t>08.10.20</a:t>
             </a:fld>
             <a:r>
               <a:rPr lang="de-DE"/>
@@ -21455,7 +21798,7 @@
     </p:spTree>
     <p:extLst>
       <p:ext uri="{BB962C8B-B14F-4D97-AF65-F5344CB8AC3E}">
-        <p14:creationId xmlns:p14="http://schemas.microsoft.com/office/powerpoint/2010/main" val="1923481916"/>
+        <p14:creationId xmlns:p14="http://schemas.microsoft.com/office/powerpoint/2010/main" val="1981613929"/>
       </p:ext>
     </p:extLst>
   </p:cSld>
@@ -21512,7 +21855,7 @@
               <a:rPr lang="de-DE" dirty="0">
                 <a:latin typeface="Klavika" panose="02000803050000020004" pitchFamily="2" charset="0"/>
               </a:rPr>
-              <a:t>Automatisierungsoptionen</a:t>
+              <a:t>Download der ft.Middleware (Launcher)</a:t>
             </a:r>
             <a:endParaRPr lang="de-AT" dirty="0">
               <a:latin typeface="Klavika" panose="02000803050000020004" pitchFamily="2" charset="0"/>
@@ -21561,7 +21904,7 @@
                 <a:latin typeface="Roboto" panose="02000000000000000000" pitchFamily="2" charset="0"/>
                 <a:ea typeface="Roboto" panose="02000000000000000000" pitchFamily="2" charset="0"/>
               </a:rPr>
-              <a:t>Massenupdate der Cashboxen</a:t>
+              <a:t>„Rebuild configuration“</a:t>
             </a:r>
           </a:p>
           <a:p>
@@ -21570,7 +21913,7 @@
                 <a:latin typeface="Roboto" panose="02000000000000000000" pitchFamily="2" charset="0"/>
                 <a:ea typeface="Roboto" panose="02000000000000000000" pitchFamily="2" charset="0"/>
               </a:rPr>
-              <a:t>Templating zum Erstellen von Cashboxen</a:t>
+              <a:t>Download des Launcher</a:t>
             </a:r>
           </a:p>
           <a:p>
@@ -21579,25 +21922,7 @@
                 <a:latin typeface="Roboto" panose="02000000000000000000" pitchFamily="2" charset="0"/>
                 <a:ea typeface="Roboto" panose="02000000000000000000" pitchFamily="2" charset="0"/>
               </a:rPr>
-              <a:t>Bulk-Import der Standorte</a:t>
-            </a:r>
-          </a:p>
-          <a:p>
-            <a:r>
-              <a:rPr lang="de-AT" dirty="0">
-                <a:latin typeface="Roboto" panose="02000000000000000000" pitchFamily="2" charset="0"/>
-                <a:ea typeface="Roboto" panose="02000000000000000000" pitchFamily="2" charset="0"/>
-              </a:rPr>
-              <a:t>Automatisierte Auslieferung der Middleware</a:t>
-            </a:r>
-          </a:p>
-          <a:p>
-            <a:r>
-              <a:rPr lang="de-AT" dirty="0">
-                <a:latin typeface="Roboto" panose="02000000000000000000" pitchFamily="2" charset="0"/>
-                <a:ea typeface="Roboto" panose="02000000000000000000" pitchFamily="2" charset="0"/>
-              </a:rPr>
-              <a:t>Hoher Automatisierungsgrad</a:t>
+              <a:t>Installation und Starten des Service</a:t>
             </a:r>
           </a:p>
         </p:txBody>
@@ -21630,7 +21955,7 @@
             <a:fld id="{F9CF9B13-D011-40B4-B116-4AFF51B22AA5}" type="datetime1">
               <a:rPr lang="de-DE" smtClean="0"/>
               <a:pPr/>
-              <a:t>24.09.20</a:t>
+              <a:t>08.10.20</a:t>
             </a:fld>
             <a:r>
               <a:rPr lang="de-DE"/>
@@ -21648,7 +21973,7 @@
     </p:spTree>
     <p:extLst>
       <p:ext uri="{BB962C8B-B14F-4D97-AF65-F5344CB8AC3E}">
-        <p14:creationId xmlns:p14="http://schemas.microsoft.com/office/powerpoint/2010/main" val="3152647481"/>
+        <p14:creationId xmlns:p14="http://schemas.microsoft.com/office/powerpoint/2010/main" val="1923481916"/>
       </p:ext>
     </p:extLst>
   </p:cSld>
@@ -21705,11 +22030,93 @@
               <a:rPr lang="de-DE" dirty="0">
                 <a:latin typeface="Klavika" panose="02000803050000020004" pitchFamily="2" charset="0"/>
               </a:rPr>
-              <a:t>Massenupdate der Cashboxen</a:t>
+              <a:t>Automatisierungsoptionen</a:t>
             </a:r>
             <a:endParaRPr lang="de-AT" dirty="0">
               <a:latin typeface="Klavika" panose="02000803050000020004" pitchFamily="2" charset="0"/>
             </a:endParaRPr>
+          </a:p>
+        </p:txBody>
+      </p:sp>
+      <p:sp>
+        <p:nvSpPr>
+          <p:cNvPr id="6" name="Inhaltsplatzhalter 5">
+            <a:extLst>
+              <a:ext uri="{FF2B5EF4-FFF2-40B4-BE49-F238E27FC236}">
+                <a16:creationId xmlns:a16="http://schemas.microsoft.com/office/drawing/2014/main" id="{902B4942-6079-4325-B9EF-8765C0505437}"/>
+              </a:ext>
+            </a:extLst>
+          </p:cNvPr>
+          <p:cNvSpPr>
+            <a:spLocks noGrp="1"/>
+          </p:cNvSpPr>
+          <p:nvPr>
+            <p:ph idx="1"/>
+          </p:nvPr>
+        </p:nvSpPr>
+        <p:spPr/>
+        <p:txBody>
+          <a:bodyPr/>
+          <a:lstStyle/>
+          <a:p>
+            <a:endParaRPr lang="de-AT" dirty="0">
+              <a:latin typeface="Roboto" panose="02000000000000000000" pitchFamily="2" charset="0"/>
+              <a:ea typeface="Roboto" panose="02000000000000000000" pitchFamily="2" charset="0"/>
+            </a:endParaRPr>
+          </a:p>
+          <a:p>
+            <a:pPr marL="0" indent="0">
+              <a:buNone/>
+            </a:pPr>
+            <a:endParaRPr lang="de-AT" dirty="0">
+              <a:latin typeface="Roboto" panose="02000000000000000000" pitchFamily="2" charset="0"/>
+              <a:ea typeface="Roboto" panose="02000000000000000000" pitchFamily="2" charset="0"/>
+            </a:endParaRPr>
+          </a:p>
+          <a:p>
+            <a:r>
+              <a:rPr lang="de-AT" dirty="0">
+                <a:latin typeface="Roboto" panose="02000000000000000000" pitchFamily="2" charset="0"/>
+                <a:ea typeface="Roboto" panose="02000000000000000000" pitchFamily="2" charset="0"/>
+              </a:rPr>
+              <a:t>Massenupdate der Cashboxen</a:t>
+            </a:r>
+          </a:p>
+          <a:p>
+            <a:r>
+              <a:rPr lang="de-AT" dirty="0">
+                <a:latin typeface="Roboto" panose="02000000000000000000" pitchFamily="2" charset="0"/>
+                <a:ea typeface="Roboto" panose="02000000000000000000" pitchFamily="2" charset="0"/>
+              </a:rPr>
+              <a:t>Templating zum Erstellen von Cashboxen</a:t>
+            </a:r>
+          </a:p>
+          <a:p>
+            <a:r>
+              <a:rPr lang="de-AT" dirty="0">
+                <a:latin typeface="Roboto" panose="02000000000000000000" pitchFamily="2" charset="0"/>
+                <a:ea typeface="Roboto" panose="02000000000000000000" pitchFamily="2" charset="0"/>
+              </a:rPr>
+              <a:t>Bulk-Import der Standorte</a:t>
+            </a:r>
+          </a:p>
+          <a:p>
+            <a:r>
+              <a:rPr lang="de-AT" dirty="0">
+                <a:latin typeface="Roboto" panose="02000000000000000000" pitchFamily="2" charset="0"/>
+                <a:ea typeface="Roboto" panose="02000000000000000000" pitchFamily="2" charset="0"/>
+              </a:rPr>
+              <a:t>Automatisierte Auslieferung der Middleware</a:t>
+            </a:r>
+          </a:p>
+          <a:p>
+            <a:r>
+              <a:rPr lang="de-AT" dirty="0">
+                <a:latin typeface="Roboto" panose="02000000000000000000" pitchFamily="2" charset="0"/>
+                <a:ea typeface="Roboto" panose="02000000000000000000" pitchFamily="2" charset="0"/>
+              </a:rPr>
+              <a:t>Hoher Automatisierungsgrad</a:t>
+            </a:r>
           </a:p>
         </p:txBody>
       </p:sp>
@@ -21741,7 +22148,7 @@
             <a:fld id="{F9CF9B13-D011-40B4-B116-4AFF51B22AA5}" type="datetime1">
               <a:rPr lang="de-DE" smtClean="0"/>
               <a:pPr/>
-              <a:t>24.09.20</a:t>
+              <a:t>08.10.20</a:t>
             </a:fld>
             <a:r>
               <a:rPr lang="de-DE"/>
@@ -21756,46 +22163,10 @@
           </a:p>
         </p:txBody>
       </p:sp>
-      <p:pic>
-        <p:nvPicPr>
-          <p:cNvPr id="7" name="Picture 6" descr="A screenshot of a cell phone&#10;&#10;Description automatically generated">
-            <a:extLst>
-              <a:ext uri="{FF2B5EF4-FFF2-40B4-BE49-F238E27FC236}">
-                <a16:creationId xmlns:a16="http://schemas.microsoft.com/office/drawing/2014/main" id="{C717F9DD-0039-3B41-A54F-6F6F75DF069E}"/>
-              </a:ext>
-            </a:extLst>
-          </p:cNvPr>
-          <p:cNvPicPr>
-            <a:picLocks noChangeAspect="1"/>
-          </p:cNvPicPr>
-          <p:nvPr/>
-        </p:nvPicPr>
-        <p:blipFill>
-          <a:blip r:embed="rId3">
-            <a:extLst>
-              <a:ext uri="{28A0092B-C50C-407E-A947-70E740481C1C}">
-                <a14:useLocalDpi xmlns:a14="http://schemas.microsoft.com/office/drawing/2010/main" val="0"/>
-              </a:ext>
-            </a:extLst>
-          </a:blip>
-          <a:stretch>
-            <a:fillRect/>
-          </a:stretch>
-        </p:blipFill>
-        <p:spPr>
-          <a:xfrm>
-            <a:off x="0" y="1503554"/>
-            <a:ext cx="12192000" cy="4402327"/>
-          </a:xfrm>
-          <a:prstGeom prst="rect">
-            <a:avLst/>
-          </a:prstGeom>
-        </p:spPr>
-      </p:pic>
     </p:spTree>
     <p:extLst>
       <p:ext uri="{BB962C8B-B14F-4D97-AF65-F5344CB8AC3E}">
-        <p14:creationId xmlns:p14="http://schemas.microsoft.com/office/powerpoint/2010/main" val="1502827581"/>
+        <p14:creationId xmlns:p14="http://schemas.microsoft.com/office/powerpoint/2010/main" val="3152647481"/>
       </p:ext>
     </p:extLst>
   </p:cSld>
@@ -22396,18 +22767,18 @@
 </file>
 
 <file path=customXml/item1.xml><?xml version="1.0" encoding="utf-8"?>
+<p:properties xmlns:p="http://schemas.microsoft.com/office/2006/metadata/properties" xmlns:xsi="http://www.w3.org/2001/XMLSchema-instance" xmlns:pc="http://schemas.microsoft.com/office/infopath/2007/PartnerControls">
+  <documentManagement/>
+</p:properties>
+</file>
+
+<file path=customXml/item2.xml><?xml version="1.0" encoding="utf-8"?>
 <?mso-contentType ?>
 <FormTemplates xmlns="http://schemas.microsoft.com/sharepoint/v3/contenttype/forms">
   <Display>DocumentLibraryForm</Display>
   <Edit>DocumentLibraryForm</Edit>
   <New>DocumentLibraryForm</New>
 </FormTemplates>
-</file>
-
-<file path=customXml/item2.xml><?xml version="1.0" encoding="utf-8"?>
-<p:properties xmlns:p="http://schemas.microsoft.com/office/2006/metadata/properties" xmlns:xsi="http://www.w3.org/2001/XMLSchema-instance" xmlns:pc="http://schemas.microsoft.com/office/infopath/2007/PartnerControls">
-  <documentManagement/>
-</p:properties>
 </file>
 
 <file path=customXml/item3.xml><?xml version="1.0" encoding="utf-8"?>
@@ -22589,14 +22960,6 @@
 </file>
 
 <file path=customXml/itemProps1.xml><?xml version="1.0" encoding="utf-8"?>
-<ds:datastoreItem xmlns:ds="http://schemas.openxmlformats.org/officeDocument/2006/customXml" ds:itemID="{13D6CB1D-6628-4D5C-8ECC-C7DF45EC7E07}">
-  <ds:schemaRefs>
-    <ds:schemaRef ds:uri="http://schemas.microsoft.com/sharepoint/v3/contenttype/forms"/>
-  </ds:schemaRefs>
-</ds:datastoreItem>
-</file>
-
-<file path=customXml/itemProps2.xml><?xml version="1.0" encoding="utf-8"?>
 <ds:datastoreItem xmlns:ds="http://schemas.openxmlformats.org/officeDocument/2006/customXml" ds:itemID="{5AF2D8DD-AF33-4A08-A2E3-2004F6A6957D}">
   <ds:schemaRefs>
     <ds:schemaRef ds:uri="http://www.w3.org/XML/1998/namespace"/>
@@ -22609,6 +22972,14 @@
     <ds:schemaRef ds:uri="http://schemas.microsoft.com/office/2006/metadata/properties"/>
     <ds:schemaRef ds:uri="http://purl.org/dc/terms/"/>
     <ds:schemaRef ds:uri="http://schemas.openxmlformats.org/package/2006/metadata/core-properties"/>
+  </ds:schemaRefs>
+</ds:datastoreItem>
+</file>
+
+<file path=customXml/itemProps2.xml><?xml version="1.0" encoding="utf-8"?>
+<ds:datastoreItem xmlns:ds="http://schemas.openxmlformats.org/officeDocument/2006/customXml" ds:itemID="{13D6CB1D-6628-4D5C-8ECC-C7DF45EC7E07}">
+  <ds:schemaRefs>
+    <ds:schemaRef ds:uri="http://schemas.microsoft.com/sharepoint/v3/contenttype/forms"/>
   </ds:schemaRefs>
 </ds:datastoreItem>
 </file>
